--- a/Stuff For Class/Slides/Descriptive Statistics.pptx
+++ b/Stuff For Class/Slides/Descriptive Statistics.pptx
@@ -1356,7 +1356,7 @@
   <p:cSld>
     <p:spTree>
       <p:nvGrpSpPr>
-        <p:cNvPr id="140" name="Shape 140"/>
+        <p:cNvPr id="141" name="Shape 141"/>
         <p:cNvGrpSpPr/>
         <p:nvPr/>
       </p:nvGrpSpPr>
@@ -1370,7 +1370,7 @@
       </p:grpSpPr>
       <p:sp>
         <p:nvSpPr>
-          <p:cNvPr id="141" name="Google Shape;141;g3035a109990_0_0:notes"/>
+          <p:cNvPr id="142" name="Google Shape;142;g251b89d698c_0_46:notes"/>
           <p:cNvSpPr/>
           <p:nvPr>
             <p:ph idx="2" type="sldImg"/>
@@ -1405,7 +1405,7 @@
       </p:sp>
       <p:sp>
         <p:nvSpPr>
-          <p:cNvPr id="142" name="Google Shape;142;g3035a109990_0_0:notes"/>
+          <p:cNvPr id="143" name="Google Shape;143;g251b89d698c_0_46:notes"/>
           <p:cNvSpPr txBox="1"/>
           <p:nvPr>
             <p:ph idx="1" type="body"/>
@@ -1436,8 +1436,7 @@
               <a:buNone/>
             </a:pPr>
             <a:r>
-              <a:rPr lang="en"/>
-              <a:t>https://mathcenter.oxford.emory.edu/site/math117/besselCorrection/</a:t>
+              <a:t/>
             </a:r>
             <a:endParaRPr/>
           </a:p>
@@ -1456,7 +1455,7 @@
   <p:cSld>
     <p:spTree>
       <p:nvGrpSpPr>
-        <p:cNvPr id="148" name="Shape 148"/>
+        <p:cNvPr id="147" name="Shape 147"/>
         <p:cNvGrpSpPr/>
         <p:nvPr/>
       </p:nvGrpSpPr>
@@ -1470,7 +1469,7 @@
       </p:grpSpPr>
       <p:sp>
         <p:nvSpPr>
-          <p:cNvPr id="149" name="Google Shape;149;g251b89d698c_0_46:notes"/>
+          <p:cNvPr id="148" name="Google Shape;148;g3035a109990_0_0:notes"/>
           <p:cNvSpPr/>
           <p:nvPr>
             <p:ph idx="2" type="sldImg"/>
@@ -1505,7 +1504,7 @@
       </p:sp>
       <p:sp>
         <p:nvSpPr>
-          <p:cNvPr id="150" name="Google Shape;150;g251b89d698c_0_46:notes"/>
+          <p:cNvPr id="149" name="Google Shape;149;g3035a109990_0_0:notes"/>
           <p:cNvSpPr txBox="1"/>
           <p:nvPr>
             <p:ph idx="1" type="body"/>
@@ -1536,7 +1535,8 @@
               <a:buNone/>
             </a:pPr>
             <a:r>
-              <a:t/>
+              <a:rPr lang="en"/>
+              <a:t>https://mathcenter.oxford.emory.edu/site/math117/besselCorrection/</a:t>
             </a:r>
             <a:endParaRPr/>
           </a:p>
@@ -1555,7 +1555,7 @@
   <p:cSld>
     <p:spTree>
       <p:nvGrpSpPr>
-        <p:cNvPr id="154" name="Shape 154"/>
+        <p:cNvPr id="155" name="Shape 155"/>
         <p:cNvGrpSpPr/>
         <p:nvPr/>
       </p:nvGrpSpPr>
@@ -1569,7 +1569,7 @@
       </p:grpSpPr>
       <p:sp>
         <p:nvSpPr>
-          <p:cNvPr id="155" name="Google Shape;155;g251b89d698c_0_51:notes"/>
+          <p:cNvPr id="156" name="Google Shape;156;g251b89d698c_0_51:notes"/>
           <p:cNvSpPr/>
           <p:nvPr>
             <p:ph idx="2" type="sldImg"/>
@@ -1604,7 +1604,7 @@
       </p:sp>
       <p:sp>
         <p:nvSpPr>
-          <p:cNvPr id="156" name="Google Shape;156;g251b89d698c_0_51:notes"/>
+          <p:cNvPr id="157" name="Google Shape;157;g251b89d698c_0_51:notes"/>
           <p:cNvSpPr txBox="1"/>
           <p:nvPr>
             <p:ph idx="1" type="body"/>
@@ -1654,7 +1654,7 @@
   <p:cSld>
     <p:spTree>
       <p:nvGrpSpPr>
-        <p:cNvPr id="161" name="Shape 161"/>
+        <p:cNvPr id="162" name="Shape 162"/>
         <p:cNvGrpSpPr/>
         <p:nvPr/>
       </p:nvGrpSpPr>
@@ -1668,7 +1668,7 @@
       </p:grpSpPr>
       <p:sp>
         <p:nvSpPr>
-          <p:cNvPr id="162" name="Google Shape;162;g251b89d698c_0_56:notes"/>
+          <p:cNvPr id="163" name="Google Shape;163;g251b89d698c_0_56:notes"/>
           <p:cNvSpPr/>
           <p:nvPr>
             <p:ph idx="2" type="sldImg"/>
@@ -1703,7 +1703,7 @@
       </p:sp>
       <p:sp>
         <p:nvSpPr>
-          <p:cNvPr id="163" name="Google Shape;163;g251b89d698c_0_56:notes"/>
+          <p:cNvPr id="164" name="Google Shape;164;g251b89d698c_0_56:notes"/>
           <p:cNvSpPr txBox="1"/>
           <p:nvPr>
             <p:ph idx="1" type="body"/>
@@ -1753,7 +1753,7 @@
   <p:cSld>
     <p:spTree>
       <p:nvGrpSpPr>
-        <p:cNvPr id="167" name="Shape 167"/>
+        <p:cNvPr id="168" name="Shape 168"/>
         <p:cNvGrpSpPr/>
         <p:nvPr/>
       </p:nvGrpSpPr>
@@ -1767,7 +1767,7 @@
       </p:grpSpPr>
       <p:sp>
         <p:nvSpPr>
-          <p:cNvPr id="168" name="Google Shape;168;g240a5d3e5ce_1_0:notes"/>
+          <p:cNvPr id="169" name="Google Shape;169;g30388507035_0_3:notes"/>
           <p:cNvSpPr/>
           <p:nvPr>
             <p:ph idx="2" type="sldImg"/>
@@ -1802,7 +1802,7 @@
       </p:sp>
       <p:sp>
         <p:nvSpPr>
-          <p:cNvPr id="169" name="Google Shape;169;g240a5d3e5ce_1_0:notes"/>
+          <p:cNvPr id="170" name="Google Shape;170;g30388507035_0_3:notes"/>
           <p:cNvSpPr txBox="1"/>
           <p:nvPr>
             <p:ph idx="1" type="body"/>
@@ -1951,7 +1951,7 @@
   <p:cSld>
     <p:spTree>
       <p:nvGrpSpPr>
-        <p:cNvPr id="172" name="Shape 172"/>
+        <p:cNvPr id="174" name="Shape 174"/>
         <p:cNvGrpSpPr/>
         <p:nvPr/>
       </p:nvGrpSpPr>
@@ -1965,7 +1965,7 @@
       </p:grpSpPr>
       <p:sp>
         <p:nvSpPr>
-          <p:cNvPr id="173" name="Google Shape;173;g2f49c845e9f_0_31:notes"/>
+          <p:cNvPr id="175" name="Google Shape;175;g2f49c845e9f_0_31:notes"/>
           <p:cNvSpPr/>
           <p:nvPr>
             <p:ph idx="2" type="sldImg"/>
@@ -2000,7 +2000,7 @@
       </p:sp>
       <p:sp>
         <p:nvSpPr>
-          <p:cNvPr id="174" name="Google Shape;174;g2f49c845e9f_0_31:notes"/>
+          <p:cNvPr id="176" name="Google Shape;176;g2f49c845e9f_0_31:notes"/>
           <p:cNvSpPr txBox="1"/>
           <p:nvPr>
             <p:ph idx="1" type="body"/>
@@ -2050,7 +2050,7 @@
   <p:cSld>
     <p:spTree>
       <p:nvGrpSpPr>
-        <p:cNvPr id="178" name="Shape 178"/>
+        <p:cNvPr id="180" name="Shape 180"/>
         <p:cNvGrpSpPr/>
         <p:nvPr/>
       </p:nvGrpSpPr>
@@ -2064,7 +2064,7 @@
       </p:grpSpPr>
       <p:sp>
         <p:nvSpPr>
-          <p:cNvPr id="179" name="Google Shape;179;g251b89d698c_0_61:notes"/>
+          <p:cNvPr id="181" name="Google Shape;181;g251b89d698c_0_61:notes"/>
           <p:cNvSpPr/>
           <p:nvPr>
             <p:ph idx="2" type="sldImg"/>
@@ -2099,7 +2099,7 @@
       </p:sp>
       <p:sp>
         <p:nvSpPr>
-          <p:cNvPr id="180" name="Google Shape;180;g251b89d698c_0_61:notes"/>
+          <p:cNvPr id="182" name="Google Shape;182;g251b89d698c_0_61:notes"/>
           <p:cNvSpPr txBox="1"/>
           <p:nvPr>
             <p:ph idx="1" type="body"/>
@@ -2149,7 +2149,7 @@
   <p:cSld>
     <p:spTree>
       <p:nvGrpSpPr>
-        <p:cNvPr id="184" name="Shape 184"/>
+        <p:cNvPr id="186" name="Shape 186"/>
         <p:cNvGrpSpPr/>
         <p:nvPr/>
       </p:nvGrpSpPr>
@@ -2163,7 +2163,7 @@
       </p:grpSpPr>
       <p:sp>
         <p:nvSpPr>
-          <p:cNvPr id="185" name="Google Shape;185;g2c350c65034_0_26:notes"/>
+          <p:cNvPr id="187" name="Google Shape;187;g2c350c65034_0_26:notes"/>
           <p:cNvSpPr/>
           <p:nvPr>
             <p:ph idx="2" type="sldImg"/>
@@ -2198,7 +2198,7 @@
       </p:sp>
       <p:sp>
         <p:nvSpPr>
-          <p:cNvPr id="186" name="Google Shape;186;g2c350c65034_0_26:notes"/>
+          <p:cNvPr id="188" name="Google Shape;188;g2c350c65034_0_26:notes"/>
           <p:cNvSpPr txBox="1"/>
           <p:nvPr>
             <p:ph idx="1" type="body"/>
@@ -2248,7 +2248,7 @@
   <p:cSld>
     <p:spTree>
       <p:nvGrpSpPr>
-        <p:cNvPr id="189" name="Shape 189"/>
+        <p:cNvPr id="192" name="Shape 192"/>
         <p:cNvGrpSpPr/>
         <p:nvPr/>
       </p:nvGrpSpPr>
@@ -2262,7 +2262,7 @@
       </p:grpSpPr>
       <p:sp>
         <p:nvSpPr>
-          <p:cNvPr id="190" name="Google Shape;190;g290740e3554_0_0:notes"/>
+          <p:cNvPr id="193" name="Google Shape;193;g290740e3554_0_0:notes"/>
           <p:cNvSpPr/>
           <p:nvPr>
             <p:ph idx="2" type="sldImg"/>
@@ -2297,7 +2297,7 @@
       </p:sp>
       <p:sp>
         <p:nvSpPr>
-          <p:cNvPr id="191" name="Google Shape;191;g290740e3554_0_0:notes"/>
+          <p:cNvPr id="194" name="Google Shape;194;g290740e3554_0_0:notes"/>
           <p:cNvSpPr txBox="1"/>
           <p:nvPr>
             <p:ph idx="1" type="body"/>
@@ -2347,7 +2347,7 @@
   <p:cSld>
     <p:spTree>
       <p:nvGrpSpPr>
-        <p:cNvPr id="196" name="Shape 196"/>
+        <p:cNvPr id="199" name="Shape 199"/>
         <p:cNvGrpSpPr/>
         <p:nvPr/>
       </p:nvGrpSpPr>
@@ -2361,7 +2361,7 @@
       </p:grpSpPr>
       <p:sp>
         <p:nvSpPr>
-          <p:cNvPr id="197" name="Google Shape;197;g251c7ec207e_0_16:notes"/>
+          <p:cNvPr id="200" name="Google Shape;200;g251c7ec207e_0_16:notes"/>
           <p:cNvSpPr/>
           <p:nvPr>
             <p:ph idx="2" type="sldImg"/>
@@ -2396,7 +2396,7 @@
       </p:sp>
       <p:sp>
         <p:nvSpPr>
-          <p:cNvPr id="198" name="Google Shape;198;g251c7ec207e_0_16:notes"/>
+          <p:cNvPr id="201" name="Google Shape;201;g251c7ec207e_0_16:notes"/>
           <p:cNvSpPr txBox="1"/>
           <p:nvPr>
             <p:ph idx="1" type="body"/>
@@ -2446,7 +2446,7 @@
   <p:cSld>
     <p:spTree>
       <p:nvGrpSpPr>
-        <p:cNvPr id="202" name="Shape 202"/>
+        <p:cNvPr id="205" name="Shape 205"/>
         <p:cNvGrpSpPr/>
         <p:nvPr/>
       </p:nvGrpSpPr>
@@ -2460,7 +2460,7 @@
       </p:grpSpPr>
       <p:sp>
         <p:nvSpPr>
-          <p:cNvPr id="203" name="Google Shape;203;g251b89d698c_0_77:notes"/>
+          <p:cNvPr id="206" name="Google Shape;206;g251b89d698c_0_77:notes"/>
           <p:cNvSpPr/>
           <p:nvPr>
             <p:ph idx="2" type="sldImg"/>
@@ -2495,7 +2495,7 @@
       </p:sp>
       <p:sp>
         <p:nvSpPr>
-          <p:cNvPr id="204" name="Google Shape;204;g251b89d698c_0_77:notes"/>
+          <p:cNvPr id="207" name="Google Shape;207;g251b89d698c_0_77:notes"/>
           <p:cNvSpPr txBox="1"/>
           <p:nvPr>
             <p:ph idx="1" type="body"/>
@@ -2545,7 +2545,7 @@
   <p:cSld>
     <p:spTree>
       <p:nvGrpSpPr>
-        <p:cNvPr id="208" name="Shape 208"/>
+        <p:cNvPr id="211" name="Shape 211"/>
         <p:cNvGrpSpPr/>
         <p:nvPr/>
       </p:nvGrpSpPr>
@@ -2559,7 +2559,7 @@
       </p:grpSpPr>
       <p:sp>
         <p:nvSpPr>
-          <p:cNvPr id="209" name="Google Shape;209;g251c7ec207e_0_5:notes"/>
+          <p:cNvPr id="212" name="Google Shape;212;g251c7ec207e_0_5:notes"/>
           <p:cNvSpPr/>
           <p:nvPr>
             <p:ph idx="2" type="sldImg"/>
@@ -2594,7 +2594,7 @@
       </p:sp>
       <p:sp>
         <p:nvSpPr>
-          <p:cNvPr id="210" name="Google Shape;210;g251c7ec207e_0_5:notes"/>
+          <p:cNvPr id="213" name="Google Shape;213;g251c7ec207e_0_5:notes"/>
           <p:cNvSpPr txBox="1"/>
           <p:nvPr>
             <p:ph idx="1" type="body"/>
@@ -2644,7 +2644,7 @@
   <p:cSld>
     <p:spTree>
       <p:nvGrpSpPr>
-        <p:cNvPr id="214" name="Shape 214"/>
+        <p:cNvPr id="217" name="Shape 217"/>
         <p:cNvGrpSpPr/>
         <p:nvPr/>
       </p:nvGrpSpPr>
@@ -2658,7 +2658,7 @@
       </p:grpSpPr>
       <p:sp>
         <p:nvSpPr>
-          <p:cNvPr id="215" name="Google Shape;215;g251b89d698c_0_72:notes"/>
+          <p:cNvPr id="218" name="Google Shape;218;g251b89d698c_0_72:notes"/>
           <p:cNvSpPr/>
           <p:nvPr>
             <p:ph idx="2" type="sldImg"/>
@@ -2693,7 +2693,7 @@
       </p:sp>
       <p:sp>
         <p:nvSpPr>
-          <p:cNvPr id="216" name="Google Shape;216;g251b89d698c_0_72:notes"/>
+          <p:cNvPr id="219" name="Google Shape;219;g251b89d698c_0_72:notes"/>
           <p:cNvSpPr txBox="1"/>
           <p:nvPr>
             <p:ph idx="1" type="body"/>
@@ -2743,7 +2743,7 @@
   <p:cSld>
     <p:spTree>
       <p:nvGrpSpPr>
-        <p:cNvPr id="220" name="Shape 220"/>
+        <p:cNvPr id="223" name="Shape 223"/>
         <p:cNvGrpSpPr/>
         <p:nvPr/>
       </p:nvGrpSpPr>
@@ -2757,7 +2757,7 @@
       </p:grpSpPr>
       <p:sp>
         <p:nvSpPr>
-          <p:cNvPr id="221" name="Google Shape;221;g251c7ec207e_0_29:notes"/>
+          <p:cNvPr id="224" name="Google Shape;224;g251c7ec207e_0_29:notes"/>
           <p:cNvSpPr/>
           <p:nvPr>
             <p:ph idx="2" type="sldImg"/>
@@ -2792,7 +2792,7 @@
       </p:sp>
       <p:sp>
         <p:nvSpPr>
-          <p:cNvPr id="222" name="Google Shape;222;g251c7ec207e_0_29:notes"/>
+          <p:cNvPr id="225" name="Google Shape;225;g251c7ec207e_0_29:notes"/>
           <p:cNvSpPr txBox="1"/>
           <p:nvPr>
             <p:ph idx="1" type="body"/>
@@ -2842,7 +2842,7 @@
   <p:cSld>
     <p:spTree>
       <p:nvGrpSpPr>
-        <p:cNvPr id="227" name="Shape 227"/>
+        <p:cNvPr id="230" name="Shape 230"/>
         <p:cNvGrpSpPr/>
         <p:nvPr/>
       </p:nvGrpSpPr>
@@ -2856,7 +2856,7 @@
       </p:grpSpPr>
       <p:sp>
         <p:nvSpPr>
-          <p:cNvPr id="228" name="Google Shape;228;g251c7ec207e_0_0:notes"/>
+          <p:cNvPr id="231" name="Google Shape;231;g251c7ec207e_0_0:notes"/>
           <p:cNvSpPr/>
           <p:nvPr>
             <p:ph idx="2" type="sldImg"/>
@@ -2891,7 +2891,7 @@
       </p:sp>
       <p:sp>
         <p:nvSpPr>
-          <p:cNvPr id="229" name="Google Shape;229;g251c7ec207e_0_0:notes"/>
+          <p:cNvPr id="232" name="Google Shape;232;g251c7ec207e_0_0:notes"/>
           <p:cNvSpPr txBox="1"/>
           <p:nvPr>
             <p:ph idx="1" type="body"/>
@@ -3040,7 +3040,7 @@
   <p:cSld>
     <p:spTree>
       <p:nvGrpSpPr>
-        <p:cNvPr id="234" name="Shape 234"/>
+        <p:cNvPr id="237" name="Shape 237"/>
         <p:cNvGrpSpPr/>
         <p:nvPr/>
       </p:nvGrpSpPr>
@@ -3054,7 +3054,7 @@
       </p:grpSpPr>
       <p:sp>
         <p:nvSpPr>
-          <p:cNvPr id="235" name="Google Shape;235;g2c350c65034_0_0:notes"/>
+          <p:cNvPr id="238" name="Google Shape;238;g2c350c65034_0_0:notes"/>
           <p:cNvSpPr/>
           <p:nvPr>
             <p:ph idx="2" type="sldImg"/>
@@ -3089,7 +3089,7 @@
       </p:sp>
       <p:sp>
         <p:nvSpPr>
-          <p:cNvPr id="236" name="Google Shape;236;g2c350c65034_0_0:notes"/>
+          <p:cNvPr id="239" name="Google Shape;239;g2c350c65034_0_0:notes"/>
           <p:cNvSpPr txBox="1"/>
           <p:nvPr>
             <p:ph idx="1" type="body"/>
@@ -3139,7 +3139,7 @@
   <p:cSld>
     <p:spTree>
       <p:nvGrpSpPr>
-        <p:cNvPr id="241" name="Shape 241"/>
+        <p:cNvPr id="244" name="Shape 244"/>
         <p:cNvGrpSpPr/>
         <p:nvPr/>
       </p:nvGrpSpPr>
@@ -3153,7 +3153,7 @@
       </p:grpSpPr>
       <p:sp>
         <p:nvSpPr>
-          <p:cNvPr id="242" name="Google Shape;242;g2f49c845e9f_0_12:notes"/>
+          <p:cNvPr id="245" name="Google Shape;245;g2f49c845e9f_0_12:notes"/>
           <p:cNvSpPr/>
           <p:nvPr>
             <p:ph idx="2" type="sldImg"/>
@@ -3188,7 +3188,7 @@
       </p:sp>
       <p:sp>
         <p:nvSpPr>
-          <p:cNvPr id="243" name="Google Shape;243;g2f49c845e9f_0_12:notes"/>
+          <p:cNvPr id="246" name="Google Shape;246;g2f49c845e9f_0_12:notes"/>
           <p:cNvSpPr txBox="1"/>
           <p:nvPr>
             <p:ph idx="1" type="body"/>
@@ -3238,7 +3238,7 @@
   <p:cSld>
     <p:spTree>
       <p:nvGrpSpPr>
-        <p:cNvPr id="248" name="Shape 248"/>
+        <p:cNvPr id="251" name="Shape 251"/>
         <p:cNvGrpSpPr/>
         <p:nvPr/>
       </p:nvGrpSpPr>
@@ -3252,7 +3252,7 @@
       </p:grpSpPr>
       <p:sp>
         <p:nvSpPr>
-          <p:cNvPr id="249" name="Google Shape;249;g2c350c65034_0_6:notes"/>
+          <p:cNvPr id="252" name="Google Shape;252;g2c350c65034_0_6:notes"/>
           <p:cNvSpPr/>
           <p:nvPr>
             <p:ph idx="2" type="sldImg"/>
@@ -3287,7 +3287,7 @@
       </p:sp>
       <p:sp>
         <p:nvSpPr>
-          <p:cNvPr id="250" name="Google Shape;250;g2c350c65034_0_6:notes"/>
+          <p:cNvPr id="253" name="Google Shape;253;g2c350c65034_0_6:notes"/>
           <p:cNvSpPr txBox="1"/>
           <p:nvPr>
             <p:ph idx="1" type="body"/>
@@ -3337,7 +3337,7 @@
   <p:cSld>
     <p:spTree>
       <p:nvGrpSpPr>
-        <p:cNvPr id="257" name="Shape 257"/>
+        <p:cNvPr id="260" name="Shape 260"/>
         <p:cNvGrpSpPr/>
         <p:nvPr/>
       </p:nvGrpSpPr>
@@ -3351,7 +3351,7 @@
       </p:grpSpPr>
       <p:sp>
         <p:nvSpPr>
-          <p:cNvPr id="258" name="Google Shape;258;g2c350c65034_0_21:notes"/>
+          <p:cNvPr id="261" name="Google Shape;261;g2c350c65034_0_21:notes"/>
           <p:cNvSpPr/>
           <p:nvPr>
             <p:ph idx="2" type="sldImg"/>
@@ -3386,7 +3386,7 @@
       </p:sp>
       <p:sp>
         <p:nvSpPr>
-          <p:cNvPr id="259" name="Google Shape;259;g2c350c65034_0_21:notes"/>
+          <p:cNvPr id="262" name="Google Shape;262;g2c350c65034_0_21:notes"/>
           <p:cNvSpPr txBox="1"/>
           <p:nvPr>
             <p:ph idx="1" type="body"/>
@@ -3436,7 +3436,7 @@
   <p:cSld>
     <p:spTree>
       <p:nvGrpSpPr>
-        <p:cNvPr id="263" name="Shape 263"/>
+        <p:cNvPr id="266" name="Shape 266"/>
         <p:cNvGrpSpPr/>
         <p:nvPr/>
       </p:nvGrpSpPr>
@@ -3450,7 +3450,7 @@
       </p:grpSpPr>
       <p:sp>
         <p:nvSpPr>
-          <p:cNvPr id="264" name="Google Shape;264;g22ab2d931f9_0_10:notes"/>
+          <p:cNvPr id="267" name="Google Shape;267;g22ab2d931f9_0_10:notes"/>
           <p:cNvSpPr/>
           <p:nvPr>
             <p:ph idx="2" type="sldImg"/>
@@ -3485,7 +3485,7 @@
       </p:sp>
       <p:sp>
         <p:nvSpPr>
-          <p:cNvPr id="265" name="Google Shape;265;g22ab2d931f9_0_10:notes"/>
+          <p:cNvPr id="268" name="Google Shape;268;g22ab2d931f9_0_10:notes"/>
           <p:cNvSpPr txBox="1"/>
           <p:nvPr>
             <p:ph idx="1" type="body"/>
@@ -3535,7 +3535,7 @@
   <p:cSld>
     <p:spTree>
       <p:nvGrpSpPr>
-        <p:cNvPr id="270" name="Shape 270"/>
+        <p:cNvPr id="273" name="Shape 273"/>
         <p:cNvGrpSpPr/>
         <p:nvPr/>
       </p:nvGrpSpPr>
@@ -3549,7 +3549,7 @@
       </p:grpSpPr>
       <p:sp>
         <p:nvSpPr>
-          <p:cNvPr id="271" name="Google Shape;271;g22ab2d931f9_0_22:notes"/>
+          <p:cNvPr id="274" name="Google Shape;274;g22ab2d931f9_0_22:notes"/>
           <p:cNvSpPr/>
           <p:nvPr>
             <p:ph idx="2" type="sldImg"/>
@@ -3584,7 +3584,7 @@
       </p:sp>
       <p:sp>
         <p:nvSpPr>
-          <p:cNvPr id="272" name="Google Shape;272;g22ab2d931f9_0_22:notes"/>
+          <p:cNvPr id="275" name="Google Shape;275;g22ab2d931f9_0_22:notes"/>
           <p:cNvSpPr txBox="1"/>
           <p:nvPr>
             <p:ph idx="1" type="body"/>
@@ -3634,7 +3634,7 @@
   <p:cSld>
     <p:spTree>
       <p:nvGrpSpPr>
-        <p:cNvPr id="278" name="Shape 278"/>
+        <p:cNvPr id="281" name="Shape 281"/>
         <p:cNvGrpSpPr/>
         <p:nvPr/>
       </p:nvGrpSpPr>
@@ -3648,7 +3648,7 @@
       </p:grpSpPr>
       <p:sp>
         <p:nvSpPr>
-          <p:cNvPr id="279" name="Google Shape;279;g22ab2d931f9_0_29:notes"/>
+          <p:cNvPr id="282" name="Google Shape;282;g22ab2d931f9_0_29:notes"/>
           <p:cNvSpPr/>
           <p:nvPr>
             <p:ph idx="2" type="sldImg"/>
@@ -3683,7 +3683,7 @@
       </p:sp>
       <p:sp>
         <p:nvSpPr>
-          <p:cNvPr id="280" name="Google Shape;280;g22ab2d931f9_0_29:notes"/>
+          <p:cNvPr id="283" name="Google Shape;283;g22ab2d931f9_0_29:notes"/>
           <p:cNvSpPr txBox="1"/>
           <p:nvPr>
             <p:ph idx="1" type="body"/>
@@ -3733,7 +3733,7 @@
   <p:cSld>
     <p:spTree>
       <p:nvGrpSpPr>
-        <p:cNvPr id="286" name="Shape 286"/>
+        <p:cNvPr id="289" name="Shape 289"/>
         <p:cNvGrpSpPr/>
         <p:nvPr/>
       </p:nvGrpSpPr>
@@ -3747,7 +3747,7 @@
       </p:grpSpPr>
       <p:sp>
         <p:nvSpPr>
-          <p:cNvPr id="287" name="Google Shape;287;g22ab2d931f9_0_54:notes"/>
+          <p:cNvPr id="290" name="Google Shape;290;g22ab2d931f9_0_54:notes"/>
           <p:cNvSpPr/>
           <p:nvPr>
             <p:ph idx="2" type="sldImg"/>
@@ -3782,7 +3782,7 @@
       </p:sp>
       <p:sp>
         <p:nvSpPr>
-          <p:cNvPr id="288" name="Google Shape;288;g22ab2d931f9_0_54:notes"/>
+          <p:cNvPr id="291" name="Google Shape;291;g22ab2d931f9_0_54:notes"/>
           <p:cNvSpPr txBox="1"/>
           <p:nvPr>
             <p:ph idx="1" type="body"/>
@@ -3832,7 +3832,7 @@
   <p:cSld>
     <p:spTree>
       <p:nvGrpSpPr>
-        <p:cNvPr id="295" name="Shape 295"/>
+        <p:cNvPr id="298" name="Shape 298"/>
         <p:cNvGrpSpPr/>
         <p:nvPr/>
       </p:nvGrpSpPr>
@@ -3846,7 +3846,7 @@
       </p:grpSpPr>
       <p:sp>
         <p:nvSpPr>
-          <p:cNvPr id="296" name="Google Shape;296;g22ab2d931f9_0_43:notes"/>
+          <p:cNvPr id="299" name="Google Shape;299;g22ab2d931f9_0_43:notes"/>
           <p:cNvSpPr/>
           <p:nvPr>
             <p:ph idx="2" type="sldImg"/>
@@ -3881,7 +3881,7 @@
       </p:sp>
       <p:sp>
         <p:nvSpPr>
-          <p:cNvPr id="297" name="Google Shape;297;g22ab2d931f9_0_43:notes"/>
+          <p:cNvPr id="300" name="Google Shape;300;g22ab2d931f9_0_43:notes"/>
           <p:cNvSpPr txBox="1"/>
           <p:nvPr>
             <p:ph idx="1" type="body"/>
@@ -3931,7 +3931,7 @@
   <p:cSld>
     <p:spTree>
       <p:nvGrpSpPr>
-        <p:cNvPr id="303" name="Shape 303"/>
+        <p:cNvPr id="306" name="Shape 306"/>
         <p:cNvGrpSpPr/>
         <p:nvPr/>
       </p:nvGrpSpPr>
@@ -3945,7 +3945,7 @@
       </p:grpSpPr>
       <p:sp>
         <p:nvSpPr>
-          <p:cNvPr id="304" name="Google Shape;304;g22ab2d931f9_0_61:notes"/>
+          <p:cNvPr id="307" name="Google Shape;307;g22ab2d931f9_0_61:notes"/>
           <p:cNvSpPr/>
           <p:nvPr>
             <p:ph idx="2" type="sldImg"/>
@@ -3980,7 +3980,7 @@
       </p:sp>
       <p:sp>
         <p:nvSpPr>
-          <p:cNvPr id="305" name="Google Shape;305;g22ab2d931f9_0_61:notes"/>
+          <p:cNvPr id="308" name="Google Shape;308;g22ab2d931f9_0_61:notes"/>
           <p:cNvSpPr txBox="1"/>
           <p:nvPr>
             <p:ph idx="1" type="body"/>
@@ -4129,7 +4129,7 @@
   <p:cSld>
     <p:spTree>
       <p:nvGrpSpPr>
-        <p:cNvPr id="311" name="Shape 311"/>
+        <p:cNvPr id="314" name="Shape 314"/>
         <p:cNvGrpSpPr/>
         <p:nvPr/>
       </p:nvGrpSpPr>
@@ -4143,7 +4143,7 @@
       </p:grpSpPr>
       <p:sp>
         <p:nvSpPr>
-          <p:cNvPr id="312" name="Google Shape;312;g2f49c845e9f_0_0:notes"/>
+          <p:cNvPr id="315" name="Google Shape;315;g2f49c845e9f_0_0:notes"/>
           <p:cNvSpPr/>
           <p:nvPr>
             <p:ph idx="2" type="sldImg"/>
@@ -4178,7 +4178,7 @@
       </p:sp>
       <p:sp>
         <p:nvSpPr>
-          <p:cNvPr id="313" name="Google Shape;313;g2f49c845e9f_0_0:notes"/>
+          <p:cNvPr id="316" name="Google Shape;316;g2f49c845e9f_0_0:notes"/>
           <p:cNvSpPr txBox="1"/>
           <p:nvPr>
             <p:ph idx="1" type="body"/>
@@ -4228,7 +4228,7 @@
   <p:cSld>
     <p:spTree>
       <p:nvGrpSpPr>
-        <p:cNvPr id="318" name="Shape 318"/>
+        <p:cNvPr id="321" name="Shape 321"/>
         <p:cNvGrpSpPr/>
         <p:nvPr/>
       </p:nvGrpSpPr>
@@ -4242,7 +4242,7 @@
       </p:grpSpPr>
       <p:sp>
         <p:nvSpPr>
-          <p:cNvPr id="319" name="Google Shape;319;g22ab2d931f9_0_68:notes"/>
+          <p:cNvPr id="322" name="Google Shape;322;g22ab2d931f9_0_68:notes"/>
           <p:cNvSpPr/>
           <p:nvPr>
             <p:ph idx="2" type="sldImg"/>
@@ -4277,7 +4277,7 @@
       </p:sp>
       <p:sp>
         <p:nvSpPr>
-          <p:cNvPr id="320" name="Google Shape;320;g22ab2d931f9_0_68:notes"/>
+          <p:cNvPr id="323" name="Google Shape;323;g22ab2d931f9_0_68:notes"/>
           <p:cNvSpPr txBox="1"/>
           <p:nvPr>
             <p:ph idx="1" type="body"/>
@@ -4327,7 +4327,7 @@
   <p:cSld>
     <p:spTree>
       <p:nvGrpSpPr>
-        <p:cNvPr id="324" name="Shape 324"/>
+        <p:cNvPr id="327" name="Shape 327"/>
         <p:cNvGrpSpPr/>
         <p:nvPr/>
       </p:nvGrpSpPr>
@@ -4341,7 +4341,7 @@
       </p:grpSpPr>
       <p:sp>
         <p:nvSpPr>
-          <p:cNvPr id="325" name="Google Shape;325;g22ab2d931f9_0_73:notes"/>
+          <p:cNvPr id="328" name="Google Shape;328;g22ab2d931f9_0_73:notes"/>
           <p:cNvSpPr/>
           <p:nvPr>
             <p:ph idx="2" type="sldImg"/>
@@ -4376,7 +4376,7 @@
       </p:sp>
       <p:sp>
         <p:nvSpPr>
-          <p:cNvPr id="326" name="Google Shape;326;g22ab2d931f9_0_73:notes"/>
+          <p:cNvPr id="329" name="Google Shape;329;g22ab2d931f9_0_73:notes"/>
           <p:cNvSpPr txBox="1"/>
           <p:nvPr>
             <p:ph idx="1" type="body"/>
@@ -4426,7 +4426,7 @@
   <p:cSld>
     <p:spTree>
       <p:nvGrpSpPr>
-        <p:cNvPr id="330" name="Shape 330"/>
+        <p:cNvPr id="333" name="Shape 333"/>
         <p:cNvGrpSpPr/>
         <p:nvPr/>
       </p:nvGrpSpPr>
@@ -4440,7 +4440,7 @@
       </p:grpSpPr>
       <p:sp>
         <p:nvSpPr>
-          <p:cNvPr id="331" name="Google Shape;331;g22ab2d931f9_0_78:notes"/>
+          <p:cNvPr id="334" name="Google Shape;334;g22ab2d931f9_0_78:notes"/>
           <p:cNvSpPr/>
           <p:nvPr>
             <p:ph idx="2" type="sldImg"/>
@@ -4475,7 +4475,7 @@
       </p:sp>
       <p:sp>
         <p:nvSpPr>
-          <p:cNvPr id="332" name="Google Shape;332;g22ab2d931f9_0_78:notes"/>
+          <p:cNvPr id="335" name="Google Shape;335;g22ab2d931f9_0_78:notes"/>
           <p:cNvSpPr txBox="1"/>
           <p:nvPr>
             <p:ph idx="1" type="body"/>
@@ -4525,7 +4525,7 @@
   <p:cSld>
     <p:spTree>
       <p:nvGrpSpPr>
-        <p:cNvPr id="337" name="Shape 337"/>
+        <p:cNvPr id="340" name="Shape 340"/>
         <p:cNvGrpSpPr/>
         <p:nvPr/>
       </p:nvGrpSpPr>
@@ -4539,7 +4539,7 @@
       </p:grpSpPr>
       <p:sp>
         <p:nvSpPr>
-          <p:cNvPr id="338" name="Google Shape;338;g22ab2d931f9_0_110:notes"/>
+          <p:cNvPr id="341" name="Google Shape;341;g22ab2d931f9_0_110:notes"/>
           <p:cNvSpPr/>
           <p:nvPr>
             <p:ph idx="2" type="sldImg"/>
@@ -4574,7 +4574,7 @@
       </p:sp>
       <p:sp>
         <p:nvSpPr>
-          <p:cNvPr id="339" name="Google Shape;339;g22ab2d931f9_0_110:notes"/>
+          <p:cNvPr id="342" name="Google Shape;342;g22ab2d931f9_0_110:notes"/>
           <p:cNvSpPr txBox="1"/>
           <p:nvPr>
             <p:ph idx="1" type="body"/>
@@ -4624,7 +4624,7 @@
   <p:cSld>
     <p:spTree>
       <p:nvGrpSpPr>
-        <p:cNvPr id="342" name="Shape 342"/>
+        <p:cNvPr id="345" name="Shape 345"/>
         <p:cNvGrpSpPr/>
         <p:nvPr/>
       </p:nvGrpSpPr>
@@ -4638,7 +4638,7 @@
       </p:grpSpPr>
       <p:sp>
         <p:nvSpPr>
-          <p:cNvPr id="343" name="Google Shape;343;g22ab2d931f9_0_114:notes"/>
+          <p:cNvPr id="346" name="Google Shape;346;g22ab2d931f9_0_114:notes"/>
           <p:cNvSpPr/>
           <p:nvPr>
             <p:ph idx="2" type="sldImg"/>
@@ -4673,7 +4673,7 @@
       </p:sp>
       <p:sp>
         <p:nvSpPr>
-          <p:cNvPr id="344" name="Google Shape;344;g22ab2d931f9_0_114:notes"/>
+          <p:cNvPr id="347" name="Google Shape;347;g22ab2d931f9_0_114:notes"/>
           <p:cNvSpPr txBox="1"/>
           <p:nvPr>
             <p:ph idx="1" type="body"/>
@@ -4723,7 +4723,7 @@
   <p:cSld>
     <p:spTree>
       <p:nvGrpSpPr>
-        <p:cNvPr id="347" name="Shape 347"/>
+        <p:cNvPr id="350" name="Shape 350"/>
         <p:cNvGrpSpPr/>
         <p:nvPr/>
       </p:nvGrpSpPr>
@@ -4737,7 +4737,7 @@
       </p:grpSpPr>
       <p:sp>
         <p:nvSpPr>
-          <p:cNvPr id="348" name="Google Shape;348;g22ab2d931f9_0_118:notes"/>
+          <p:cNvPr id="351" name="Google Shape;351;g22ab2d931f9_0_118:notes"/>
           <p:cNvSpPr/>
           <p:nvPr>
             <p:ph idx="2" type="sldImg"/>
@@ -4772,7 +4772,7 @@
       </p:sp>
       <p:sp>
         <p:nvSpPr>
-          <p:cNvPr id="349" name="Google Shape;349;g22ab2d931f9_0_118:notes"/>
+          <p:cNvPr id="352" name="Google Shape;352;g22ab2d931f9_0_118:notes"/>
           <p:cNvSpPr txBox="1"/>
           <p:nvPr>
             <p:ph idx="1" type="body"/>
@@ -4822,7 +4822,7 @@
   <p:cSld>
     <p:spTree>
       <p:nvGrpSpPr>
-        <p:cNvPr id="352" name="Shape 352"/>
+        <p:cNvPr id="355" name="Shape 355"/>
         <p:cNvGrpSpPr/>
         <p:nvPr/>
       </p:nvGrpSpPr>
@@ -4836,7 +4836,7 @@
       </p:grpSpPr>
       <p:sp>
         <p:nvSpPr>
-          <p:cNvPr id="353" name="Google Shape;353;g2545b59bd59_0_0:notes"/>
+          <p:cNvPr id="356" name="Google Shape;356;g2545b59bd59_0_0:notes"/>
           <p:cNvSpPr/>
           <p:nvPr>
             <p:ph idx="2" type="sldImg"/>
@@ -4871,7 +4871,7 @@
       </p:sp>
       <p:sp>
         <p:nvSpPr>
-          <p:cNvPr id="354" name="Google Shape;354;g2545b59bd59_0_0:notes"/>
+          <p:cNvPr id="357" name="Google Shape;357;g2545b59bd59_0_0:notes"/>
           <p:cNvSpPr txBox="1"/>
           <p:nvPr>
             <p:ph idx="1" type="body"/>
@@ -4921,7 +4921,7 @@
   <p:cSld>
     <p:spTree>
       <p:nvGrpSpPr>
-        <p:cNvPr id="358" name="Shape 358"/>
+        <p:cNvPr id="361" name="Shape 361"/>
         <p:cNvGrpSpPr/>
         <p:nvPr/>
       </p:nvGrpSpPr>
@@ -4935,7 +4935,7 @@
       </p:grpSpPr>
       <p:sp>
         <p:nvSpPr>
-          <p:cNvPr id="359" name="Google Shape;359;g22ab2d931f9_0_84:notes"/>
+          <p:cNvPr id="362" name="Google Shape;362;g22ab2d931f9_0_84:notes"/>
           <p:cNvSpPr/>
           <p:nvPr>
             <p:ph idx="2" type="sldImg"/>
@@ -4970,7 +4970,7 @@
       </p:sp>
       <p:sp>
         <p:nvSpPr>
-          <p:cNvPr id="360" name="Google Shape;360;g22ab2d931f9_0_84:notes"/>
+          <p:cNvPr id="363" name="Google Shape;363;g22ab2d931f9_0_84:notes"/>
           <p:cNvSpPr txBox="1"/>
           <p:nvPr>
             <p:ph idx="1" type="body"/>
@@ -5020,7 +5020,7 @@
   <p:cSld>
     <p:spTree>
       <p:nvGrpSpPr>
-        <p:cNvPr id="365" name="Shape 365"/>
+        <p:cNvPr id="368" name="Shape 368"/>
         <p:cNvGrpSpPr/>
         <p:nvPr/>
       </p:nvGrpSpPr>
@@ -5034,7 +5034,7 @@
       </p:grpSpPr>
       <p:sp>
         <p:nvSpPr>
-          <p:cNvPr id="366" name="Google Shape;366;g22ab2d931f9_0_90:notes"/>
+          <p:cNvPr id="369" name="Google Shape;369;g22ab2d931f9_0_90:notes"/>
           <p:cNvSpPr/>
           <p:nvPr>
             <p:ph idx="2" type="sldImg"/>
@@ -5069,7 +5069,7 @@
       </p:sp>
       <p:sp>
         <p:nvSpPr>
-          <p:cNvPr id="367" name="Google Shape;367;g22ab2d931f9_0_90:notes"/>
+          <p:cNvPr id="370" name="Google Shape;370;g22ab2d931f9_0_90:notes"/>
           <p:cNvSpPr txBox="1"/>
           <p:nvPr>
             <p:ph idx="1" type="body"/>
@@ -5218,7 +5218,7 @@
   <p:cSld>
     <p:spTree>
       <p:nvGrpSpPr>
-        <p:cNvPr id="372" name="Shape 372"/>
+        <p:cNvPr id="375" name="Shape 375"/>
         <p:cNvGrpSpPr/>
         <p:nvPr/>
       </p:nvGrpSpPr>
@@ -5232,7 +5232,7 @@
       </p:grpSpPr>
       <p:sp>
         <p:nvSpPr>
-          <p:cNvPr id="373" name="Google Shape;373;g2545b59bd59_0_5:notes"/>
+          <p:cNvPr id="376" name="Google Shape;376;g2545b59bd59_0_5:notes"/>
           <p:cNvSpPr/>
           <p:nvPr>
             <p:ph idx="2" type="sldImg"/>
@@ -5267,7 +5267,7 @@
       </p:sp>
       <p:sp>
         <p:nvSpPr>
-          <p:cNvPr id="374" name="Google Shape;374;g2545b59bd59_0_5:notes"/>
+          <p:cNvPr id="377" name="Google Shape;377;g2545b59bd59_0_5:notes"/>
           <p:cNvSpPr txBox="1"/>
           <p:nvPr>
             <p:ph idx="1" type="body"/>
@@ -5317,7 +5317,7 @@
   <p:cSld>
     <p:spTree>
       <p:nvGrpSpPr>
-        <p:cNvPr id="377" name="Shape 377"/>
+        <p:cNvPr id="380" name="Shape 380"/>
         <p:cNvGrpSpPr/>
         <p:nvPr/>
       </p:nvGrpSpPr>
@@ -5331,7 +5331,7 @@
       </p:grpSpPr>
       <p:sp>
         <p:nvSpPr>
-          <p:cNvPr id="378" name="Google Shape;378;g2545b59bd59_0_11:notes"/>
+          <p:cNvPr id="381" name="Google Shape;381;g2545b59bd59_0_11:notes"/>
           <p:cNvSpPr/>
           <p:nvPr>
             <p:ph idx="2" type="sldImg"/>
@@ -5366,7 +5366,7 @@
       </p:sp>
       <p:sp>
         <p:nvSpPr>
-          <p:cNvPr id="379" name="Google Shape;379;g2545b59bd59_0_11:notes"/>
+          <p:cNvPr id="382" name="Google Shape;382;g2545b59bd59_0_11:notes"/>
           <p:cNvSpPr txBox="1"/>
           <p:nvPr>
             <p:ph idx="1" type="body"/>
@@ -11369,6 +11369,526 @@
   <p:clrMapOvr>
     <a:masterClrMapping/>
   </p:clrMapOvr>
+  <p:timing>
+    <p:tnLst>
+      <p:par>
+        <p:cTn dur="indefinite" nodeType="tmRoot" restart="never">
+          <p:childTnLst>
+            <p:seq concurrent="1" nextAc="seek">
+              <p:cTn dur="indefinite" id="2" nodeType="mainSeq">
+                <p:childTnLst>
+                  <p:par>
+                    <p:cTn fill="hold">
+                      <p:stCondLst>
+                        <p:cond delay="indefinite"/>
+                      </p:stCondLst>
+                      <p:childTnLst>
+                        <p:par>
+                          <p:cTn fill="hold">
+                            <p:stCondLst>
+                              <p:cond delay="0"/>
+                            </p:stCondLst>
+                            <p:childTnLst>
+                              <p:par>
+                                <p:cTn fill="hold" nodeType="clickEffect" presetClass="entr" presetID="1" presetSubtype="0">
+                                  <p:stCondLst>
+                                    <p:cond delay="0"/>
+                                  </p:stCondLst>
+                                  <p:childTnLst>
+                                    <p:set>
+                                      <p:cBhvr>
+                                        <p:cTn dur="1" fill="hold">
+                                          <p:stCondLst>
+                                            <p:cond delay="0"/>
+                                          </p:stCondLst>
+                                        </p:cTn>
+                                        <p:tgtEl>
+                                          <p:spTgt spid="114">
+                                            <p:txEl>
+                                              <p:pRg end="0" st="0"/>
+                                            </p:txEl>
+                                          </p:spTgt>
+                                        </p:tgtEl>
+                                        <p:attrNameLst>
+                                          <p:attrName>style.visibility</p:attrName>
+                                        </p:attrNameLst>
+                                      </p:cBhvr>
+                                      <p:to>
+                                        <p:strVal val="visible"/>
+                                      </p:to>
+                                    </p:set>
+                                  </p:childTnLst>
+                                </p:cTn>
+                              </p:par>
+                            </p:childTnLst>
+                          </p:cTn>
+                        </p:par>
+                      </p:childTnLst>
+                    </p:cTn>
+                  </p:par>
+                  <p:par>
+                    <p:cTn fill="hold">
+                      <p:stCondLst>
+                        <p:cond delay="indefinite"/>
+                      </p:stCondLst>
+                      <p:childTnLst>
+                        <p:par>
+                          <p:cTn fill="hold">
+                            <p:stCondLst>
+                              <p:cond delay="0"/>
+                            </p:stCondLst>
+                            <p:childTnLst>
+                              <p:par>
+                                <p:cTn fill="hold" nodeType="clickEffect" presetClass="entr" presetID="1" presetSubtype="0">
+                                  <p:stCondLst>
+                                    <p:cond delay="0"/>
+                                  </p:stCondLst>
+                                  <p:childTnLst>
+                                    <p:set>
+                                      <p:cBhvr>
+                                        <p:cTn dur="1" fill="hold">
+                                          <p:stCondLst>
+                                            <p:cond delay="0"/>
+                                          </p:stCondLst>
+                                        </p:cTn>
+                                        <p:tgtEl>
+                                          <p:spTgt spid="114">
+                                            <p:txEl>
+                                              <p:pRg end="1" st="1"/>
+                                            </p:txEl>
+                                          </p:spTgt>
+                                        </p:tgtEl>
+                                        <p:attrNameLst>
+                                          <p:attrName>style.visibility</p:attrName>
+                                        </p:attrNameLst>
+                                      </p:cBhvr>
+                                      <p:to>
+                                        <p:strVal val="visible"/>
+                                      </p:to>
+                                    </p:set>
+                                  </p:childTnLst>
+                                </p:cTn>
+                              </p:par>
+                            </p:childTnLst>
+                          </p:cTn>
+                        </p:par>
+                      </p:childTnLst>
+                    </p:cTn>
+                  </p:par>
+                  <p:par>
+                    <p:cTn fill="hold">
+                      <p:stCondLst>
+                        <p:cond delay="indefinite"/>
+                      </p:stCondLst>
+                      <p:childTnLst>
+                        <p:par>
+                          <p:cTn fill="hold">
+                            <p:stCondLst>
+                              <p:cond delay="0"/>
+                            </p:stCondLst>
+                            <p:childTnLst>
+                              <p:par>
+                                <p:cTn fill="hold" nodeType="clickEffect" presetClass="entr" presetID="1" presetSubtype="0">
+                                  <p:stCondLst>
+                                    <p:cond delay="0"/>
+                                  </p:stCondLst>
+                                  <p:childTnLst>
+                                    <p:set>
+                                      <p:cBhvr>
+                                        <p:cTn dur="1" fill="hold">
+                                          <p:stCondLst>
+                                            <p:cond delay="0"/>
+                                          </p:stCondLst>
+                                        </p:cTn>
+                                        <p:tgtEl>
+                                          <p:spTgt spid="114">
+                                            <p:txEl>
+                                              <p:pRg end="2" st="2"/>
+                                            </p:txEl>
+                                          </p:spTgt>
+                                        </p:tgtEl>
+                                        <p:attrNameLst>
+                                          <p:attrName>style.visibility</p:attrName>
+                                        </p:attrNameLst>
+                                      </p:cBhvr>
+                                      <p:to>
+                                        <p:strVal val="visible"/>
+                                      </p:to>
+                                    </p:set>
+                                  </p:childTnLst>
+                                </p:cTn>
+                              </p:par>
+                            </p:childTnLst>
+                          </p:cTn>
+                        </p:par>
+                      </p:childTnLst>
+                    </p:cTn>
+                  </p:par>
+                  <p:par>
+                    <p:cTn fill="hold">
+                      <p:stCondLst>
+                        <p:cond delay="indefinite"/>
+                      </p:stCondLst>
+                      <p:childTnLst>
+                        <p:par>
+                          <p:cTn fill="hold">
+                            <p:stCondLst>
+                              <p:cond delay="0"/>
+                            </p:stCondLst>
+                            <p:childTnLst>
+                              <p:par>
+                                <p:cTn fill="hold" nodeType="clickEffect" presetClass="entr" presetID="1" presetSubtype="0">
+                                  <p:stCondLst>
+                                    <p:cond delay="0"/>
+                                  </p:stCondLst>
+                                  <p:childTnLst>
+                                    <p:set>
+                                      <p:cBhvr>
+                                        <p:cTn dur="1" fill="hold">
+                                          <p:stCondLst>
+                                            <p:cond delay="0"/>
+                                          </p:stCondLst>
+                                        </p:cTn>
+                                        <p:tgtEl>
+                                          <p:spTgt spid="114">
+                                            <p:txEl>
+                                              <p:pRg end="3" st="3"/>
+                                            </p:txEl>
+                                          </p:spTgt>
+                                        </p:tgtEl>
+                                        <p:attrNameLst>
+                                          <p:attrName>style.visibility</p:attrName>
+                                        </p:attrNameLst>
+                                      </p:cBhvr>
+                                      <p:to>
+                                        <p:strVal val="visible"/>
+                                      </p:to>
+                                    </p:set>
+                                  </p:childTnLst>
+                                </p:cTn>
+                              </p:par>
+                            </p:childTnLst>
+                          </p:cTn>
+                        </p:par>
+                      </p:childTnLst>
+                    </p:cTn>
+                  </p:par>
+                  <p:par>
+                    <p:cTn fill="hold">
+                      <p:stCondLst>
+                        <p:cond delay="indefinite"/>
+                      </p:stCondLst>
+                      <p:childTnLst>
+                        <p:par>
+                          <p:cTn fill="hold">
+                            <p:stCondLst>
+                              <p:cond delay="0"/>
+                            </p:stCondLst>
+                            <p:childTnLst>
+                              <p:par>
+                                <p:cTn fill="hold" nodeType="clickEffect" presetClass="entr" presetID="1" presetSubtype="0">
+                                  <p:stCondLst>
+                                    <p:cond delay="0"/>
+                                  </p:stCondLst>
+                                  <p:childTnLst>
+                                    <p:set>
+                                      <p:cBhvr>
+                                        <p:cTn dur="1" fill="hold">
+                                          <p:stCondLst>
+                                            <p:cond delay="0"/>
+                                          </p:stCondLst>
+                                        </p:cTn>
+                                        <p:tgtEl>
+                                          <p:spTgt spid="114">
+                                            <p:txEl>
+                                              <p:pRg end="4" st="4"/>
+                                            </p:txEl>
+                                          </p:spTgt>
+                                        </p:tgtEl>
+                                        <p:attrNameLst>
+                                          <p:attrName>style.visibility</p:attrName>
+                                        </p:attrNameLst>
+                                      </p:cBhvr>
+                                      <p:to>
+                                        <p:strVal val="visible"/>
+                                      </p:to>
+                                    </p:set>
+                                  </p:childTnLst>
+                                </p:cTn>
+                              </p:par>
+                            </p:childTnLst>
+                          </p:cTn>
+                        </p:par>
+                      </p:childTnLst>
+                    </p:cTn>
+                  </p:par>
+                  <p:par>
+                    <p:cTn fill="hold">
+                      <p:stCondLst>
+                        <p:cond delay="indefinite"/>
+                      </p:stCondLst>
+                      <p:childTnLst>
+                        <p:par>
+                          <p:cTn fill="hold">
+                            <p:stCondLst>
+                              <p:cond delay="0"/>
+                            </p:stCondLst>
+                            <p:childTnLst>
+                              <p:par>
+                                <p:cTn fill="hold" nodeType="clickEffect" presetClass="entr" presetID="1" presetSubtype="0">
+                                  <p:stCondLst>
+                                    <p:cond delay="0"/>
+                                  </p:stCondLst>
+                                  <p:childTnLst>
+                                    <p:set>
+                                      <p:cBhvr>
+                                        <p:cTn dur="1" fill="hold">
+                                          <p:stCondLst>
+                                            <p:cond delay="0"/>
+                                          </p:stCondLst>
+                                        </p:cTn>
+                                        <p:tgtEl>
+                                          <p:spTgt spid="114">
+                                            <p:txEl>
+                                              <p:pRg end="5" st="5"/>
+                                            </p:txEl>
+                                          </p:spTgt>
+                                        </p:tgtEl>
+                                        <p:attrNameLst>
+                                          <p:attrName>style.visibility</p:attrName>
+                                        </p:attrNameLst>
+                                      </p:cBhvr>
+                                      <p:to>
+                                        <p:strVal val="visible"/>
+                                      </p:to>
+                                    </p:set>
+                                  </p:childTnLst>
+                                </p:cTn>
+                              </p:par>
+                            </p:childTnLst>
+                          </p:cTn>
+                        </p:par>
+                      </p:childTnLst>
+                    </p:cTn>
+                  </p:par>
+                  <p:par>
+                    <p:cTn fill="hold">
+                      <p:stCondLst>
+                        <p:cond delay="indefinite"/>
+                      </p:stCondLst>
+                      <p:childTnLst>
+                        <p:par>
+                          <p:cTn fill="hold">
+                            <p:stCondLst>
+                              <p:cond delay="0"/>
+                            </p:stCondLst>
+                            <p:childTnLst>
+                              <p:par>
+                                <p:cTn fill="hold" nodeType="clickEffect" presetClass="entr" presetID="1" presetSubtype="0">
+                                  <p:stCondLst>
+                                    <p:cond delay="0"/>
+                                  </p:stCondLst>
+                                  <p:childTnLst>
+                                    <p:set>
+                                      <p:cBhvr>
+                                        <p:cTn dur="1" fill="hold">
+                                          <p:stCondLst>
+                                            <p:cond delay="0"/>
+                                          </p:stCondLst>
+                                        </p:cTn>
+                                        <p:tgtEl>
+                                          <p:spTgt spid="114">
+                                            <p:txEl>
+                                              <p:pRg end="6" st="6"/>
+                                            </p:txEl>
+                                          </p:spTgt>
+                                        </p:tgtEl>
+                                        <p:attrNameLst>
+                                          <p:attrName>style.visibility</p:attrName>
+                                        </p:attrNameLst>
+                                      </p:cBhvr>
+                                      <p:to>
+                                        <p:strVal val="visible"/>
+                                      </p:to>
+                                    </p:set>
+                                  </p:childTnLst>
+                                </p:cTn>
+                              </p:par>
+                            </p:childTnLst>
+                          </p:cTn>
+                        </p:par>
+                      </p:childTnLst>
+                    </p:cTn>
+                  </p:par>
+                  <p:par>
+                    <p:cTn fill="hold">
+                      <p:stCondLst>
+                        <p:cond delay="indefinite"/>
+                      </p:stCondLst>
+                      <p:childTnLst>
+                        <p:par>
+                          <p:cTn fill="hold">
+                            <p:stCondLst>
+                              <p:cond delay="0"/>
+                            </p:stCondLst>
+                            <p:childTnLst>
+                              <p:par>
+                                <p:cTn fill="hold" nodeType="clickEffect" presetClass="entr" presetID="1" presetSubtype="0">
+                                  <p:stCondLst>
+                                    <p:cond delay="0"/>
+                                  </p:stCondLst>
+                                  <p:childTnLst>
+                                    <p:set>
+                                      <p:cBhvr>
+                                        <p:cTn dur="1" fill="hold">
+                                          <p:stCondLst>
+                                            <p:cond delay="0"/>
+                                          </p:stCondLst>
+                                        </p:cTn>
+                                        <p:tgtEl>
+                                          <p:spTgt spid="114">
+                                            <p:txEl>
+                                              <p:pRg end="7" st="7"/>
+                                            </p:txEl>
+                                          </p:spTgt>
+                                        </p:tgtEl>
+                                        <p:attrNameLst>
+                                          <p:attrName>style.visibility</p:attrName>
+                                        </p:attrNameLst>
+                                      </p:cBhvr>
+                                      <p:to>
+                                        <p:strVal val="visible"/>
+                                      </p:to>
+                                    </p:set>
+                                  </p:childTnLst>
+                                </p:cTn>
+                              </p:par>
+                            </p:childTnLst>
+                          </p:cTn>
+                        </p:par>
+                      </p:childTnLst>
+                    </p:cTn>
+                  </p:par>
+                  <p:par>
+                    <p:cTn fill="hold">
+                      <p:stCondLst>
+                        <p:cond delay="indefinite"/>
+                      </p:stCondLst>
+                      <p:childTnLst>
+                        <p:par>
+                          <p:cTn fill="hold">
+                            <p:stCondLst>
+                              <p:cond delay="0"/>
+                            </p:stCondLst>
+                            <p:childTnLst>
+                              <p:par>
+                                <p:cTn fill="hold" nodeType="clickEffect" presetClass="entr" presetID="1" presetSubtype="0">
+                                  <p:stCondLst>
+                                    <p:cond delay="0"/>
+                                  </p:stCondLst>
+                                  <p:childTnLst>
+                                    <p:set>
+                                      <p:cBhvr>
+                                        <p:cTn dur="1" fill="hold">
+                                          <p:stCondLst>
+                                            <p:cond delay="0"/>
+                                          </p:stCondLst>
+                                        </p:cTn>
+                                        <p:tgtEl>
+                                          <p:spTgt spid="114">
+                                            <p:txEl>
+                                              <p:pRg end="8" st="8"/>
+                                            </p:txEl>
+                                          </p:spTgt>
+                                        </p:tgtEl>
+                                        <p:attrNameLst>
+                                          <p:attrName>style.visibility</p:attrName>
+                                        </p:attrNameLst>
+                                      </p:cBhvr>
+                                      <p:to>
+                                        <p:strVal val="visible"/>
+                                      </p:to>
+                                    </p:set>
+                                  </p:childTnLst>
+                                </p:cTn>
+                              </p:par>
+                            </p:childTnLst>
+                          </p:cTn>
+                        </p:par>
+                      </p:childTnLst>
+                    </p:cTn>
+                  </p:par>
+                  <p:par>
+                    <p:cTn fill="hold">
+                      <p:stCondLst>
+                        <p:cond delay="indefinite"/>
+                      </p:stCondLst>
+                      <p:childTnLst>
+                        <p:par>
+                          <p:cTn fill="hold">
+                            <p:stCondLst>
+                              <p:cond delay="0"/>
+                            </p:stCondLst>
+                            <p:childTnLst>
+                              <p:par>
+                                <p:cTn fill="hold" nodeType="clickEffect" presetClass="entr" presetID="1" presetSubtype="0">
+                                  <p:stCondLst>
+                                    <p:cond delay="0"/>
+                                  </p:stCondLst>
+                                  <p:childTnLst>
+                                    <p:set>
+                                      <p:cBhvr>
+                                        <p:cTn dur="1" fill="hold">
+                                          <p:stCondLst>
+                                            <p:cond delay="0"/>
+                                          </p:stCondLst>
+                                        </p:cTn>
+                                        <p:tgtEl>
+                                          <p:spTgt spid="114">
+                                            <p:txEl>
+                                              <p:pRg end="9" st="9"/>
+                                            </p:txEl>
+                                          </p:spTgt>
+                                        </p:tgtEl>
+                                        <p:attrNameLst>
+                                          <p:attrName>style.visibility</p:attrName>
+                                        </p:attrNameLst>
+                                      </p:cBhvr>
+                                      <p:to>
+                                        <p:strVal val="visible"/>
+                                      </p:to>
+                                    </p:set>
+                                  </p:childTnLst>
+                                </p:cTn>
+                              </p:par>
+                            </p:childTnLst>
+                          </p:cTn>
+                        </p:par>
+                      </p:childTnLst>
+                    </p:cTn>
+                  </p:par>
+                </p:childTnLst>
+              </p:cTn>
+              <p:prevCondLst>
+                <p:cond evt="onPrev">
+                  <p:tgtEl>
+                    <p:sldTgt/>
+                  </p:tgtEl>
+                </p:cond>
+              </p:prevCondLst>
+              <p:nextCondLst>
+                <p:cond evt="onNext">
+                  <p:tgtEl>
+                    <p:sldTgt/>
+                  </p:tgtEl>
+                </p:cond>
+              </p:nextCondLst>
+            </p:seq>
+          </p:childTnLst>
+        </p:cTn>
+      </p:par>
+    </p:tnLst>
+  </p:timing>
 </p:sld>
 </file>
 
@@ -12654,6 +13174,477 @@
   <p:clrMapOvr>
     <a:masterClrMapping/>
   </p:clrMapOvr>
+  <p:timing>
+    <p:tnLst>
+      <p:par>
+        <p:cTn dur="indefinite" nodeType="tmRoot" restart="never">
+          <p:childTnLst>
+            <p:seq concurrent="1" nextAc="seek">
+              <p:cTn dur="indefinite" id="2" nodeType="mainSeq">
+                <p:childTnLst>
+                  <p:par>
+                    <p:cTn fill="hold">
+                      <p:stCondLst>
+                        <p:cond delay="indefinite"/>
+                      </p:stCondLst>
+                      <p:childTnLst>
+                        <p:par>
+                          <p:cTn fill="hold">
+                            <p:stCondLst>
+                              <p:cond delay="0"/>
+                            </p:stCondLst>
+                            <p:childTnLst>
+                              <p:par>
+                                <p:cTn fill="hold" nodeType="clickEffect" presetClass="entr" presetID="1" presetSubtype="0">
+                                  <p:stCondLst>
+                                    <p:cond delay="0"/>
+                                  </p:stCondLst>
+                                  <p:childTnLst>
+                                    <p:set>
+                                      <p:cBhvr>
+                                        <p:cTn dur="1" fill="hold">
+                                          <p:stCondLst>
+                                            <p:cond delay="0"/>
+                                          </p:stCondLst>
+                                        </p:cTn>
+                                        <p:tgtEl>
+                                          <p:spTgt spid="132">
+                                            <p:txEl>
+                                              <p:pRg end="0" st="0"/>
+                                            </p:txEl>
+                                          </p:spTgt>
+                                        </p:tgtEl>
+                                        <p:attrNameLst>
+                                          <p:attrName>style.visibility</p:attrName>
+                                        </p:attrNameLst>
+                                      </p:cBhvr>
+                                      <p:to>
+                                        <p:strVal val="visible"/>
+                                      </p:to>
+                                    </p:set>
+                                  </p:childTnLst>
+                                </p:cTn>
+                              </p:par>
+                            </p:childTnLst>
+                          </p:cTn>
+                        </p:par>
+                      </p:childTnLst>
+                    </p:cTn>
+                  </p:par>
+                  <p:par>
+                    <p:cTn fill="hold">
+                      <p:stCondLst>
+                        <p:cond delay="indefinite"/>
+                      </p:stCondLst>
+                      <p:childTnLst>
+                        <p:par>
+                          <p:cTn fill="hold">
+                            <p:stCondLst>
+                              <p:cond delay="0"/>
+                            </p:stCondLst>
+                            <p:childTnLst>
+                              <p:par>
+                                <p:cTn fill="hold" nodeType="clickEffect" presetClass="entr" presetID="1" presetSubtype="0">
+                                  <p:stCondLst>
+                                    <p:cond delay="0"/>
+                                  </p:stCondLst>
+                                  <p:childTnLst>
+                                    <p:set>
+                                      <p:cBhvr>
+                                        <p:cTn dur="1" fill="hold">
+                                          <p:stCondLst>
+                                            <p:cond delay="0"/>
+                                          </p:stCondLst>
+                                        </p:cTn>
+                                        <p:tgtEl>
+                                          <p:spTgt spid="132">
+                                            <p:txEl>
+                                              <p:pRg end="1" st="1"/>
+                                            </p:txEl>
+                                          </p:spTgt>
+                                        </p:tgtEl>
+                                        <p:attrNameLst>
+                                          <p:attrName>style.visibility</p:attrName>
+                                        </p:attrNameLst>
+                                      </p:cBhvr>
+                                      <p:to>
+                                        <p:strVal val="visible"/>
+                                      </p:to>
+                                    </p:set>
+                                  </p:childTnLst>
+                                </p:cTn>
+                              </p:par>
+                            </p:childTnLst>
+                          </p:cTn>
+                        </p:par>
+                      </p:childTnLst>
+                    </p:cTn>
+                  </p:par>
+                  <p:par>
+                    <p:cTn fill="hold">
+                      <p:stCondLst>
+                        <p:cond delay="indefinite"/>
+                      </p:stCondLst>
+                      <p:childTnLst>
+                        <p:par>
+                          <p:cTn fill="hold">
+                            <p:stCondLst>
+                              <p:cond delay="0"/>
+                            </p:stCondLst>
+                            <p:childTnLst>
+                              <p:par>
+                                <p:cTn fill="hold" nodeType="clickEffect" presetClass="entr" presetID="1" presetSubtype="0">
+                                  <p:stCondLst>
+                                    <p:cond delay="0"/>
+                                  </p:stCondLst>
+                                  <p:childTnLst>
+                                    <p:set>
+                                      <p:cBhvr>
+                                        <p:cTn dur="1" fill="hold">
+                                          <p:stCondLst>
+                                            <p:cond delay="0"/>
+                                          </p:stCondLst>
+                                        </p:cTn>
+                                        <p:tgtEl>
+                                          <p:spTgt spid="132">
+                                            <p:txEl>
+                                              <p:pRg end="2" st="2"/>
+                                            </p:txEl>
+                                          </p:spTgt>
+                                        </p:tgtEl>
+                                        <p:attrNameLst>
+                                          <p:attrName>style.visibility</p:attrName>
+                                        </p:attrNameLst>
+                                      </p:cBhvr>
+                                      <p:to>
+                                        <p:strVal val="visible"/>
+                                      </p:to>
+                                    </p:set>
+                                  </p:childTnLst>
+                                </p:cTn>
+                              </p:par>
+                            </p:childTnLst>
+                          </p:cTn>
+                        </p:par>
+                      </p:childTnLst>
+                    </p:cTn>
+                  </p:par>
+                  <p:par>
+                    <p:cTn fill="hold">
+                      <p:stCondLst>
+                        <p:cond delay="indefinite"/>
+                      </p:stCondLst>
+                      <p:childTnLst>
+                        <p:par>
+                          <p:cTn fill="hold">
+                            <p:stCondLst>
+                              <p:cond delay="0"/>
+                            </p:stCondLst>
+                            <p:childTnLst>
+                              <p:par>
+                                <p:cTn fill="hold" nodeType="clickEffect" presetClass="entr" presetID="1" presetSubtype="0">
+                                  <p:stCondLst>
+                                    <p:cond delay="0"/>
+                                  </p:stCondLst>
+                                  <p:childTnLst>
+                                    <p:set>
+                                      <p:cBhvr>
+                                        <p:cTn dur="1" fill="hold">
+                                          <p:stCondLst>
+                                            <p:cond delay="0"/>
+                                          </p:stCondLst>
+                                        </p:cTn>
+                                        <p:tgtEl>
+                                          <p:spTgt spid="132">
+                                            <p:txEl>
+                                              <p:pRg end="3" st="3"/>
+                                            </p:txEl>
+                                          </p:spTgt>
+                                        </p:tgtEl>
+                                        <p:attrNameLst>
+                                          <p:attrName>style.visibility</p:attrName>
+                                        </p:attrNameLst>
+                                      </p:cBhvr>
+                                      <p:to>
+                                        <p:strVal val="visible"/>
+                                      </p:to>
+                                    </p:set>
+                                  </p:childTnLst>
+                                </p:cTn>
+                              </p:par>
+                            </p:childTnLst>
+                          </p:cTn>
+                        </p:par>
+                      </p:childTnLst>
+                    </p:cTn>
+                  </p:par>
+                  <p:par>
+                    <p:cTn fill="hold">
+                      <p:stCondLst>
+                        <p:cond delay="indefinite"/>
+                      </p:stCondLst>
+                      <p:childTnLst>
+                        <p:par>
+                          <p:cTn fill="hold">
+                            <p:stCondLst>
+                              <p:cond delay="0"/>
+                            </p:stCondLst>
+                            <p:childTnLst>
+                              <p:par>
+                                <p:cTn fill="hold" nodeType="clickEffect" presetClass="entr" presetID="1" presetSubtype="0">
+                                  <p:stCondLst>
+                                    <p:cond delay="0"/>
+                                  </p:stCondLst>
+                                  <p:childTnLst>
+                                    <p:set>
+                                      <p:cBhvr>
+                                        <p:cTn dur="1" fill="hold">
+                                          <p:stCondLst>
+                                            <p:cond delay="0"/>
+                                          </p:stCondLst>
+                                        </p:cTn>
+                                        <p:tgtEl>
+                                          <p:spTgt spid="132">
+                                            <p:txEl>
+                                              <p:pRg end="4" st="4"/>
+                                            </p:txEl>
+                                          </p:spTgt>
+                                        </p:tgtEl>
+                                        <p:attrNameLst>
+                                          <p:attrName>style.visibility</p:attrName>
+                                        </p:attrNameLst>
+                                      </p:cBhvr>
+                                      <p:to>
+                                        <p:strVal val="visible"/>
+                                      </p:to>
+                                    </p:set>
+                                  </p:childTnLst>
+                                </p:cTn>
+                              </p:par>
+                            </p:childTnLst>
+                          </p:cTn>
+                        </p:par>
+                      </p:childTnLst>
+                    </p:cTn>
+                  </p:par>
+                  <p:par>
+                    <p:cTn fill="hold">
+                      <p:stCondLst>
+                        <p:cond delay="indefinite"/>
+                      </p:stCondLst>
+                      <p:childTnLst>
+                        <p:par>
+                          <p:cTn fill="hold">
+                            <p:stCondLst>
+                              <p:cond delay="0"/>
+                            </p:stCondLst>
+                            <p:childTnLst>
+                              <p:par>
+                                <p:cTn fill="hold" nodeType="clickEffect" presetClass="entr" presetID="1" presetSubtype="0">
+                                  <p:stCondLst>
+                                    <p:cond delay="0"/>
+                                  </p:stCondLst>
+                                  <p:childTnLst>
+                                    <p:set>
+                                      <p:cBhvr>
+                                        <p:cTn dur="1" fill="hold">
+                                          <p:stCondLst>
+                                            <p:cond delay="0"/>
+                                          </p:stCondLst>
+                                        </p:cTn>
+                                        <p:tgtEl>
+                                          <p:spTgt spid="132">
+                                            <p:txEl>
+                                              <p:pRg end="5" st="5"/>
+                                            </p:txEl>
+                                          </p:spTgt>
+                                        </p:tgtEl>
+                                        <p:attrNameLst>
+                                          <p:attrName>style.visibility</p:attrName>
+                                        </p:attrNameLst>
+                                      </p:cBhvr>
+                                      <p:to>
+                                        <p:strVal val="visible"/>
+                                      </p:to>
+                                    </p:set>
+                                  </p:childTnLst>
+                                </p:cTn>
+                              </p:par>
+                            </p:childTnLst>
+                          </p:cTn>
+                        </p:par>
+                      </p:childTnLst>
+                    </p:cTn>
+                  </p:par>
+                  <p:par>
+                    <p:cTn fill="hold">
+                      <p:stCondLst>
+                        <p:cond delay="indefinite"/>
+                      </p:stCondLst>
+                      <p:childTnLst>
+                        <p:par>
+                          <p:cTn fill="hold">
+                            <p:stCondLst>
+                              <p:cond delay="0"/>
+                            </p:stCondLst>
+                            <p:childTnLst>
+                              <p:par>
+                                <p:cTn fill="hold" nodeType="clickEffect" presetClass="entr" presetID="1" presetSubtype="0">
+                                  <p:stCondLst>
+                                    <p:cond delay="0"/>
+                                  </p:stCondLst>
+                                  <p:childTnLst>
+                                    <p:set>
+                                      <p:cBhvr>
+                                        <p:cTn dur="1" fill="hold">
+                                          <p:stCondLst>
+                                            <p:cond delay="0"/>
+                                          </p:stCondLst>
+                                        </p:cTn>
+                                        <p:tgtEl>
+                                          <p:spTgt spid="132">
+                                            <p:txEl>
+                                              <p:pRg end="6" st="6"/>
+                                            </p:txEl>
+                                          </p:spTgt>
+                                        </p:tgtEl>
+                                        <p:attrNameLst>
+                                          <p:attrName>style.visibility</p:attrName>
+                                        </p:attrNameLst>
+                                      </p:cBhvr>
+                                      <p:to>
+                                        <p:strVal val="visible"/>
+                                      </p:to>
+                                    </p:set>
+                                  </p:childTnLst>
+                                </p:cTn>
+                              </p:par>
+                            </p:childTnLst>
+                          </p:cTn>
+                        </p:par>
+                      </p:childTnLst>
+                    </p:cTn>
+                  </p:par>
+                  <p:par>
+                    <p:cTn fill="hold">
+                      <p:stCondLst>
+                        <p:cond delay="indefinite"/>
+                      </p:stCondLst>
+                      <p:childTnLst>
+                        <p:par>
+                          <p:cTn fill="hold">
+                            <p:stCondLst>
+                              <p:cond delay="0"/>
+                            </p:stCondLst>
+                            <p:childTnLst>
+                              <p:par>
+                                <p:cTn fill="hold" nodeType="clickEffect" presetClass="entr" presetID="1" presetSubtype="0">
+                                  <p:stCondLst>
+                                    <p:cond delay="0"/>
+                                  </p:stCondLst>
+                                  <p:childTnLst>
+                                    <p:set>
+                                      <p:cBhvr>
+                                        <p:cTn dur="1" fill="hold">
+                                          <p:stCondLst>
+                                            <p:cond delay="0"/>
+                                          </p:stCondLst>
+                                        </p:cTn>
+                                        <p:tgtEl>
+                                          <p:spTgt spid="132">
+                                            <p:txEl>
+                                              <p:pRg end="7" st="7"/>
+                                            </p:txEl>
+                                          </p:spTgt>
+                                        </p:tgtEl>
+                                        <p:attrNameLst>
+                                          <p:attrName>style.visibility</p:attrName>
+                                        </p:attrNameLst>
+                                      </p:cBhvr>
+                                      <p:to>
+                                        <p:strVal val="visible"/>
+                                      </p:to>
+                                    </p:set>
+                                  </p:childTnLst>
+                                </p:cTn>
+                              </p:par>
+                            </p:childTnLst>
+                          </p:cTn>
+                        </p:par>
+                      </p:childTnLst>
+                    </p:cTn>
+                  </p:par>
+                  <p:par>
+                    <p:cTn fill="hold">
+                      <p:stCondLst>
+                        <p:cond delay="indefinite"/>
+                      </p:stCondLst>
+                      <p:childTnLst>
+                        <p:par>
+                          <p:cTn fill="hold">
+                            <p:stCondLst>
+                              <p:cond delay="0"/>
+                            </p:stCondLst>
+                            <p:childTnLst>
+                              <p:par>
+                                <p:cTn fill="hold" nodeType="clickEffect" presetClass="entr" presetID="1" presetSubtype="0">
+                                  <p:stCondLst>
+                                    <p:cond delay="0"/>
+                                  </p:stCondLst>
+                                  <p:childTnLst>
+                                    <p:set>
+                                      <p:cBhvr>
+                                        <p:cTn dur="1" fill="hold">
+                                          <p:stCondLst>
+                                            <p:cond delay="0"/>
+                                          </p:stCondLst>
+                                        </p:cTn>
+                                        <p:tgtEl>
+                                          <p:spTgt spid="132">
+                                            <p:txEl>
+                                              <p:pRg end="8" st="8"/>
+                                            </p:txEl>
+                                          </p:spTgt>
+                                        </p:tgtEl>
+                                        <p:attrNameLst>
+                                          <p:attrName>style.visibility</p:attrName>
+                                        </p:attrNameLst>
+                                      </p:cBhvr>
+                                      <p:to>
+                                        <p:strVal val="visible"/>
+                                      </p:to>
+                                    </p:set>
+                                  </p:childTnLst>
+                                </p:cTn>
+                              </p:par>
+                            </p:childTnLst>
+                          </p:cTn>
+                        </p:par>
+                      </p:childTnLst>
+                    </p:cTn>
+                  </p:par>
+                </p:childTnLst>
+              </p:cTn>
+              <p:prevCondLst>
+                <p:cond evt="onPrev">
+                  <p:tgtEl>
+                    <p:sldTgt/>
+                  </p:tgtEl>
+                </p:cond>
+              </p:prevCondLst>
+              <p:nextCondLst>
+                <p:cond evt="onNext">
+                  <p:tgtEl>
+                    <p:sldTgt/>
+                  </p:tgtEl>
+                </p:cond>
+              </p:nextCondLst>
+            </p:seq>
+          </p:childTnLst>
+        </p:cTn>
+      </p:par>
+    </p:tnLst>
+  </p:timing>
 </p:sld>
 </file>
 
@@ -12857,7 +13848,7 @@
             </a:pPr>
             <a:r>
               <a:rPr lang="en"/>
-              <a:t>Dividing the total by either A) the population size (N), or B) the sample size minus one (n -1)</a:t>
+              <a:t>Dividing the total by either A) the population size (N) for population variance, or B) the sample size minus one (n -1) for sample variance</a:t>
             </a:r>
             <a:endParaRPr/>
           </a:p>
@@ -12879,8 +13870,36 @@
         </p:blipFill>
         <p:spPr>
           <a:xfrm>
-            <a:off x="6100650" y="1988075"/>
-            <a:ext cx="2731650" cy="1378725"/>
+            <a:off x="6186850" y="1661400"/>
+            <a:ext cx="2645450" cy="910350"/>
+          </a:xfrm>
+          <a:prstGeom prst="rect">
+            <a:avLst/>
+          </a:prstGeom>
+          <a:noFill/>
+          <a:ln>
+            <a:noFill/>
+          </a:ln>
+        </p:spPr>
+      </p:pic>
+      <p:pic>
+        <p:nvPicPr>
+          <p:cNvPr id="140" name="Google Shape;140;p26"/>
+          <p:cNvPicPr preferRelativeResize="0"/>
+          <p:nvPr/>
+        </p:nvPicPr>
+        <p:blipFill>
+          <a:blip r:embed="rId4">
+            <a:alphaModFix/>
+          </a:blip>
+          <a:stretch>
+            <a:fillRect/>
+          </a:stretch>
+        </p:blipFill>
+        <p:spPr>
+          <a:xfrm>
+            <a:off x="6186850" y="2637079"/>
+            <a:ext cx="2645450" cy="910346"/>
           </a:xfrm>
           <a:prstGeom prst="rect">
             <a:avLst/>
@@ -13620,7 +14639,7 @@
   <p:cSld>
     <p:spTree>
       <p:nvGrpSpPr>
-        <p:cNvPr id="143" name="Shape 143"/>
+        <p:cNvPr id="144" name="Shape 144"/>
         <p:cNvGrpSpPr/>
         <p:nvPr/>
       </p:nvGrpSpPr>
@@ -13634,7 +14653,7 @@
       </p:grpSpPr>
       <p:sp>
         <p:nvSpPr>
-          <p:cNvPr id="144" name="Google Shape;144;p27"/>
+          <p:cNvPr id="145" name="Google Shape;145;p27"/>
           <p:cNvSpPr txBox="1"/>
           <p:nvPr>
             <p:ph type="title"/>
@@ -13666,155 +14685,6 @@
             </a:pPr>
             <a:r>
               <a:rPr lang="en"/>
-              <a:t>Bessel’s Correction</a:t>
-            </a:r>
-            <a:endParaRPr/>
-          </a:p>
-        </p:txBody>
-      </p:sp>
-      <p:pic>
-        <p:nvPicPr>
-          <p:cNvPr id="145" name="Google Shape;145;p27"/>
-          <p:cNvPicPr preferRelativeResize="0"/>
-          <p:nvPr/>
-        </p:nvPicPr>
-        <p:blipFill>
-          <a:blip r:embed="rId3">
-            <a:alphaModFix/>
-          </a:blip>
-          <a:stretch>
-            <a:fillRect/>
-          </a:stretch>
-        </p:blipFill>
-        <p:spPr>
-          <a:xfrm>
-            <a:off x="311700" y="1073325"/>
-            <a:ext cx="4151674" cy="3225951"/>
-          </a:xfrm>
-          <a:prstGeom prst="rect">
-            <a:avLst/>
-          </a:prstGeom>
-          <a:noFill/>
-          <a:ln>
-            <a:noFill/>
-          </a:ln>
-        </p:spPr>
-      </p:pic>
-      <p:pic>
-        <p:nvPicPr>
-          <p:cNvPr id="146" name="Google Shape;146;p27"/>
-          <p:cNvPicPr preferRelativeResize="0"/>
-          <p:nvPr/>
-        </p:nvPicPr>
-        <p:blipFill>
-          <a:blip r:embed="rId4">
-            <a:alphaModFix/>
-          </a:blip>
-          <a:stretch>
-            <a:fillRect/>
-          </a:stretch>
-        </p:blipFill>
-        <p:spPr>
-          <a:xfrm>
-            <a:off x="4572000" y="445013"/>
-            <a:ext cx="4528226" cy="2658765"/>
-          </a:xfrm>
-          <a:prstGeom prst="rect">
-            <a:avLst/>
-          </a:prstGeom>
-          <a:noFill/>
-          <a:ln>
-            <a:noFill/>
-          </a:ln>
-        </p:spPr>
-      </p:pic>
-      <p:pic>
-        <p:nvPicPr>
-          <p:cNvPr id="147" name="Google Shape;147;p27"/>
-          <p:cNvPicPr preferRelativeResize="0"/>
-          <p:nvPr/>
-        </p:nvPicPr>
-        <p:blipFill>
-          <a:blip r:embed="rId5">
-            <a:alphaModFix/>
-          </a:blip>
-          <a:stretch>
-            <a:fillRect/>
-          </a:stretch>
-        </p:blipFill>
-        <p:spPr>
-          <a:xfrm>
-            <a:off x="4700975" y="3441500"/>
-            <a:ext cx="4270275" cy="783725"/>
-          </a:xfrm>
-          <a:prstGeom prst="rect">
-            <a:avLst/>
-          </a:prstGeom>
-          <a:noFill/>
-          <a:ln>
-            <a:noFill/>
-          </a:ln>
-        </p:spPr>
-      </p:pic>
-    </p:spTree>
-  </p:cSld>
-  <p:clrMapOvr>
-    <a:masterClrMapping/>
-  </p:clrMapOvr>
-</p:sld>
-</file>
-
-<file path=ppt/slides/slide16.xml><?xml version="1.0" encoding="utf-8"?>
-<p:sld xmlns:a="http://schemas.openxmlformats.org/drawingml/2006/main" xmlns:r="http://schemas.openxmlformats.org/officeDocument/2006/relationships" xmlns:mc="http://schemas.openxmlformats.org/markup-compatibility/2006" xmlns:mv="urn:schemas-microsoft-com:mac:vml" xmlns:p="http://schemas.openxmlformats.org/presentationml/2006/main" xmlns:c="http://schemas.openxmlformats.org/drawingml/2006/chart" xmlns:dgm="http://schemas.openxmlformats.org/drawingml/2006/diagram" xmlns:o="urn:schemas-microsoft-com:office:office" xmlns:v="urn:schemas-microsoft-com:vml" xmlns:pvml="urn:schemas-microsoft-com:office:powerpoint" xmlns:com="http://schemas.openxmlformats.org/drawingml/2006/compatibility" xmlns:p14="http://schemas.microsoft.com/office/powerpoint/2010/main" xmlns:p15="http://schemas.microsoft.com/office/powerpoint/2012/main" xmlns:ahyp="http://schemas.microsoft.com/office/drawing/2018/hyperlinkcolor">
-  <p:cSld>
-    <p:spTree>
-      <p:nvGrpSpPr>
-        <p:cNvPr id="151" name="Shape 151"/>
-        <p:cNvGrpSpPr/>
-        <p:nvPr/>
-      </p:nvGrpSpPr>
-      <p:grpSpPr>
-        <a:xfrm>
-          <a:off x="0" y="0"/>
-          <a:ext cx="0" cy="0"/>
-          <a:chOff x="0" y="0"/>
-          <a:chExt cx="0" cy="0"/>
-        </a:xfrm>
-      </p:grpSpPr>
-      <p:sp>
-        <p:nvSpPr>
-          <p:cNvPr id="152" name="Google Shape;152;p28"/>
-          <p:cNvSpPr txBox="1"/>
-          <p:nvPr>
-            <p:ph type="title"/>
-          </p:nvPr>
-        </p:nvSpPr>
-        <p:spPr>
-          <a:xfrm>
-            <a:off x="311700" y="445025"/>
-            <a:ext cx="8520600" cy="572700"/>
-          </a:xfrm>
-          <a:prstGeom prst="rect">
-            <a:avLst/>
-          </a:prstGeom>
-        </p:spPr>
-        <p:txBody>
-          <a:bodyPr anchorCtr="0" anchor="t" bIns="91425" lIns="91425" spcFirstLastPara="1" rIns="91425" wrap="square" tIns="91425">
-            <a:normAutofit fontScale="90000"/>
-          </a:bodyPr>
-          <a:lstStyle/>
-          <a:p>
-            <a:pPr indent="0" lvl="0" marL="0" rtl="0" algn="l">
-              <a:spcBef>
-                <a:spcPts val="0"/>
-              </a:spcBef>
-              <a:spcAft>
-                <a:spcPts val="0"/>
-              </a:spcAft>
-              <a:buNone/>
-            </a:pPr>
-            <a:r>
-              <a:rPr lang="en"/>
               <a:t>Measures of Dispersion: Variance	</a:t>
             </a:r>
             <a:endParaRPr/>
@@ -13838,7 +14708,7 @@
       </p:sp>
       <p:sp>
         <p:nvSpPr>
-          <p:cNvPr id="153" name="Google Shape;153;p28"/>
+          <p:cNvPr id="146" name="Google Shape;146;p27"/>
           <p:cNvSpPr txBox="1"/>
           <p:nvPr>
             <p:ph idx="1" type="body"/>
@@ -14062,7 +14932,7 @@
                                           </p:stCondLst>
                                         </p:cTn>
                                         <p:tgtEl>
-                                          <p:spTgt spid="153">
+                                          <p:spTgt spid="146">
                                             <p:txEl>
                                               <p:pRg end="0" st="0"/>
                                             </p:txEl>
@@ -14111,7 +14981,7 @@
                                           </p:stCondLst>
                                         </p:cTn>
                                         <p:tgtEl>
-                                          <p:spTgt spid="153">
+                                          <p:spTgt spid="146">
                                             <p:txEl>
                                               <p:pRg end="1" st="1"/>
                                             </p:txEl>
@@ -14160,7 +15030,7 @@
                                           </p:stCondLst>
                                         </p:cTn>
                                         <p:tgtEl>
-                                          <p:spTgt spid="153">
+                                          <p:spTgt spid="146">
                                             <p:txEl>
                                               <p:pRg end="2" st="2"/>
                                             </p:txEl>
@@ -14209,7 +15079,7 @@
                                           </p:stCondLst>
                                         </p:cTn>
                                         <p:tgtEl>
-                                          <p:spTgt spid="153">
+                                          <p:spTgt spid="146">
                                             <p:txEl>
                                               <p:pRg end="3" st="3"/>
                                             </p:txEl>
@@ -14258,7 +15128,7 @@
                                           </p:stCondLst>
                                         </p:cTn>
                                         <p:tgtEl>
-                                          <p:spTgt spid="153">
+                                          <p:spTgt spid="146">
                                             <p:txEl>
                                               <p:pRg end="4" st="4"/>
                                             </p:txEl>
@@ -14307,7 +15177,7 @@
                                           </p:stCondLst>
                                         </p:cTn>
                                         <p:tgtEl>
-                                          <p:spTgt spid="153">
+                                          <p:spTgt spid="146">
                                             <p:txEl>
                                               <p:pRg end="5" st="5"/>
                                             </p:txEl>
@@ -14355,12 +15225,12 @@
 </p:sld>
 </file>
 
-<file path=ppt/slides/slide17.xml><?xml version="1.0" encoding="utf-8"?>
+<file path=ppt/slides/slide16.xml><?xml version="1.0" encoding="utf-8"?>
 <p:sld xmlns:a="http://schemas.openxmlformats.org/drawingml/2006/main" xmlns:r="http://schemas.openxmlformats.org/officeDocument/2006/relationships" xmlns:mc="http://schemas.openxmlformats.org/markup-compatibility/2006" xmlns:mv="urn:schemas-microsoft-com:mac:vml" xmlns:p="http://schemas.openxmlformats.org/presentationml/2006/main" xmlns:c="http://schemas.openxmlformats.org/drawingml/2006/chart" xmlns:dgm="http://schemas.openxmlformats.org/drawingml/2006/diagram" xmlns:o="urn:schemas-microsoft-com:office:office" xmlns:v="urn:schemas-microsoft-com:vml" xmlns:pvml="urn:schemas-microsoft-com:office:powerpoint" xmlns:com="http://schemas.openxmlformats.org/drawingml/2006/compatibility" xmlns:p14="http://schemas.microsoft.com/office/powerpoint/2010/main" xmlns:p15="http://schemas.microsoft.com/office/powerpoint/2012/main" xmlns:ahyp="http://schemas.microsoft.com/office/drawing/2018/hyperlinkcolor">
   <p:cSld>
     <p:spTree>
       <p:nvGrpSpPr>
-        <p:cNvPr id="157" name="Shape 157"/>
+        <p:cNvPr id="150" name="Shape 150"/>
         <p:cNvGrpSpPr/>
         <p:nvPr/>
       </p:nvGrpSpPr>
@@ -14374,7 +15244,7 @@
       </p:grpSpPr>
       <p:sp>
         <p:nvSpPr>
-          <p:cNvPr id="158" name="Google Shape;158;p29"/>
+          <p:cNvPr id="151" name="Google Shape;151;p28"/>
           <p:cNvSpPr txBox="1"/>
           <p:nvPr>
             <p:ph type="title"/>
@@ -14396,6 +15266,155 @@
           <a:lstStyle/>
           <a:p>
             <a:pPr indent="0" lvl="0" marL="0" rtl="0" algn="l">
+              <a:spcBef>
+                <a:spcPts val="0"/>
+              </a:spcBef>
+              <a:spcAft>
+                <a:spcPts val="0"/>
+              </a:spcAft>
+              <a:buNone/>
+            </a:pPr>
+            <a:r>
+              <a:rPr lang="en"/>
+              <a:t>Bessel’s Correction</a:t>
+            </a:r>
+            <a:endParaRPr/>
+          </a:p>
+        </p:txBody>
+      </p:sp>
+      <p:pic>
+        <p:nvPicPr>
+          <p:cNvPr id="152" name="Google Shape;152;p28"/>
+          <p:cNvPicPr preferRelativeResize="0"/>
+          <p:nvPr/>
+        </p:nvPicPr>
+        <p:blipFill>
+          <a:blip r:embed="rId3">
+            <a:alphaModFix/>
+          </a:blip>
+          <a:stretch>
+            <a:fillRect/>
+          </a:stretch>
+        </p:blipFill>
+        <p:spPr>
+          <a:xfrm>
+            <a:off x="311700" y="1073325"/>
+            <a:ext cx="4151674" cy="3225951"/>
+          </a:xfrm>
+          <a:prstGeom prst="rect">
+            <a:avLst/>
+          </a:prstGeom>
+          <a:noFill/>
+          <a:ln>
+            <a:noFill/>
+          </a:ln>
+        </p:spPr>
+      </p:pic>
+      <p:pic>
+        <p:nvPicPr>
+          <p:cNvPr id="153" name="Google Shape;153;p28"/>
+          <p:cNvPicPr preferRelativeResize="0"/>
+          <p:nvPr/>
+        </p:nvPicPr>
+        <p:blipFill>
+          <a:blip r:embed="rId4">
+            <a:alphaModFix/>
+          </a:blip>
+          <a:stretch>
+            <a:fillRect/>
+          </a:stretch>
+        </p:blipFill>
+        <p:spPr>
+          <a:xfrm>
+            <a:off x="4572000" y="445013"/>
+            <a:ext cx="4528226" cy="2658765"/>
+          </a:xfrm>
+          <a:prstGeom prst="rect">
+            <a:avLst/>
+          </a:prstGeom>
+          <a:noFill/>
+          <a:ln>
+            <a:noFill/>
+          </a:ln>
+        </p:spPr>
+      </p:pic>
+      <p:pic>
+        <p:nvPicPr>
+          <p:cNvPr id="154" name="Google Shape;154;p28"/>
+          <p:cNvPicPr preferRelativeResize="0"/>
+          <p:nvPr/>
+        </p:nvPicPr>
+        <p:blipFill>
+          <a:blip r:embed="rId5">
+            <a:alphaModFix/>
+          </a:blip>
+          <a:stretch>
+            <a:fillRect/>
+          </a:stretch>
+        </p:blipFill>
+        <p:spPr>
+          <a:xfrm>
+            <a:off x="4700975" y="3441500"/>
+            <a:ext cx="4270275" cy="783725"/>
+          </a:xfrm>
+          <a:prstGeom prst="rect">
+            <a:avLst/>
+          </a:prstGeom>
+          <a:noFill/>
+          <a:ln>
+            <a:noFill/>
+          </a:ln>
+        </p:spPr>
+      </p:pic>
+    </p:spTree>
+  </p:cSld>
+  <p:clrMapOvr>
+    <a:masterClrMapping/>
+  </p:clrMapOvr>
+</p:sld>
+</file>
+
+<file path=ppt/slides/slide17.xml><?xml version="1.0" encoding="utf-8"?>
+<p:sld xmlns:a="http://schemas.openxmlformats.org/drawingml/2006/main" xmlns:r="http://schemas.openxmlformats.org/officeDocument/2006/relationships" xmlns:mc="http://schemas.openxmlformats.org/markup-compatibility/2006" xmlns:mv="urn:schemas-microsoft-com:mac:vml" xmlns:p="http://schemas.openxmlformats.org/presentationml/2006/main" xmlns:c="http://schemas.openxmlformats.org/drawingml/2006/chart" xmlns:dgm="http://schemas.openxmlformats.org/drawingml/2006/diagram" xmlns:o="urn:schemas-microsoft-com:office:office" xmlns:v="urn:schemas-microsoft-com:vml" xmlns:pvml="urn:schemas-microsoft-com:office:powerpoint" xmlns:com="http://schemas.openxmlformats.org/drawingml/2006/compatibility" xmlns:p14="http://schemas.microsoft.com/office/powerpoint/2010/main" xmlns:p15="http://schemas.microsoft.com/office/powerpoint/2012/main" xmlns:ahyp="http://schemas.microsoft.com/office/drawing/2018/hyperlinkcolor">
+  <p:cSld>
+    <p:spTree>
+      <p:nvGrpSpPr>
+        <p:cNvPr id="158" name="Shape 158"/>
+        <p:cNvGrpSpPr/>
+        <p:nvPr/>
+      </p:nvGrpSpPr>
+      <p:grpSpPr>
+        <a:xfrm>
+          <a:off x="0" y="0"/>
+          <a:ext cx="0" cy="0"/>
+          <a:chOff x="0" y="0"/>
+          <a:chExt cx="0" cy="0"/>
+        </a:xfrm>
+      </p:grpSpPr>
+      <p:sp>
+        <p:nvSpPr>
+          <p:cNvPr id="159" name="Google Shape;159;p29"/>
+          <p:cNvSpPr txBox="1"/>
+          <p:nvPr>
+            <p:ph type="title"/>
+          </p:nvPr>
+        </p:nvSpPr>
+        <p:spPr>
+          <a:xfrm>
+            <a:off x="311700" y="445025"/>
+            <a:ext cx="8520600" cy="572700"/>
+          </a:xfrm>
+          <a:prstGeom prst="rect">
+            <a:avLst/>
+          </a:prstGeom>
+        </p:spPr>
+        <p:txBody>
+          <a:bodyPr anchorCtr="0" anchor="t" bIns="91425" lIns="91425" spcFirstLastPara="1" rIns="91425" wrap="square" tIns="91425">
+            <a:normAutofit fontScale="90000"/>
+          </a:bodyPr>
+          <a:lstStyle/>
+          <a:p>
+            <a:pPr indent="0" lvl="0" marL="0" rtl="0" algn="l">
               <a:lnSpc>
                 <a:spcPct val="115000"/>
               </a:lnSpc>
@@ -14426,7 +15445,7 @@
       </p:sp>
       <p:sp>
         <p:nvSpPr>
-          <p:cNvPr id="159" name="Google Shape;159;p29"/>
+          <p:cNvPr id="160" name="Google Shape;160;p29"/>
           <p:cNvSpPr txBox="1"/>
           <p:nvPr>
             <p:ph idx="1" type="body"/>
@@ -14529,7 +15548,7 @@
       </p:sp>
       <p:pic>
         <p:nvPicPr>
-          <p:cNvPr id="160" name="Google Shape;160;p29"/>
+          <p:cNvPr id="161" name="Google Shape;161;p29"/>
           <p:cNvPicPr preferRelativeResize="0"/>
           <p:nvPr/>
         </p:nvPicPr>
@@ -14594,7 +15613,7 @@
                                           </p:stCondLst>
                                         </p:cTn>
                                         <p:tgtEl>
-                                          <p:spTgt spid="159">
+                                          <p:spTgt spid="160">
                                             <p:txEl>
                                               <p:pRg end="0" st="0"/>
                                             </p:txEl>
@@ -14643,7 +15662,7 @@
                                           </p:stCondLst>
                                         </p:cTn>
                                         <p:tgtEl>
-                                          <p:spTgt spid="159">
+                                          <p:spTgt spid="160">
                                             <p:txEl>
                                               <p:pRg end="1" st="1"/>
                                             </p:txEl>
@@ -14692,7 +15711,7 @@
                                           </p:stCondLst>
                                         </p:cTn>
                                         <p:tgtEl>
-                                          <p:spTgt spid="159">
+                                          <p:spTgt spid="160">
                                             <p:txEl>
                                               <p:pRg end="2" st="2"/>
                                             </p:txEl>
@@ -14741,7 +15760,7 @@
                                           </p:stCondLst>
                                         </p:cTn>
                                         <p:tgtEl>
-                                          <p:spTgt spid="159">
+                                          <p:spTgt spid="160">
                                             <p:txEl>
                                               <p:pRg end="3" st="3"/>
                                             </p:txEl>
@@ -14790,7 +15809,7 @@
                                           </p:stCondLst>
                                         </p:cTn>
                                         <p:tgtEl>
-                                          <p:spTgt spid="159">
+                                          <p:spTgt spid="160">
                                             <p:txEl>
                                               <p:pRg end="4" st="4"/>
                                             </p:txEl>
@@ -14843,7 +15862,7 @@
   <p:cSld>
     <p:spTree>
       <p:nvGrpSpPr>
-        <p:cNvPr id="164" name="Shape 164"/>
+        <p:cNvPr id="165" name="Shape 165"/>
         <p:cNvGrpSpPr/>
         <p:nvPr/>
       </p:nvGrpSpPr>
@@ -14857,7 +15876,7 @@
       </p:grpSpPr>
       <p:sp>
         <p:nvSpPr>
-          <p:cNvPr id="165" name="Google Shape;165;p30"/>
+          <p:cNvPr id="166" name="Google Shape;166;p30"/>
           <p:cNvSpPr txBox="1"/>
           <p:nvPr>
             <p:ph type="title"/>
@@ -14897,7 +15916,7 @@
       </p:sp>
       <p:sp>
         <p:nvSpPr>
-          <p:cNvPr id="166" name="Google Shape;166;p30"/>
+          <p:cNvPr id="167" name="Google Shape;167;p30"/>
           <p:cNvSpPr txBox="1"/>
           <p:nvPr>
             <p:ph idx="1" type="body"/>
@@ -15030,7 +16049,7 @@
                                           </p:stCondLst>
                                         </p:cTn>
                                         <p:tgtEl>
-                                          <p:spTgt spid="166">
+                                          <p:spTgt spid="167">
                                             <p:txEl>
                                               <p:pRg end="0" st="0"/>
                                             </p:txEl>
@@ -15079,7 +16098,7 @@
                                           </p:stCondLst>
                                         </p:cTn>
                                         <p:tgtEl>
-                                          <p:spTgt spid="166">
+                                          <p:spTgt spid="167">
                                             <p:txEl>
                                               <p:pRg end="1" st="1"/>
                                             </p:txEl>
@@ -15128,7 +16147,7 @@
                                           </p:stCondLst>
                                         </p:cTn>
                                         <p:tgtEl>
-                                          <p:spTgt spid="166">
+                                          <p:spTgt spid="167">
                                             <p:txEl>
                                               <p:pRg end="2" st="2"/>
                                             </p:txEl>
@@ -15177,7 +16196,7 @@
                                           </p:stCondLst>
                                         </p:cTn>
                                         <p:tgtEl>
-                                          <p:spTgt spid="166">
+                                          <p:spTgt spid="167">
                                             <p:txEl>
                                               <p:pRg end="3" st="3"/>
                                             </p:txEl>
@@ -15230,7 +16249,7 @@
   <p:cSld>
     <p:spTree>
       <p:nvGrpSpPr>
-        <p:cNvPr id="170" name="Shape 170"/>
+        <p:cNvPr id="171" name="Shape 171"/>
         <p:cNvGrpSpPr/>
         <p:nvPr/>
       </p:nvGrpSpPr>
@@ -15242,9 +16261,57 @@
           <a:chExt cx="0" cy="0"/>
         </a:xfrm>
       </p:grpSpPr>
+      <p:sp>
+        <p:nvSpPr>
+          <p:cNvPr id="172" name="Google Shape;172;p31"/>
+          <p:cNvSpPr txBox="1"/>
+          <p:nvPr>
+            <p:ph type="title"/>
+          </p:nvPr>
+        </p:nvSpPr>
+        <p:spPr>
+          <a:xfrm>
+            <a:off x="311700" y="445025"/>
+            <a:ext cx="8520600" cy="572700"/>
+          </a:xfrm>
+          <a:prstGeom prst="rect">
+            <a:avLst/>
+          </a:prstGeom>
+        </p:spPr>
+        <p:txBody>
+          <a:bodyPr anchorCtr="0" anchor="t" bIns="91425" lIns="91425" spcFirstLastPara="1" rIns="91425" wrap="square" tIns="91425">
+            <a:normAutofit fontScale="90000"/>
+          </a:bodyPr>
+          <a:lstStyle/>
+          <a:p>
+            <a:pPr indent="0" lvl="0" marL="0" rtl="0" algn="l">
+              <a:spcBef>
+                <a:spcPts val="0"/>
+              </a:spcBef>
+              <a:spcAft>
+                <a:spcPts val="0"/>
+              </a:spcAft>
+              <a:buNone/>
+            </a:pPr>
+            <a:r>
+              <a:rPr lang="en"/>
+              <a:t>The </a:t>
+            </a:r>
+            <a:r>
+              <a:rPr lang="en"/>
+              <a:t>Empirical</a:t>
+            </a:r>
+            <a:r>
+              <a:rPr lang="en"/>
+              <a:t> Rule</a:t>
+            </a:r>
+            <a:endParaRPr/>
+          </a:p>
+        </p:txBody>
+      </p:sp>
       <p:pic>
         <p:nvPicPr>
-          <p:cNvPr id="171" name="Google Shape;171;p31"/>
+          <p:cNvPr id="173" name="Google Shape;173;p31"/>
           <p:cNvPicPr preferRelativeResize="0"/>
           <p:nvPr/>
         </p:nvPicPr>
@@ -15258,8 +16325,8 @@
         </p:blipFill>
         <p:spPr>
           <a:xfrm>
-            <a:off x="1847850" y="742950"/>
-            <a:ext cx="5448300" cy="3657600"/>
+            <a:off x="2201713" y="1239650"/>
+            <a:ext cx="4740574" cy="3182475"/>
           </a:xfrm>
           <a:prstGeom prst="rect">
             <a:avLst/>
@@ -15822,7 +16889,7 @@
   <p:cSld>
     <p:spTree>
       <p:nvGrpSpPr>
-        <p:cNvPr id="175" name="Shape 175"/>
+        <p:cNvPr id="177" name="Shape 177"/>
         <p:cNvGrpSpPr/>
         <p:nvPr/>
       </p:nvGrpSpPr>
@@ -15836,7 +16903,7 @@
       </p:grpSpPr>
       <p:sp>
         <p:nvSpPr>
-          <p:cNvPr id="176" name="Google Shape;176;p32"/>
+          <p:cNvPr id="178" name="Google Shape;178;p32"/>
           <p:cNvSpPr txBox="1"/>
           <p:nvPr>
             <p:ph type="title"/>
@@ -15876,7 +16943,7 @@
       </p:sp>
       <p:sp>
         <p:nvSpPr>
-          <p:cNvPr id="177" name="Google Shape;177;p32"/>
+          <p:cNvPr id="179" name="Google Shape;179;p32"/>
           <p:cNvSpPr txBox="1"/>
           <p:nvPr>
             <p:ph idx="1" type="body"/>
@@ -15939,8 +17006,40 @@
               <a:buNone/>
             </a:pPr>
             <a:r>
+              <a:rPr b="1" lang="en"/>
+              <a:t>CV = Standard Deviation / Mean </a:t>
+            </a:r>
+            <a:endParaRPr b="1"/>
+          </a:p>
+          <a:p>
+            <a:pPr indent="0" lvl="0" marL="0" rtl="0" algn="l">
+              <a:spcBef>
+                <a:spcPts val="1200"/>
+              </a:spcBef>
+              <a:spcAft>
+                <a:spcPts val="0"/>
+              </a:spcAft>
+              <a:buNone/>
+            </a:pPr>
+            <a:r>
               <a:rPr lang="en"/>
-              <a:t>CV = Standard Deviation / Mean * 100%</a:t>
+              <a:t>{1, 2, 3, 4, 5} = 1.41 / 3 = 0.47</a:t>
+            </a:r>
+            <a:endParaRPr/>
+          </a:p>
+          <a:p>
+            <a:pPr indent="0" lvl="0" marL="0" rtl="0" algn="l">
+              <a:spcBef>
+                <a:spcPts val="1200"/>
+              </a:spcBef>
+              <a:spcAft>
+                <a:spcPts val="0"/>
+              </a:spcAft>
+              <a:buNone/>
+            </a:pPr>
+            <a:r>
+              <a:rPr lang="en"/>
+              <a:t>{1, 1, 1, 1, 1} = 0 / 3 = 0</a:t>
             </a:r>
             <a:endParaRPr/>
           </a:p>
@@ -15974,7 +17073,7 @@
   <p:cSld>
     <p:spTree>
       <p:nvGrpSpPr>
-        <p:cNvPr id="181" name="Shape 181"/>
+        <p:cNvPr id="183" name="Shape 183"/>
         <p:cNvGrpSpPr/>
         <p:nvPr/>
       </p:nvGrpSpPr>
@@ -15988,7 +17087,7 @@
       </p:grpSpPr>
       <p:sp>
         <p:nvSpPr>
-          <p:cNvPr id="182" name="Google Shape;182;p33"/>
+          <p:cNvPr id="184" name="Google Shape;184;p33"/>
           <p:cNvSpPr txBox="1"/>
           <p:nvPr>
             <p:ph type="title"/>
@@ -16028,7 +17127,7 @@
       </p:sp>
       <p:graphicFrame>
         <p:nvGraphicFramePr>
-          <p:cNvPr id="183" name="Google Shape;183;p33"/>
+          <p:cNvPr id="185" name="Google Shape;185;p33"/>
           <p:cNvGraphicFramePr/>
           <p:nvPr/>
         </p:nvGraphicFramePr>
@@ -16041,7 +17140,7 @@
             <a:tbl>
               <a:tblPr>
                 <a:noFill/>
-                <a:tableStyleId>{A5BDE029-3F3A-4CE4-BBAE-1AADE762A4A3}</a:tableStyleId>
+                <a:tableStyleId>{78E11B05-264C-4127-AC4A-65041B67743D}</a:tableStyleId>
               </a:tblPr>
               <a:tblGrid>
                 <a:gridCol w="3619500"/>
@@ -16378,7 +17477,7 @@
                                           </p:stCondLst>
                                         </p:cTn>
                                         <p:tgtEl>
-                                          <p:spTgt spid="183"/>
+                                          <p:spTgt spid="185"/>
                                         </p:tgtEl>
                                         <p:attrNameLst>
                                           <p:attrName>style.visibility</p:attrName>
@@ -16427,7 +17526,7 @@
   <p:cSld>
     <p:spTree>
       <p:nvGrpSpPr>
-        <p:cNvPr id="187" name="Shape 187"/>
+        <p:cNvPr id="189" name="Shape 189"/>
         <p:cNvGrpSpPr/>
         <p:nvPr/>
       </p:nvGrpSpPr>
@@ -16441,7 +17540,7 @@
       </p:grpSpPr>
       <p:sp>
         <p:nvSpPr>
-          <p:cNvPr id="188" name="Google Shape;188;p34"/>
+          <p:cNvPr id="190" name="Google Shape;190;p34"/>
           <p:cNvSpPr txBox="1"/>
           <p:nvPr>
             <p:ph type="title"/>
@@ -16479,6 +17578,34 @@
           </a:p>
         </p:txBody>
       </p:sp>
+      <p:pic>
+        <p:nvPicPr>
+          <p:cNvPr id="191" name="Google Shape;191;p34"/>
+          <p:cNvPicPr preferRelativeResize="0"/>
+          <p:nvPr/>
+        </p:nvPicPr>
+        <p:blipFill>
+          <a:blip r:embed="rId3">
+            <a:alphaModFix/>
+          </a:blip>
+          <a:stretch>
+            <a:fillRect/>
+          </a:stretch>
+        </p:blipFill>
+        <p:spPr>
+          <a:xfrm>
+            <a:off x="2160063" y="1105425"/>
+            <a:ext cx="4823878" cy="3820975"/>
+          </a:xfrm>
+          <a:prstGeom prst="rect">
+            <a:avLst/>
+          </a:prstGeom>
+          <a:noFill/>
+          <a:ln>
+            <a:noFill/>
+          </a:ln>
+        </p:spPr>
+      </p:pic>
     </p:spTree>
   </p:cSld>
   <p:clrMapOvr>
@@ -16492,7 +17619,7 @@
   <p:cSld>
     <p:spTree>
       <p:nvGrpSpPr>
-        <p:cNvPr id="192" name="Shape 192"/>
+        <p:cNvPr id="195" name="Shape 195"/>
         <p:cNvGrpSpPr/>
         <p:nvPr/>
       </p:nvGrpSpPr>
@@ -16506,7 +17633,7 @@
       </p:grpSpPr>
       <p:sp>
         <p:nvSpPr>
-          <p:cNvPr id="193" name="Google Shape;193;p35"/>
+          <p:cNvPr id="196" name="Google Shape;196;p35"/>
           <p:cNvSpPr txBox="1"/>
           <p:nvPr>
             <p:ph type="title"/>
@@ -16546,7 +17673,7 @@
       </p:sp>
       <p:sp>
         <p:nvSpPr>
-          <p:cNvPr id="194" name="Google Shape;194;p35"/>
+          <p:cNvPr id="197" name="Google Shape;197;p35"/>
           <p:cNvSpPr txBox="1"/>
           <p:nvPr>
             <p:ph idx="1" type="body"/>
@@ -16649,7 +17776,7 @@
       </p:sp>
       <p:pic>
         <p:nvPicPr>
-          <p:cNvPr id="195" name="Google Shape;195;p35"/>
+          <p:cNvPr id="198" name="Google Shape;198;p35"/>
           <p:cNvPicPr preferRelativeResize="0"/>
           <p:nvPr/>
         </p:nvPicPr>
@@ -16714,7 +17841,7 @@
                                           </p:stCondLst>
                                         </p:cTn>
                                         <p:tgtEl>
-                                          <p:spTgt spid="194">
+                                          <p:spTgt spid="197">
                                             <p:txEl>
                                               <p:pRg end="0" st="0"/>
                                             </p:txEl>
@@ -16763,7 +17890,7 @@
                                           </p:stCondLst>
                                         </p:cTn>
                                         <p:tgtEl>
-                                          <p:spTgt spid="194">
+                                          <p:spTgt spid="197">
                                             <p:txEl>
                                               <p:pRg end="1" st="1"/>
                                             </p:txEl>
@@ -16812,7 +17939,7 @@
                                           </p:stCondLst>
                                         </p:cTn>
                                         <p:tgtEl>
-                                          <p:spTgt spid="194">
+                                          <p:spTgt spid="197">
                                             <p:txEl>
                                               <p:pRg end="2" st="2"/>
                                             </p:txEl>
@@ -16861,7 +17988,7 @@
                                           </p:stCondLst>
                                         </p:cTn>
                                         <p:tgtEl>
-                                          <p:spTgt spid="194">
+                                          <p:spTgt spid="197">
                                             <p:txEl>
                                               <p:pRg end="3" st="3"/>
                                             </p:txEl>
@@ -16910,7 +18037,7 @@
                                           </p:stCondLst>
                                         </p:cTn>
                                         <p:tgtEl>
-                                          <p:spTgt spid="194">
+                                          <p:spTgt spid="197">
                                             <p:txEl>
                                               <p:pRg end="4" st="4"/>
                                             </p:txEl>
@@ -16963,7 +18090,7 @@
   <p:cSld>
     <p:spTree>
       <p:nvGrpSpPr>
-        <p:cNvPr id="199" name="Shape 199"/>
+        <p:cNvPr id="202" name="Shape 202"/>
         <p:cNvGrpSpPr/>
         <p:nvPr/>
       </p:nvGrpSpPr>
@@ -16977,7 +18104,7 @@
       </p:grpSpPr>
       <p:sp>
         <p:nvSpPr>
-          <p:cNvPr id="200" name="Google Shape;200;p36"/>
+          <p:cNvPr id="203" name="Google Shape;203;p36"/>
           <p:cNvSpPr txBox="1"/>
           <p:nvPr>
             <p:ph type="title"/>
@@ -17017,7 +18144,7 @@
       </p:sp>
       <p:sp>
         <p:nvSpPr>
-          <p:cNvPr id="201" name="Google Shape;201;p36"/>
+          <p:cNvPr id="204" name="Google Shape;204;p36"/>
           <p:cNvSpPr txBox="1"/>
           <p:nvPr>
             <p:ph idx="1" type="body"/>
@@ -17243,7 +18370,7 @@
                                           </p:stCondLst>
                                         </p:cTn>
                                         <p:tgtEl>
-                                          <p:spTgt spid="201">
+                                          <p:spTgt spid="204">
                                             <p:txEl>
                                               <p:pRg end="0" st="0"/>
                                             </p:txEl>
@@ -17292,7 +18419,7 @@
                                           </p:stCondLst>
                                         </p:cTn>
                                         <p:tgtEl>
-                                          <p:spTgt spid="201">
+                                          <p:spTgt spid="204">
                                             <p:txEl>
                                               <p:pRg end="1" st="1"/>
                                             </p:txEl>
@@ -17341,7 +18468,7 @@
                                           </p:stCondLst>
                                         </p:cTn>
                                         <p:tgtEl>
-                                          <p:spTgt spid="201">
+                                          <p:spTgt spid="204">
                                             <p:txEl>
                                               <p:pRg end="2" st="2"/>
                                             </p:txEl>
@@ -17390,7 +18517,7 @@
                                           </p:stCondLst>
                                         </p:cTn>
                                         <p:tgtEl>
-                                          <p:spTgt spid="201">
+                                          <p:spTgt spid="204">
                                             <p:txEl>
                                               <p:pRg end="3" st="3"/>
                                             </p:txEl>
@@ -17439,7 +18566,7 @@
                                           </p:stCondLst>
                                         </p:cTn>
                                         <p:tgtEl>
-                                          <p:spTgt spid="201">
+                                          <p:spTgt spid="204">
                                             <p:txEl>
                                               <p:pRg end="4" st="4"/>
                                             </p:txEl>
@@ -17488,7 +18615,7 @@
                                           </p:stCondLst>
                                         </p:cTn>
                                         <p:tgtEl>
-                                          <p:spTgt spid="201">
+                                          <p:spTgt spid="204">
                                             <p:txEl>
                                               <p:pRg end="5" st="5"/>
                                             </p:txEl>
@@ -17537,7 +18664,7 @@
                                           </p:stCondLst>
                                         </p:cTn>
                                         <p:tgtEl>
-                                          <p:spTgt spid="201">
+                                          <p:spTgt spid="204">
                                             <p:txEl>
                                               <p:pRg end="6" st="6"/>
                                             </p:txEl>
@@ -17586,7 +18713,7 @@
                                           </p:stCondLst>
                                         </p:cTn>
                                         <p:tgtEl>
-                                          <p:spTgt spid="201">
+                                          <p:spTgt spid="204">
                                             <p:txEl>
                                               <p:pRg end="7" st="7"/>
                                             </p:txEl>
@@ -17635,7 +18762,7 @@
                                           </p:stCondLst>
                                         </p:cTn>
                                         <p:tgtEl>
-                                          <p:spTgt spid="201">
+                                          <p:spTgt spid="204">
                                             <p:txEl>
                                               <p:pRg end="8" st="8"/>
                                             </p:txEl>
@@ -17688,7 +18815,7 @@
   <p:cSld>
     <p:spTree>
       <p:nvGrpSpPr>
-        <p:cNvPr id="205" name="Shape 205"/>
+        <p:cNvPr id="208" name="Shape 208"/>
         <p:cNvGrpSpPr/>
         <p:nvPr/>
       </p:nvGrpSpPr>
@@ -17702,7 +18829,7 @@
       </p:grpSpPr>
       <p:sp>
         <p:nvSpPr>
-          <p:cNvPr id="206" name="Google Shape;206;p37"/>
+          <p:cNvPr id="209" name="Google Shape;209;p37"/>
           <p:cNvSpPr txBox="1"/>
           <p:nvPr>
             <p:ph type="title"/>
@@ -17742,7 +18869,7 @@
       </p:sp>
       <p:sp>
         <p:nvSpPr>
-          <p:cNvPr id="207" name="Google Shape;207;p37"/>
+          <p:cNvPr id="210" name="Google Shape;210;p37"/>
           <p:cNvSpPr txBox="1"/>
           <p:nvPr>
             <p:ph idx="1" type="body"/>
@@ -17930,7 +19057,7 @@
                                           </p:stCondLst>
                                         </p:cTn>
                                         <p:tgtEl>
-                                          <p:spTgt spid="207">
+                                          <p:spTgt spid="210">
                                             <p:txEl>
                                               <p:pRg end="0" st="0"/>
                                             </p:txEl>
@@ -17979,7 +19106,7 @@
                                           </p:stCondLst>
                                         </p:cTn>
                                         <p:tgtEl>
-                                          <p:spTgt spid="207">
+                                          <p:spTgt spid="210">
                                             <p:txEl>
                                               <p:pRg end="1" st="1"/>
                                             </p:txEl>
@@ -18028,7 +19155,7 @@
                                           </p:stCondLst>
                                         </p:cTn>
                                         <p:tgtEl>
-                                          <p:spTgt spid="207">
+                                          <p:spTgt spid="210">
                                             <p:txEl>
                                               <p:pRg end="2" st="2"/>
                                             </p:txEl>
@@ -18077,7 +19204,7 @@
                                           </p:stCondLst>
                                         </p:cTn>
                                         <p:tgtEl>
-                                          <p:spTgt spid="207">
+                                          <p:spTgt spid="210">
                                             <p:txEl>
                                               <p:pRg end="3" st="3"/>
                                             </p:txEl>
@@ -18126,7 +19253,7 @@
                                           </p:stCondLst>
                                         </p:cTn>
                                         <p:tgtEl>
-                                          <p:spTgt spid="207">
+                                          <p:spTgt spid="210">
                                             <p:txEl>
                                               <p:pRg end="4" st="4"/>
                                             </p:txEl>
@@ -18175,7 +19302,7 @@
                                           </p:stCondLst>
                                         </p:cTn>
                                         <p:tgtEl>
-                                          <p:spTgt spid="207">
+                                          <p:spTgt spid="210">
                                             <p:txEl>
                                               <p:pRg end="5" st="5"/>
                                             </p:txEl>
@@ -18224,7 +19351,7 @@
                                           </p:stCondLst>
                                         </p:cTn>
                                         <p:tgtEl>
-                                          <p:spTgt spid="207">
+                                          <p:spTgt spid="210">
                                             <p:txEl>
                                               <p:pRg end="6" st="6"/>
                                             </p:txEl>
@@ -18273,7 +19400,7 @@
                                           </p:stCondLst>
                                         </p:cTn>
                                         <p:tgtEl>
-                                          <p:spTgt spid="207">
+                                          <p:spTgt spid="210">
                                             <p:txEl>
                                               <p:pRg end="7" st="7"/>
                                             </p:txEl>
@@ -18326,7 +19453,7 @@
   <p:cSld>
     <p:spTree>
       <p:nvGrpSpPr>
-        <p:cNvPr id="211" name="Shape 211"/>
+        <p:cNvPr id="214" name="Shape 214"/>
         <p:cNvGrpSpPr/>
         <p:nvPr/>
       </p:nvGrpSpPr>
@@ -18340,7 +19467,7 @@
       </p:grpSpPr>
       <p:sp>
         <p:nvSpPr>
-          <p:cNvPr id="212" name="Google Shape;212;p38"/>
+          <p:cNvPr id="215" name="Google Shape;215;p38"/>
           <p:cNvSpPr txBox="1"/>
           <p:nvPr>
             <p:ph type="title"/>
@@ -18380,7 +19507,7 @@
       </p:sp>
       <p:sp>
         <p:nvSpPr>
-          <p:cNvPr id="213" name="Google Shape;213;p38"/>
+          <p:cNvPr id="216" name="Google Shape;216;p38"/>
           <p:cNvSpPr txBox="1"/>
           <p:nvPr>
             <p:ph idx="1" type="body"/>
@@ -18439,7 +19566,7 @@
   <p:cSld>
     <p:spTree>
       <p:nvGrpSpPr>
-        <p:cNvPr id="217" name="Shape 217"/>
+        <p:cNvPr id="220" name="Shape 220"/>
         <p:cNvGrpSpPr/>
         <p:nvPr/>
       </p:nvGrpSpPr>
@@ -18453,7 +19580,7 @@
       </p:grpSpPr>
       <p:sp>
         <p:nvSpPr>
-          <p:cNvPr id="218" name="Google Shape;218;p39"/>
+          <p:cNvPr id="221" name="Google Shape;221;p39"/>
           <p:cNvSpPr txBox="1"/>
           <p:nvPr>
             <p:ph type="title"/>
@@ -18493,7 +19620,7 @@
       </p:sp>
       <p:sp>
         <p:nvSpPr>
-          <p:cNvPr id="219" name="Google Shape;219;p39"/>
+          <p:cNvPr id="222" name="Google Shape;222;p39"/>
           <p:cNvSpPr txBox="1"/>
           <p:nvPr>
             <p:ph idx="1" type="body"/>
@@ -18617,7 +19744,7 @@
                                           </p:stCondLst>
                                         </p:cTn>
                                         <p:tgtEl>
-                                          <p:spTgt spid="219">
+                                          <p:spTgt spid="222">
                                             <p:txEl>
                                               <p:pRg end="0" st="0"/>
                                             </p:txEl>
@@ -18666,7 +19793,7 @@
                                           </p:stCondLst>
                                         </p:cTn>
                                         <p:tgtEl>
-                                          <p:spTgt spid="219">
+                                          <p:spTgt spid="222">
                                             <p:txEl>
                                               <p:pRg end="1" st="1"/>
                                             </p:txEl>
@@ -18715,7 +19842,7 @@
                                           </p:stCondLst>
                                         </p:cTn>
                                         <p:tgtEl>
-                                          <p:spTgt spid="219">
+                                          <p:spTgt spid="222">
                                             <p:txEl>
                                               <p:pRg end="2" st="2"/>
                                             </p:txEl>
@@ -18764,7 +19891,7 @@
                                           </p:stCondLst>
                                         </p:cTn>
                                         <p:tgtEl>
-                                          <p:spTgt spid="219">
+                                          <p:spTgt spid="222">
                                             <p:txEl>
                                               <p:pRg end="3" st="3"/>
                                             </p:txEl>
@@ -18817,7 +19944,7 @@
   <p:cSld>
     <p:spTree>
       <p:nvGrpSpPr>
-        <p:cNvPr id="223" name="Shape 223"/>
+        <p:cNvPr id="226" name="Shape 226"/>
         <p:cNvGrpSpPr/>
         <p:nvPr/>
       </p:nvGrpSpPr>
@@ -18831,7 +19958,7 @@
       </p:grpSpPr>
       <p:sp>
         <p:nvSpPr>
-          <p:cNvPr id="224" name="Google Shape;224;p40"/>
+          <p:cNvPr id="227" name="Google Shape;227;p40"/>
           <p:cNvSpPr txBox="1"/>
           <p:nvPr>
             <p:ph type="title"/>
@@ -18871,7 +19998,7 @@
       </p:sp>
       <p:sp>
         <p:nvSpPr>
-          <p:cNvPr id="225" name="Google Shape;225;p40"/>
+          <p:cNvPr id="228" name="Google Shape;228;p40"/>
           <p:cNvSpPr txBox="1"/>
           <p:nvPr>
             <p:ph idx="1" type="body"/>
@@ -18911,7 +20038,7 @@
       </p:sp>
       <p:graphicFrame>
         <p:nvGraphicFramePr>
-          <p:cNvPr id="226" name="Google Shape;226;p40"/>
+          <p:cNvPr id="229" name="Google Shape;229;p40"/>
           <p:cNvGraphicFramePr/>
           <p:nvPr/>
         </p:nvGraphicFramePr>
@@ -18924,7 +20051,7 @@
             <a:tbl>
               <a:tblPr>
                 <a:noFill/>
-                <a:tableStyleId>{A5BDE029-3F3A-4CE4-BBAE-1AADE762A4A3}</a:tableStyleId>
+                <a:tableStyleId>{78E11B05-264C-4127-AC4A-65041B67743D}</a:tableStyleId>
               </a:tblPr>
               <a:tblGrid>
                 <a:gridCol w="1809750"/>
@@ -19517,7 +20644,7 @@
   <p:cSld>
     <p:spTree>
       <p:nvGrpSpPr>
-        <p:cNvPr id="230" name="Shape 230"/>
+        <p:cNvPr id="233" name="Shape 233"/>
         <p:cNvGrpSpPr/>
         <p:nvPr/>
       </p:nvGrpSpPr>
@@ -19531,7 +20658,7 @@
       </p:grpSpPr>
       <p:sp>
         <p:nvSpPr>
-          <p:cNvPr id="231" name="Google Shape;231;p41"/>
+          <p:cNvPr id="234" name="Google Shape;234;p41"/>
           <p:cNvSpPr txBox="1"/>
           <p:nvPr>
             <p:ph type="title"/>
@@ -19571,7 +20698,7 @@
       </p:sp>
       <p:sp>
         <p:nvSpPr>
-          <p:cNvPr id="232" name="Google Shape;232;p41"/>
+          <p:cNvPr id="235" name="Google Shape;235;p41"/>
           <p:cNvSpPr txBox="1"/>
           <p:nvPr>
             <p:ph idx="1" type="body"/>
@@ -19675,7 +20802,7 @@
       </p:sp>
       <p:pic>
         <p:nvPicPr>
-          <p:cNvPr id="233" name="Google Shape;233;p41"/>
+          <p:cNvPr id="236" name="Google Shape;236;p41"/>
           <p:cNvPicPr preferRelativeResize="0"/>
           <p:nvPr/>
         </p:nvPicPr>
@@ -19740,7 +20867,7 @@
                                           </p:stCondLst>
                                         </p:cTn>
                                         <p:tgtEl>
-                                          <p:spTgt spid="232">
+                                          <p:spTgt spid="235">
                                             <p:txEl>
                                               <p:pRg end="0" st="0"/>
                                             </p:txEl>
@@ -19789,7 +20916,7 @@
                                           </p:stCondLst>
                                         </p:cTn>
                                         <p:tgtEl>
-                                          <p:spTgt spid="232">
+                                          <p:spTgt spid="235">
                                             <p:txEl>
                                               <p:pRg end="1" st="1"/>
                                             </p:txEl>
@@ -19838,7 +20965,7 @@
                                           </p:stCondLst>
                                         </p:cTn>
                                         <p:tgtEl>
-                                          <p:spTgt spid="232">
+                                          <p:spTgt spid="235">
                                             <p:txEl>
                                               <p:pRg end="2" st="2"/>
                                             </p:txEl>
@@ -19887,7 +21014,7 @@
                                           </p:stCondLst>
                                         </p:cTn>
                                         <p:tgtEl>
-                                          <p:spTgt spid="232">
+                                          <p:spTgt spid="235">
                                             <p:txEl>
                                               <p:pRg end="3" st="3"/>
                                             </p:txEl>
@@ -20392,7 +21519,7 @@
   <p:cSld>
     <p:spTree>
       <p:nvGrpSpPr>
-        <p:cNvPr id="237" name="Shape 237"/>
+        <p:cNvPr id="240" name="Shape 240"/>
         <p:cNvGrpSpPr/>
         <p:nvPr/>
       </p:nvGrpSpPr>
@@ -20406,7 +21533,7 @@
       </p:grpSpPr>
       <p:sp>
         <p:nvSpPr>
-          <p:cNvPr id="238" name="Google Shape;238;p42"/>
+          <p:cNvPr id="241" name="Google Shape;241;p42"/>
           <p:cNvSpPr txBox="1"/>
           <p:nvPr>
             <p:ph type="title"/>
@@ -20446,7 +21573,7 @@
       </p:sp>
       <p:pic>
         <p:nvPicPr>
-          <p:cNvPr id="239" name="Google Shape;239;p42"/>
+          <p:cNvPr id="242" name="Google Shape;242;p42"/>
           <p:cNvPicPr preferRelativeResize="0"/>
           <p:nvPr/>
         </p:nvPicPr>
@@ -20474,7 +21601,7 @@
       </p:pic>
       <p:pic>
         <p:nvPicPr>
-          <p:cNvPr id="240" name="Google Shape;240;p42"/>
+          <p:cNvPr id="243" name="Google Shape;243;p42"/>
           <p:cNvPicPr preferRelativeResize="0"/>
           <p:nvPr/>
         </p:nvPicPr>
@@ -20513,7 +21640,7 @@
   <p:cSld>
     <p:spTree>
       <p:nvGrpSpPr>
-        <p:cNvPr id="244" name="Shape 244"/>
+        <p:cNvPr id="247" name="Shape 247"/>
         <p:cNvGrpSpPr/>
         <p:nvPr/>
       </p:nvGrpSpPr>
@@ -20527,7 +21654,7 @@
       </p:grpSpPr>
       <p:sp>
         <p:nvSpPr>
-          <p:cNvPr id="245" name="Google Shape;245;p43"/>
+          <p:cNvPr id="248" name="Google Shape;248;p43"/>
           <p:cNvSpPr txBox="1"/>
           <p:nvPr>
             <p:ph type="title"/>
@@ -20566,7 +21693,7 @@
       </p:sp>
       <p:sp>
         <p:nvSpPr>
-          <p:cNvPr id="246" name="Google Shape;246;p43"/>
+          <p:cNvPr id="249" name="Google Shape;249;p43"/>
           <p:cNvSpPr txBox="1"/>
           <p:nvPr>
             <p:ph idx="1" type="body"/>
@@ -20605,7 +21732,7 @@
       </p:sp>
       <p:pic>
         <p:nvPicPr>
-          <p:cNvPr id="247" name="Google Shape;247;p43"/>
+          <p:cNvPr id="250" name="Google Shape;250;p43"/>
           <p:cNvPicPr preferRelativeResize="0"/>
           <p:nvPr/>
         </p:nvPicPr>
@@ -20644,7 +21771,7 @@
   <p:cSld>
     <p:spTree>
       <p:nvGrpSpPr>
-        <p:cNvPr id="251" name="Shape 251"/>
+        <p:cNvPr id="254" name="Shape 254"/>
         <p:cNvGrpSpPr/>
         <p:nvPr/>
       </p:nvGrpSpPr>
@@ -20658,7 +21785,7 @@
       </p:grpSpPr>
       <p:sp>
         <p:nvSpPr>
-          <p:cNvPr id="252" name="Google Shape;252;p44"/>
+          <p:cNvPr id="255" name="Google Shape;255;p44"/>
           <p:cNvSpPr txBox="1"/>
           <p:nvPr>
             <p:ph type="title"/>
@@ -20698,7 +21825,7 @@
       </p:sp>
       <p:pic>
         <p:nvPicPr>
-          <p:cNvPr id="253" name="Google Shape;253;p44"/>
+          <p:cNvPr id="256" name="Google Shape;256;p44"/>
           <p:cNvPicPr preferRelativeResize="0"/>
           <p:nvPr/>
         </p:nvPicPr>
@@ -20725,7 +21852,7 @@
       </p:pic>
       <p:pic>
         <p:nvPicPr>
-          <p:cNvPr id="254" name="Google Shape;254;p44"/>
+          <p:cNvPr id="257" name="Google Shape;257;p44"/>
           <p:cNvPicPr preferRelativeResize="0"/>
           <p:nvPr/>
         </p:nvPicPr>
@@ -20753,7 +21880,7 @@
       </p:pic>
       <p:pic>
         <p:nvPicPr>
-          <p:cNvPr id="255" name="Google Shape;255;p44"/>
+          <p:cNvPr id="258" name="Google Shape;258;p44"/>
           <p:cNvPicPr preferRelativeResize="0"/>
           <p:nvPr/>
         </p:nvPicPr>
@@ -20781,7 +21908,7 @@
       </p:pic>
       <p:sp>
         <p:nvSpPr>
-          <p:cNvPr id="256" name="Google Shape;256;p44"/>
+          <p:cNvPr id="259" name="Google Shape;259;p44"/>
           <p:cNvSpPr txBox="1"/>
           <p:nvPr/>
         </p:nvSpPr>
@@ -20850,7 +21977,7 @@
   <p:cSld>
     <p:spTree>
       <p:nvGrpSpPr>
-        <p:cNvPr id="260" name="Shape 260"/>
+        <p:cNvPr id="263" name="Shape 263"/>
         <p:cNvGrpSpPr/>
         <p:nvPr/>
       </p:nvGrpSpPr>
@@ -20864,7 +21991,7 @@
       </p:grpSpPr>
       <p:sp>
         <p:nvSpPr>
-          <p:cNvPr id="261" name="Google Shape;261;p45"/>
+          <p:cNvPr id="264" name="Google Shape;264;p45"/>
           <p:cNvSpPr txBox="1"/>
           <p:nvPr>
             <p:ph type="title"/>
@@ -20904,7 +22031,7 @@
       </p:sp>
       <p:sp>
         <p:nvSpPr>
-          <p:cNvPr id="262" name="Google Shape;262;p45"/>
+          <p:cNvPr id="265" name="Google Shape;265;p45"/>
           <p:cNvSpPr txBox="1"/>
           <p:nvPr>
             <p:ph idx="1" type="body"/>
@@ -20989,7 +22116,7 @@
   <p:cSld>
     <p:spTree>
       <p:nvGrpSpPr>
-        <p:cNvPr id="266" name="Shape 266"/>
+        <p:cNvPr id="269" name="Shape 269"/>
         <p:cNvGrpSpPr/>
         <p:nvPr/>
       </p:nvGrpSpPr>
@@ -21003,7 +22130,7 @@
       </p:grpSpPr>
       <p:sp>
         <p:nvSpPr>
-          <p:cNvPr id="267" name="Google Shape;267;p46"/>
+          <p:cNvPr id="270" name="Google Shape;270;p46"/>
           <p:cNvSpPr txBox="1"/>
           <p:nvPr>
             <p:ph type="title"/>
@@ -21043,7 +22170,7 @@
       </p:sp>
       <p:sp>
         <p:nvSpPr>
-          <p:cNvPr id="268" name="Google Shape;268;p46"/>
+          <p:cNvPr id="271" name="Google Shape;271;p46"/>
           <p:cNvSpPr txBox="1"/>
           <p:nvPr>
             <p:ph idx="1" type="body"/>
@@ -21083,7 +22210,7 @@
       </p:sp>
       <p:pic>
         <p:nvPicPr>
-          <p:cNvPr id="269" name="Google Shape;269;p46"/>
+          <p:cNvPr id="272" name="Google Shape;272;p46"/>
           <p:cNvPicPr preferRelativeResize="0"/>
           <p:nvPr/>
         </p:nvPicPr>
@@ -21122,7 +22249,7 @@
   <p:cSld>
     <p:spTree>
       <p:nvGrpSpPr>
-        <p:cNvPr id="273" name="Shape 273"/>
+        <p:cNvPr id="276" name="Shape 276"/>
         <p:cNvGrpSpPr/>
         <p:nvPr/>
       </p:nvGrpSpPr>
@@ -21136,7 +22263,7 @@
       </p:grpSpPr>
       <p:sp>
         <p:nvSpPr>
-          <p:cNvPr id="274" name="Google Shape;274;p47"/>
+          <p:cNvPr id="277" name="Google Shape;277;p47"/>
           <p:cNvSpPr txBox="1"/>
           <p:nvPr>
             <p:ph type="title"/>
@@ -21180,7 +22307,7 @@
       </p:sp>
       <p:sp>
         <p:nvSpPr>
-          <p:cNvPr id="275" name="Google Shape;275;p47"/>
+          <p:cNvPr id="278" name="Google Shape;278;p47"/>
           <p:cNvSpPr txBox="1"/>
           <p:nvPr>
             <p:ph idx="1" type="body"/>
@@ -21325,7 +22452,7 @@
       </p:sp>
       <p:pic>
         <p:nvPicPr>
-          <p:cNvPr id="276" name="Google Shape;276;p47"/>
+          <p:cNvPr id="279" name="Google Shape;279;p47"/>
           <p:cNvPicPr preferRelativeResize="0"/>
           <p:nvPr/>
         </p:nvPicPr>
@@ -21353,7 +22480,7 @@
       </p:pic>
       <p:pic>
         <p:nvPicPr>
-          <p:cNvPr id="277" name="Google Shape;277;p47"/>
+          <p:cNvPr id="280" name="Google Shape;280;p47"/>
           <p:cNvPicPr preferRelativeResize="0"/>
           <p:nvPr/>
         </p:nvPicPr>
@@ -21418,7 +22545,7 @@
                                           </p:stCondLst>
                                         </p:cTn>
                                         <p:tgtEl>
-                                          <p:spTgt spid="275">
+                                          <p:spTgt spid="278">
                                             <p:txEl>
                                               <p:pRg end="0" st="0"/>
                                             </p:txEl>
@@ -21467,7 +22594,7 @@
                                           </p:stCondLst>
                                         </p:cTn>
                                         <p:tgtEl>
-                                          <p:spTgt spid="275">
+                                          <p:spTgt spid="278">
                                             <p:txEl>
                                               <p:pRg end="1" st="1"/>
                                             </p:txEl>
@@ -21516,7 +22643,7 @@
                                           </p:stCondLst>
                                         </p:cTn>
                                         <p:tgtEl>
-                                          <p:spTgt spid="275">
+                                          <p:spTgt spid="278">
                                             <p:txEl>
                                               <p:pRg end="2" st="2"/>
                                             </p:txEl>
@@ -21565,7 +22692,7 @@
                                           </p:stCondLst>
                                         </p:cTn>
                                         <p:tgtEl>
-                                          <p:spTgt spid="275">
+                                          <p:spTgt spid="278">
                                             <p:txEl>
                                               <p:pRg end="3" st="3"/>
                                             </p:txEl>
@@ -21614,7 +22741,7 @@
                                           </p:stCondLst>
                                         </p:cTn>
                                         <p:tgtEl>
-                                          <p:spTgt spid="275">
+                                          <p:spTgt spid="278">
                                             <p:txEl>
                                               <p:pRg end="4" st="4"/>
                                             </p:txEl>
@@ -21663,7 +22790,7 @@
                                           </p:stCondLst>
                                         </p:cTn>
                                         <p:tgtEl>
-                                          <p:spTgt spid="275">
+                                          <p:spTgt spid="278">
                                             <p:txEl>
                                               <p:pRg end="5" st="5"/>
                                             </p:txEl>
@@ -21716,7 +22843,7 @@
   <p:cSld>
     <p:spTree>
       <p:nvGrpSpPr>
-        <p:cNvPr id="281" name="Shape 281"/>
+        <p:cNvPr id="284" name="Shape 284"/>
         <p:cNvGrpSpPr/>
         <p:nvPr/>
       </p:nvGrpSpPr>
@@ -21730,7 +22857,7 @@
       </p:grpSpPr>
       <p:sp>
         <p:nvSpPr>
-          <p:cNvPr id="282" name="Google Shape;282;p48"/>
+          <p:cNvPr id="285" name="Google Shape;285;p48"/>
           <p:cNvSpPr txBox="1"/>
           <p:nvPr>
             <p:ph type="title"/>
@@ -21770,7 +22897,7 @@
       </p:sp>
       <p:sp>
         <p:nvSpPr>
-          <p:cNvPr id="283" name="Google Shape;283;p48"/>
+          <p:cNvPr id="286" name="Google Shape;286;p48"/>
           <p:cNvSpPr txBox="1"/>
           <p:nvPr>
             <p:ph idx="1" type="body"/>
@@ -21888,7 +23015,7 @@
       </p:sp>
       <p:pic>
         <p:nvPicPr>
-          <p:cNvPr id="284" name="Google Shape;284;p48"/>
+          <p:cNvPr id="287" name="Google Shape;287;p48"/>
           <p:cNvPicPr preferRelativeResize="0"/>
           <p:nvPr/>
         </p:nvPicPr>
@@ -21916,7 +23043,7 @@
       </p:pic>
       <p:pic>
         <p:nvPicPr>
-          <p:cNvPr id="285" name="Google Shape;285;p48"/>
+          <p:cNvPr id="288" name="Google Shape;288;p48"/>
           <p:cNvPicPr preferRelativeResize="0"/>
           <p:nvPr/>
         </p:nvPicPr>
@@ -21955,7 +23082,7 @@
   <p:cSld>
     <p:spTree>
       <p:nvGrpSpPr>
-        <p:cNvPr id="289" name="Shape 289"/>
+        <p:cNvPr id="292" name="Shape 292"/>
         <p:cNvGrpSpPr/>
         <p:nvPr/>
       </p:nvGrpSpPr>
@@ -21969,7 +23096,7 @@
       </p:grpSpPr>
       <p:sp>
         <p:nvSpPr>
-          <p:cNvPr id="290" name="Google Shape;290;p49"/>
+          <p:cNvPr id="293" name="Google Shape;293;p49"/>
           <p:cNvSpPr txBox="1"/>
           <p:nvPr>
             <p:ph type="title"/>
@@ -22013,7 +23140,7 @@
       </p:sp>
       <p:sp>
         <p:nvSpPr>
-          <p:cNvPr id="291" name="Google Shape;291;p49"/>
+          <p:cNvPr id="294" name="Google Shape;294;p49"/>
           <p:cNvSpPr txBox="1"/>
           <p:nvPr>
             <p:ph idx="1" type="body"/>
@@ -22121,7 +23248,7 @@
       </p:sp>
       <p:pic>
         <p:nvPicPr>
-          <p:cNvPr id="292" name="Google Shape;292;p49"/>
+          <p:cNvPr id="295" name="Google Shape;295;p49"/>
           <p:cNvPicPr preferRelativeResize="0"/>
           <p:nvPr/>
         </p:nvPicPr>
@@ -22149,7 +23276,7 @@
       </p:pic>
       <p:pic>
         <p:nvPicPr>
-          <p:cNvPr id="293" name="Google Shape;293;p49"/>
+          <p:cNvPr id="296" name="Google Shape;296;p49"/>
           <p:cNvPicPr preferRelativeResize="0"/>
           <p:nvPr/>
         </p:nvPicPr>
@@ -22177,7 +23304,7 @@
       </p:pic>
       <p:sp>
         <p:nvSpPr>
-          <p:cNvPr id="294" name="Google Shape;294;p49"/>
+          <p:cNvPr id="297" name="Google Shape;297;p49"/>
           <p:cNvSpPr txBox="1"/>
           <p:nvPr/>
         </p:nvSpPr>
@@ -22383,7 +23510,7 @@
   <p:cSld>
     <p:spTree>
       <p:nvGrpSpPr>
-        <p:cNvPr id="298" name="Shape 298"/>
+        <p:cNvPr id="301" name="Shape 301"/>
         <p:cNvGrpSpPr/>
         <p:nvPr/>
       </p:nvGrpSpPr>
@@ -22397,7 +23524,7 @@
       </p:grpSpPr>
       <p:sp>
         <p:nvSpPr>
-          <p:cNvPr id="299" name="Google Shape;299;p50"/>
+          <p:cNvPr id="302" name="Google Shape;302;p50"/>
           <p:cNvSpPr txBox="1"/>
           <p:nvPr>
             <p:ph type="title"/>
@@ -22437,7 +23564,7 @@
       </p:sp>
       <p:sp>
         <p:nvSpPr>
-          <p:cNvPr id="300" name="Google Shape;300;p50"/>
+          <p:cNvPr id="303" name="Google Shape;303;p50"/>
           <p:cNvSpPr txBox="1"/>
           <p:nvPr>
             <p:ph idx="1" type="body"/>
@@ -22582,7 +23709,7 @@
       </p:sp>
       <p:pic>
         <p:nvPicPr>
-          <p:cNvPr id="301" name="Google Shape;301;p50"/>
+          <p:cNvPr id="304" name="Google Shape;304;p50"/>
           <p:cNvPicPr preferRelativeResize="0"/>
           <p:nvPr/>
         </p:nvPicPr>
@@ -22609,7 +23736,7 @@
       </p:pic>
       <p:pic>
         <p:nvPicPr>
-          <p:cNvPr id="302" name="Google Shape;302;p50"/>
+          <p:cNvPr id="305" name="Google Shape;305;p50"/>
           <p:cNvPicPr preferRelativeResize="0"/>
           <p:nvPr/>
         </p:nvPicPr>
@@ -22674,7 +23801,7 @@
                                           </p:stCondLst>
                                         </p:cTn>
                                         <p:tgtEl>
-                                          <p:spTgt spid="300">
+                                          <p:spTgt spid="303">
                                             <p:txEl>
                                               <p:pRg end="0" st="0"/>
                                             </p:txEl>
@@ -22692,7 +23819,7 @@
                                       <p:cBhvr>
                                         <p:cTn dur="1000"/>
                                         <p:tgtEl>
-                                          <p:spTgt spid="300">
+                                          <p:spTgt spid="303">
                                             <p:txEl>
                                               <p:pRg end="0" st="0"/>
                                             </p:txEl>
@@ -22735,7 +23862,7 @@
                                           </p:stCondLst>
                                         </p:cTn>
                                         <p:tgtEl>
-                                          <p:spTgt spid="300">
+                                          <p:spTgt spid="303">
                                             <p:txEl>
                                               <p:pRg end="1" st="1"/>
                                             </p:txEl>
@@ -22753,7 +23880,7 @@
                                       <p:cBhvr>
                                         <p:cTn dur="1000"/>
                                         <p:tgtEl>
-                                          <p:spTgt spid="300">
+                                          <p:spTgt spid="303">
                                             <p:txEl>
                                               <p:pRg end="1" st="1"/>
                                             </p:txEl>
@@ -22796,7 +23923,7 @@
                                           </p:stCondLst>
                                         </p:cTn>
                                         <p:tgtEl>
-                                          <p:spTgt spid="300">
+                                          <p:spTgt spid="303">
                                             <p:txEl>
                                               <p:pRg end="2" st="2"/>
                                             </p:txEl>
@@ -22814,7 +23941,7 @@
                                       <p:cBhvr>
                                         <p:cTn dur="1000"/>
                                         <p:tgtEl>
-                                          <p:spTgt spid="300">
+                                          <p:spTgt spid="303">
                                             <p:txEl>
                                               <p:pRg end="2" st="2"/>
                                             </p:txEl>
@@ -22857,7 +23984,7 @@
                                           </p:stCondLst>
                                         </p:cTn>
                                         <p:tgtEl>
-                                          <p:spTgt spid="300">
+                                          <p:spTgt spid="303">
                                             <p:txEl>
                                               <p:pRg end="3" st="3"/>
                                             </p:txEl>
@@ -22875,7 +24002,7 @@
                                       <p:cBhvr>
                                         <p:cTn dur="1000"/>
                                         <p:tgtEl>
-                                          <p:spTgt spid="300">
+                                          <p:spTgt spid="303">
                                             <p:txEl>
                                               <p:pRg end="3" st="3"/>
                                             </p:txEl>
@@ -22918,7 +24045,7 @@
                                           </p:stCondLst>
                                         </p:cTn>
                                         <p:tgtEl>
-                                          <p:spTgt spid="300">
+                                          <p:spTgt spid="303">
                                             <p:txEl>
                                               <p:pRg end="4" st="4"/>
                                             </p:txEl>
@@ -22936,7 +24063,7 @@
                                       <p:cBhvr>
                                         <p:cTn dur="1000"/>
                                         <p:tgtEl>
-                                          <p:spTgt spid="300">
+                                          <p:spTgt spid="303">
                                             <p:txEl>
                                               <p:pRg end="4" st="4"/>
                                             </p:txEl>
@@ -22979,7 +24106,7 @@
                                           </p:stCondLst>
                                         </p:cTn>
                                         <p:tgtEl>
-                                          <p:spTgt spid="300">
+                                          <p:spTgt spid="303">
                                             <p:txEl>
                                               <p:pRg end="5" st="5"/>
                                             </p:txEl>
@@ -22997,7 +24124,7 @@
                                       <p:cBhvr>
                                         <p:cTn dur="1000"/>
                                         <p:tgtEl>
-                                          <p:spTgt spid="300">
+                                          <p:spTgt spid="303">
                                             <p:txEl>
                                               <p:pRg end="5" st="5"/>
                                             </p:txEl>
@@ -23040,7 +24167,7 @@
                                           </p:stCondLst>
                                         </p:cTn>
                                         <p:tgtEl>
-                                          <p:spTgt spid="300">
+                                          <p:spTgt spid="303">
                                             <p:txEl>
                                               <p:pRg end="6" st="6"/>
                                             </p:txEl>
@@ -23058,7 +24185,7 @@
                                       <p:cBhvr>
                                         <p:cTn dur="1000"/>
                                         <p:tgtEl>
-                                          <p:spTgt spid="300">
+                                          <p:spTgt spid="303">
                                             <p:txEl>
                                               <p:pRg end="6" st="6"/>
                                             </p:txEl>
@@ -23105,7 +24232,7 @@
   <p:cSld>
     <p:spTree>
       <p:nvGrpSpPr>
-        <p:cNvPr id="306" name="Shape 306"/>
+        <p:cNvPr id="309" name="Shape 309"/>
         <p:cNvGrpSpPr/>
         <p:nvPr/>
       </p:nvGrpSpPr>
@@ -23119,7 +24246,7 @@
       </p:grpSpPr>
       <p:sp>
         <p:nvSpPr>
-          <p:cNvPr id="307" name="Google Shape;307;p51"/>
+          <p:cNvPr id="310" name="Google Shape;310;p51"/>
           <p:cNvSpPr txBox="1"/>
           <p:nvPr>
             <p:ph type="title"/>
@@ -23159,7 +24286,7 @@
       </p:sp>
       <p:pic>
         <p:nvPicPr>
-          <p:cNvPr id="308" name="Google Shape;308;p51"/>
+          <p:cNvPr id="311" name="Google Shape;311;p51"/>
           <p:cNvPicPr preferRelativeResize="0"/>
           <p:nvPr/>
         </p:nvPicPr>
@@ -23187,7 +24314,7 @@
       </p:pic>
       <p:sp>
         <p:nvSpPr>
-          <p:cNvPr id="309" name="Google Shape;309;p51"/>
+          <p:cNvPr id="312" name="Google Shape;312;p51"/>
           <p:cNvSpPr txBox="1"/>
           <p:nvPr/>
         </p:nvSpPr>
@@ -23229,7 +24356,7 @@
       </p:sp>
       <p:cxnSp>
         <p:nvCxnSpPr>
-          <p:cNvPr id="310" name="Google Shape;310;p51"/>
+          <p:cNvPr id="313" name="Google Shape;313;p51"/>
           <p:cNvCxnSpPr/>
           <p:nvPr/>
         </p:nvCxnSpPr>
@@ -23863,7 +24990,7 @@
   <p:cSld>
     <p:spTree>
       <p:nvGrpSpPr>
-        <p:cNvPr id="314" name="Shape 314"/>
+        <p:cNvPr id="317" name="Shape 317"/>
         <p:cNvGrpSpPr/>
         <p:nvPr/>
       </p:nvGrpSpPr>
@@ -23877,7 +25004,7 @@
       </p:grpSpPr>
       <p:sp>
         <p:nvSpPr>
-          <p:cNvPr id="315" name="Google Shape;315;p52"/>
+          <p:cNvPr id="318" name="Google Shape;318;p52"/>
           <p:cNvSpPr txBox="1"/>
           <p:nvPr>
             <p:ph type="title"/>
@@ -23916,7 +25043,7 @@
       </p:sp>
       <p:sp>
         <p:nvSpPr>
-          <p:cNvPr id="316" name="Google Shape;316;p52"/>
+          <p:cNvPr id="319" name="Google Shape;319;p52"/>
           <p:cNvSpPr txBox="1"/>
           <p:nvPr>
             <p:ph idx="1" type="body"/>
@@ -23955,7 +25082,7 @@
       </p:sp>
       <p:pic>
         <p:nvPicPr>
-          <p:cNvPr id="317" name="Google Shape;317;p52"/>
+          <p:cNvPr id="320" name="Google Shape;320;p52"/>
           <p:cNvPicPr preferRelativeResize="0"/>
           <p:nvPr/>
         </p:nvPicPr>
@@ -23994,7 +25121,7 @@
   <p:cSld>
     <p:spTree>
       <p:nvGrpSpPr>
-        <p:cNvPr id="321" name="Shape 321"/>
+        <p:cNvPr id="324" name="Shape 324"/>
         <p:cNvGrpSpPr/>
         <p:nvPr/>
       </p:nvGrpSpPr>
@@ -24008,7 +25135,7 @@
       </p:grpSpPr>
       <p:sp>
         <p:nvSpPr>
-          <p:cNvPr id="322" name="Google Shape;322;p53"/>
+          <p:cNvPr id="325" name="Google Shape;325;p53"/>
           <p:cNvSpPr txBox="1"/>
           <p:nvPr>
             <p:ph type="title"/>
@@ -24048,7 +25175,7 @@
       </p:sp>
       <p:sp>
         <p:nvSpPr>
-          <p:cNvPr id="323" name="Google Shape;323;p53"/>
+          <p:cNvPr id="326" name="Google Shape;326;p53"/>
           <p:cNvSpPr txBox="1"/>
           <p:nvPr>
             <p:ph idx="1" type="body"/>
@@ -24172,7 +25299,7 @@
                                           </p:stCondLst>
                                         </p:cTn>
                                         <p:tgtEl>
-                                          <p:spTgt spid="323">
+                                          <p:spTgt spid="326">
                                             <p:txEl>
                                               <p:pRg end="0" st="0"/>
                                             </p:txEl>
@@ -24190,7 +25317,7 @@
                                       <p:cBhvr>
                                         <p:cTn dur="1000"/>
                                         <p:tgtEl>
-                                          <p:spTgt spid="323">
+                                          <p:spTgt spid="326">
                                             <p:txEl>
                                               <p:pRg end="0" st="0"/>
                                             </p:txEl>
@@ -24233,7 +25360,7 @@
                                           </p:stCondLst>
                                         </p:cTn>
                                         <p:tgtEl>
-                                          <p:spTgt spid="323">
+                                          <p:spTgt spid="326">
                                             <p:txEl>
                                               <p:pRg end="1" st="1"/>
                                             </p:txEl>
@@ -24251,7 +25378,7 @@
                                       <p:cBhvr>
                                         <p:cTn dur="1000"/>
                                         <p:tgtEl>
-                                          <p:spTgt spid="323">
+                                          <p:spTgt spid="326">
                                             <p:txEl>
                                               <p:pRg end="1" st="1"/>
                                             </p:txEl>
@@ -24294,7 +25421,7 @@
                                           </p:stCondLst>
                                         </p:cTn>
                                         <p:tgtEl>
-                                          <p:spTgt spid="323">
+                                          <p:spTgt spid="326">
                                             <p:txEl>
                                               <p:pRg end="2" st="2"/>
                                             </p:txEl>
@@ -24312,7 +25439,7 @@
                                       <p:cBhvr>
                                         <p:cTn dur="1000"/>
                                         <p:tgtEl>
-                                          <p:spTgt spid="323">
+                                          <p:spTgt spid="326">
                                             <p:txEl>
                                               <p:pRg end="2" st="2"/>
                                             </p:txEl>
@@ -24355,7 +25482,7 @@
                                           </p:stCondLst>
                                         </p:cTn>
                                         <p:tgtEl>
-                                          <p:spTgt spid="323">
+                                          <p:spTgt spid="326">
                                             <p:txEl>
                                               <p:pRg end="3" st="3"/>
                                             </p:txEl>
@@ -24373,7 +25500,7 @@
                                       <p:cBhvr>
                                         <p:cTn dur="1000"/>
                                         <p:tgtEl>
-                                          <p:spTgt spid="323">
+                                          <p:spTgt spid="326">
                                             <p:txEl>
                                               <p:pRg end="3" st="3"/>
                                             </p:txEl>
@@ -24420,7 +25547,7 @@
   <p:cSld>
     <p:spTree>
       <p:nvGrpSpPr>
-        <p:cNvPr id="327" name="Shape 327"/>
+        <p:cNvPr id="330" name="Shape 330"/>
         <p:cNvGrpSpPr/>
         <p:nvPr/>
       </p:nvGrpSpPr>
@@ -24434,7 +25561,7 @@
       </p:grpSpPr>
       <p:sp>
         <p:nvSpPr>
-          <p:cNvPr id="328" name="Google Shape;328;p54"/>
+          <p:cNvPr id="331" name="Google Shape;331;p54"/>
           <p:cNvSpPr txBox="1"/>
           <p:nvPr>
             <p:ph type="title"/>
@@ -24474,7 +25601,7 @@
       </p:sp>
       <p:sp>
         <p:nvSpPr>
-          <p:cNvPr id="329" name="Google Shape;329;p54"/>
+          <p:cNvPr id="332" name="Google Shape;332;p54"/>
           <p:cNvSpPr txBox="1"/>
           <p:nvPr>
             <p:ph idx="1" type="body"/>
@@ -24604,7 +25731,7 @@
   <p:cSld>
     <p:spTree>
       <p:nvGrpSpPr>
-        <p:cNvPr id="333" name="Shape 333"/>
+        <p:cNvPr id="336" name="Shape 336"/>
         <p:cNvGrpSpPr/>
         <p:nvPr/>
       </p:nvGrpSpPr>
@@ -24618,7 +25745,7 @@
       </p:grpSpPr>
       <p:sp>
         <p:nvSpPr>
-          <p:cNvPr id="334" name="Google Shape;334;p55"/>
+          <p:cNvPr id="337" name="Google Shape;337;p55"/>
           <p:cNvSpPr txBox="1"/>
           <p:nvPr>
             <p:ph type="title"/>
@@ -24658,7 +25785,7 @@
       </p:sp>
       <p:sp>
         <p:nvSpPr>
-          <p:cNvPr id="335" name="Google Shape;335;p55"/>
+          <p:cNvPr id="338" name="Google Shape;338;p55"/>
           <p:cNvSpPr txBox="1"/>
           <p:nvPr>
             <p:ph idx="1" type="body"/>
@@ -24746,7 +25873,7 @@
       </p:sp>
       <p:pic>
         <p:nvPicPr>
-          <p:cNvPr id="336" name="Google Shape;336;p55"/>
+          <p:cNvPr id="339" name="Google Shape;339;p55"/>
           <p:cNvPicPr preferRelativeResize="0"/>
           <p:nvPr/>
         </p:nvPicPr>
@@ -24811,7 +25938,7 @@
                                           </p:stCondLst>
                                         </p:cTn>
                                         <p:tgtEl>
-                                          <p:spTgt spid="335">
+                                          <p:spTgt spid="338">
                                             <p:txEl>
                                               <p:pRg end="0" st="0"/>
                                             </p:txEl>
@@ -24829,7 +25956,7 @@
                                       <p:cBhvr>
                                         <p:cTn dur="1000"/>
                                         <p:tgtEl>
-                                          <p:spTgt spid="335">
+                                          <p:spTgt spid="338">
                                             <p:txEl>
                                               <p:pRg end="0" st="0"/>
                                             </p:txEl>
@@ -24872,7 +25999,7 @@
                                           </p:stCondLst>
                                         </p:cTn>
                                         <p:tgtEl>
-                                          <p:spTgt spid="335">
+                                          <p:spTgt spid="338">
                                             <p:txEl>
                                               <p:pRg end="1" st="1"/>
                                             </p:txEl>
@@ -24890,7 +26017,7 @@
                                       <p:cBhvr>
                                         <p:cTn dur="1000"/>
                                         <p:tgtEl>
-                                          <p:spTgt spid="335">
+                                          <p:spTgt spid="338">
                                             <p:txEl>
                                               <p:pRg end="1" st="1"/>
                                             </p:txEl>
@@ -24933,7 +26060,7 @@
                                           </p:stCondLst>
                                         </p:cTn>
                                         <p:tgtEl>
-                                          <p:spTgt spid="335">
+                                          <p:spTgt spid="338">
                                             <p:txEl>
                                               <p:pRg end="2" st="2"/>
                                             </p:txEl>
@@ -24951,7 +26078,7 @@
                                       <p:cBhvr>
                                         <p:cTn dur="1000"/>
                                         <p:tgtEl>
-                                          <p:spTgt spid="335">
+                                          <p:spTgt spid="338">
                                             <p:txEl>
                                               <p:pRg end="2" st="2"/>
                                             </p:txEl>
@@ -24994,7 +26121,7 @@
                                           </p:stCondLst>
                                         </p:cTn>
                                         <p:tgtEl>
-                                          <p:spTgt spid="335">
+                                          <p:spTgt spid="338">
                                             <p:txEl>
                                               <p:pRg end="3" st="3"/>
                                             </p:txEl>
@@ -25012,7 +26139,7 @@
                                       <p:cBhvr>
                                         <p:cTn dur="1000"/>
                                         <p:tgtEl>
-                                          <p:spTgt spid="335">
+                                          <p:spTgt spid="338">
                                             <p:txEl>
                                               <p:pRg end="3" st="3"/>
                                             </p:txEl>
@@ -25059,7 +26186,7 @@
   <p:cSld>
     <p:spTree>
       <p:nvGrpSpPr>
-        <p:cNvPr id="340" name="Shape 340"/>
+        <p:cNvPr id="343" name="Shape 343"/>
         <p:cNvGrpSpPr/>
         <p:nvPr/>
       </p:nvGrpSpPr>
@@ -25073,7 +26200,7 @@
       </p:grpSpPr>
       <p:pic>
         <p:nvPicPr>
-          <p:cNvPr id="341" name="Google Shape;341;p56"/>
+          <p:cNvPr id="344" name="Google Shape;344;p56"/>
           <p:cNvPicPr preferRelativeResize="0"/>
           <p:nvPr/>
         </p:nvPicPr>
@@ -25112,7 +26239,7 @@
   <p:cSld>
     <p:spTree>
       <p:nvGrpSpPr>
-        <p:cNvPr id="345" name="Shape 345"/>
+        <p:cNvPr id="348" name="Shape 348"/>
         <p:cNvGrpSpPr/>
         <p:nvPr/>
       </p:nvGrpSpPr>
@@ -25126,7 +26253,7 @@
       </p:grpSpPr>
       <p:pic>
         <p:nvPicPr>
-          <p:cNvPr id="346" name="Google Shape;346;p57"/>
+          <p:cNvPr id="349" name="Google Shape;349;p57"/>
           <p:cNvPicPr preferRelativeResize="0"/>
           <p:nvPr/>
         </p:nvPicPr>
@@ -25165,7 +26292,7 @@
   <p:cSld>
     <p:spTree>
       <p:nvGrpSpPr>
-        <p:cNvPr id="350" name="Shape 350"/>
+        <p:cNvPr id="353" name="Shape 353"/>
         <p:cNvGrpSpPr/>
         <p:nvPr/>
       </p:nvGrpSpPr>
@@ -25179,7 +26306,7 @@
       </p:grpSpPr>
       <p:pic>
         <p:nvPicPr>
-          <p:cNvPr id="351" name="Google Shape;351;p58"/>
+          <p:cNvPr id="354" name="Google Shape;354;p58"/>
           <p:cNvPicPr preferRelativeResize="0"/>
           <p:nvPr/>
         </p:nvPicPr>
@@ -25218,7 +26345,7 @@
   <p:cSld>
     <p:spTree>
       <p:nvGrpSpPr>
-        <p:cNvPr id="355" name="Shape 355"/>
+        <p:cNvPr id="358" name="Shape 358"/>
         <p:cNvGrpSpPr/>
         <p:nvPr/>
       </p:nvGrpSpPr>
@@ -25232,7 +26359,7 @@
       </p:grpSpPr>
       <p:sp>
         <p:nvSpPr>
-          <p:cNvPr id="356" name="Google Shape;356;p59"/>
+          <p:cNvPr id="359" name="Google Shape;359;p59"/>
           <p:cNvSpPr txBox="1"/>
           <p:nvPr>
             <p:ph type="title"/>
@@ -25272,7 +26399,7 @@
       </p:sp>
       <p:sp>
         <p:nvSpPr>
-          <p:cNvPr id="357" name="Google Shape;357;p59"/>
+          <p:cNvPr id="360" name="Google Shape;360;p59"/>
           <p:cNvSpPr txBox="1"/>
           <p:nvPr>
             <p:ph idx="1" type="body"/>
@@ -25320,7 +26447,11 @@
             </a:pPr>
             <a:r>
               <a:rPr lang="en"/>
-              <a:t>Among the two most popular are </a:t>
+              <a:t>Among the most popular are </a:t>
+            </a:r>
+            <a:r>
+              <a:rPr b="1" lang="en"/>
+              <a:t>randomized control trials, </a:t>
             </a:r>
             <a:r>
               <a:rPr b="1" lang="en"/>
@@ -25347,6 +26478,22 @@
               <a:buNone/>
             </a:pPr>
             <a:r>
+              <a:rPr b="1" lang="en"/>
+              <a:t>More on this later</a:t>
+            </a:r>
+            <a:endParaRPr b="1"/>
+          </a:p>
+          <a:p>
+            <a:pPr indent="0" lvl="0" marL="0" rtl="0" algn="l">
+              <a:spcBef>
+                <a:spcPts val="1200"/>
+              </a:spcBef>
+              <a:spcAft>
+                <a:spcPts val="0"/>
+              </a:spcAft>
+              <a:buNone/>
+            </a:pPr>
+            <a:r>
               <a:t/>
             </a:r>
             <a:endParaRPr b="1"/>
@@ -25362,20 +26509,7 @@
               <a:buNone/>
             </a:pPr>
             <a:r>
-              <a:rPr lang="en"/>
-              <a:t>Among the two most popular are </a:t>
-            </a:r>
-            <a:r>
-              <a:rPr b="1" lang="en"/>
-              <a:t>regression discontinuity designs </a:t>
-            </a:r>
-            <a:r>
-              <a:rPr lang="en"/>
-              <a:t>and </a:t>
-            </a:r>
-            <a:r>
-              <a:rPr b="1" lang="en"/>
-              <a:t>difference-in-differences methods</a:t>
+              <a:t/>
             </a:r>
             <a:endParaRPr b="1"/>
           </a:p>
@@ -25405,11 +26539,11 @@
 </file>
 
 <file path=ppt/slides/slide48.xml><?xml version="1.0" encoding="utf-8"?>
-<p:sld xmlns:a="http://schemas.openxmlformats.org/drawingml/2006/main" xmlns:r="http://schemas.openxmlformats.org/officeDocument/2006/relationships" xmlns:mc="http://schemas.openxmlformats.org/markup-compatibility/2006" xmlns:mv="urn:schemas-microsoft-com:mac:vml" xmlns:p="http://schemas.openxmlformats.org/presentationml/2006/main" xmlns:c="http://schemas.openxmlformats.org/drawingml/2006/chart" xmlns:dgm="http://schemas.openxmlformats.org/drawingml/2006/diagram" xmlns:o="urn:schemas-microsoft-com:office:office" xmlns:v="urn:schemas-microsoft-com:vml" xmlns:pvml="urn:schemas-microsoft-com:office:powerpoint" xmlns:com="http://schemas.openxmlformats.org/drawingml/2006/compatibility" xmlns:p14="http://schemas.microsoft.com/office/powerpoint/2010/main" xmlns:p15="http://schemas.microsoft.com/office/powerpoint/2012/main" xmlns:ahyp="http://schemas.microsoft.com/office/drawing/2018/hyperlinkcolor">
+<p:sld xmlns:a="http://schemas.openxmlformats.org/drawingml/2006/main" xmlns:r="http://schemas.openxmlformats.org/officeDocument/2006/relationships" xmlns:mc="http://schemas.openxmlformats.org/markup-compatibility/2006" xmlns:mv="urn:schemas-microsoft-com:mac:vml" xmlns:p="http://schemas.openxmlformats.org/presentationml/2006/main" xmlns:c="http://schemas.openxmlformats.org/drawingml/2006/chart" xmlns:dgm="http://schemas.openxmlformats.org/drawingml/2006/diagram" xmlns:o="urn:schemas-microsoft-com:office:office" xmlns:v="urn:schemas-microsoft-com:vml" xmlns:pvml="urn:schemas-microsoft-com:office:powerpoint" xmlns:com="http://schemas.openxmlformats.org/drawingml/2006/compatibility" xmlns:p14="http://schemas.microsoft.com/office/powerpoint/2010/main" xmlns:p15="http://schemas.microsoft.com/office/powerpoint/2012/main" xmlns:ahyp="http://schemas.microsoft.com/office/drawing/2018/hyperlinkcolor" show="0">
   <p:cSld>
     <p:spTree>
       <p:nvGrpSpPr>
-        <p:cNvPr id="361" name="Shape 361"/>
+        <p:cNvPr id="364" name="Shape 364"/>
         <p:cNvGrpSpPr/>
         <p:nvPr/>
       </p:nvGrpSpPr>
@@ -25423,7 +26557,7 @@
       </p:grpSpPr>
       <p:sp>
         <p:nvSpPr>
-          <p:cNvPr id="362" name="Google Shape;362;p60"/>
+          <p:cNvPr id="365" name="Google Shape;365;p60"/>
           <p:cNvSpPr txBox="1"/>
           <p:nvPr>
             <p:ph type="title"/>
@@ -25463,7 +26597,7 @@
       </p:sp>
       <p:sp>
         <p:nvSpPr>
-          <p:cNvPr id="363" name="Google Shape;363;p60"/>
+          <p:cNvPr id="366" name="Google Shape;366;p60"/>
           <p:cNvSpPr txBox="1"/>
           <p:nvPr>
             <p:ph idx="1" type="body"/>
@@ -25551,7 +26685,7 @@
       </p:sp>
       <p:pic>
         <p:nvPicPr>
-          <p:cNvPr id="364" name="Google Shape;364;p60"/>
+          <p:cNvPr id="367" name="Google Shape;367;p60"/>
           <p:cNvPicPr preferRelativeResize="0"/>
           <p:nvPr/>
         </p:nvPicPr>
@@ -25586,11 +26720,11 @@
 </file>
 
 <file path=ppt/slides/slide49.xml><?xml version="1.0" encoding="utf-8"?>
-<p:sld xmlns:a="http://schemas.openxmlformats.org/drawingml/2006/main" xmlns:r="http://schemas.openxmlformats.org/officeDocument/2006/relationships" xmlns:mc="http://schemas.openxmlformats.org/markup-compatibility/2006" xmlns:mv="urn:schemas-microsoft-com:mac:vml" xmlns:p="http://schemas.openxmlformats.org/presentationml/2006/main" xmlns:c="http://schemas.openxmlformats.org/drawingml/2006/chart" xmlns:dgm="http://schemas.openxmlformats.org/drawingml/2006/diagram" xmlns:o="urn:schemas-microsoft-com:office:office" xmlns:v="urn:schemas-microsoft-com:vml" xmlns:pvml="urn:schemas-microsoft-com:office:powerpoint" xmlns:com="http://schemas.openxmlformats.org/drawingml/2006/compatibility" xmlns:p14="http://schemas.microsoft.com/office/powerpoint/2010/main" xmlns:p15="http://schemas.microsoft.com/office/powerpoint/2012/main" xmlns:ahyp="http://schemas.microsoft.com/office/drawing/2018/hyperlinkcolor">
+<p:sld xmlns:a="http://schemas.openxmlformats.org/drawingml/2006/main" xmlns:r="http://schemas.openxmlformats.org/officeDocument/2006/relationships" xmlns:mc="http://schemas.openxmlformats.org/markup-compatibility/2006" xmlns:mv="urn:schemas-microsoft-com:mac:vml" xmlns:p="http://schemas.openxmlformats.org/presentationml/2006/main" xmlns:c="http://schemas.openxmlformats.org/drawingml/2006/chart" xmlns:dgm="http://schemas.openxmlformats.org/drawingml/2006/diagram" xmlns:o="urn:schemas-microsoft-com:office:office" xmlns:v="urn:schemas-microsoft-com:vml" xmlns:pvml="urn:schemas-microsoft-com:office:powerpoint" xmlns:com="http://schemas.openxmlformats.org/drawingml/2006/compatibility" xmlns:p14="http://schemas.microsoft.com/office/powerpoint/2010/main" xmlns:p15="http://schemas.microsoft.com/office/powerpoint/2012/main" xmlns:ahyp="http://schemas.microsoft.com/office/drawing/2018/hyperlinkcolor" show="0">
   <p:cSld>
     <p:spTree>
       <p:nvGrpSpPr>
-        <p:cNvPr id="368" name="Shape 368"/>
+        <p:cNvPr id="371" name="Shape 371"/>
         <p:cNvGrpSpPr/>
         <p:nvPr/>
       </p:nvGrpSpPr>
@@ -25604,7 +26738,7 @@
       </p:grpSpPr>
       <p:sp>
         <p:nvSpPr>
-          <p:cNvPr id="369" name="Google Shape;369;p61"/>
+          <p:cNvPr id="372" name="Google Shape;372;p61"/>
           <p:cNvSpPr txBox="1"/>
           <p:nvPr>
             <p:ph type="title"/>
@@ -25644,7 +26778,7 @@
       </p:sp>
       <p:sp>
         <p:nvSpPr>
-          <p:cNvPr id="370" name="Google Shape;370;p61"/>
+          <p:cNvPr id="373" name="Google Shape;373;p61"/>
           <p:cNvSpPr txBox="1"/>
           <p:nvPr>
             <p:ph idx="1" type="body"/>
@@ -25684,7 +26818,7 @@
       </p:sp>
       <p:pic>
         <p:nvPicPr>
-          <p:cNvPr id="371" name="Google Shape;371;p61"/>
+          <p:cNvPr id="374" name="Google Shape;374;p61"/>
           <p:cNvPicPr preferRelativeResize="0"/>
           <p:nvPr/>
         </p:nvPicPr>
@@ -26405,7 +27539,7 @@
   <p:cSld>
     <p:spTree>
       <p:nvGrpSpPr>
-        <p:cNvPr id="375" name="Shape 375"/>
+        <p:cNvPr id="378" name="Shape 378"/>
         <p:cNvGrpSpPr/>
         <p:nvPr/>
       </p:nvGrpSpPr>
@@ -26419,7 +27553,7 @@
       </p:grpSpPr>
       <p:pic>
         <p:nvPicPr>
-          <p:cNvPr descr="Today we’re going to talk about measures of central tendency - those are the numbers that tend to hang out in the middle of our data: the mean, the median, and mode. All of these numbers can be called “averages” and they’re the numbers we tend to see most often - whether it’s in politics when talking about polling or income equality to batting averages in baseball (and cricket) and Amazon reviews. Averages are everywhere so today we’re going to discuss how these measures differ, how their relationship with one another can tell us a lot about the underlying data, and how they are sometimes used to mislead. &#10;&#10;&#10;Crash Course is on Patreon! You can support us directly by signing up at http://www.patreon.com/crashcourse&#10;&#10;Thanks to the following Patrons for their generous monthly contributions that help keep Crash Course free for everyone forever:&#10;&#10;Mark Brouwer, Nickie Miskell Jr., Jessica Wode, Eric Prestemon, Kathrin Benoit, Tom Trval, Jason Saslow, Nathan Taylor, Divonne Holmes à Court, Brian Thomas Gossett, Khaled El Shalakany, Indika Siriwardena, Robert Kunz, SR Foxley, Sam Ferguson, Yasenia Cruz, Daniel Baulig, Eric Koslow, Caleb Weeks, Tim Curwick, Evren Türkmenoğlu, Alexander Tamas, Justin Zingsheim, D.A. Noe, Shawn Arnold, mark austin, Ruth Perez, Malcolm Callis, Ken Penttinen, Advait Shinde, Cody Carpenter, Annamaria Herrera, William McGraw, Bader AlGhamdi, Vaso, Melissa Briski, Joey Quek, Andrei Krishkevich, Rachel Bright, Alex S, Mayumi Maeda, Kathy &amp; Tim Philip, Montather, Jirat, Eric Kitchen, Moritz Schmidt, Ian Dundore, Chris Peters, Sandra Aft, Steve Marshall&#10;&#10;Want to find Crash Course elsewhere on the internet?&#10;Facebook - http://www.facebook.com/YouTubeCrashC...&#10;Twitter - http://www.twitter.com/TheCrashCourse&#10;Tumblr - http://thecrashcourse.tumblr.com &#10;Support Crash Course on Patreon: http://patreon.com/crashcourse&#10;CC Kids: http://www.youtube.com/crashcoursekids" id="376" name="Google Shape;376;p62" title="Mean, Median, and Mode: Measures of Central Tendency: Crash Course Statistics #3">
+          <p:cNvPr descr="Today we’re going to talk about measures of central tendency - those are the numbers that tend to hang out in the middle of our data: the mean, the median, and mode. All of these numbers can be called “averages” and they’re the numbers we tend to see most often - whether it’s in politics when talking about polling or income equality to batting averages in baseball (and cricket) and Amazon reviews. Averages are everywhere so today we’re going to discuss how these measures differ, how their relationship with one another can tell us a lot about the underlying data, and how they are sometimes used to mislead. &#10;&#10;&#10;Crash Course is on Patreon! You can support us directly by signing up at http://www.patreon.com/crashcourse&#10;&#10;Thanks to the following Patrons for their generous monthly contributions that help keep Crash Course free for everyone forever:&#10;&#10;Mark Brouwer, Nickie Miskell Jr., Jessica Wode, Eric Prestemon, Kathrin Benoit, Tom Trval, Jason Saslow, Nathan Taylor, Divonne Holmes à Court, Brian Thomas Gossett, Khaled El Shalakany, Indika Siriwardena, Robert Kunz, SR Foxley, Sam Ferguson, Yasenia Cruz, Daniel Baulig, Eric Koslow, Caleb Weeks, Tim Curwick, Evren Türkmenoğlu, Alexander Tamas, Justin Zingsheim, D.A. Noe, Shawn Arnold, mark austin, Ruth Perez, Malcolm Callis, Ken Penttinen, Advait Shinde, Cody Carpenter, Annamaria Herrera, William McGraw, Bader AlGhamdi, Vaso, Melissa Briski, Joey Quek, Andrei Krishkevich, Rachel Bright, Alex S, Mayumi Maeda, Kathy &amp; Tim Philip, Montather, Jirat, Eric Kitchen, Moritz Schmidt, Ian Dundore, Chris Peters, Sandra Aft, Steve Marshall&#10;&#10;Want to find Crash Course elsewhere on the internet?&#10;Facebook - http://www.facebook.com/YouTubeCrashC...&#10;Twitter - http://www.twitter.com/TheCrashCourse&#10;Tumblr - http://thecrashcourse.tumblr.com &#10;Support Crash Course on Patreon: http://patreon.com/crashcourse&#10;CC Kids: http://www.youtube.com/crashcoursekids" id="379" name="Google Shape;379;p62" title="Mean, Median, and Mode: Measures of Central Tendency: Crash Course Statistics #3">
             <a:hlinkClick r:id="rId3"/>
           </p:cNvPr>
           <p:cNvPicPr preferRelativeResize="0"/>
@@ -26486,7 +27620,7 @@
                                           </p:stCondLst>
                                         </p:cTn>
                                         <p:tgtEl>
-                                          <p:spTgt spid="376"/>
+                                          <p:spTgt spid="379"/>
                                         </p:tgtEl>
                                         <p:attrNameLst>
                                           <p:attrName>style.visibility</p:attrName>
@@ -26500,7 +27634,7 @@
                                       <p:cBhvr>
                                         <p:cTn dur="1000"/>
                                         <p:tgtEl>
-                                          <p:spTgt spid="376"/>
+                                          <p:spTgt spid="379"/>
                                         </p:tgtEl>
                                       </p:cBhvr>
                                     </p:animEffect>
@@ -26543,7 +27677,7 @@
   <p:cSld>
     <p:spTree>
       <p:nvGrpSpPr>
-        <p:cNvPr id="380" name="Shape 380"/>
+        <p:cNvPr id="383" name="Shape 383"/>
         <p:cNvGrpSpPr/>
         <p:nvPr/>
       </p:nvGrpSpPr>
@@ -26557,7 +27691,7 @@
       </p:grpSpPr>
       <p:pic>
         <p:nvPicPr>
-          <p:cNvPr descr="Today, we're looking at measures of spread, or dispersion, which we use to understand how well medians and means represent the data, and how reliable our conclusions are. They can help understand test scores, income inequality, spot stock bubbles, and plan gambling junkets. They're pretty useful, and now you're going to know how to calculate them!&#10;&#10;Crash Course is on Patreon! You can support us directly by signing up at http://www.patreon.com/crashcourse&#10;&#10;Thanks to the following Patrons for their generous monthly contributions that help keep Crash Course free for everyone forever:&#10;&#10;Mark Brouwer, Nickie Miskell Jr., Jessica Wode, Eric Prestemon, Kathrin Benoit, Tom Trval, Jason Saslow, Nathan Taylor, Divonne Holmes à Court, Brian Thomas Gossett, Khaled El Shalakany, Indika Siriwardena, Robert Kunz, SR Foxley, Sam Ferguson, Yasenia Cruz, Daniel Baulig, Eric Koslow, Caleb Weeks, Tim Curwick, Evren Türkmenoğlu, Alexander Tamas, Justin Zingsheim, D.A. Noe, Shawn Arnold, mark austin, Ruth Perez, Malcolm Callis, Ken Penttinen, Advait Shinde, Cody Carpenter, Annamaria Herrera, William McGraw, Bader AlGhamdi, Vaso, Melissa Briski, Joey Quek, Andrei Krishkevich, Rachel Bright, Alex S, Mayumi Maeda, Kathy &amp; Tim Philip, Montather, Jirat, Eric Kitchen, Moritz Schmidt, Ian Dundore, Chris Peters, Sandra Aft, Steve Marshall&#10;--&#10;&#10;Want to find Crash Course elsewhere on the internet?&#10;Facebook - http://www.facebook.com/YouTubeCrashCourse&#10;Twitter - http://www.twitter.com/TheCrashCourse&#10;Tumblr - http://thecrashcourse.tumblr.com &#10;Support Crash Course on Patreon: http://patreon.com/crashcourse&#10;&#10;CC Kids: http://www.youtube.com/crashcoursekids" id="381" name="Google Shape;381;p63" title="Measures of Spread: Crash Course Statistics #4">
+          <p:cNvPr descr="Today, we're looking at measures of spread, or dispersion, which we use to understand how well medians and means represent the data, and how reliable our conclusions are. They can help understand test scores, income inequality, spot stock bubbles, and plan gambling junkets. They're pretty useful, and now you're going to know how to calculate them!&#10;&#10;Crash Course is on Patreon! You can support us directly by signing up at http://www.patreon.com/crashcourse&#10;&#10;Thanks to the following Patrons for their generous monthly contributions that help keep Crash Course free for everyone forever:&#10;&#10;Mark Brouwer, Nickie Miskell Jr., Jessica Wode, Eric Prestemon, Kathrin Benoit, Tom Trval, Jason Saslow, Nathan Taylor, Divonne Holmes à Court, Brian Thomas Gossett, Khaled El Shalakany, Indika Siriwardena, Robert Kunz, SR Foxley, Sam Ferguson, Yasenia Cruz, Daniel Baulig, Eric Koslow, Caleb Weeks, Tim Curwick, Evren Türkmenoğlu, Alexander Tamas, Justin Zingsheim, D.A. Noe, Shawn Arnold, mark austin, Ruth Perez, Malcolm Callis, Ken Penttinen, Advait Shinde, Cody Carpenter, Annamaria Herrera, William McGraw, Bader AlGhamdi, Vaso, Melissa Briski, Joey Quek, Andrei Krishkevich, Rachel Bright, Alex S, Mayumi Maeda, Kathy &amp; Tim Philip, Montather, Jirat, Eric Kitchen, Moritz Schmidt, Ian Dundore, Chris Peters, Sandra Aft, Steve Marshall&#10;--&#10;&#10;Want to find Crash Course elsewhere on the internet?&#10;Facebook - http://www.facebook.com/YouTubeCrashCourse&#10;Twitter - http://www.twitter.com/TheCrashCourse&#10;Tumblr - http://thecrashcourse.tumblr.com &#10;Support Crash Course on Patreon: http://patreon.com/crashcourse&#10;&#10;CC Kids: http://www.youtube.com/crashcoursekids" id="384" name="Google Shape;384;p63" title="Measures of Spread: Crash Course Statistics #4">
             <a:hlinkClick r:id="rId3"/>
           </p:cNvPr>
           <p:cNvPicPr preferRelativeResize="0"/>
@@ -26624,7 +27758,7 @@
                                           </p:stCondLst>
                                         </p:cTn>
                                         <p:tgtEl>
-                                          <p:spTgt spid="381"/>
+                                          <p:spTgt spid="384"/>
                                         </p:tgtEl>
                                         <p:attrNameLst>
                                           <p:attrName>style.visibility</p:attrName>
@@ -26638,7 +27772,7 @@
                                       <p:cBhvr>
                                         <p:cTn dur="1000"/>
                                         <p:tgtEl>
-                                          <p:spTgt spid="381"/>
+                                          <p:spTgt spid="384"/>
                                         </p:tgtEl>
                                       </p:cBhvr>
                                     </p:animEffect>
@@ -27423,7 +28557,7 @@
             <a:tbl>
               <a:tblPr>
                 <a:noFill/>
-                <a:tableStyleId>{A5BDE029-3F3A-4CE4-BBAE-1AADE762A4A3}</a:tableStyleId>
+                <a:tableStyleId>{78E11B05-264C-4127-AC4A-65041B67743D}</a:tableStyleId>
               </a:tblPr>
               <a:tblGrid>
                 <a:gridCol w="1369450"/>
@@ -29391,6 +30525,526 @@
   <p:clrMapOvr>
     <a:masterClrMapping/>
   </p:clrMapOvr>
+  <p:timing>
+    <p:tnLst>
+      <p:par>
+        <p:cTn dur="indefinite" nodeType="tmRoot" restart="never">
+          <p:childTnLst>
+            <p:seq concurrent="1" nextAc="seek">
+              <p:cTn dur="indefinite" id="2" nodeType="mainSeq">
+                <p:childTnLst>
+                  <p:par>
+                    <p:cTn fill="hold">
+                      <p:stCondLst>
+                        <p:cond delay="indefinite"/>
+                      </p:stCondLst>
+                      <p:childTnLst>
+                        <p:par>
+                          <p:cTn fill="hold">
+                            <p:stCondLst>
+                              <p:cond delay="0"/>
+                            </p:stCondLst>
+                            <p:childTnLst>
+                              <p:par>
+                                <p:cTn fill="hold" nodeType="clickEffect" presetClass="entr" presetID="1" presetSubtype="0">
+                                  <p:stCondLst>
+                                    <p:cond delay="0"/>
+                                  </p:stCondLst>
+                                  <p:childTnLst>
+                                    <p:set>
+                                      <p:cBhvr>
+                                        <p:cTn dur="1" fill="hold">
+                                          <p:stCondLst>
+                                            <p:cond delay="0"/>
+                                          </p:stCondLst>
+                                        </p:cTn>
+                                        <p:tgtEl>
+                                          <p:spTgt spid="102">
+                                            <p:txEl>
+                                              <p:pRg end="0" st="0"/>
+                                            </p:txEl>
+                                          </p:spTgt>
+                                        </p:tgtEl>
+                                        <p:attrNameLst>
+                                          <p:attrName>style.visibility</p:attrName>
+                                        </p:attrNameLst>
+                                      </p:cBhvr>
+                                      <p:to>
+                                        <p:strVal val="visible"/>
+                                      </p:to>
+                                    </p:set>
+                                  </p:childTnLst>
+                                </p:cTn>
+                              </p:par>
+                            </p:childTnLst>
+                          </p:cTn>
+                        </p:par>
+                      </p:childTnLst>
+                    </p:cTn>
+                  </p:par>
+                  <p:par>
+                    <p:cTn fill="hold">
+                      <p:stCondLst>
+                        <p:cond delay="indefinite"/>
+                      </p:stCondLst>
+                      <p:childTnLst>
+                        <p:par>
+                          <p:cTn fill="hold">
+                            <p:stCondLst>
+                              <p:cond delay="0"/>
+                            </p:stCondLst>
+                            <p:childTnLst>
+                              <p:par>
+                                <p:cTn fill="hold" nodeType="clickEffect" presetClass="entr" presetID="1" presetSubtype="0">
+                                  <p:stCondLst>
+                                    <p:cond delay="0"/>
+                                  </p:stCondLst>
+                                  <p:childTnLst>
+                                    <p:set>
+                                      <p:cBhvr>
+                                        <p:cTn dur="1" fill="hold">
+                                          <p:stCondLst>
+                                            <p:cond delay="0"/>
+                                          </p:stCondLst>
+                                        </p:cTn>
+                                        <p:tgtEl>
+                                          <p:spTgt spid="102">
+                                            <p:txEl>
+                                              <p:pRg end="1" st="1"/>
+                                            </p:txEl>
+                                          </p:spTgt>
+                                        </p:tgtEl>
+                                        <p:attrNameLst>
+                                          <p:attrName>style.visibility</p:attrName>
+                                        </p:attrNameLst>
+                                      </p:cBhvr>
+                                      <p:to>
+                                        <p:strVal val="visible"/>
+                                      </p:to>
+                                    </p:set>
+                                  </p:childTnLst>
+                                </p:cTn>
+                              </p:par>
+                            </p:childTnLst>
+                          </p:cTn>
+                        </p:par>
+                      </p:childTnLst>
+                    </p:cTn>
+                  </p:par>
+                  <p:par>
+                    <p:cTn fill="hold">
+                      <p:stCondLst>
+                        <p:cond delay="indefinite"/>
+                      </p:stCondLst>
+                      <p:childTnLst>
+                        <p:par>
+                          <p:cTn fill="hold">
+                            <p:stCondLst>
+                              <p:cond delay="0"/>
+                            </p:stCondLst>
+                            <p:childTnLst>
+                              <p:par>
+                                <p:cTn fill="hold" nodeType="clickEffect" presetClass="entr" presetID="1" presetSubtype="0">
+                                  <p:stCondLst>
+                                    <p:cond delay="0"/>
+                                  </p:stCondLst>
+                                  <p:childTnLst>
+                                    <p:set>
+                                      <p:cBhvr>
+                                        <p:cTn dur="1" fill="hold">
+                                          <p:stCondLst>
+                                            <p:cond delay="0"/>
+                                          </p:stCondLst>
+                                        </p:cTn>
+                                        <p:tgtEl>
+                                          <p:spTgt spid="102">
+                                            <p:txEl>
+                                              <p:pRg end="2" st="2"/>
+                                            </p:txEl>
+                                          </p:spTgt>
+                                        </p:tgtEl>
+                                        <p:attrNameLst>
+                                          <p:attrName>style.visibility</p:attrName>
+                                        </p:attrNameLst>
+                                      </p:cBhvr>
+                                      <p:to>
+                                        <p:strVal val="visible"/>
+                                      </p:to>
+                                    </p:set>
+                                  </p:childTnLst>
+                                </p:cTn>
+                              </p:par>
+                            </p:childTnLst>
+                          </p:cTn>
+                        </p:par>
+                      </p:childTnLst>
+                    </p:cTn>
+                  </p:par>
+                  <p:par>
+                    <p:cTn fill="hold">
+                      <p:stCondLst>
+                        <p:cond delay="indefinite"/>
+                      </p:stCondLst>
+                      <p:childTnLst>
+                        <p:par>
+                          <p:cTn fill="hold">
+                            <p:stCondLst>
+                              <p:cond delay="0"/>
+                            </p:stCondLst>
+                            <p:childTnLst>
+                              <p:par>
+                                <p:cTn fill="hold" nodeType="clickEffect" presetClass="entr" presetID="1" presetSubtype="0">
+                                  <p:stCondLst>
+                                    <p:cond delay="0"/>
+                                  </p:stCondLst>
+                                  <p:childTnLst>
+                                    <p:set>
+                                      <p:cBhvr>
+                                        <p:cTn dur="1" fill="hold">
+                                          <p:stCondLst>
+                                            <p:cond delay="0"/>
+                                          </p:stCondLst>
+                                        </p:cTn>
+                                        <p:tgtEl>
+                                          <p:spTgt spid="102">
+                                            <p:txEl>
+                                              <p:pRg end="3" st="3"/>
+                                            </p:txEl>
+                                          </p:spTgt>
+                                        </p:tgtEl>
+                                        <p:attrNameLst>
+                                          <p:attrName>style.visibility</p:attrName>
+                                        </p:attrNameLst>
+                                      </p:cBhvr>
+                                      <p:to>
+                                        <p:strVal val="visible"/>
+                                      </p:to>
+                                    </p:set>
+                                  </p:childTnLst>
+                                </p:cTn>
+                              </p:par>
+                            </p:childTnLst>
+                          </p:cTn>
+                        </p:par>
+                      </p:childTnLst>
+                    </p:cTn>
+                  </p:par>
+                  <p:par>
+                    <p:cTn fill="hold">
+                      <p:stCondLst>
+                        <p:cond delay="indefinite"/>
+                      </p:stCondLst>
+                      <p:childTnLst>
+                        <p:par>
+                          <p:cTn fill="hold">
+                            <p:stCondLst>
+                              <p:cond delay="0"/>
+                            </p:stCondLst>
+                            <p:childTnLst>
+                              <p:par>
+                                <p:cTn fill="hold" nodeType="clickEffect" presetClass="entr" presetID="1" presetSubtype="0">
+                                  <p:stCondLst>
+                                    <p:cond delay="0"/>
+                                  </p:stCondLst>
+                                  <p:childTnLst>
+                                    <p:set>
+                                      <p:cBhvr>
+                                        <p:cTn dur="1" fill="hold">
+                                          <p:stCondLst>
+                                            <p:cond delay="0"/>
+                                          </p:stCondLst>
+                                        </p:cTn>
+                                        <p:tgtEl>
+                                          <p:spTgt spid="102">
+                                            <p:txEl>
+                                              <p:pRg end="4" st="4"/>
+                                            </p:txEl>
+                                          </p:spTgt>
+                                        </p:tgtEl>
+                                        <p:attrNameLst>
+                                          <p:attrName>style.visibility</p:attrName>
+                                        </p:attrNameLst>
+                                      </p:cBhvr>
+                                      <p:to>
+                                        <p:strVal val="visible"/>
+                                      </p:to>
+                                    </p:set>
+                                  </p:childTnLst>
+                                </p:cTn>
+                              </p:par>
+                            </p:childTnLst>
+                          </p:cTn>
+                        </p:par>
+                      </p:childTnLst>
+                    </p:cTn>
+                  </p:par>
+                  <p:par>
+                    <p:cTn fill="hold">
+                      <p:stCondLst>
+                        <p:cond delay="indefinite"/>
+                      </p:stCondLst>
+                      <p:childTnLst>
+                        <p:par>
+                          <p:cTn fill="hold">
+                            <p:stCondLst>
+                              <p:cond delay="0"/>
+                            </p:stCondLst>
+                            <p:childTnLst>
+                              <p:par>
+                                <p:cTn fill="hold" nodeType="clickEffect" presetClass="entr" presetID="1" presetSubtype="0">
+                                  <p:stCondLst>
+                                    <p:cond delay="0"/>
+                                  </p:stCondLst>
+                                  <p:childTnLst>
+                                    <p:set>
+                                      <p:cBhvr>
+                                        <p:cTn dur="1" fill="hold">
+                                          <p:stCondLst>
+                                            <p:cond delay="0"/>
+                                          </p:stCondLst>
+                                        </p:cTn>
+                                        <p:tgtEl>
+                                          <p:spTgt spid="102">
+                                            <p:txEl>
+                                              <p:pRg end="5" st="5"/>
+                                            </p:txEl>
+                                          </p:spTgt>
+                                        </p:tgtEl>
+                                        <p:attrNameLst>
+                                          <p:attrName>style.visibility</p:attrName>
+                                        </p:attrNameLst>
+                                      </p:cBhvr>
+                                      <p:to>
+                                        <p:strVal val="visible"/>
+                                      </p:to>
+                                    </p:set>
+                                  </p:childTnLst>
+                                </p:cTn>
+                              </p:par>
+                            </p:childTnLst>
+                          </p:cTn>
+                        </p:par>
+                      </p:childTnLst>
+                    </p:cTn>
+                  </p:par>
+                  <p:par>
+                    <p:cTn fill="hold">
+                      <p:stCondLst>
+                        <p:cond delay="indefinite"/>
+                      </p:stCondLst>
+                      <p:childTnLst>
+                        <p:par>
+                          <p:cTn fill="hold">
+                            <p:stCondLst>
+                              <p:cond delay="0"/>
+                            </p:stCondLst>
+                            <p:childTnLst>
+                              <p:par>
+                                <p:cTn fill="hold" nodeType="clickEffect" presetClass="entr" presetID="1" presetSubtype="0">
+                                  <p:stCondLst>
+                                    <p:cond delay="0"/>
+                                  </p:stCondLst>
+                                  <p:childTnLst>
+                                    <p:set>
+                                      <p:cBhvr>
+                                        <p:cTn dur="1" fill="hold">
+                                          <p:stCondLst>
+                                            <p:cond delay="0"/>
+                                          </p:stCondLst>
+                                        </p:cTn>
+                                        <p:tgtEl>
+                                          <p:spTgt spid="102">
+                                            <p:txEl>
+                                              <p:pRg end="6" st="6"/>
+                                            </p:txEl>
+                                          </p:spTgt>
+                                        </p:tgtEl>
+                                        <p:attrNameLst>
+                                          <p:attrName>style.visibility</p:attrName>
+                                        </p:attrNameLst>
+                                      </p:cBhvr>
+                                      <p:to>
+                                        <p:strVal val="visible"/>
+                                      </p:to>
+                                    </p:set>
+                                  </p:childTnLst>
+                                </p:cTn>
+                              </p:par>
+                            </p:childTnLst>
+                          </p:cTn>
+                        </p:par>
+                      </p:childTnLst>
+                    </p:cTn>
+                  </p:par>
+                  <p:par>
+                    <p:cTn fill="hold">
+                      <p:stCondLst>
+                        <p:cond delay="indefinite"/>
+                      </p:stCondLst>
+                      <p:childTnLst>
+                        <p:par>
+                          <p:cTn fill="hold">
+                            <p:stCondLst>
+                              <p:cond delay="0"/>
+                            </p:stCondLst>
+                            <p:childTnLst>
+                              <p:par>
+                                <p:cTn fill="hold" nodeType="clickEffect" presetClass="entr" presetID="1" presetSubtype="0">
+                                  <p:stCondLst>
+                                    <p:cond delay="0"/>
+                                  </p:stCondLst>
+                                  <p:childTnLst>
+                                    <p:set>
+                                      <p:cBhvr>
+                                        <p:cTn dur="1" fill="hold">
+                                          <p:stCondLst>
+                                            <p:cond delay="0"/>
+                                          </p:stCondLst>
+                                        </p:cTn>
+                                        <p:tgtEl>
+                                          <p:spTgt spid="102">
+                                            <p:txEl>
+                                              <p:pRg end="7" st="7"/>
+                                            </p:txEl>
+                                          </p:spTgt>
+                                        </p:tgtEl>
+                                        <p:attrNameLst>
+                                          <p:attrName>style.visibility</p:attrName>
+                                        </p:attrNameLst>
+                                      </p:cBhvr>
+                                      <p:to>
+                                        <p:strVal val="visible"/>
+                                      </p:to>
+                                    </p:set>
+                                  </p:childTnLst>
+                                </p:cTn>
+                              </p:par>
+                            </p:childTnLst>
+                          </p:cTn>
+                        </p:par>
+                      </p:childTnLst>
+                    </p:cTn>
+                  </p:par>
+                  <p:par>
+                    <p:cTn fill="hold">
+                      <p:stCondLst>
+                        <p:cond delay="indefinite"/>
+                      </p:stCondLst>
+                      <p:childTnLst>
+                        <p:par>
+                          <p:cTn fill="hold">
+                            <p:stCondLst>
+                              <p:cond delay="0"/>
+                            </p:stCondLst>
+                            <p:childTnLst>
+                              <p:par>
+                                <p:cTn fill="hold" nodeType="clickEffect" presetClass="entr" presetID="1" presetSubtype="0">
+                                  <p:stCondLst>
+                                    <p:cond delay="0"/>
+                                  </p:stCondLst>
+                                  <p:childTnLst>
+                                    <p:set>
+                                      <p:cBhvr>
+                                        <p:cTn dur="1" fill="hold">
+                                          <p:stCondLst>
+                                            <p:cond delay="0"/>
+                                          </p:stCondLst>
+                                        </p:cTn>
+                                        <p:tgtEl>
+                                          <p:spTgt spid="102">
+                                            <p:txEl>
+                                              <p:pRg end="8" st="8"/>
+                                            </p:txEl>
+                                          </p:spTgt>
+                                        </p:tgtEl>
+                                        <p:attrNameLst>
+                                          <p:attrName>style.visibility</p:attrName>
+                                        </p:attrNameLst>
+                                      </p:cBhvr>
+                                      <p:to>
+                                        <p:strVal val="visible"/>
+                                      </p:to>
+                                    </p:set>
+                                  </p:childTnLst>
+                                </p:cTn>
+                              </p:par>
+                            </p:childTnLst>
+                          </p:cTn>
+                        </p:par>
+                      </p:childTnLst>
+                    </p:cTn>
+                  </p:par>
+                  <p:par>
+                    <p:cTn fill="hold">
+                      <p:stCondLst>
+                        <p:cond delay="indefinite"/>
+                      </p:stCondLst>
+                      <p:childTnLst>
+                        <p:par>
+                          <p:cTn fill="hold">
+                            <p:stCondLst>
+                              <p:cond delay="0"/>
+                            </p:stCondLst>
+                            <p:childTnLst>
+                              <p:par>
+                                <p:cTn fill="hold" nodeType="clickEffect" presetClass="entr" presetID="1" presetSubtype="0">
+                                  <p:stCondLst>
+                                    <p:cond delay="0"/>
+                                  </p:stCondLst>
+                                  <p:childTnLst>
+                                    <p:set>
+                                      <p:cBhvr>
+                                        <p:cTn dur="1" fill="hold">
+                                          <p:stCondLst>
+                                            <p:cond delay="0"/>
+                                          </p:stCondLst>
+                                        </p:cTn>
+                                        <p:tgtEl>
+                                          <p:spTgt spid="102">
+                                            <p:txEl>
+                                              <p:pRg end="9" st="9"/>
+                                            </p:txEl>
+                                          </p:spTgt>
+                                        </p:tgtEl>
+                                        <p:attrNameLst>
+                                          <p:attrName>style.visibility</p:attrName>
+                                        </p:attrNameLst>
+                                      </p:cBhvr>
+                                      <p:to>
+                                        <p:strVal val="visible"/>
+                                      </p:to>
+                                    </p:set>
+                                  </p:childTnLst>
+                                </p:cTn>
+                              </p:par>
+                            </p:childTnLst>
+                          </p:cTn>
+                        </p:par>
+                      </p:childTnLst>
+                    </p:cTn>
+                  </p:par>
+                </p:childTnLst>
+              </p:cTn>
+              <p:prevCondLst>
+                <p:cond evt="onPrev">
+                  <p:tgtEl>
+                    <p:sldTgt/>
+                  </p:tgtEl>
+                </p:cond>
+              </p:prevCondLst>
+              <p:nextCondLst>
+                <p:cond evt="onNext">
+                  <p:tgtEl>
+                    <p:sldTgt/>
+                  </p:tgtEl>
+                </p:cond>
+              </p:nextCondLst>
+            </p:seq>
+          </p:childTnLst>
+        </p:cTn>
+      </p:par>
+    </p:tnLst>
+  </p:timing>
 </p:sld>
 </file>
 

--- a/Stuff For Class/Slides/Descriptive Statistics.pptx
+++ b/Stuff For Class/Slides/Descriptive Statistics.pptx
@@ -1455,7 +1455,7 @@
   <p:cSld>
     <p:spTree>
       <p:nvGrpSpPr>
-        <p:cNvPr id="147" name="Shape 147"/>
+        <p:cNvPr id="149" name="Shape 149"/>
         <p:cNvGrpSpPr/>
         <p:nvPr/>
       </p:nvGrpSpPr>
@@ -1469,7 +1469,7 @@
       </p:grpSpPr>
       <p:sp>
         <p:nvSpPr>
-          <p:cNvPr id="148" name="Google Shape;148;g3035a109990_0_0:notes"/>
+          <p:cNvPr id="150" name="Google Shape;150;g3035a109990_0_0:notes"/>
           <p:cNvSpPr/>
           <p:nvPr>
             <p:ph idx="2" type="sldImg"/>
@@ -1504,7 +1504,7 @@
       </p:sp>
       <p:sp>
         <p:nvSpPr>
-          <p:cNvPr id="149" name="Google Shape;149;g3035a109990_0_0:notes"/>
+          <p:cNvPr id="151" name="Google Shape;151;g3035a109990_0_0:notes"/>
           <p:cNvSpPr txBox="1"/>
           <p:nvPr>
             <p:ph idx="1" type="body"/>
@@ -1555,7 +1555,7 @@
   <p:cSld>
     <p:spTree>
       <p:nvGrpSpPr>
-        <p:cNvPr id="155" name="Shape 155"/>
+        <p:cNvPr id="157" name="Shape 157"/>
         <p:cNvGrpSpPr/>
         <p:nvPr/>
       </p:nvGrpSpPr>
@@ -1569,7 +1569,7 @@
       </p:grpSpPr>
       <p:sp>
         <p:nvSpPr>
-          <p:cNvPr id="156" name="Google Shape;156;g251b89d698c_0_51:notes"/>
+          <p:cNvPr id="158" name="Google Shape;158;g251b89d698c_0_51:notes"/>
           <p:cNvSpPr/>
           <p:nvPr>
             <p:ph idx="2" type="sldImg"/>
@@ -1604,7 +1604,7 @@
       </p:sp>
       <p:sp>
         <p:nvSpPr>
-          <p:cNvPr id="157" name="Google Shape;157;g251b89d698c_0_51:notes"/>
+          <p:cNvPr id="159" name="Google Shape;159;g251b89d698c_0_51:notes"/>
           <p:cNvSpPr txBox="1"/>
           <p:nvPr>
             <p:ph idx="1" type="body"/>
@@ -1654,7 +1654,7 @@
   <p:cSld>
     <p:spTree>
       <p:nvGrpSpPr>
-        <p:cNvPr id="162" name="Shape 162"/>
+        <p:cNvPr id="164" name="Shape 164"/>
         <p:cNvGrpSpPr/>
         <p:nvPr/>
       </p:nvGrpSpPr>
@@ -1668,7 +1668,7 @@
       </p:grpSpPr>
       <p:sp>
         <p:nvSpPr>
-          <p:cNvPr id="163" name="Google Shape;163;g251b89d698c_0_56:notes"/>
+          <p:cNvPr id="165" name="Google Shape;165;g251b89d698c_0_56:notes"/>
           <p:cNvSpPr/>
           <p:nvPr>
             <p:ph idx="2" type="sldImg"/>
@@ -1703,7 +1703,7 @@
       </p:sp>
       <p:sp>
         <p:nvSpPr>
-          <p:cNvPr id="164" name="Google Shape;164;g251b89d698c_0_56:notes"/>
+          <p:cNvPr id="166" name="Google Shape;166;g251b89d698c_0_56:notes"/>
           <p:cNvSpPr txBox="1"/>
           <p:nvPr>
             <p:ph idx="1" type="body"/>
@@ -1753,7 +1753,7 @@
   <p:cSld>
     <p:spTree>
       <p:nvGrpSpPr>
-        <p:cNvPr id="168" name="Shape 168"/>
+        <p:cNvPr id="170" name="Shape 170"/>
         <p:cNvGrpSpPr/>
         <p:nvPr/>
       </p:nvGrpSpPr>
@@ -1767,7 +1767,7 @@
       </p:grpSpPr>
       <p:sp>
         <p:nvSpPr>
-          <p:cNvPr id="169" name="Google Shape;169;g30388507035_0_3:notes"/>
+          <p:cNvPr id="171" name="Google Shape;171;g30388507035_0_3:notes"/>
           <p:cNvSpPr/>
           <p:nvPr>
             <p:ph idx="2" type="sldImg"/>
@@ -1802,7 +1802,7 @@
       </p:sp>
       <p:sp>
         <p:nvSpPr>
-          <p:cNvPr id="170" name="Google Shape;170;g30388507035_0_3:notes"/>
+          <p:cNvPr id="172" name="Google Shape;172;g30388507035_0_3:notes"/>
           <p:cNvSpPr txBox="1"/>
           <p:nvPr>
             <p:ph idx="1" type="body"/>
@@ -1951,7 +1951,7 @@
   <p:cSld>
     <p:spTree>
       <p:nvGrpSpPr>
-        <p:cNvPr id="174" name="Shape 174"/>
+        <p:cNvPr id="176" name="Shape 176"/>
         <p:cNvGrpSpPr/>
         <p:nvPr/>
       </p:nvGrpSpPr>
@@ -1965,7 +1965,7 @@
       </p:grpSpPr>
       <p:sp>
         <p:nvSpPr>
-          <p:cNvPr id="175" name="Google Shape;175;g2f49c845e9f_0_31:notes"/>
+          <p:cNvPr id="177" name="Google Shape;177;g329cd79c6e6_0_0:notes"/>
           <p:cNvSpPr/>
           <p:nvPr>
             <p:ph idx="2" type="sldImg"/>
@@ -2000,7 +2000,7 @@
       </p:sp>
       <p:sp>
         <p:nvSpPr>
-          <p:cNvPr id="176" name="Google Shape;176;g2f49c845e9f_0_31:notes"/>
+          <p:cNvPr id="178" name="Google Shape;178;g329cd79c6e6_0_0:notes"/>
           <p:cNvSpPr txBox="1"/>
           <p:nvPr>
             <p:ph idx="1" type="body"/>
@@ -2050,7 +2050,7 @@
   <p:cSld>
     <p:spTree>
       <p:nvGrpSpPr>
-        <p:cNvPr id="180" name="Shape 180"/>
+        <p:cNvPr id="183" name="Shape 183"/>
         <p:cNvGrpSpPr/>
         <p:nvPr/>
       </p:nvGrpSpPr>
@@ -2064,7 +2064,7 @@
       </p:grpSpPr>
       <p:sp>
         <p:nvSpPr>
-          <p:cNvPr id="181" name="Google Shape;181;g251b89d698c_0_61:notes"/>
+          <p:cNvPr id="184" name="Google Shape;184;g2f49c845e9f_0_31:notes"/>
           <p:cNvSpPr/>
           <p:nvPr>
             <p:ph idx="2" type="sldImg"/>
@@ -2099,7 +2099,7 @@
       </p:sp>
       <p:sp>
         <p:nvSpPr>
-          <p:cNvPr id="182" name="Google Shape;182;g251b89d698c_0_61:notes"/>
+          <p:cNvPr id="185" name="Google Shape;185;g2f49c845e9f_0_31:notes"/>
           <p:cNvSpPr txBox="1"/>
           <p:nvPr>
             <p:ph idx="1" type="body"/>
@@ -2149,7 +2149,7 @@
   <p:cSld>
     <p:spTree>
       <p:nvGrpSpPr>
-        <p:cNvPr id="186" name="Shape 186"/>
+        <p:cNvPr id="189" name="Shape 189"/>
         <p:cNvGrpSpPr/>
         <p:nvPr/>
       </p:nvGrpSpPr>
@@ -2163,7 +2163,7 @@
       </p:grpSpPr>
       <p:sp>
         <p:nvSpPr>
-          <p:cNvPr id="187" name="Google Shape;187;g2c350c65034_0_26:notes"/>
+          <p:cNvPr id="190" name="Google Shape;190;g251b89d698c_0_61:notes"/>
           <p:cNvSpPr/>
           <p:nvPr>
             <p:ph idx="2" type="sldImg"/>
@@ -2198,7 +2198,7 @@
       </p:sp>
       <p:sp>
         <p:nvSpPr>
-          <p:cNvPr id="188" name="Google Shape;188;g2c350c65034_0_26:notes"/>
+          <p:cNvPr id="191" name="Google Shape;191;g251b89d698c_0_61:notes"/>
           <p:cNvSpPr txBox="1"/>
           <p:nvPr>
             <p:ph idx="1" type="body"/>
@@ -2248,7 +2248,7 @@
   <p:cSld>
     <p:spTree>
       <p:nvGrpSpPr>
-        <p:cNvPr id="192" name="Shape 192"/>
+        <p:cNvPr id="195" name="Shape 195"/>
         <p:cNvGrpSpPr/>
         <p:nvPr/>
       </p:nvGrpSpPr>
@@ -2262,7 +2262,7 @@
       </p:grpSpPr>
       <p:sp>
         <p:nvSpPr>
-          <p:cNvPr id="193" name="Google Shape;193;g290740e3554_0_0:notes"/>
+          <p:cNvPr id="196" name="Google Shape;196;g2c350c65034_0_26:notes"/>
           <p:cNvSpPr/>
           <p:nvPr>
             <p:ph idx="2" type="sldImg"/>
@@ -2297,7 +2297,7 @@
       </p:sp>
       <p:sp>
         <p:nvSpPr>
-          <p:cNvPr id="194" name="Google Shape;194;g290740e3554_0_0:notes"/>
+          <p:cNvPr id="197" name="Google Shape;197;g2c350c65034_0_26:notes"/>
           <p:cNvSpPr txBox="1"/>
           <p:nvPr>
             <p:ph idx="1" type="body"/>
@@ -2347,7 +2347,7 @@
   <p:cSld>
     <p:spTree>
       <p:nvGrpSpPr>
-        <p:cNvPr id="199" name="Shape 199"/>
+        <p:cNvPr id="201" name="Shape 201"/>
         <p:cNvGrpSpPr/>
         <p:nvPr/>
       </p:nvGrpSpPr>
@@ -2361,7 +2361,7 @@
       </p:grpSpPr>
       <p:sp>
         <p:nvSpPr>
-          <p:cNvPr id="200" name="Google Shape;200;g251c7ec207e_0_16:notes"/>
+          <p:cNvPr id="202" name="Google Shape;202;g290740e3554_0_0:notes"/>
           <p:cNvSpPr/>
           <p:nvPr>
             <p:ph idx="2" type="sldImg"/>
@@ -2396,7 +2396,7 @@
       </p:sp>
       <p:sp>
         <p:nvSpPr>
-          <p:cNvPr id="201" name="Google Shape;201;g251c7ec207e_0_16:notes"/>
+          <p:cNvPr id="203" name="Google Shape;203;g290740e3554_0_0:notes"/>
           <p:cNvSpPr txBox="1"/>
           <p:nvPr>
             <p:ph idx="1" type="body"/>
@@ -2446,7 +2446,7 @@
   <p:cSld>
     <p:spTree>
       <p:nvGrpSpPr>
-        <p:cNvPr id="205" name="Shape 205"/>
+        <p:cNvPr id="208" name="Shape 208"/>
         <p:cNvGrpSpPr/>
         <p:nvPr/>
       </p:nvGrpSpPr>
@@ -2460,7 +2460,7 @@
       </p:grpSpPr>
       <p:sp>
         <p:nvSpPr>
-          <p:cNvPr id="206" name="Google Shape;206;g251b89d698c_0_77:notes"/>
+          <p:cNvPr id="209" name="Google Shape;209;g251c7ec207e_0_16:notes"/>
           <p:cNvSpPr/>
           <p:nvPr>
             <p:ph idx="2" type="sldImg"/>
@@ -2495,7 +2495,7 @@
       </p:sp>
       <p:sp>
         <p:nvSpPr>
-          <p:cNvPr id="207" name="Google Shape;207;g251b89d698c_0_77:notes"/>
+          <p:cNvPr id="210" name="Google Shape;210;g251c7ec207e_0_16:notes"/>
           <p:cNvSpPr txBox="1"/>
           <p:nvPr>
             <p:ph idx="1" type="body"/>
@@ -2545,7 +2545,7 @@
   <p:cSld>
     <p:spTree>
       <p:nvGrpSpPr>
-        <p:cNvPr id="211" name="Shape 211"/>
+        <p:cNvPr id="214" name="Shape 214"/>
         <p:cNvGrpSpPr/>
         <p:nvPr/>
       </p:nvGrpSpPr>
@@ -2559,7 +2559,7 @@
       </p:grpSpPr>
       <p:sp>
         <p:nvSpPr>
-          <p:cNvPr id="212" name="Google Shape;212;g251c7ec207e_0_5:notes"/>
+          <p:cNvPr id="215" name="Google Shape;215;g251b89d698c_0_77:notes"/>
           <p:cNvSpPr/>
           <p:nvPr>
             <p:ph idx="2" type="sldImg"/>
@@ -2594,7 +2594,7 @@
       </p:sp>
       <p:sp>
         <p:nvSpPr>
-          <p:cNvPr id="213" name="Google Shape;213;g251c7ec207e_0_5:notes"/>
+          <p:cNvPr id="216" name="Google Shape;216;g251b89d698c_0_77:notes"/>
           <p:cNvSpPr txBox="1"/>
           <p:nvPr>
             <p:ph idx="1" type="body"/>
@@ -2644,7 +2644,7 @@
   <p:cSld>
     <p:spTree>
       <p:nvGrpSpPr>
-        <p:cNvPr id="217" name="Shape 217"/>
+        <p:cNvPr id="220" name="Shape 220"/>
         <p:cNvGrpSpPr/>
         <p:nvPr/>
       </p:nvGrpSpPr>
@@ -2658,7 +2658,7 @@
       </p:grpSpPr>
       <p:sp>
         <p:nvSpPr>
-          <p:cNvPr id="218" name="Google Shape;218;g251b89d698c_0_72:notes"/>
+          <p:cNvPr id="221" name="Google Shape;221;g251c7ec207e_0_29:notes"/>
           <p:cNvSpPr/>
           <p:nvPr>
             <p:ph idx="2" type="sldImg"/>
@@ -2693,7 +2693,7 @@
       </p:sp>
       <p:sp>
         <p:nvSpPr>
-          <p:cNvPr id="219" name="Google Shape;219;g251b89d698c_0_72:notes"/>
+          <p:cNvPr id="222" name="Google Shape;222;g251c7ec207e_0_29:notes"/>
           <p:cNvSpPr txBox="1"/>
           <p:nvPr>
             <p:ph idx="1" type="body"/>
@@ -2743,7 +2743,7 @@
   <p:cSld>
     <p:spTree>
       <p:nvGrpSpPr>
-        <p:cNvPr id="223" name="Shape 223"/>
+        <p:cNvPr id="227" name="Shape 227"/>
         <p:cNvGrpSpPr/>
         <p:nvPr/>
       </p:nvGrpSpPr>
@@ -2757,7 +2757,7 @@
       </p:grpSpPr>
       <p:sp>
         <p:nvSpPr>
-          <p:cNvPr id="224" name="Google Shape;224;g251c7ec207e_0_29:notes"/>
+          <p:cNvPr id="228" name="Google Shape;228;g251c7ec207e_0_0:notes"/>
           <p:cNvSpPr/>
           <p:nvPr>
             <p:ph idx="2" type="sldImg"/>
@@ -2792,7 +2792,7 @@
       </p:sp>
       <p:sp>
         <p:nvSpPr>
-          <p:cNvPr id="225" name="Google Shape;225;g251c7ec207e_0_29:notes"/>
+          <p:cNvPr id="229" name="Google Shape;229;g251c7ec207e_0_0:notes"/>
           <p:cNvSpPr txBox="1"/>
           <p:nvPr>
             <p:ph idx="1" type="body"/>
@@ -2842,7 +2842,7 @@
   <p:cSld>
     <p:spTree>
       <p:nvGrpSpPr>
-        <p:cNvPr id="230" name="Shape 230"/>
+        <p:cNvPr id="234" name="Shape 234"/>
         <p:cNvGrpSpPr/>
         <p:nvPr/>
       </p:nvGrpSpPr>
@@ -2856,7 +2856,7 @@
       </p:grpSpPr>
       <p:sp>
         <p:nvSpPr>
-          <p:cNvPr id="231" name="Google Shape;231;g251c7ec207e_0_0:notes"/>
+          <p:cNvPr id="235" name="Google Shape;235;g2c350c65034_0_0:notes"/>
           <p:cNvSpPr/>
           <p:nvPr>
             <p:ph idx="2" type="sldImg"/>
@@ -2891,7 +2891,7 @@
       </p:sp>
       <p:sp>
         <p:nvSpPr>
-          <p:cNvPr id="232" name="Google Shape;232;g251c7ec207e_0_0:notes"/>
+          <p:cNvPr id="236" name="Google Shape;236;g2c350c65034_0_0:notes"/>
           <p:cNvSpPr txBox="1"/>
           <p:nvPr>
             <p:ph idx="1" type="body"/>
@@ -3040,7 +3040,7 @@
   <p:cSld>
     <p:spTree>
       <p:nvGrpSpPr>
-        <p:cNvPr id="237" name="Shape 237"/>
+        <p:cNvPr id="241" name="Shape 241"/>
         <p:cNvGrpSpPr/>
         <p:nvPr/>
       </p:nvGrpSpPr>
@@ -3054,7 +3054,7 @@
       </p:grpSpPr>
       <p:sp>
         <p:nvSpPr>
-          <p:cNvPr id="238" name="Google Shape;238;g2c350c65034_0_0:notes"/>
+          <p:cNvPr id="242" name="Google Shape;242;g2f49c845e9f_0_12:notes"/>
           <p:cNvSpPr/>
           <p:nvPr>
             <p:ph idx="2" type="sldImg"/>
@@ -3089,7 +3089,7 @@
       </p:sp>
       <p:sp>
         <p:nvSpPr>
-          <p:cNvPr id="239" name="Google Shape;239;g2c350c65034_0_0:notes"/>
+          <p:cNvPr id="243" name="Google Shape;243;g2f49c845e9f_0_12:notes"/>
           <p:cNvSpPr txBox="1"/>
           <p:nvPr>
             <p:ph idx="1" type="body"/>
@@ -3139,7 +3139,7 @@
   <p:cSld>
     <p:spTree>
       <p:nvGrpSpPr>
-        <p:cNvPr id="244" name="Shape 244"/>
+        <p:cNvPr id="248" name="Shape 248"/>
         <p:cNvGrpSpPr/>
         <p:nvPr/>
       </p:nvGrpSpPr>
@@ -3153,7 +3153,7 @@
       </p:grpSpPr>
       <p:sp>
         <p:nvSpPr>
-          <p:cNvPr id="245" name="Google Shape;245;g2f49c845e9f_0_12:notes"/>
+          <p:cNvPr id="249" name="Google Shape;249;g2c350c65034_0_6:notes"/>
           <p:cNvSpPr/>
           <p:nvPr>
             <p:ph idx="2" type="sldImg"/>
@@ -3188,7 +3188,7 @@
       </p:sp>
       <p:sp>
         <p:nvSpPr>
-          <p:cNvPr id="246" name="Google Shape;246;g2f49c845e9f_0_12:notes"/>
+          <p:cNvPr id="250" name="Google Shape;250;g2c350c65034_0_6:notes"/>
           <p:cNvSpPr txBox="1"/>
           <p:nvPr>
             <p:ph idx="1" type="body"/>
@@ -3238,7 +3238,7 @@
   <p:cSld>
     <p:spTree>
       <p:nvGrpSpPr>
-        <p:cNvPr id="251" name="Shape 251"/>
+        <p:cNvPr id="257" name="Shape 257"/>
         <p:cNvGrpSpPr/>
         <p:nvPr/>
       </p:nvGrpSpPr>
@@ -3252,7 +3252,7 @@
       </p:grpSpPr>
       <p:sp>
         <p:nvSpPr>
-          <p:cNvPr id="252" name="Google Shape;252;g2c350c65034_0_6:notes"/>
+          <p:cNvPr id="258" name="Google Shape;258;g2d8318b3d08_0_0:notes"/>
           <p:cNvSpPr/>
           <p:nvPr>
             <p:ph idx="2" type="sldImg"/>
@@ -3287,7 +3287,7 @@
       </p:sp>
       <p:sp>
         <p:nvSpPr>
-          <p:cNvPr id="253" name="Google Shape;253;g2c350c65034_0_6:notes"/>
+          <p:cNvPr id="259" name="Google Shape;259;g2d8318b3d08_0_0:notes"/>
           <p:cNvSpPr txBox="1"/>
           <p:nvPr>
             <p:ph idx="1" type="body"/>
@@ -3337,7 +3337,7 @@
   <p:cSld>
     <p:spTree>
       <p:nvGrpSpPr>
-        <p:cNvPr id="260" name="Shape 260"/>
+        <p:cNvPr id="264" name="Shape 264"/>
         <p:cNvGrpSpPr/>
         <p:nvPr/>
       </p:nvGrpSpPr>
@@ -3351,7 +3351,7 @@
       </p:grpSpPr>
       <p:sp>
         <p:nvSpPr>
-          <p:cNvPr id="261" name="Google Shape;261;g2c350c65034_0_21:notes"/>
+          <p:cNvPr id="265" name="Google Shape;265;g2c350c65034_0_21:notes"/>
           <p:cNvSpPr/>
           <p:nvPr>
             <p:ph idx="2" type="sldImg"/>
@@ -3386,7 +3386,7 @@
       </p:sp>
       <p:sp>
         <p:nvSpPr>
-          <p:cNvPr id="262" name="Google Shape;262;g2c350c65034_0_21:notes"/>
+          <p:cNvPr id="266" name="Google Shape;266;g2c350c65034_0_21:notes"/>
           <p:cNvSpPr txBox="1"/>
           <p:nvPr>
             <p:ph idx="1" type="body"/>
@@ -3436,7 +3436,7 @@
   <p:cSld>
     <p:spTree>
       <p:nvGrpSpPr>
-        <p:cNvPr id="266" name="Shape 266"/>
+        <p:cNvPr id="270" name="Shape 270"/>
         <p:cNvGrpSpPr/>
         <p:nvPr/>
       </p:nvGrpSpPr>
@@ -3450,7 +3450,7 @@
       </p:grpSpPr>
       <p:sp>
         <p:nvSpPr>
-          <p:cNvPr id="267" name="Google Shape;267;g22ab2d931f9_0_10:notes"/>
+          <p:cNvPr id="271" name="Google Shape;271;g22ab2d931f9_0_22:notes"/>
           <p:cNvSpPr/>
           <p:nvPr>
             <p:ph idx="2" type="sldImg"/>
@@ -3485,7 +3485,7 @@
       </p:sp>
       <p:sp>
         <p:nvSpPr>
-          <p:cNvPr id="268" name="Google Shape;268;g22ab2d931f9_0_10:notes"/>
+          <p:cNvPr id="272" name="Google Shape;272;g22ab2d931f9_0_22:notes"/>
           <p:cNvSpPr txBox="1"/>
           <p:nvPr>
             <p:ph idx="1" type="body"/>
@@ -3535,7 +3535,7 @@
   <p:cSld>
     <p:spTree>
       <p:nvGrpSpPr>
-        <p:cNvPr id="273" name="Shape 273"/>
+        <p:cNvPr id="278" name="Shape 278"/>
         <p:cNvGrpSpPr/>
         <p:nvPr/>
       </p:nvGrpSpPr>
@@ -3549,7 +3549,7 @@
       </p:grpSpPr>
       <p:sp>
         <p:nvSpPr>
-          <p:cNvPr id="274" name="Google Shape;274;g22ab2d931f9_0_22:notes"/>
+          <p:cNvPr id="279" name="Google Shape;279;g22ab2d931f9_0_29:notes"/>
           <p:cNvSpPr/>
           <p:nvPr>
             <p:ph idx="2" type="sldImg"/>
@@ -3584,7 +3584,7 @@
       </p:sp>
       <p:sp>
         <p:nvSpPr>
-          <p:cNvPr id="275" name="Google Shape;275;g22ab2d931f9_0_22:notes"/>
+          <p:cNvPr id="280" name="Google Shape;280;g22ab2d931f9_0_29:notes"/>
           <p:cNvSpPr txBox="1"/>
           <p:nvPr>
             <p:ph idx="1" type="body"/>
@@ -3634,7 +3634,7 @@
   <p:cSld>
     <p:spTree>
       <p:nvGrpSpPr>
-        <p:cNvPr id="281" name="Shape 281"/>
+        <p:cNvPr id="286" name="Shape 286"/>
         <p:cNvGrpSpPr/>
         <p:nvPr/>
       </p:nvGrpSpPr>
@@ -3648,7 +3648,7 @@
       </p:grpSpPr>
       <p:sp>
         <p:nvSpPr>
-          <p:cNvPr id="282" name="Google Shape;282;g22ab2d931f9_0_29:notes"/>
+          <p:cNvPr id="287" name="Google Shape;287;g22ab2d931f9_0_54:notes"/>
           <p:cNvSpPr/>
           <p:nvPr>
             <p:ph idx="2" type="sldImg"/>
@@ -3683,7 +3683,7 @@
       </p:sp>
       <p:sp>
         <p:nvSpPr>
-          <p:cNvPr id="283" name="Google Shape;283;g22ab2d931f9_0_29:notes"/>
+          <p:cNvPr id="288" name="Google Shape;288;g22ab2d931f9_0_54:notes"/>
           <p:cNvSpPr txBox="1"/>
           <p:nvPr>
             <p:ph idx="1" type="body"/>
@@ -3733,7 +3733,7 @@
   <p:cSld>
     <p:spTree>
       <p:nvGrpSpPr>
-        <p:cNvPr id="289" name="Shape 289"/>
+        <p:cNvPr id="295" name="Shape 295"/>
         <p:cNvGrpSpPr/>
         <p:nvPr/>
       </p:nvGrpSpPr>
@@ -3747,7 +3747,7 @@
       </p:grpSpPr>
       <p:sp>
         <p:nvSpPr>
-          <p:cNvPr id="290" name="Google Shape;290;g22ab2d931f9_0_54:notes"/>
+          <p:cNvPr id="296" name="Google Shape;296;g22ab2d931f9_0_43:notes"/>
           <p:cNvSpPr/>
           <p:nvPr>
             <p:ph idx="2" type="sldImg"/>
@@ -3782,7 +3782,7 @@
       </p:sp>
       <p:sp>
         <p:nvSpPr>
-          <p:cNvPr id="291" name="Google Shape;291;g22ab2d931f9_0_54:notes"/>
+          <p:cNvPr id="297" name="Google Shape;297;g22ab2d931f9_0_43:notes"/>
           <p:cNvSpPr txBox="1"/>
           <p:nvPr>
             <p:ph idx="1" type="body"/>
@@ -3832,7 +3832,7 @@
   <p:cSld>
     <p:spTree>
       <p:nvGrpSpPr>
-        <p:cNvPr id="298" name="Shape 298"/>
+        <p:cNvPr id="303" name="Shape 303"/>
         <p:cNvGrpSpPr/>
         <p:nvPr/>
       </p:nvGrpSpPr>
@@ -3846,7 +3846,7 @@
       </p:grpSpPr>
       <p:sp>
         <p:nvSpPr>
-          <p:cNvPr id="299" name="Google Shape;299;g22ab2d931f9_0_43:notes"/>
+          <p:cNvPr id="304" name="Google Shape;304;g22ab2d931f9_0_61:notes"/>
           <p:cNvSpPr/>
           <p:nvPr>
             <p:ph idx="2" type="sldImg"/>
@@ -3881,7 +3881,7 @@
       </p:sp>
       <p:sp>
         <p:nvSpPr>
-          <p:cNvPr id="300" name="Google Shape;300;g22ab2d931f9_0_43:notes"/>
+          <p:cNvPr id="305" name="Google Shape;305;g22ab2d931f9_0_61:notes"/>
           <p:cNvSpPr txBox="1"/>
           <p:nvPr>
             <p:ph idx="1" type="body"/>
@@ -3931,7 +3931,7 @@
   <p:cSld>
     <p:spTree>
       <p:nvGrpSpPr>
-        <p:cNvPr id="306" name="Shape 306"/>
+        <p:cNvPr id="311" name="Shape 311"/>
         <p:cNvGrpSpPr/>
         <p:nvPr/>
       </p:nvGrpSpPr>
@@ -3945,7 +3945,7 @@
       </p:grpSpPr>
       <p:sp>
         <p:nvSpPr>
-          <p:cNvPr id="307" name="Google Shape;307;g22ab2d931f9_0_61:notes"/>
+          <p:cNvPr id="312" name="Google Shape;312;g2f49c845e9f_0_0:notes"/>
           <p:cNvSpPr/>
           <p:nvPr>
             <p:ph idx="2" type="sldImg"/>
@@ -3980,7 +3980,7 @@
       </p:sp>
       <p:sp>
         <p:nvSpPr>
-          <p:cNvPr id="308" name="Google Shape;308;g22ab2d931f9_0_61:notes"/>
+          <p:cNvPr id="313" name="Google Shape;313;g2f49c845e9f_0_0:notes"/>
           <p:cNvSpPr txBox="1"/>
           <p:nvPr>
             <p:ph idx="1" type="body"/>
@@ -4129,7 +4129,7 @@
   <p:cSld>
     <p:spTree>
       <p:nvGrpSpPr>
-        <p:cNvPr id="314" name="Shape 314"/>
+        <p:cNvPr id="318" name="Shape 318"/>
         <p:cNvGrpSpPr/>
         <p:nvPr/>
       </p:nvGrpSpPr>
@@ -4143,7 +4143,7 @@
       </p:grpSpPr>
       <p:sp>
         <p:nvSpPr>
-          <p:cNvPr id="315" name="Google Shape;315;g2f49c845e9f_0_0:notes"/>
+          <p:cNvPr id="319" name="Google Shape;319;g22ab2d931f9_0_68:notes"/>
           <p:cNvSpPr/>
           <p:nvPr>
             <p:ph idx="2" type="sldImg"/>
@@ -4178,7 +4178,7 @@
       </p:sp>
       <p:sp>
         <p:nvSpPr>
-          <p:cNvPr id="316" name="Google Shape;316;g2f49c845e9f_0_0:notes"/>
+          <p:cNvPr id="320" name="Google Shape;320;g22ab2d931f9_0_68:notes"/>
           <p:cNvSpPr txBox="1"/>
           <p:nvPr>
             <p:ph idx="1" type="body"/>
@@ -4228,7 +4228,7 @@
   <p:cSld>
     <p:spTree>
       <p:nvGrpSpPr>
-        <p:cNvPr id="321" name="Shape 321"/>
+        <p:cNvPr id="324" name="Shape 324"/>
         <p:cNvGrpSpPr/>
         <p:nvPr/>
       </p:nvGrpSpPr>
@@ -4242,7 +4242,7 @@
       </p:grpSpPr>
       <p:sp>
         <p:nvSpPr>
-          <p:cNvPr id="322" name="Google Shape;322;g22ab2d931f9_0_68:notes"/>
+          <p:cNvPr id="325" name="Google Shape;325;g22ab2d931f9_0_10:notes"/>
           <p:cNvSpPr/>
           <p:nvPr>
             <p:ph idx="2" type="sldImg"/>
@@ -4277,7 +4277,7 @@
       </p:sp>
       <p:sp>
         <p:nvSpPr>
-          <p:cNvPr id="323" name="Google Shape;323;g22ab2d931f9_0_68:notes"/>
+          <p:cNvPr id="326" name="Google Shape;326;g22ab2d931f9_0_10:notes"/>
           <p:cNvSpPr txBox="1"/>
           <p:nvPr>
             <p:ph idx="1" type="body"/>
@@ -4327,7 +4327,7 @@
   <p:cSld>
     <p:spTree>
       <p:nvGrpSpPr>
-        <p:cNvPr id="327" name="Shape 327"/>
+        <p:cNvPr id="331" name="Shape 331"/>
         <p:cNvGrpSpPr/>
         <p:nvPr/>
       </p:nvGrpSpPr>
@@ -4341,7 +4341,7 @@
       </p:grpSpPr>
       <p:sp>
         <p:nvSpPr>
-          <p:cNvPr id="328" name="Google Shape;328;g22ab2d931f9_0_73:notes"/>
+          <p:cNvPr id="332" name="Google Shape;332;g22ab2d931f9_0_73:notes"/>
           <p:cNvSpPr/>
           <p:nvPr>
             <p:ph idx="2" type="sldImg"/>
@@ -4376,7 +4376,7 @@
       </p:sp>
       <p:sp>
         <p:nvSpPr>
-          <p:cNvPr id="329" name="Google Shape;329;g22ab2d931f9_0_73:notes"/>
+          <p:cNvPr id="333" name="Google Shape;333;g22ab2d931f9_0_73:notes"/>
           <p:cNvSpPr txBox="1"/>
           <p:nvPr>
             <p:ph idx="1" type="body"/>
@@ -4426,7 +4426,7 @@
   <p:cSld>
     <p:spTree>
       <p:nvGrpSpPr>
-        <p:cNvPr id="333" name="Shape 333"/>
+        <p:cNvPr id="337" name="Shape 337"/>
         <p:cNvGrpSpPr/>
         <p:nvPr/>
       </p:nvGrpSpPr>
@@ -4440,7 +4440,7 @@
       </p:grpSpPr>
       <p:sp>
         <p:nvSpPr>
-          <p:cNvPr id="334" name="Google Shape;334;g22ab2d931f9_0_78:notes"/>
+          <p:cNvPr id="338" name="Google Shape;338;g22ab2d931f9_0_78:notes"/>
           <p:cNvSpPr/>
           <p:nvPr>
             <p:ph idx="2" type="sldImg"/>
@@ -4475,7 +4475,7 @@
       </p:sp>
       <p:sp>
         <p:nvSpPr>
-          <p:cNvPr id="335" name="Google Shape;335;g22ab2d931f9_0_78:notes"/>
+          <p:cNvPr id="339" name="Google Shape;339;g22ab2d931f9_0_78:notes"/>
           <p:cNvSpPr txBox="1"/>
           <p:nvPr>
             <p:ph idx="1" type="body"/>
@@ -4525,7 +4525,7 @@
   <p:cSld>
     <p:spTree>
       <p:nvGrpSpPr>
-        <p:cNvPr id="340" name="Shape 340"/>
+        <p:cNvPr id="344" name="Shape 344"/>
         <p:cNvGrpSpPr/>
         <p:nvPr/>
       </p:nvGrpSpPr>
@@ -4539,7 +4539,7 @@
       </p:grpSpPr>
       <p:sp>
         <p:nvSpPr>
-          <p:cNvPr id="341" name="Google Shape;341;g22ab2d931f9_0_110:notes"/>
+          <p:cNvPr id="345" name="Google Shape;345;g22ab2d931f9_0_110:notes"/>
           <p:cNvSpPr/>
           <p:nvPr>
             <p:ph idx="2" type="sldImg"/>
@@ -4574,7 +4574,7 @@
       </p:sp>
       <p:sp>
         <p:nvSpPr>
-          <p:cNvPr id="342" name="Google Shape;342;g22ab2d931f9_0_110:notes"/>
+          <p:cNvPr id="346" name="Google Shape;346;g22ab2d931f9_0_110:notes"/>
           <p:cNvSpPr txBox="1"/>
           <p:nvPr>
             <p:ph idx="1" type="body"/>
@@ -4624,7 +4624,7 @@
   <p:cSld>
     <p:spTree>
       <p:nvGrpSpPr>
-        <p:cNvPr id="345" name="Shape 345"/>
+        <p:cNvPr id="349" name="Shape 349"/>
         <p:cNvGrpSpPr/>
         <p:nvPr/>
       </p:nvGrpSpPr>
@@ -4638,7 +4638,7 @@
       </p:grpSpPr>
       <p:sp>
         <p:nvSpPr>
-          <p:cNvPr id="346" name="Google Shape;346;g22ab2d931f9_0_114:notes"/>
+          <p:cNvPr id="350" name="Google Shape;350;g22ab2d931f9_0_114:notes"/>
           <p:cNvSpPr/>
           <p:nvPr>
             <p:ph idx="2" type="sldImg"/>
@@ -4673,7 +4673,7 @@
       </p:sp>
       <p:sp>
         <p:nvSpPr>
-          <p:cNvPr id="347" name="Google Shape;347;g22ab2d931f9_0_114:notes"/>
+          <p:cNvPr id="351" name="Google Shape;351;g22ab2d931f9_0_114:notes"/>
           <p:cNvSpPr txBox="1"/>
           <p:nvPr>
             <p:ph idx="1" type="body"/>
@@ -4723,7 +4723,7 @@
   <p:cSld>
     <p:spTree>
       <p:nvGrpSpPr>
-        <p:cNvPr id="350" name="Shape 350"/>
+        <p:cNvPr id="354" name="Shape 354"/>
         <p:cNvGrpSpPr/>
         <p:nvPr/>
       </p:nvGrpSpPr>
@@ -4737,7 +4737,7 @@
       </p:grpSpPr>
       <p:sp>
         <p:nvSpPr>
-          <p:cNvPr id="351" name="Google Shape;351;g22ab2d931f9_0_118:notes"/>
+          <p:cNvPr id="355" name="Google Shape;355;g22ab2d931f9_0_118:notes"/>
           <p:cNvSpPr/>
           <p:nvPr>
             <p:ph idx="2" type="sldImg"/>
@@ -4772,7 +4772,7 @@
       </p:sp>
       <p:sp>
         <p:nvSpPr>
-          <p:cNvPr id="352" name="Google Shape;352;g22ab2d931f9_0_118:notes"/>
+          <p:cNvPr id="356" name="Google Shape;356;g22ab2d931f9_0_118:notes"/>
           <p:cNvSpPr txBox="1"/>
           <p:nvPr>
             <p:ph idx="1" type="body"/>
@@ -4822,7 +4822,7 @@
   <p:cSld>
     <p:spTree>
       <p:nvGrpSpPr>
-        <p:cNvPr id="355" name="Shape 355"/>
+        <p:cNvPr id="359" name="Shape 359"/>
         <p:cNvGrpSpPr/>
         <p:nvPr/>
       </p:nvGrpSpPr>
@@ -4836,7 +4836,7 @@
       </p:grpSpPr>
       <p:sp>
         <p:nvSpPr>
-          <p:cNvPr id="356" name="Google Shape;356;g2545b59bd59_0_0:notes"/>
+          <p:cNvPr id="360" name="Google Shape;360;g2545b59bd59_0_0:notes"/>
           <p:cNvSpPr/>
           <p:nvPr>
             <p:ph idx="2" type="sldImg"/>
@@ -4871,7 +4871,7 @@
       </p:sp>
       <p:sp>
         <p:nvSpPr>
-          <p:cNvPr id="357" name="Google Shape;357;g2545b59bd59_0_0:notes"/>
+          <p:cNvPr id="361" name="Google Shape;361;g2545b59bd59_0_0:notes"/>
           <p:cNvSpPr txBox="1"/>
           <p:nvPr>
             <p:ph idx="1" type="body"/>
@@ -4921,7 +4921,7 @@
   <p:cSld>
     <p:spTree>
       <p:nvGrpSpPr>
-        <p:cNvPr id="361" name="Shape 361"/>
+        <p:cNvPr id="365" name="Shape 365"/>
         <p:cNvGrpSpPr/>
         <p:nvPr/>
       </p:nvGrpSpPr>
@@ -4935,7 +4935,7 @@
       </p:grpSpPr>
       <p:sp>
         <p:nvSpPr>
-          <p:cNvPr id="362" name="Google Shape;362;g22ab2d931f9_0_84:notes"/>
+          <p:cNvPr id="366" name="Google Shape;366;g22ab2d931f9_0_84:notes"/>
           <p:cNvSpPr/>
           <p:nvPr>
             <p:ph idx="2" type="sldImg"/>
@@ -4970,7 +4970,7 @@
       </p:sp>
       <p:sp>
         <p:nvSpPr>
-          <p:cNvPr id="363" name="Google Shape;363;g22ab2d931f9_0_84:notes"/>
+          <p:cNvPr id="367" name="Google Shape;367;g22ab2d931f9_0_84:notes"/>
           <p:cNvSpPr txBox="1"/>
           <p:nvPr>
             <p:ph idx="1" type="body"/>
@@ -5020,7 +5020,7 @@
   <p:cSld>
     <p:spTree>
       <p:nvGrpSpPr>
-        <p:cNvPr id="368" name="Shape 368"/>
+        <p:cNvPr id="372" name="Shape 372"/>
         <p:cNvGrpSpPr/>
         <p:nvPr/>
       </p:nvGrpSpPr>
@@ -5034,7 +5034,7 @@
       </p:grpSpPr>
       <p:sp>
         <p:nvSpPr>
-          <p:cNvPr id="369" name="Google Shape;369;g22ab2d931f9_0_90:notes"/>
+          <p:cNvPr id="373" name="Google Shape;373;g22ab2d931f9_0_90:notes"/>
           <p:cNvSpPr/>
           <p:nvPr>
             <p:ph idx="2" type="sldImg"/>
@@ -5069,7 +5069,7 @@
       </p:sp>
       <p:sp>
         <p:nvSpPr>
-          <p:cNvPr id="370" name="Google Shape;370;g22ab2d931f9_0_90:notes"/>
+          <p:cNvPr id="374" name="Google Shape;374;g22ab2d931f9_0_90:notes"/>
           <p:cNvSpPr txBox="1"/>
           <p:nvPr>
             <p:ph idx="1" type="body"/>
@@ -5218,7 +5218,7 @@
   <p:cSld>
     <p:spTree>
       <p:nvGrpSpPr>
-        <p:cNvPr id="375" name="Shape 375"/>
+        <p:cNvPr id="379" name="Shape 379"/>
         <p:cNvGrpSpPr/>
         <p:nvPr/>
       </p:nvGrpSpPr>
@@ -5232,7 +5232,7 @@
       </p:grpSpPr>
       <p:sp>
         <p:nvSpPr>
-          <p:cNvPr id="376" name="Google Shape;376;g2545b59bd59_0_5:notes"/>
+          <p:cNvPr id="380" name="Google Shape;380;g2545b59bd59_0_5:notes"/>
           <p:cNvSpPr/>
           <p:nvPr>
             <p:ph idx="2" type="sldImg"/>
@@ -5267,7 +5267,7 @@
       </p:sp>
       <p:sp>
         <p:nvSpPr>
-          <p:cNvPr id="377" name="Google Shape;377;g2545b59bd59_0_5:notes"/>
+          <p:cNvPr id="381" name="Google Shape;381;g2545b59bd59_0_5:notes"/>
           <p:cNvSpPr txBox="1"/>
           <p:nvPr>
             <p:ph idx="1" type="body"/>
@@ -5317,7 +5317,7 @@
   <p:cSld>
     <p:spTree>
       <p:nvGrpSpPr>
-        <p:cNvPr id="380" name="Shape 380"/>
+        <p:cNvPr id="384" name="Shape 384"/>
         <p:cNvGrpSpPr/>
         <p:nvPr/>
       </p:nvGrpSpPr>
@@ -5331,7 +5331,7 @@
       </p:grpSpPr>
       <p:sp>
         <p:nvSpPr>
-          <p:cNvPr id="381" name="Google Shape;381;g2545b59bd59_0_11:notes"/>
+          <p:cNvPr id="385" name="Google Shape;385;g2545b59bd59_0_11:notes"/>
           <p:cNvSpPr/>
           <p:nvPr>
             <p:ph idx="2" type="sldImg"/>
@@ -5366,7 +5366,7 @@
       </p:sp>
       <p:sp>
         <p:nvSpPr>
-          <p:cNvPr id="382" name="Google Shape;382;g2545b59bd59_0_11:notes"/>
+          <p:cNvPr id="386" name="Google Shape;386;g2545b59bd59_0_11:notes"/>
           <p:cNvSpPr txBox="1"/>
           <p:nvPr>
             <p:ph idx="1" type="body"/>
@@ -12433,7 +12433,7 @@
         </p:spPr>
         <p:txBody>
           <a:bodyPr anchorCtr="0" anchor="t" bIns="91425" lIns="91425" spcFirstLastPara="1" rIns="91425" wrap="square" tIns="91425">
-            <a:normAutofit/>
+            <a:normAutofit lnSpcReduction="10000"/>
           </a:bodyPr>
           <a:lstStyle/>
           <a:p>
@@ -12540,6 +12540,23 @@
             <a:r>
               <a:rPr lang="en"/>
               <a:t>Standard deviation</a:t>
+            </a:r>
+            <a:endParaRPr/>
+          </a:p>
+          <a:p>
+            <a:pPr indent="-342900" lvl="0" marL="457200" rtl="0" algn="l">
+              <a:spcBef>
+                <a:spcPts val="0"/>
+              </a:spcBef>
+              <a:spcAft>
+                <a:spcPts val="0"/>
+              </a:spcAft>
+              <a:buSzPts val="1800"/>
+              <a:buAutoNum type="arabicParenR"/>
+            </a:pPr>
+            <a:r>
+              <a:rPr lang="en"/>
+              <a:t>Median Absolute Deviaton</a:t>
             </a:r>
             <a:endParaRPr/>
           </a:p>
@@ -12918,6 +12935,55 @@
                       </p:childTnLst>
                     </p:cTn>
                   </p:par>
+                  <p:par>
+                    <p:cTn fill="hold">
+                      <p:stCondLst>
+                        <p:cond delay="indefinite"/>
+                      </p:stCondLst>
+                      <p:childTnLst>
+                        <p:par>
+                          <p:cTn fill="hold">
+                            <p:stCondLst>
+                              <p:cond delay="0"/>
+                            </p:stCondLst>
+                            <p:childTnLst>
+                              <p:par>
+                                <p:cTn fill="hold" nodeType="clickEffect" presetClass="entr" presetID="1" presetSubtype="0">
+                                  <p:stCondLst>
+                                    <p:cond delay="0"/>
+                                  </p:stCondLst>
+                                  <p:childTnLst>
+                                    <p:set>
+                                      <p:cBhvr>
+                                        <p:cTn dur="1" fill="hold">
+                                          <p:stCondLst>
+                                            <p:cond delay="0"/>
+                                          </p:stCondLst>
+                                        </p:cTn>
+                                        <p:tgtEl>
+                                          <p:spTgt spid="126">
+                                            <p:txEl>
+                                              <p:pRg end="7" st="7"/>
+                                            </p:txEl>
+                                          </p:spTgt>
+                                        </p:tgtEl>
+                                        <p:attrNameLst>
+                                          <p:attrName>style.visibility</p:attrName>
+                                        </p:attrNameLst>
+                                      </p:cBhvr>
+                                      <p:to>
+                                        <p:strVal val="visible"/>
+                                      </p:to>
+                                    </p:set>
+                                  </p:childTnLst>
+                                </p:cTn>
+                              </p:par>
+                            </p:childTnLst>
+                          </p:cTn>
+                        </p:par>
+                      </p:childTnLst>
+                    </p:cTn>
+                  </p:par>
                 </p:childTnLst>
               </p:cTn>
               <p:prevCondLst>
@@ -13128,21 +13194,19 @@
               <a:buNone/>
             </a:pPr>
             <a:r>
-              <a:rPr lang="en"/>
-              <a:t>Issues: </a:t>
+              <a:t/>
             </a:r>
             <a:endParaRPr/>
           </a:p>
           <a:p>
-            <a:pPr indent="-325755" lvl="0" marL="457200" rtl="0" algn="l">
+            <a:pPr indent="0" lvl="0" marL="0" rtl="0" algn="l">
               <a:spcBef>
                 <a:spcPts val="1200"/>
               </a:spcBef>
               <a:spcAft>
                 <a:spcPts val="0"/>
               </a:spcAft>
-              <a:buSzPct val="100000"/>
-              <a:buAutoNum type="arabicParenR"/>
+              <a:buNone/>
             </a:pPr>
             <a:r>
               <a:rPr lang="en"/>
@@ -13151,19 +13215,17 @@
             <a:endParaRPr/>
           </a:p>
           <a:p>
-            <a:pPr indent="-325755" lvl="0" marL="457200" rtl="0" algn="l">
-              <a:spcBef>
-                <a:spcPts val="0"/>
-              </a:spcBef>
-              <a:spcAft>
-                <a:spcPts val="0"/>
-              </a:spcAft>
-              <a:buSzPct val="100000"/>
-              <a:buAutoNum type="arabicParenR"/>
-            </a:pPr>
-            <a:r>
-              <a:rPr lang="en"/>
-              <a:t>Range ignores distribution</a:t>
+            <a:pPr indent="0" lvl="0" marL="457200" rtl="0" algn="l">
+              <a:spcBef>
+                <a:spcPts val="1200"/>
+              </a:spcBef>
+              <a:spcAft>
+                <a:spcPts val="1200"/>
+              </a:spcAft>
+              <a:buNone/>
+            </a:pPr>
+            <a:r>
+              <a:t/>
             </a:r>
             <a:endParaRPr/>
           </a:p>
@@ -14893,6 +14955,62 @@
           </a:p>
         </p:txBody>
       </p:sp>
+      <p:pic>
+        <p:nvPicPr>
+          <p:cNvPr id="147" name="Google Shape;147;p27"/>
+          <p:cNvPicPr preferRelativeResize="0"/>
+          <p:nvPr/>
+        </p:nvPicPr>
+        <p:blipFill>
+          <a:blip r:embed="rId3">
+            <a:alphaModFix/>
+          </a:blip>
+          <a:stretch>
+            <a:fillRect/>
+          </a:stretch>
+        </p:blipFill>
+        <p:spPr>
+          <a:xfrm>
+            <a:off x="6186850" y="1661400"/>
+            <a:ext cx="2645450" cy="910350"/>
+          </a:xfrm>
+          <a:prstGeom prst="rect">
+            <a:avLst/>
+          </a:prstGeom>
+          <a:noFill/>
+          <a:ln>
+            <a:noFill/>
+          </a:ln>
+        </p:spPr>
+      </p:pic>
+      <p:pic>
+        <p:nvPicPr>
+          <p:cNvPr id="148" name="Google Shape;148;p27"/>
+          <p:cNvPicPr preferRelativeResize="0"/>
+          <p:nvPr/>
+        </p:nvPicPr>
+        <p:blipFill>
+          <a:blip r:embed="rId4">
+            <a:alphaModFix/>
+          </a:blip>
+          <a:stretch>
+            <a:fillRect/>
+          </a:stretch>
+        </p:blipFill>
+        <p:spPr>
+          <a:xfrm>
+            <a:off x="6186850" y="2637079"/>
+            <a:ext cx="2645450" cy="910346"/>
+          </a:xfrm>
+          <a:prstGeom prst="rect">
+            <a:avLst/>
+          </a:prstGeom>
+          <a:noFill/>
+          <a:ln>
+            <a:noFill/>
+          </a:ln>
+        </p:spPr>
+      </p:pic>
     </p:spTree>
   </p:cSld>
   <p:clrMapOvr>
@@ -15230,7 +15348,7 @@
   <p:cSld>
     <p:spTree>
       <p:nvGrpSpPr>
-        <p:cNvPr id="150" name="Shape 150"/>
+        <p:cNvPr id="152" name="Shape 152"/>
         <p:cNvGrpSpPr/>
         <p:nvPr/>
       </p:nvGrpSpPr>
@@ -15244,7 +15362,7 @@
       </p:grpSpPr>
       <p:sp>
         <p:nvSpPr>
-          <p:cNvPr id="151" name="Google Shape;151;p28"/>
+          <p:cNvPr id="153" name="Google Shape;153;p28"/>
           <p:cNvSpPr txBox="1"/>
           <p:nvPr>
             <p:ph type="title"/>
@@ -15284,7 +15402,7 @@
       </p:sp>
       <p:pic>
         <p:nvPicPr>
-          <p:cNvPr id="152" name="Google Shape;152;p28"/>
+          <p:cNvPr id="154" name="Google Shape;154;p28"/>
           <p:cNvPicPr preferRelativeResize="0"/>
           <p:nvPr/>
         </p:nvPicPr>
@@ -15312,7 +15430,7 @@
       </p:pic>
       <p:pic>
         <p:nvPicPr>
-          <p:cNvPr id="153" name="Google Shape;153;p28"/>
+          <p:cNvPr id="155" name="Google Shape;155;p28"/>
           <p:cNvPicPr preferRelativeResize="0"/>
           <p:nvPr/>
         </p:nvPicPr>
@@ -15340,7 +15458,7 @@
       </p:pic>
       <p:pic>
         <p:nvPicPr>
-          <p:cNvPr id="154" name="Google Shape;154;p28"/>
+          <p:cNvPr id="156" name="Google Shape;156;p28"/>
           <p:cNvPicPr preferRelativeResize="0"/>
           <p:nvPr/>
         </p:nvPicPr>
@@ -15379,7 +15497,7 @@
   <p:cSld>
     <p:spTree>
       <p:nvGrpSpPr>
-        <p:cNvPr id="158" name="Shape 158"/>
+        <p:cNvPr id="160" name="Shape 160"/>
         <p:cNvGrpSpPr/>
         <p:nvPr/>
       </p:nvGrpSpPr>
@@ -15393,7 +15511,7 @@
       </p:grpSpPr>
       <p:sp>
         <p:nvSpPr>
-          <p:cNvPr id="159" name="Google Shape;159;p29"/>
+          <p:cNvPr id="161" name="Google Shape;161;p29"/>
           <p:cNvSpPr txBox="1"/>
           <p:nvPr>
             <p:ph type="title"/>
@@ -15445,7 +15563,7 @@
       </p:sp>
       <p:sp>
         <p:nvSpPr>
-          <p:cNvPr id="160" name="Google Shape;160;p29"/>
+          <p:cNvPr id="162" name="Google Shape;162;p29"/>
           <p:cNvSpPr txBox="1"/>
           <p:nvPr>
             <p:ph idx="1" type="body"/>
@@ -15462,13 +15580,29 @@
         </p:spPr>
         <p:txBody>
           <a:bodyPr anchorCtr="0" anchor="t" bIns="91425" lIns="91425" spcFirstLastPara="1" rIns="91425" wrap="square" tIns="91425">
-            <a:normAutofit/>
+            <a:normAutofit lnSpcReduction="10000"/>
           </a:bodyPr>
           <a:lstStyle/>
           <a:p>
             <a:pPr indent="0" lvl="0" marL="0" rtl="0" algn="l">
               <a:spcBef>
                 <a:spcPts val="0"/>
+              </a:spcBef>
+              <a:spcAft>
+                <a:spcPts val="0"/>
+              </a:spcAft>
+              <a:buNone/>
+            </a:pPr>
+            <a:r>
+              <a:rPr lang="en"/>
+              <a:t>Tells us the average distance each datapoint is from the mean</a:t>
+            </a:r>
+            <a:endParaRPr/>
+          </a:p>
+          <a:p>
+            <a:pPr indent="0" lvl="0" marL="0" rtl="0" algn="l">
+              <a:spcBef>
+                <a:spcPts val="1200"/>
               </a:spcBef>
               <a:spcAft>
                 <a:spcPts val="0"/>
@@ -15548,7 +15682,7 @@
       </p:sp>
       <p:pic>
         <p:nvPicPr>
-          <p:cNvPr id="161" name="Google Shape;161;p29"/>
+          <p:cNvPr id="163" name="Google Shape;163;p29"/>
           <p:cNvPicPr preferRelativeResize="0"/>
           <p:nvPr/>
         </p:nvPicPr>
@@ -15613,7 +15747,7 @@
                                           </p:stCondLst>
                                         </p:cTn>
                                         <p:tgtEl>
-                                          <p:spTgt spid="160">
+                                          <p:spTgt spid="162">
                                             <p:txEl>
                                               <p:pRg end="0" st="0"/>
                                             </p:txEl>
@@ -15662,7 +15796,7 @@
                                           </p:stCondLst>
                                         </p:cTn>
                                         <p:tgtEl>
-                                          <p:spTgt spid="160">
+                                          <p:spTgt spid="162">
                                             <p:txEl>
                                               <p:pRg end="1" st="1"/>
                                             </p:txEl>
@@ -15711,7 +15845,7 @@
                                           </p:stCondLst>
                                         </p:cTn>
                                         <p:tgtEl>
-                                          <p:spTgt spid="160">
+                                          <p:spTgt spid="162">
                                             <p:txEl>
                                               <p:pRg end="2" st="2"/>
                                             </p:txEl>
@@ -15760,7 +15894,7 @@
                                           </p:stCondLst>
                                         </p:cTn>
                                         <p:tgtEl>
-                                          <p:spTgt spid="160">
+                                          <p:spTgt spid="162">
                                             <p:txEl>
                                               <p:pRg end="3" st="3"/>
                                             </p:txEl>
@@ -15809,9 +15943,58 @@
                                           </p:stCondLst>
                                         </p:cTn>
                                         <p:tgtEl>
-                                          <p:spTgt spid="160">
+                                          <p:spTgt spid="162">
                                             <p:txEl>
                                               <p:pRg end="4" st="4"/>
+                                            </p:txEl>
+                                          </p:spTgt>
+                                        </p:tgtEl>
+                                        <p:attrNameLst>
+                                          <p:attrName>style.visibility</p:attrName>
+                                        </p:attrNameLst>
+                                      </p:cBhvr>
+                                      <p:to>
+                                        <p:strVal val="visible"/>
+                                      </p:to>
+                                    </p:set>
+                                  </p:childTnLst>
+                                </p:cTn>
+                              </p:par>
+                            </p:childTnLst>
+                          </p:cTn>
+                        </p:par>
+                      </p:childTnLst>
+                    </p:cTn>
+                  </p:par>
+                  <p:par>
+                    <p:cTn fill="hold">
+                      <p:stCondLst>
+                        <p:cond delay="indefinite"/>
+                      </p:stCondLst>
+                      <p:childTnLst>
+                        <p:par>
+                          <p:cTn fill="hold">
+                            <p:stCondLst>
+                              <p:cond delay="0"/>
+                            </p:stCondLst>
+                            <p:childTnLst>
+                              <p:par>
+                                <p:cTn fill="hold" nodeType="clickEffect" presetClass="entr" presetID="1" presetSubtype="0">
+                                  <p:stCondLst>
+                                    <p:cond delay="0"/>
+                                  </p:stCondLst>
+                                  <p:childTnLst>
+                                    <p:set>
+                                      <p:cBhvr>
+                                        <p:cTn dur="1" fill="hold">
+                                          <p:stCondLst>
+                                            <p:cond delay="0"/>
+                                          </p:stCondLst>
+                                        </p:cTn>
+                                        <p:tgtEl>
+                                          <p:spTgt spid="162">
+                                            <p:txEl>
+                                              <p:pRg end="5" st="5"/>
                                             </p:txEl>
                                           </p:spTgt>
                                         </p:tgtEl>
@@ -15862,7 +16045,7 @@
   <p:cSld>
     <p:spTree>
       <p:nvGrpSpPr>
-        <p:cNvPr id="165" name="Shape 165"/>
+        <p:cNvPr id="167" name="Shape 167"/>
         <p:cNvGrpSpPr/>
         <p:nvPr/>
       </p:nvGrpSpPr>
@@ -15876,7 +16059,7 @@
       </p:grpSpPr>
       <p:sp>
         <p:nvSpPr>
-          <p:cNvPr id="166" name="Google Shape;166;p30"/>
+          <p:cNvPr id="168" name="Google Shape;168;p30"/>
           <p:cNvSpPr txBox="1"/>
           <p:nvPr>
             <p:ph type="title"/>
@@ -15916,7 +16099,7 @@
       </p:sp>
       <p:sp>
         <p:nvSpPr>
-          <p:cNvPr id="167" name="Google Shape;167;p30"/>
+          <p:cNvPr id="169" name="Google Shape;169;p30"/>
           <p:cNvSpPr txBox="1"/>
           <p:nvPr>
             <p:ph idx="1" type="body"/>
@@ -16049,7 +16232,7 @@
                                           </p:stCondLst>
                                         </p:cTn>
                                         <p:tgtEl>
-                                          <p:spTgt spid="167">
+                                          <p:spTgt spid="169">
                                             <p:txEl>
                                               <p:pRg end="0" st="0"/>
                                             </p:txEl>
@@ -16098,7 +16281,7 @@
                                           </p:stCondLst>
                                         </p:cTn>
                                         <p:tgtEl>
-                                          <p:spTgt spid="167">
+                                          <p:spTgt spid="169">
                                             <p:txEl>
                                               <p:pRg end="1" st="1"/>
                                             </p:txEl>
@@ -16147,7 +16330,7 @@
                                           </p:stCondLst>
                                         </p:cTn>
                                         <p:tgtEl>
-                                          <p:spTgt spid="167">
+                                          <p:spTgt spid="169">
                                             <p:txEl>
                                               <p:pRg end="2" st="2"/>
                                             </p:txEl>
@@ -16196,7 +16379,7 @@
                                           </p:stCondLst>
                                         </p:cTn>
                                         <p:tgtEl>
-                                          <p:spTgt spid="167">
+                                          <p:spTgt spid="169">
                                             <p:txEl>
                                               <p:pRg end="3" st="3"/>
                                             </p:txEl>
@@ -16249,7 +16432,7 @@
   <p:cSld>
     <p:spTree>
       <p:nvGrpSpPr>
-        <p:cNvPr id="171" name="Shape 171"/>
+        <p:cNvPr id="173" name="Shape 173"/>
         <p:cNvGrpSpPr/>
         <p:nvPr/>
       </p:nvGrpSpPr>
@@ -16263,7 +16446,7 @@
       </p:grpSpPr>
       <p:sp>
         <p:nvSpPr>
-          <p:cNvPr id="172" name="Google Shape;172;p31"/>
+          <p:cNvPr id="174" name="Google Shape;174;p31"/>
           <p:cNvSpPr txBox="1"/>
           <p:nvPr>
             <p:ph type="title"/>
@@ -16311,7 +16494,7 @@
       </p:sp>
       <p:pic>
         <p:nvPicPr>
-          <p:cNvPr id="173" name="Google Shape;173;p31"/>
+          <p:cNvPr id="175" name="Google Shape;175;p31"/>
           <p:cNvPicPr preferRelativeResize="0"/>
           <p:nvPr/>
         </p:nvPicPr>
@@ -16889,7 +17072,7 @@
   <p:cSld>
     <p:spTree>
       <p:nvGrpSpPr>
-        <p:cNvPr id="177" name="Shape 177"/>
+        <p:cNvPr id="179" name="Shape 179"/>
         <p:cNvGrpSpPr/>
         <p:nvPr/>
       </p:nvGrpSpPr>
@@ -16903,7 +17086,7 @@
       </p:grpSpPr>
       <p:sp>
         <p:nvSpPr>
-          <p:cNvPr id="178" name="Google Shape;178;p32"/>
+          <p:cNvPr id="180" name="Google Shape;180;p32"/>
           <p:cNvSpPr txBox="1"/>
           <p:nvPr>
             <p:ph type="title"/>
@@ -16935,7 +17118,7 @@
             </a:pPr>
             <a:r>
               <a:rPr lang="en"/>
-              <a:t>Coefficient of Variation</a:t>
+              <a:t>Median Absolute Deviation</a:t>
             </a:r>
             <a:endParaRPr/>
           </a:p>
@@ -16943,7 +17126,7 @@
       </p:sp>
       <p:sp>
         <p:nvSpPr>
-          <p:cNvPr id="179" name="Google Shape;179;p32"/>
+          <p:cNvPr id="181" name="Google Shape;181;p32"/>
           <p:cNvSpPr txBox="1"/>
           <p:nvPr>
             <p:ph idx="1" type="body"/>
@@ -16952,7 +17135,7 @@
         <p:spPr>
           <a:xfrm>
             <a:off x="311700" y="1152475"/>
-            <a:ext cx="8520600" cy="3416400"/>
+            <a:ext cx="3999900" cy="3416400"/>
           </a:xfrm>
           <a:prstGeom prst="rect">
             <a:avLst/>
@@ -16975,23 +17158,83 @@
             </a:pPr>
             <a:r>
               <a:rPr lang="en"/>
-              <a:t>Used to measure variation </a:t>
-            </a:r>
+              <a:t>Measures variability in a way less sensitive to outliers and skewness.</a:t>
+            </a:r>
+            <a:endParaRPr/>
+          </a:p>
+          <a:p>
+            <a:pPr indent="0" lvl="0" marL="0" rtl="0" algn="l">
+              <a:spcBef>
+                <a:spcPts val="1200"/>
+              </a:spcBef>
+              <a:spcAft>
+                <a:spcPts val="0"/>
+              </a:spcAft>
+              <a:buNone/>
+            </a:pPr>
             <a:r>
               <a:rPr lang="en"/>
-              <a:t>relative</a:t>
-            </a:r>
+              <a:t>Quantifies dispersion around the median, instead of the mean</a:t>
+            </a:r>
+            <a:endParaRPr/>
+          </a:p>
+          <a:p>
+            <a:pPr indent="0" lvl="0" marL="0" rtl="0" algn="l">
+              <a:spcBef>
+                <a:spcPts val="1200"/>
+              </a:spcBef>
+              <a:spcAft>
+                <a:spcPts val="1200"/>
+              </a:spcAft>
+              <a:buNone/>
+            </a:pPr>
             <a:r>
               <a:rPr lang="en"/>
-              <a:t> to a series mean or to compare variability of datasets </a:t>
-            </a:r>
+              <a:t>MAD = median(|Xi - median(X)|)</a:t>
+            </a:r>
+            <a:endParaRPr/>
+          </a:p>
+        </p:txBody>
+      </p:sp>
+      <p:sp>
+        <p:nvSpPr>
+          <p:cNvPr id="182" name="Google Shape;182;p32"/>
+          <p:cNvSpPr txBox="1"/>
+          <p:nvPr>
+            <p:ph idx="2" type="body"/>
+          </p:nvPr>
+        </p:nvSpPr>
+        <p:spPr>
+          <a:xfrm>
+            <a:off x="4832400" y="1152475"/>
+            <a:ext cx="3999900" cy="3416400"/>
+          </a:xfrm>
+          <a:prstGeom prst="rect">
+            <a:avLst/>
+          </a:prstGeom>
+        </p:spPr>
+        <p:txBody>
+          <a:bodyPr anchorCtr="0" anchor="t" bIns="91425" lIns="91425" spcFirstLastPara="1" rIns="91425" wrap="square" tIns="91425">
+            <a:normAutofit lnSpcReduction="10000"/>
+          </a:bodyPr>
+          <a:lstStyle/>
+          <a:p>
+            <a:pPr indent="0" lvl="0" marL="0" rtl="0" algn="l">
+              <a:spcBef>
+                <a:spcPts val="0"/>
+              </a:spcBef>
+              <a:spcAft>
+                <a:spcPts val="0"/>
+              </a:spcAft>
+              <a:buNone/>
+            </a:pPr>
             <a:r>
               <a:rPr lang="en"/>
-              <a:t>measured</a:t>
+              <a:t>x</a:t>
             </a:r>
             <a:r>
               <a:rPr lang="en"/>
-              <a:t> in different units</a:t>
+              <a:t> = [3, 6, 8, 10, 15]</a:t>
             </a:r>
             <a:endParaRPr/>
           </a:p>
@@ -17006,10 +17249,10 @@
               <a:buNone/>
             </a:pPr>
             <a:r>
-              <a:rPr b="1" lang="en"/>
-              <a:t>CV = Standard Deviation / Mean </a:t>
-            </a:r>
-            <a:endParaRPr b="1"/>
+              <a:rPr lang="en"/>
+              <a:t>Median = 8</a:t>
+            </a:r>
+            <a:endParaRPr/>
           </a:p>
           <a:p>
             <a:pPr indent="0" lvl="0" marL="0" rtl="0" algn="l">
@@ -17023,7 +17266,7 @@
             </a:pPr>
             <a:r>
               <a:rPr lang="en"/>
-              <a:t>{1, 2, 3, 4, 5} = 1.41 / 3 = 0.47</a:t>
+              <a:t>{|3 -8|, |6 - 8|, |8 -8|, |10 - 8|, |15 - 8|}</a:t>
             </a:r>
             <a:endParaRPr/>
           </a:p>
@@ -17039,7 +17282,71 @@
             </a:pPr>
             <a:r>
               <a:rPr lang="en"/>
-              <a:t>{1, 1, 1, 1, 1} = 0 / 3 = 0</a:t>
+              <a:t>{5, 2, 0, 2, 7]</a:t>
+            </a:r>
+            <a:endParaRPr/>
+          </a:p>
+          <a:p>
+            <a:pPr indent="0" lvl="0" marL="0" rtl="0" algn="l">
+              <a:spcBef>
+                <a:spcPts val="1200"/>
+              </a:spcBef>
+              <a:spcAft>
+                <a:spcPts val="0"/>
+              </a:spcAft>
+              <a:buNone/>
+            </a:pPr>
+            <a:r>
+              <a:rPr lang="en"/>
+              <a:t>Order the series!</a:t>
+            </a:r>
+            <a:endParaRPr/>
+          </a:p>
+          <a:p>
+            <a:pPr indent="0" lvl="0" marL="0" rtl="0" algn="l">
+              <a:spcBef>
+                <a:spcPts val="1200"/>
+              </a:spcBef>
+              <a:spcAft>
+                <a:spcPts val="0"/>
+              </a:spcAft>
+              <a:buNone/>
+            </a:pPr>
+            <a:r>
+              <a:rPr lang="en"/>
+              <a:t>[0, 2, 2, 5, 7]</a:t>
+            </a:r>
+            <a:endParaRPr/>
+          </a:p>
+          <a:p>
+            <a:pPr indent="0" lvl="0" marL="0" rtl="0" algn="l">
+              <a:spcBef>
+                <a:spcPts val="1200"/>
+              </a:spcBef>
+              <a:spcAft>
+                <a:spcPts val="0"/>
+              </a:spcAft>
+              <a:buNone/>
+            </a:pPr>
+            <a:r>
+              <a:rPr lang="en"/>
+              <a:t>Take the median</a:t>
+            </a:r>
+            <a:endParaRPr/>
+          </a:p>
+          <a:p>
+            <a:pPr indent="0" lvl="0" marL="0" rtl="0" algn="l">
+              <a:spcBef>
+                <a:spcPts val="1200"/>
+              </a:spcBef>
+              <a:spcAft>
+                <a:spcPts val="0"/>
+              </a:spcAft>
+              <a:buNone/>
+            </a:pPr>
+            <a:r>
+              <a:rPr lang="en"/>
+              <a:t>MAD = 2</a:t>
             </a:r>
             <a:endParaRPr/>
           </a:p>
@@ -17073,7 +17380,7 @@
   <p:cSld>
     <p:spTree>
       <p:nvGrpSpPr>
-        <p:cNvPr id="183" name="Shape 183"/>
+        <p:cNvPr id="186" name="Shape 186"/>
         <p:cNvGrpSpPr/>
         <p:nvPr/>
       </p:nvGrpSpPr>
@@ -17087,7 +17394,7 @@
       </p:grpSpPr>
       <p:sp>
         <p:nvSpPr>
-          <p:cNvPr id="184" name="Google Shape;184;p33"/>
+          <p:cNvPr id="187" name="Google Shape;187;p33"/>
           <p:cNvSpPr txBox="1"/>
           <p:nvPr>
             <p:ph type="title"/>
@@ -17119,6 +17426,233 @@
             </a:pPr>
             <a:r>
               <a:rPr lang="en"/>
+              <a:t>Coefficient of Variation</a:t>
+            </a:r>
+            <a:endParaRPr/>
+          </a:p>
+        </p:txBody>
+      </p:sp>
+      <p:sp>
+        <p:nvSpPr>
+          <p:cNvPr id="188" name="Google Shape;188;p33"/>
+          <p:cNvSpPr txBox="1"/>
+          <p:nvPr>
+            <p:ph idx="1" type="body"/>
+          </p:nvPr>
+        </p:nvSpPr>
+        <p:spPr>
+          <a:xfrm>
+            <a:off x="311700" y="1152475"/>
+            <a:ext cx="8520600" cy="3416400"/>
+          </a:xfrm>
+          <a:prstGeom prst="rect">
+            <a:avLst/>
+          </a:prstGeom>
+        </p:spPr>
+        <p:txBody>
+          <a:bodyPr anchorCtr="0" anchor="t" bIns="91425" lIns="91425" spcFirstLastPara="1" rIns="91425" wrap="square" tIns="91425">
+            <a:normAutofit lnSpcReduction="10000"/>
+          </a:bodyPr>
+          <a:lstStyle/>
+          <a:p>
+            <a:pPr indent="0" lvl="0" marL="0" rtl="0" algn="l">
+              <a:spcBef>
+                <a:spcPts val="0"/>
+              </a:spcBef>
+              <a:spcAft>
+                <a:spcPts val="0"/>
+              </a:spcAft>
+              <a:buNone/>
+            </a:pPr>
+            <a:r>
+              <a:rPr lang="en"/>
+              <a:t>Used </a:t>
+            </a:r>
+            <a:r>
+              <a:rPr lang="en"/>
+              <a:t>for comparing the relative variability / </a:t>
+            </a:r>
+            <a:r>
+              <a:rPr lang="en"/>
+              <a:t>volatility</a:t>
+            </a:r>
+            <a:r>
+              <a:rPr lang="en"/>
+              <a:t> of datasets with different units or scales.</a:t>
+            </a:r>
+            <a:endParaRPr/>
+          </a:p>
+          <a:p>
+            <a:pPr indent="0" lvl="0" marL="0" rtl="0" algn="l">
+              <a:spcBef>
+                <a:spcPts val="1200"/>
+              </a:spcBef>
+              <a:spcAft>
+                <a:spcPts val="0"/>
+              </a:spcAft>
+              <a:buNone/>
+            </a:pPr>
+            <a:r>
+              <a:rPr b="1" lang="en"/>
+              <a:t>CV = Standard Deviation / Mean </a:t>
+            </a:r>
+            <a:endParaRPr b="1"/>
+          </a:p>
+          <a:p>
+            <a:pPr indent="0" lvl="0" marL="0" rtl="0" algn="l">
+              <a:spcBef>
+                <a:spcPts val="1200"/>
+              </a:spcBef>
+              <a:spcAft>
+                <a:spcPts val="0"/>
+              </a:spcAft>
+              <a:buNone/>
+            </a:pPr>
+            <a:r>
+              <a:t/>
+            </a:r>
+            <a:endParaRPr/>
+          </a:p>
+          <a:p>
+            <a:pPr indent="0" lvl="0" marL="0" rtl="0" algn="l">
+              <a:spcBef>
+                <a:spcPts val="1200"/>
+              </a:spcBef>
+              <a:spcAft>
+                <a:spcPts val="0"/>
+              </a:spcAft>
+              <a:buNone/>
+            </a:pPr>
+            <a:r>
+              <a:rPr lang="en"/>
+              <a:t>Stock A </a:t>
+            </a:r>
+            <a:r>
+              <a:rPr lang="en"/>
+              <a:t>ROI: Mean 12%, Standard Deviation 4%, CV = 4/12 = 33.3%</a:t>
+            </a:r>
+            <a:endParaRPr/>
+          </a:p>
+          <a:p>
+            <a:pPr indent="0" lvl="0" marL="0" rtl="0" algn="l">
+              <a:spcBef>
+                <a:spcPts val="1200"/>
+              </a:spcBef>
+              <a:spcAft>
+                <a:spcPts val="0"/>
+              </a:spcAft>
+              <a:buNone/>
+            </a:pPr>
+            <a:r>
+              <a:rPr lang="en"/>
+              <a:t>Stock B ROI: Mean 8%, Standard Deviation 3%, CV = 3/8 = 37.5%</a:t>
+            </a:r>
+            <a:endParaRPr/>
+          </a:p>
+          <a:p>
+            <a:pPr indent="0" lvl="0" marL="0" rtl="0" algn="l">
+              <a:spcBef>
+                <a:spcPts val="1200"/>
+              </a:spcBef>
+              <a:spcAft>
+                <a:spcPts val="0"/>
+              </a:spcAft>
+              <a:buNone/>
+            </a:pPr>
+            <a:r>
+              <a:t/>
+            </a:r>
+            <a:endParaRPr/>
+          </a:p>
+          <a:p>
+            <a:pPr indent="0" lvl="0" marL="0" rtl="0" algn="l">
+              <a:spcBef>
+                <a:spcPts val="1200"/>
+              </a:spcBef>
+              <a:spcAft>
+                <a:spcPts val="1200"/>
+              </a:spcAft>
+              <a:buNone/>
+            </a:pPr>
+            <a:r>
+              <a:rPr lang="en"/>
+              <a:t>Stock</a:t>
+            </a:r>
+            <a:r>
+              <a:rPr lang="en"/>
+              <a:t> B is more </a:t>
+            </a:r>
+            <a:r>
+              <a:rPr lang="en"/>
+              <a:t>volatile</a:t>
+            </a:r>
+            <a:r>
+              <a:rPr lang="en"/>
+              <a:t> than stock A</a:t>
+            </a:r>
+            <a:endParaRPr/>
+          </a:p>
+        </p:txBody>
+      </p:sp>
+    </p:spTree>
+  </p:cSld>
+  <p:clrMapOvr>
+    <a:masterClrMapping/>
+  </p:clrMapOvr>
+</p:sld>
+</file>
+
+<file path=ppt/slides/slide22.xml><?xml version="1.0" encoding="utf-8"?>
+<p:sld xmlns:a="http://schemas.openxmlformats.org/drawingml/2006/main" xmlns:r="http://schemas.openxmlformats.org/officeDocument/2006/relationships" xmlns:mc="http://schemas.openxmlformats.org/markup-compatibility/2006" xmlns:mv="urn:schemas-microsoft-com:mac:vml" xmlns:p="http://schemas.openxmlformats.org/presentationml/2006/main" xmlns:c="http://schemas.openxmlformats.org/drawingml/2006/chart" xmlns:dgm="http://schemas.openxmlformats.org/drawingml/2006/diagram" xmlns:o="urn:schemas-microsoft-com:office:office" xmlns:v="urn:schemas-microsoft-com:vml" xmlns:pvml="urn:schemas-microsoft-com:office:powerpoint" xmlns:com="http://schemas.openxmlformats.org/drawingml/2006/compatibility" xmlns:p14="http://schemas.microsoft.com/office/powerpoint/2010/main" xmlns:p15="http://schemas.microsoft.com/office/powerpoint/2012/main" xmlns:ahyp="http://schemas.microsoft.com/office/drawing/2018/hyperlinkcolor">
+  <p:cSld>
+    <p:spTree>
+      <p:nvGrpSpPr>
+        <p:cNvPr id="192" name="Shape 192"/>
+        <p:cNvGrpSpPr/>
+        <p:nvPr/>
+      </p:nvGrpSpPr>
+      <p:grpSpPr>
+        <a:xfrm>
+          <a:off x="0" y="0"/>
+          <a:ext cx="0" cy="0"/>
+          <a:chOff x="0" y="0"/>
+          <a:chExt cx="0" cy="0"/>
+        </a:xfrm>
+      </p:grpSpPr>
+      <p:sp>
+        <p:nvSpPr>
+          <p:cNvPr id="193" name="Google Shape;193;p34"/>
+          <p:cNvSpPr txBox="1"/>
+          <p:nvPr>
+            <p:ph type="title"/>
+          </p:nvPr>
+        </p:nvSpPr>
+        <p:spPr>
+          <a:xfrm>
+            <a:off x="311700" y="445025"/>
+            <a:ext cx="8520600" cy="572700"/>
+          </a:xfrm>
+          <a:prstGeom prst="rect">
+            <a:avLst/>
+          </a:prstGeom>
+        </p:spPr>
+        <p:txBody>
+          <a:bodyPr anchorCtr="0" anchor="t" bIns="91425" lIns="91425" spcFirstLastPara="1" rIns="91425" wrap="square" tIns="91425">
+            <a:normAutofit fontScale="90000"/>
+          </a:bodyPr>
+          <a:lstStyle/>
+          <a:p>
+            <a:pPr indent="0" lvl="0" marL="0" rtl="0" algn="l">
+              <a:spcBef>
+                <a:spcPts val="0"/>
+              </a:spcBef>
+              <a:spcAft>
+                <a:spcPts val="0"/>
+              </a:spcAft>
+              <a:buNone/>
+            </a:pPr>
+            <a:r>
+              <a:rPr lang="en"/>
               <a:t>In Excel</a:t>
             </a:r>
             <a:endParaRPr/>
@@ -17127,7 +17661,7 @@
       </p:sp>
       <p:graphicFrame>
         <p:nvGraphicFramePr>
-          <p:cNvPr id="185" name="Google Shape;185;p33"/>
+          <p:cNvPr id="194" name="Google Shape;194;p34"/>
           <p:cNvGraphicFramePr/>
           <p:nvPr/>
         </p:nvGraphicFramePr>
@@ -17140,7 +17674,7 @@
             <a:tbl>
               <a:tblPr>
                 <a:noFill/>
-                <a:tableStyleId>{78E11B05-264C-4127-AC4A-65041B67743D}</a:tableStyleId>
+                <a:tableStyleId>{72AA497A-3250-4247-AA93-3A140F2F3AC3}</a:tableStyleId>
               </a:tblPr>
               <a:tblGrid>
                 <a:gridCol w="3619500"/>
@@ -17330,7 +17864,7 @@
                       </a:pPr>
                       <a:r>
                         <a:rPr lang="en"/>
-                        <a:t>=mode()</a:t>
+                        <a:t>=mode.sngl() for single, =mode.mult for multimodal</a:t>
                       </a:r>
                       <a:endParaRPr/>
                     </a:p>
@@ -17477,7 +18011,7 @@
                                           </p:stCondLst>
                                         </p:cTn>
                                         <p:tgtEl>
-                                          <p:spTgt spid="185"/>
+                                          <p:spTgt spid="194"/>
                                         </p:tgtEl>
                                         <p:attrNameLst>
                                           <p:attrName>style.visibility</p:attrName>
@@ -17521,12 +18055,12 @@
 </p:sld>
 </file>
 
-<file path=ppt/slides/slide22.xml><?xml version="1.0" encoding="utf-8"?>
+<file path=ppt/slides/slide23.xml><?xml version="1.0" encoding="utf-8"?>
 <p:sld xmlns:a="http://schemas.openxmlformats.org/drawingml/2006/main" xmlns:r="http://schemas.openxmlformats.org/officeDocument/2006/relationships" xmlns:mc="http://schemas.openxmlformats.org/markup-compatibility/2006" xmlns:mv="urn:schemas-microsoft-com:mac:vml" xmlns:p="http://schemas.openxmlformats.org/presentationml/2006/main" xmlns:c="http://schemas.openxmlformats.org/drawingml/2006/chart" xmlns:dgm="http://schemas.openxmlformats.org/drawingml/2006/diagram" xmlns:o="urn:schemas-microsoft-com:office:office" xmlns:v="urn:schemas-microsoft-com:vml" xmlns:pvml="urn:schemas-microsoft-com:office:powerpoint" xmlns:com="http://schemas.openxmlformats.org/drawingml/2006/compatibility" xmlns:p14="http://schemas.microsoft.com/office/powerpoint/2010/main" xmlns:p15="http://schemas.microsoft.com/office/powerpoint/2012/main" xmlns:ahyp="http://schemas.microsoft.com/office/drawing/2018/hyperlinkcolor">
   <p:cSld>
     <p:spTree>
       <p:nvGrpSpPr>
-        <p:cNvPr id="189" name="Shape 189"/>
+        <p:cNvPr id="198" name="Shape 198"/>
         <p:cNvGrpSpPr/>
         <p:nvPr/>
       </p:nvGrpSpPr>
@@ -17540,7 +18074,7 @@
       </p:grpSpPr>
       <p:sp>
         <p:nvSpPr>
-          <p:cNvPr id="190" name="Google Shape;190;p34"/>
+          <p:cNvPr id="199" name="Google Shape;199;p35"/>
           <p:cNvSpPr txBox="1"/>
           <p:nvPr>
             <p:ph type="title"/>
@@ -17580,7 +18114,7 @@
       </p:sp>
       <p:pic>
         <p:nvPicPr>
-          <p:cNvPr id="191" name="Google Shape;191;p34"/>
+          <p:cNvPr id="200" name="Google Shape;200;p35"/>
           <p:cNvPicPr preferRelativeResize="0"/>
           <p:nvPr/>
         </p:nvPicPr>
@@ -17594,8 +18128,8 @@
         </p:blipFill>
         <p:spPr>
           <a:xfrm>
-            <a:off x="2160063" y="1105425"/>
-            <a:ext cx="4823878" cy="3820975"/>
+            <a:off x="152400" y="1853875"/>
+            <a:ext cx="8839201" cy="2429149"/>
           </a:xfrm>
           <a:prstGeom prst="rect">
             <a:avLst/>
@@ -17614,12 +18148,12 @@
 </p:sld>
 </file>
 
-<file path=ppt/slides/slide23.xml><?xml version="1.0" encoding="utf-8"?>
+<file path=ppt/slides/slide24.xml><?xml version="1.0" encoding="utf-8"?>
 <p:sld xmlns:a="http://schemas.openxmlformats.org/drawingml/2006/main" xmlns:r="http://schemas.openxmlformats.org/officeDocument/2006/relationships" xmlns:mc="http://schemas.openxmlformats.org/markup-compatibility/2006" xmlns:mv="urn:schemas-microsoft-com:mac:vml" xmlns:p="http://schemas.openxmlformats.org/presentationml/2006/main" xmlns:c="http://schemas.openxmlformats.org/drawingml/2006/chart" xmlns:dgm="http://schemas.openxmlformats.org/drawingml/2006/diagram" xmlns:o="urn:schemas-microsoft-com:office:office" xmlns:v="urn:schemas-microsoft-com:vml" xmlns:pvml="urn:schemas-microsoft-com:office:powerpoint" xmlns:com="http://schemas.openxmlformats.org/drawingml/2006/compatibility" xmlns:p14="http://schemas.microsoft.com/office/powerpoint/2010/main" xmlns:p15="http://schemas.microsoft.com/office/powerpoint/2012/main" xmlns:ahyp="http://schemas.microsoft.com/office/drawing/2018/hyperlinkcolor">
   <p:cSld>
     <p:spTree>
       <p:nvGrpSpPr>
-        <p:cNvPr id="195" name="Shape 195"/>
+        <p:cNvPr id="204" name="Shape 204"/>
         <p:cNvGrpSpPr/>
         <p:nvPr/>
       </p:nvGrpSpPr>
@@ -17633,7 +18167,7 @@
       </p:grpSpPr>
       <p:sp>
         <p:nvSpPr>
-          <p:cNvPr id="196" name="Google Shape;196;p35"/>
+          <p:cNvPr id="205" name="Google Shape;205;p36"/>
           <p:cNvSpPr txBox="1"/>
           <p:nvPr>
             <p:ph type="title"/>
@@ -17673,7 +18207,7 @@
       </p:sp>
       <p:sp>
         <p:nvSpPr>
-          <p:cNvPr id="197" name="Google Shape;197;p35"/>
+          <p:cNvPr id="206" name="Google Shape;206;p36"/>
           <p:cNvSpPr txBox="1"/>
           <p:nvPr>
             <p:ph idx="1" type="body"/>
@@ -17776,7 +18310,7 @@
       </p:sp>
       <p:pic>
         <p:nvPicPr>
-          <p:cNvPr id="198" name="Google Shape;198;p35"/>
+          <p:cNvPr id="207" name="Google Shape;207;p36"/>
           <p:cNvPicPr preferRelativeResize="0"/>
           <p:nvPr/>
         </p:nvPicPr>
@@ -17841,7 +18375,7 @@
                                           </p:stCondLst>
                                         </p:cTn>
                                         <p:tgtEl>
-                                          <p:spTgt spid="197">
+                                          <p:spTgt spid="206">
                                             <p:txEl>
                                               <p:pRg end="0" st="0"/>
                                             </p:txEl>
@@ -17890,7 +18424,7 @@
                                           </p:stCondLst>
                                         </p:cTn>
                                         <p:tgtEl>
-                                          <p:spTgt spid="197">
+                                          <p:spTgt spid="206">
                                             <p:txEl>
                                               <p:pRg end="1" st="1"/>
                                             </p:txEl>
@@ -17939,7 +18473,7 @@
                                           </p:stCondLst>
                                         </p:cTn>
                                         <p:tgtEl>
-                                          <p:spTgt spid="197">
+                                          <p:spTgt spid="206">
                                             <p:txEl>
                                               <p:pRg end="2" st="2"/>
                                             </p:txEl>
@@ -17988,7 +18522,7 @@
                                           </p:stCondLst>
                                         </p:cTn>
                                         <p:tgtEl>
-                                          <p:spTgt spid="197">
+                                          <p:spTgt spid="206">
                                             <p:txEl>
                                               <p:pRg end="3" st="3"/>
                                             </p:txEl>
@@ -18037,734 +18571,9 @@
                                           </p:stCondLst>
                                         </p:cTn>
                                         <p:tgtEl>
-                                          <p:spTgt spid="197">
+                                          <p:spTgt spid="206">
                                             <p:txEl>
                                               <p:pRg end="4" st="4"/>
-                                            </p:txEl>
-                                          </p:spTgt>
-                                        </p:tgtEl>
-                                        <p:attrNameLst>
-                                          <p:attrName>style.visibility</p:attrName>
-                                        </p:attrNameLst>
-                                      </p:cBhvr>
-                                      <p:to>
-                                        <p:strVal val="visible"/>
-                                      </p:to>
-                                    </p:set>
-                                  </p:childTnLst>
-                                </p:cTn>
-                              </p:par>
-                            </p:childTnLst>
-                          </p:cTn>
-                        </p:par>
-                      </p:childTnLst>
-                    </p:cTn>
-                  </p:par>
-                </p:childTnLst>
-              </p:cTn>
-              <p:prevCondLst>
-                <p:cond evt="onPrev">
-                  <p:tgtEl>
-                    <p:sldTgt/>
-                  </p:tgtEl>
-                </p:cond>
-              </p:prevCondLst>
-              <p:nextCondLst>
-                <p:cond evt="onNext">
-                  <p:tgtEl>
-                    <p:sldTgt/>
-                  </p:tgtEl>
-                </p:cond>
-              </p:nextCondLst>
-            </p:seq>
-          </p:childTnLst>
-        </p:cTn>
-      </p:par>
-    </p:tnLst>
-  </p:timing>
-</p:sld>
-</file>
-
-<file path=ppt/slides/slide24.xml><?xml version="1.0" encoding="utf-8"?>
-<p:sld xmlns:a="http://schemas.openxmlformats.org/drawingml/2006/main" xmlns:r="http://schemas.openxmlformats.org/officeDocument/2006/relationships" xmlns:mc="http://schemas.openxmlformats.org/markup-compatibility/2006" xmlns:mv="urn:schemas-microsoft-com:mac:vml" xmlns:p="http://schemas.openxmlformats.org/presentationml/2006/main" xmlns:c="http://schemas.openxmlformats.org/drawingml/2006/chart" xmlns:dgm="http://schemas.openxmlformats.org/drawingml/2006/diagram" xmlns:o="urn:schemas-microsoft-com:office:office" xmlns:v="urn:schemas-microsoft-com:vml" xmlns:pvml="urn:schemas-microsoft-com:office:powerpoint" xmlns:com="http://schemas.openxmlformats.org/drawingml/2006/compatibility" xmlns:p14="http://schemas.microsoft.com/office/powerpoint/2010/main" xmlns:p15="http://schemas.microsoft.com/office/powerpoint/2012/main" xmlns:ahyp="http://schemas.microsoft.com/office/drawing/2018/hyperlinkcolor">
-  <p:cSld>
-    <p:spTree>
-      <p:nvGrpSpPr>
-        <p:cNvPr id="202" name="Shape 202"/>
-        <p:cNvGrpSpPr/>
-        <p:nvPr/>
-      </p:nvGrpSpPr>
-      <p:grpSpPr>
-        <a:xfrm>
-          <a:off x="0" y="0"/>
-          <a:ext cx="0" cy="0"/>
-          <a:chOff x="0" y="0"/>
-          <a:chExt cx="0" cy="0"/>
-        </a:xfrm>
-      </p:grpSpPr>
-      <p:sp>
-        <p:nvSpPr>
-          <p:cNvPr id="203" name="Google Shape;203;p36"/>
-          <p:cNvSpPr txBox="1"/>
-          <p:nvPr>
-            <p:ph type="title"/>
-          </p:nvPr>
-        </p:nvSpPr>
-        <p:spPr>
-          <a:xfrm>
-            <a:off x="311700" y="445025"/>
-            <a:ext cx="8520600" cy="572700"/>
-          </a:xfrm>
-          <a:prstGeom prst="rect">
-            <a:avLst/>
-          </a:prstGeom>
-        </p:spPr>
-        <p:txBody>
-          <a:bodyPr anchorCtr="0" anchor="t" bIns="91425" lIns="91425" spcFirstLastPara="1" rIns="91425" wrap="square" tIns="91425">
-            <a:normAutofit fontScale="90000"/>
-          </a:bodyPr>
-          <a:lstStyle/>
-          <a:p>
-            <a:pPr indent="0" lvl="0" marL="0" rtl="0" algn="l">
-              <a:spcBef>
-                <a:spcPts val="0"/>
-              </a:spcBef>
-              <a:spcAft>
-                <a:spcPts val="0"/>
-              </a:spcAft>
-              <a:buNone/>
-            </a:pPr>
-            <a:r>
-              <a:rPr lang="en"/>
-              <a:t>Percentiles</a:t>
-            </a:r>
-            <a:endParaRPr/>
-          </a:p>
-        </p:txBody>
-      </p:sp>
-      <p:sp>
-        <p:nvSpPr>
-          <p:cNvPr id="204" name="Google Shape;204;p36"/>
-          <p:cNvSpPr txBox="1"/>
-          <p:nvPr>
-            <p:ph idx="1" type="body"/>
-          </p:nvPr>
-        </p:nvSpPr>
-        <p:spPr>
-          <a:xfrm>
-            <a:off x="311700" y="1152475"/>
-            <a:ext cx="8520600" cy="3416400"/>
-          </a:xfrm>
-          <a:prstGeom prst="rect">
-            <a:avLst/>
-          </a:prstGeom>
-        </p:spPr>
-        <p:txBody>
-          <a:bodyPr anchorCtr="0" anchor="t" bIns="91425" lIns="91425" spcFirstLastPara="1" rIns="91425" wrap="square" tIns="91425">
-            <a:normAutofit fontScale="85000" lnSpcReduction="20000"/>
-          </a:bodyPr>
-          <a:lstStyle/>
-          <a:p>
-            <a:pPr indent="0" lvl="0" marL="0" rtl="0" algn="l">
-              <a:spcBef>
-                <a:spcPts val="0"/>
-              </a:spcBef>
-              <a:spcAft>
-                <a:spcPts val="0"/>
-              </a:spcAft>
-              <a:buNone/>
-            </a:pPr>
-            <a:r>
-              <a:rPr lang="en"/>
-              <a:t>Finding percentiles</a:t>
-            </a:r>
-            <a:endParaRPr/>
-          </a:p>
-          <a:p>
-            <a:pPr indent="0" lvl="0" marL="0" rtl="0" algn="l">
-              <a:spcBef>
-                <a:spcPts val="1200"/>
-              </a:spcBef>
-              <a:spcAft>
-                <a:spcPts val="0"/>
-              </a:spcAft>
-              <a:buNone/>
-            </a:pPr>
-            <a:r>
-              <a:rPr lang="en"/>
-              <a:t>Scores = {80,77,76,82,89,84,81,85,87,75,92,75,90,87,95,81,96,81,95,99,75}</a:t>
-            </a:r>
-            <a:endParaRPr/>
-          </a:p>
-          <a:p>
-            <a:pPr indent="0" lvl="0" marL="0" rtl="0" algn="l">
-              <a:spcBef>
-                <a:spcPts val="1200"/>
-              </a:spcBef>
-              <a:spcAft>
-                <a:spcPts val="0"/>
-              </a:spcAft>
-              <a:buNone/>
-            </a:pPr>
-            <a:r>
-              <a:rPr lang="en"/>
-              <a:t>Sort from lowest to highest</a:t>
-            </a:r>
-            <a:endParaRPr/>
-          </a:p>
-          <a:p>
-            <a:pPr indent="0" lvl="0" marL="0" rtl="0" algn="l">
-              <a:spcBef>
-                <a:spcPts val="1200"/>
-              </a:spcBef>
-              <a:spcAft>
-                <a:spcPts val="0"/>
-              </a:spcAft>
-              <a:buNone/>
-            </a:pPr>
-            <a:r>
-              <a:rPr lang="en"/>
-              <a:t>Scores = {75,75,75,76,77,80,81,81,81,82,84,85,87,87,89,90,92,95,95,96,99}</a:t>
-            </a:r>
-            <a:endParaRPr/>
-          </a:p>
-          <a:p>
-            <a:pPr indent="0" lvl="0" marL="0" rtl="0" algn="l">
-              <a:spcBef>
-                <a:spcPts val="1200"/>
-              </a:spcBef>
-              <a:spcAft>
-                <a:spcPts val="0"/>
-              </a:spcAft>
-              <a:buNone/>
-            </a:pPr>
-            <a:r>
-              <a:rPr lang="en"/>
-              <a:t>Find the 20th percentile (n = 21)</a:t>
-            </a:r>
-            <a:endParaRPr/>
-          </a:p>
-          <a:p>
-            <a:pPr indent="0" lvl="0" marL="0" rtl="0" algn="l">
-              <a:spcBef>
-                <a:spcPts val="1200"/>
-              </a:spcBef>
-              <a:spcAft>
-                <a:spcPts val="0"/>
-              </a:spcAft>
-              <a:buNone/>
-            </a:pPr>
-            <a:r>
-              <a:rPr lang="en"/>
-              <a:t>P(n + 1)/100</a:t>
-            </a:r>
-            <a:endParaRPr/>
-          </a:p>
-          <a:p>
-            <a:pPr indent="0" lvl="0" marL="0" rtl="0" algn="l">
-              <a:spcBef>
-                <a:spcPts val="1200"/>
-              </a:spcBef>
-              <a:spcAft>
-                <a:spcPts val="0"/>
-              </a:spcAft>
-              <a:buNone/>
-            </a:pPr>
-            <a:r>
-              <a:rPr lang="en"/>
-              <a:t>20 * (21 + 1) / 100 = 20 * 22 / 100 = 4.4</a:t>
-            </a:r>
-            <a:endParaRPr/>
-          </a:p>
-          <a:p>
-            <a:pPr indent="0" lvl="0" marL="0" rtl="0" algn="l">
-              <a:spcBef>
-                <a:spcPts val="1200"/>
-              </a:spcBef>
-              <a:spcAft>
-                <a:spcPts val="0"/>
-              </a:spcAft>
-              <a:buNone/>
-            </a:pPr>
-            <a:r>
-              <a:rPr lang="en"/>
-              <a:t>4.4th place…round </a:t>
-            </a:r>
-            <a:r>
-              <a:rPr b="1" lang="en"/>
-              <a:t>up</a:t>
-            </a:r>
-            <a:r>
-              <a:rPr lang="en"/>
-              <a:t> to 5th place so that value is the value just above P percent of the data</a:t>
-            </a:r>
-            <a:endParaRPr/>
-          </a:p>
-          <a:p>
-            <a:pPr indent="0" lvl="0" marL="0" rtl="0" algn="l">
-              <a:spcBef>
-                <a:spcPts val="1200"/>
-              </a:spcBef>
-              <a:spcAft>
-                <a:spcPts val="1200"/>
-              </a:spcAft>
-              <a:buClr>
-                <a:schemeClr val="dk1"/>
-              </a:buClr>
-              <a:buSzPct val="61111"/>
-              <a:buFont typeface="Arial"/>
-              <a:buNone/>
-            </a:pPr>
-            <a:r>
-              <a:rPr lang="en"/>
-              <a:t>Scores = {75,75,75,76,</a:t>
-            </a:r>
-            <a:r>
-              <a:rPr b="1" lang="en"/>
-              <a:t>77</a:t>
-            </a:r>
-            <a:r>
-              <a:rPr lang="en"/>
-              <a:t>,80,81,81,81,82,84,85,87,87,89,90,92,95,95,96,99}</a:t>
-            </a:r>
-            <a:endParaRPr/>
-          </a:p>
-        </p:txBody>
-      </p:sp>
-    </p:spTree>
-  </p:cSld>
-  <p:clrMapOvr>
-    <a:masterClrMapping/>
-  </p:clrMapOvr>
-  <p:timing>
-    <p:tnLst>
-      <p:par>
-        <p:cTn dur="indefinite" nodeType="tmRoot" restart="never">
-          <p:childTnLst>
-            <p:seq concurrent="1" nextAc="seek">
-              <p:cTn dur="indefinite" id="2" nodeType="mainSeq">
-                <p:childTnLst>
-                  <p:par>
-                    <p:cTn fill="hold">
-                      <p:stCondLst>
-                        <p:cond delay="indefinite"/>
-                      </p:stCondLst>
-                      <p:childTnLst>
-                        <p:par>
-                          <p:cTn fill="hold">
-                            <p:stCondLst>
-                              <p:cond delay="0"/>
-                            </p:stCondLst>
-                            <p:childTnLst>
-                              <p:par>
-                                <p:cTn fill="hold" nodeType="clickEffect" presetClass="entr" presetID="1" presetSubtype="0">
-                                  <p:stCondLst>
-                                    <p:cond delay="0"/>
-                                  </p:stCondLst>
-                                  <p:childTnLst>
-                                    <p:set>
-                                      <p:cBhvr>
-                                        <p:cTn dur="1" fill="hold">
-                                          <p:stCondLst>
-                                            <p:cond delay="0"/>
-                                          </p:stCondLst>
-                                        </p:cTn>
-                                        <p:tgtEl>
-                                          <p:spTgt spid="204">
-                                            <p:txEl>
-                                              <p:pRg end="0" st="0"/>
-                                            </p:txEl>
-                                          </p:spTgt>
-                                        </p:tgtEl>
-                                        <p:attrNameLst>
-                                          <p:attrName>style.visibility</p:attrName>
-                                        </p:attrNameLst>
-                                      </p:cBhvr>
-                                      <p:to>
-                                        <p:strVal val="visible"/>
-                                      </p:to>
-                                    </p:set>
-                                  </p:childTnLst>
-                                </p:cTn>
-                              </p:par>
-                            </p:childTnLst>
-                          </p:cTn>
-                        </p:par>
-                      </p:childTnLst>
-                    </p:cTn>
-                  </p:par>
-                  <p:par>
-                    <p:cTn fill="hold">
-                      <p:stCondLst>
-                        <p:cond delay="indefinite"/>
-                      </p:stCondLst>
-                      <p:childTnLst>
-                        <p:par>
-                          <p:cTn fill="hold">
-                            <p:stCondLst>
-                              <p:cond delay="0"/>
-                            </p:stCondLst>
-                            <p:childTnLst>
-                              <p:par>
-                                <p:cTn fill="hold" nodeType="clickEffect" presetClass="entr" presetID="1" presetSubtype="0">
-                                  <p:stCondLst>
-                                    <p:cond delay="0"/>
-                                  </p:stCondLst>
-                                  <p:childTnLst>
-                                    <p:set>
-                                      <p:cBhvr>
-                                        <p:cTn dur="1" fill="hold">
-                                          <p:stCondLst>
-                                            <p:cond delay="0"/>
-                                          </p:stCondLst>
-                                        </p:cTn>
-                                        <p:tgtEl>
-                                          <p:spTgt spid="204">
-                                            <p:txEl>
-                                              <p:pRg end="1" st="1"/>
-                                            </p:txEl>
-                                          </p:spTgt>
-                                        </p:tgtEl>
-                                        <p:attrNameLst>
-                                          <p:attrName>style.visibility</p:attrName>
-                                        </p:attrNameLst>
-                                      </p:cBhvr>
-                                      <p:to>
-                                        <p:strVal val="visible"/>
-                                      </p:to>
-                                    </p:set>
-                                  </p:childTnLst>
-                                </p:cTn>
-                              </p:par>
-                            </p:childTnLst>
-                          </p:cTn>
-                        </p:par>
-                      </p:childTnLst>
-                    </p:cTn>
-                  </p:par>
-                  <p:par>
-                    <p:cTn fill="hold">
-                      <p:stCondLst>
-                        <p:cond delay="indefinite"/>
-                      </p:stCondLst>
-                      <p:childTnLst>
-                        <p:par>
-                          <p:cTn fill="hold">
-                            <p:stCondLst>
-                              <p:cond delay="0"/>
-                            </p:stCondLst>
-                            <p:childTnLst>
-                              <p:par>
-                                <p:cTn fill="hold" nodeType="clickEffect" presetClass="entr" presetID="1" presetSubtype="0">
-                                  <p:stCondLst>
-                                    <p:cond delay="0"/>
-                                  </p:stCondLst>
-                                  <p:childTnLst>
-                                    <p:set>
-                                      <p:cBhvr>
-                                        <p:cTn dur="1" fill="hold">
-                                          <p:stCondLst>
-                                            <p:cond delay="0"/>
-                                          </p:stCondLst>
-                                        </p:cTn>
-                                        <p:tgtEl>
-                                          <p:spTgt spid="204">
-                                            <p:txEl>
-                                              <p:pRg end="2" st="2"/>
-                                            </p:txEl>
-                                          </p:spTgt>
-                                        </p:tgtEl>
-                                        <p:attrNameLst>
-                                          <p:attrName>style.visibility</p:attrName>
-                                        </p:attrNameLst>
-                                      </p:cBhvr>
-                                      <p:to>
-                                        <p:strVal val="visible"/>
-                                      </p:to>
-                                    </p:set>
-                                  </p:childTnLst>
-                                </p:cTn>
-                              </p:par>
-                            </p:childTnLst>
-                          </p:cTn>
-                        </p:par>
-                      </p:childTnLst>
-                    </p:cTn>
-                  </p:par>
-                  <p:par>
-                    <p:cTn fill="hold">
-                      <p:stCondLst>
-                        <p:cond delay="indefinite"/>
-                      </p:stCondLst>
-                      <p:childTnLst>
-                        <p:par>
-                          <p:cTn fill="hold">
-                            <p:stCondLst>
-                              <p:cond delay="0"/>
-                            </p:stCondLst>
-                            <p:childTnLst>
-                              <p:par>
-                                <p:cTn fill="hold" nodeType="clickEffect" presetClass="entr" presetID="1" presetSubtype="0">
-                                  <p:stCondLst>
-                                    <p:cond delay="0"/>
-                                  </p:stCondLst>
-                                  <p:childTnLst>
-                                    <p:set>
-                                      <p:cBhvr>
-                                        <p:cTn dur="1" fill="hold">
-                                          <p:stCondLst>
-                                            <p:cond delay="0"/>
-                                          </p:stCondLst>
-                                        </p:cTn>
-                                        <p:tgtEl>
-                                          <p:spTgt spid="204">
-                                            <p:txEl>
-                                              <p:pRg end="3" st="3"/>
-                                            </p:txEl>
-                                          </p:spTgt>
-                                        </p:tgtEl>
-                                        <p:attrNameLst>
-                                          <p:attrName>style.visibility</p:attrName>
-                                        </p:attrNameLst>
-                                      </p:cBhvr>
-                                      <p:to>
-                                        <p:strVal val="visible"/>
-                                      </p:to>
-                                    </p:set>
-                                  </p:childTnLst>
-                                </p:cTn>
-                              </p:par>
-                            </p:childTnLst>
-                          </p:cTn>
-                        </p:par>
-                      </p:childTnLst>
-                    </p:cTn>
-                  </p:par>
-                  <p:par>
-                    <p:cTn fill="hold">
-                      <p:stCondLst>
-                        <p:cond delay="indefinite"/>
-                      </p:stCondLst>
-                      <p:childTnLst>
-                        <p:par>
-                          <p:cTn fill="hold">
-                            <p:stCondLst>
-                              <p:cond delay="0"/>
-                            </p:stCondLst>
-                            <p:childTnLst>
-                              <p:par>
-                                <p:cTn fill="hold" nodeType="clickEffect" presetClass="entr" presetID="1" presetSubtype="0">
-                                  <p:stCondLst>
-                                    <p:cond delay="0"/>
-                                  </p:stCondLst>
-                                  <p:childTnLst>
-                                    <p:set>
-                                      <p:cBhvr>
-                                        <p:cTn dur="1" fill="hold">
-                                          <p:stCondLst>
-                                            <p:cond delay="0"/>
-                                          </p:stCondLst>
-                                        </p:cTn>
-                                        <p:tgtEl>
-                                          <p:spTgt spid="204">
-                                            <p:txEl>
-                                              <p:pRg end="4" st="4"/>
-                                            </p:txEl>
-                                          </p:spTgt>
-                                        </p:tgtEl>
-                                        <p:attrNameLst>
-                                          <p:attrName>style.visibility</p:attrName>
-                                        </p:attrNameLst>
-                                      </p:cBhvr>
-                                      <p:to>
-                                        <p:strVal val="visible"/>
-                                      </p:to>
-                                    </p:set>
-                                  </p:childTnLst>
-                                </p:cTn>
-                              </p:par>
-                            </p:childTnLst>
-                          </p:cTn>
-                        </p:par>
-                      </p:childTnLst>
-                    </p:cTn>
-                  </p:par>
-                  <p:par>
-                    <p:cTn fill="hold">
-                      <p:stCondLst>
-                        <p:cond delay="indefinite"/>
-                      </p:stCondLst>
-                      <p:childTnLst>
-                        <p:par>
-                          <p:cTn fill="hold">
-                            <p:stCondLst>
-                              <p:cond delay="0"/>
-                            </p:stCondLst>
-                            <p:childTnLst>
-                              <p:par>
-                                <p:cTn fill="hold" nodeType="clickEffect" presetClass="entr" presetID="1" presetSubtype="0">
-                                  <p:stCondLst>
-                                    <p:cond delay="0"/>
-                                  </p:stCondLst>
-                                  <p:childTnLst>
-                                    <p:set>
-                                      <p:cBhvr>
-                                        <p:cTn dur="1" fill="hold">
-                                          <p:stCondLst>
-                                            <p:cond delay="0"/>
-                                          </p:stCondLst>
-                                        </p:cTn>
-                                        <p:tgtEl>
-                                          <p:spTgt spid="204">
-                                            <p:txEl>
-                                              <p:pRg end="5" st="5"/>
-                                            </p:txEl>
-                                          </p:spTgt>
-                                        </p:tgtEl>
-                                        <p:attrNameLst>
-                                          <p:attrName>style.visibility</p:attrName>
-                                        </p:attrNameLst>
-                                      </p:cBhvr>
-                                      <p:to>
-                                        <p:strVal val="visible"/>
-                                      </p:to>
-                                    </p:set>
-                                  </p:childTnLst>
-                                </p:cTn>
-                              </p:par>
-                            </p:childTnLst>
-                          </p:cTn>
-                        </p:par>
-                      </p:childTnLst>
-                    </p:cTn>
-                  </p:par>
-                  <p:par>
-                    <p:cTn fill="hold">
-                      <p:stCondLst>
-                        <p:cond delay="indefinite"/>
-                      </p:stCondLst>
-                      <p:childTnLst>
-                        <p:par>
-                          <p:cTn fill="hold">
-                            <p:stCondLst>
-                              <p:cond delay="0"/>
-                            </p:stCondLst>
-                            <p:childTnLst>
-                              <p:par>
-                                <p:cTn fill="hold" nodeType="clickEffect" presetClass="entr" presetID="1" presetSubtype="0">
-                                  <p:stCondLst>
-                                    <p:cond delay="0"/>
-                                  </p:stCondLst>
-                                  <p:childTnLst>
-                                    <p:set>
-                                      <p:cBhvr>
-                                        <p:cTn dur="1" fill="hold">
-                                          <p:stCondLst>
-                                            <p:cond delay="0"/>
-                                          </p:stCondLst>
-                                        </p:cTn>
-                                        <p:tgtEl>
-                                          <p:spTgt spid="204">
-                                            <p:txEl>
-                                              <p:pRg end="6" st="6"/>
-                                            </p:txEl>
-                                          </p:spTgt>
-                                        </p:tgtEl>
-                                        <p:attrNameLst>
-                                          <p:attrName>style.visibility</p:attrName>
-                                        </p:attrNameLst>
-                                      </p:cBhvr>
-                                      <p:to>
-                                        <p:strVal val="visible"/>
-                                      </p:to>
-                                    </p:set>
-                                  </p:childTnLst>
-                                </p:cTn>
-                              </p:par>
-                            </p:childTnLst>
-                          </p:cTn>
-                        </p:par>
-                      </p:childTnLst>
-                    </p:cTn>
-                  </p:par>
-                  <p:par>
-                    <p:cTn fill="hold">
-                      <p:stCondLst>
-                        <p:cond delay="indefinite"/>
-                      </p:stCondLst>
-                      <p:childTnLst>
-                        <p:par>
-                          <p:cTn fill="hold">
-                            <p:stCondLst>
-                              <p:cond delay="0"/>
-                            </p:stCondLst>
-                            <p:childTnLst>
-                              <p:par>
-                                <p:cTn fill="hold" nodeType="clickEffect" presetClass="entr" presetID="1" presetSubtype="0">
-                                  <p:stCondLst>
-                                    <p:cond delay="0"/>
-                                  </p:stCondLst>
-                                  <p:childTnLst>
-                                    <p:set>
-                                      <p:cBhvr>
-                                        <p:cTn dur="1" fill="hold">
-                                          <p:stCondLst>
-                                            <p:cond delay="0"/>
-                                          </p:stCondLst>
-                                        </p:cTn>
-                                        <p:tgtEl>
-                                          <p:spTgt spid="204">
-                                            <p:txEl>
-                                              <p:pRg end="7" st="7"/>
-                                            </p:txEl>
-                                          </p:spTgt>
-                                        </p:tgtEl>
-                                        <p:attrNameLst>
-                                          <p:attrName>style.visibility</p:attrName>
-                                        </p:attrNameLst>
-                                      </p:cBhvr>
-                                      <p:to>
-                                        <p:strVal val="visible"/>
-                                      </p:to>
-                                    </p:set>
-                                  </p:childTnLst>
-                                </p:cTn>
-                              </p:par>
-                            </p:childTnLst>
-                          </p:cTn>
-                        </p:par>
-                      </p:childTnLst>
-                    </p:cTn>
-                  </p:par>
-                  <p:par>
-                    <p:cTn fill="hold">
-                      <p:stCondLst>
-                        <p:cond delay="indefinite"/>
-                      </p:stCondLst>
-                      <p:childTnLst>
-                        <p:par>
-                          <p:cTn fill="hold">
-                            <p:stCondLst>
-                              <p:cond delay="0"/>
-                            </p:stCondLst>
-                            <p:childTnLst>
-                              <p:par>
-                                <p:cTn fill="hold" nodeType="clickEffect" presetClass="entr" presetID="1" presetSubtype="0">
-                                  <p:stCondLst>
-                                    <p:cond delay="0"/>
-                                  </p:stCondLst>
-                                  <p:childTnLst>
-                                    <p:set>
-                                      <p:cBhvr>
-                                        <p:cTn dur="1" fill="hold">
-                                          <p:stCondLst>
-                                            <p:cond delay="0"/>
-                                          </p:stCondLst>
-                                        </p:cTn>
-                                        <p:tgtEl>
-                                          <p:spTgt spid="204">
-                                            <p:txEl>
-                                              <p:pRg end="8" st="8"/>
                                             </p:txEl>
                                           </p:spTgt>
                                         </p:tgtEl>
@@ -18815,7 +18624,7 @@
   <p:cSld>
     <p:spTree>
       <p:nvGrpSpPr>
-        <p:cNvPr id="208" name="Shape 208"/>
+        <p:cNvPr id="211" name="Shape 211"/>
         <p:cNvGrpSpPr/>
         <p:nvPr/>
       </p:nvGrpSpPr>
@@ -18829,7 +18638,7 @@
       </p:grpSpPr>
       <p:sp>
         <p:nvSpPr>
-          <p:cNvPr id="209" name="Google Shape;209;p37"/>
+          <p:cNvPr id="212" name="Google Shape;212;p37"/>
           <p:cNvSpPr txBox="1"/>
           <p:nvPr>
             <p:ph type="title"/>
@@ -18861,7 +18670,7 @@
             </a:pPr>
             <a:r>
               <a:rPr lang="en"/>
-              <a:t>Quartiles</a:t>
+              <a:t>Percentiles</a:t>
             </a:r>
             <a:endParaRPr/>
           </a:p>
@@ -18869,7 +18678,7 @@
       </p:sp>
       <p:sp>
         <p:nvSpPr>
-          <p:cNvPr id="210" name="Google Shape;210;p37"/>
+          <p:cNvPr id="213" name="Google Shape;213;p37"/>
           <p:cNvSpPr txBox="1"/>
           <p:nvPr>
             <p:ph idx="1" type="body"/>
@@ -18886,7 +18695,7 @@
         </p:spPr>
         <p:txBody>
           <a:bodyPr anchorCtr="0" anchor="t" bIns="91425" lIns="91425" spcFirstLastPara="1" rIns="91425" wrap="square" tIns="91425">
-            <a:normAutofit lnSpcReduction="20000"/>
+            <a:normAutofit fontScale="85000" lnSpcReduction="20000"/>
           </a:bodyPr>
           <a:lstStyle/>
           <a:p>
@@ -18901,7 +18710,7 @@
             </a:pPr>
             <a:r>
               <a:rPr lang="en"/>
-              <a:t>Quartiles are the 25th, 50th, and 75th percentiles of data</a:t>
+              <a:t>Finding percentiles</a:t>
             </a:r>
             <a:endParaRPr/>
           </a:p>
@@ -18917,7 +18726,7 @@
             </a:pPr>
             <a:r>
               <a:rPr lang="en"/>
-              <a:t>Quartiles are found by ordering your data and using the formulas</a:t>
+              <a:t>Scores = {80,77,76,82,89,84,81,85,87,75,92,75,90,87,95,81,96,81,95,99,75}</a:t>
             </a:r>
             <a:endParaRPr/>
           </a:p>
@@ -18933,7 +18742,7 @@
             </a:pPr>
             <a:r>
               <a:rPr lang="en"/>
-              <a:t>1st quartile = ¼(n + 1)th term</a:t>
+              <a:t>Sort from lowest to highest</a:t>
             </a:r>
             <a:endParaRPr/>
           </a:p>
@@ -18949,7 +18758,7 @@
             </a:pPr>
             <a:r>
               <a:rPr lang="en"/>
-              <a:t>2nd quartile = ½(n + 1)th term = Median</a:t>
+              <a:t>Scores = {75,75,75,76,77,80,81,81,81,82,84,85,87,87,89,90,92,95,95,96,99}</a:t>
             </a:r>
             <a:endParaRPr/>
           </a:p>
@@ -18965,7 +18774,7 @@
             </a:pPr>
             <a:r>
               <a:rPr lang="en"/>
-              <a:t>3rd quartile = ¾(n + 1)th term</a:t>
+              <a:t>Find the 20th percentile (n = 21)</a:t>
             </a:r>
             <a:endParaRPr/>
           </a:p>
@@ -18980,7 +18789,8 @@
               <a:buNone/>
             </a:pPr>
             <a:r>
-              <a:t/>
+              <a:rPr lang="en"/>
+              <a:t>P(n + 1)/100</a:t>
             </a:r>
             <a:endParaRPr/>
           </a:p>
@@ -18996,7 +18806,7 @@
             </a:pPr>
             <a:r>
               <a:rPr lang="en"/>
-              <a:t>Interquartile range measures spread between 25th and 75th percentiles</a:t>
+              <a:t>20 * (21 + 1) / 100 = 20 * 22 / 100 = 4.4</a:t>
             </a:r>
             <a:endParaRPr/>
           </a:p>
@@ -19006,13 +18816,50 @@
                 <a:spcPts val="1200"/>
               </a:spcBef>
               <a:spcAft>
+                <a:spcPts val="0"/>
+              </a:spcAft>
+              <a:buNone/>
+            </a:pPr>
+            <a:r>
+              <a:rPr lang="en"/>
+              <a:t>4.4th place…round </a:t>
+            </a:r>
+            <a:r>
+              <a:rPr b="1" lang="en"/>
+              <a:t>up</a:t>
+            </a:r>
+            <a:r>
+              <a:rPr lang="en"/>
+              <a:t> to 5th place so that value is the value just above P percent of the data</a:t>
+            </a:r>
+            <a:endParaRPr/>
+          </a:p>
+          <a:p>
+            <a:pPr indent="0" lvl="0" marL="0" rtl="0" algn="l">
+              <a:spcBef>
                 <a:spcPts val="1200"/>
-              </a:spcAft>
+              </a:spcBef>
+              <a:spcAft>
+                <a:spcPts val="1200"/>
+              </a:spcAft>
+              <a:buClr>
+                <a:schemeClr val="dk1"/>
+              </a:buClr>
+              <a:buSzPct val="61111"/>
+              <a:buFont typeface="Arial"/>
               <a:buNone/>
             </a:pPr>
             <a:r>
               <a:rPr lang="en"/>
-              <a:t>IQR = 3rd Quartile - 1st Quartile</a:t>
+              <a:t>Scores = {75,75,75,76,</a:t>
+            </a:r>
+            <a:r>
+              <a:rPr b="1" lang="en"/>
+              <a:t>77</a:t>
+            </a:r>
+            <a:r>
+              <a:rPr lang="en"/>
+              <a:t>,80,81,81,81,82,84,85,87,87,89,90,92,95,95,96,99}</a:t>
             </a:r>
             <a:endParaRPr/>
           </a:p>
@@ -19057,7 +18904,7 @@
                                           </p:stCondLst>
                                         </p:cTn>
                                         <p:tgtEl>
-                                          <p:spTgt spid="210">
+                                          <p:spTgt spid="213">
                                             <p:txEl>
                                               <p:pRg end="0" st="0"/>
                                             </p:txEl>
@@ -19106,7 +18953,7 @@
                                           </p:stCondLst>
                                         </p:cTn>
                                         <p:tgtEl>
-                                          <p:spTgt spid="210">
+                                          <p:spTgt spid="213">
                                             <p:txEl>
                                               <p:pRg end="1" st="1"/>
                                             </p:txEl>
@@ -19155,7 +19002,7 @@
                                           </p:stCondLst>
                                         </p:cTn>
                                         <p:tgtEl>
-                                          <p:spTgt spid="210">
+                                          <p:spTgt spid="213">
                                             <p:txEl>
                                               <p:pRg end="2" st="2"/>
                                             </p:txEl>
@@ -19204,7 +19051,7 @@
                                           </p:stCondLst>
                                         </p:cTn>
                                         <p:tgtEl>
-                                          <p:spTgt spid="210">
+                                          <p:spTgt spid="213">
                                             <p:txEl>
                                               <p:pRg end="3" st="3"/>
                                             </p:txEl>
@@ -19253,7 +19100,7 @@
                                           </p:stCondLst>
                                         </p:cTn>
                                         <p:tgtEl>
-                                          <p:spTgt spid="210">
+                                          <p:spTgt spid="213">
                                             <p:txEl>
                                               <p:pRg end="4" st="4"/>
                                             </p:txEl>
@@ -19302,7 +19149,7 @@
                                           </p:stCondLst>
                                         </p:cTn>
                                         <p:tgtEl>
-                                          <p:spTgt spid="210">
+                                          <p:spTgt spid="213">
                                             <p:txEl>
                                               <p:pRg end="5" st="5"/>
                                             </p:txEl>
@@ -19351,7 +19198,7 @@
                                           </p:stCondLst>
                                         </p:cTn>
                                         <p:tgtEl>
-                                          <p:spTgt spid="210">
+                                          <p:spTgt spid="213">
                                             <p:txEl>
                                               <p:pRg end="6" st="6"/>
                                             </p:txEl>
@@ -19400,9 +19247,58 @@
                                           </p:stCondLst>
                                         </p:cTn>
                                         <p:tgtEl>
-                                          <p:spTgt spid="210">
+                                          <p:spTgt spid="213">
                                             <p:txEl>
                                               <p:pRg end="7" st="7"/>
+                                            </p:txEl>
+                                          </p:spTgt>
+                                        </p:tgtEl>
+                                        <p:attrNameLst>
+                                          <p:attrName>style.visibility</p:attrName>
+                                        </p:attrNameLst>
+                                      </p:cBhvr>
+                                      <p:to>
+                                        <p:strVal val="visible"/>
+                                      </p:to>
+                                    </p:set>
+                                  </p:childTnLst>
+                                </p:cTn>
+                              </p:par>
+                            </p:childTnLst>
+                          </p:cTn>
+                        </p:par>
+                      </p:childTnLst>
+                    </p:cTn>
+                  </p:par>
+                  <p:par>
+                    <p:cTn fill="hold">
+                      <p:stCondLst>
+                        <p:cond delay="indefinite"/>
+                      </p:stCondLst>
+                      <p:childTnLst>
+                        <p:par>
+                          <p:cTn fill="hold">
+                            <p:stCondLst>
+                              <p:cond delay="0"/>
+                            </p:stCondLst>
+                            <p:childTnLst>
+                              <p:par>
+                                <p:cTn fill="hold" nodeType="clickEffect" presetClass="entr" presetID="1" presetSubtype="0">
+                                  <p:stCondLst>
+                                    <p:cond delay="0"/>
+                                  </p:stCondLst>
+                                  <p:childTnLst>
+                                    <p:set>
+                                      <p:cBhvr>
+                                        <p:cTn dur="1" fill="hold">
+                                          <p:stCondLst>
+                                            <p:cond delay="0"/>
+                                          </p:stCondLst>
+                                        </p:cTn>
+                                        <p:tgtEl>
+                                          <p:spTgt spid="213">
+                                            <p:txEl>
+                                              <p:pRg end="8" st="8"/>
                                             </p:txEl>
                                           </p:spTgt>
                                         </p:tgtEl>
@@ -19453,7 +19349,7 @@
   <p:cSld>
     <p:spTree>
       <p:nvGrpSpPr>
-        <p:cNvPr id="214" name="Shape 214"/>
+        <p:cNvPr id="217" name="Shape 217"/>
         <p:cNvGrpSpPr/>
         <p:nvPr/>
       </p:nvGrpSpPr>
@@ -19467,7 +19363,7 @@
       </p:grpSpPr>
       <p:sp>
         <p:nvSpPr>
-          <p:cNvPr id="215" name="Google Shape;215;p38"/>
+          <p:cNvPr id="218" name="Google Shape;218;p38"/>
           <p:cNvSpPr txBox="1"/>
           <p:nvPr>
             <p:ph type="title"/>
@@ -19499,7 +19395,7 @@
             </a:pPr>
             <a:r>
               <a:rPr lang="en"/>
-              <a:t>Quantiles	</a:t>
+              <a:t>Quartiles, Deciles, &amp; Quantiles</a:t>
             </a:r>
             <a:endParaRPr/>
           </a:p>
@@ -19507,7 +19403,7 @@
       </p:sp>
       <p:sp>
         <p:nvSpPr>
-          <p:cNvPr id="216" name="Google Shape;216;p38"/>
+          <p:cNvPr id="219" name="Google Shape;219;p38"/>
           <p:cNvSpPr txBox="1"/>
           <p:nvPr>
             <p:ph idx="1" type="body"/>
@@ -19524,7 +19420,7 @@
         </p:spPr>
         <p:txBody>
           <a:bodyPr anchorCtr="0" anchor="t" bIns="91425" lIns="91425" spcFirstLastPara="1" rIns="91425" wrap="square" tIns="91425">
-            <a:normAutofit/>
+            <a:normAutofit fontScale="55000" lnSpcReduction="20000"/>
           </a:bodyPr>
           <a:lstStyle/>
           <a:p>
@@ -19533,77 +19429,68 @@
                 <a:spcPts val="0"/>
               </a:spcBef>
               <a:spcAft>
+                <a:spcPts val="0"/>
+              </a:spcAft>
+              <a:buNone/>
+            </a:pPr>
+            <a:r>
+              <a:rPr lang="en"/>
+              <a:t>Quartiles are the 25th, 50th, and 75th percentiles of data and divide the data into 4 segments</a:t>
+            </a:r>
+            <a:endParaRPr/>
+          </a:p>
+          <a:p>
+            <a:pPr indent="0" lvl="0" marL="0" rtl="0" algn="l">
+              <a:spcBef>
                 <a:spcPts val="1200"/>
+              </a:spcBef>
+              <a:spcAft>
+                <a:spcPts val="0"/>
               </a:spcAft>
               <a:buNone/>
             </a:pPr>
             <a:r>
               <a:rPr lang="en"/>
-              <a:t>Same as quartiles, just with </a:t>
-            </a:r>
+              <a:t>Quartiles are found by ordering your data and using the formulas</a:t>
+            </a:r>
+            <a:endParaRPr/>
+          </a:p>
+          <a:p>
+            <a:pPr indent="0" lvl="0" marL="0" rtl="0" algn="l">
+              <a:spcBef>
+                <a:spcPts val="1200"/>
+              </a:spcBef>
+              <a:spcAft>
+                <a:spcPts val="0"/>
+              </a:spcAft>
+              <a:buNone/>
+            </a:pPr>
             <a:r>
               <a:rPr lang="en"/>
-              <a:t>numbers</a:t>
-            </a:r>
+              <a:t>1st quartile = ¼(n + 1)th term</a:t>
+            </a:r>
+            <a:endParaRPr/>
+          </a:p>
+          <a:p>
+            <a:pPr indent="0" lvl="0" marL="0" rtl="0" algn="l">
+              <a:spcBef>
+                <a:spcPts val="1200"/>
+              </a:spcBef>
+              <a:spcAft>
+                <a:spcPts val="0"/>
+              </a:spcAft>
+              <a:buNone/>
+            </a:pPr>
             <a:r>
               <a:rPr lang="en"/>
-              <a:t> other than 25, 50, and 75</a:t>
+              <a:t>2nd quartile = ½(n + 1)th term = Median</a:t>
             </a:r>
             <a:endParaRPr/>
           </a:p>
-        </p:txBody>
-      </p:sp>
-    </p:spTree>
-  </p:cSld>
-  <p:clrMapOvr>
-    <a:masterClrMapping/>
-  </p:clrMapOvr>
-</p:sld>
-</file>
-
-<file path=ppt/slides/slide27.xml><?xml version="1.0" encoding="utf-8"?>
-<p:sld xmlns:a="http://schemas.openxmlformats.org/drawingml/2006/main" xmlns:r="http://schemas.openxmlformats.org/officeDocument/2006/relationships" xmlns:mc="http://schemas.openxmlformats.org/markup-compatibility/2006" xmlns:mv="urn:schemas-microsoft-com:mac:vml" xmlns:p="http://schemas.openxmlformats.org/presentationml/2006/main" xmlns:c="http://schemas.openxmlformats.org/drawingml/2006/chart" xmlns:dgm="http://schemas.openxmlformats.org/drawingml/2006/diagram" xmlns:o="urn:schemas-microsoft-com:office:office" xmlns:v="urn:schemas-microsoft-com:vml" xmlns:pvml="urn:schemas-microsoft-com:office:powerpoint" xmlns:com="http://schemas.openxmlformats.org/drawingml/2006/compatibility" xmlns:p14="http://schemas.microsoft.com/office/powerpoint/2010/main" xmlns:p15="http://schemas.microsoft.com/office/powerpoint/2012/main" xmlns:ahyp="http://schemas.microsoft.com/office/drawing/2018/hyperlinkcolor">
-  <p:cSld>
-    <p:spTree>
-      <p:nvGrpSpPr>
-        <p:cNvPr id="220" name="Shape 220"/>
-        <p:cNvGrpSpPr/>
-        <p:nvPr/>
-      </p:nvGrpSpPr>
-      <p:grpSpPr>
-        <a:xfrm>
-          <a:off x="0" y="0"/>
-          <a:ext cx="0" cy="0"/>
-          <a:chOff x="0" y="0"/>
-          <a:chExt cx="0" cy="0"/>
-        </a:xfrm>
-      </p:grpSpPr>
-      <p:sp>
-        <p:nvSpPr>
-          <p:cNvPr id="221" name="Google Shape;221;p39"/>
-          <p:cNvSpPr txBox="1"/>
-          <p:nvPr>
-            <p:ph type="title"/>
-          </p:nvPr>
-        </p:nvSpPr>
-        <p:spPr>
-          <a:xfrm>
-            <a:off x="311700" y="445025"/>
-            <a:ext cx="8520600" cy="572700"/>
-          </a:xfrm>
-          <a:prstGeom prst="rect">
-            <a:avLst/>
-          </a:prstGeom>
-        </p:spPr>
-        <p:txBody>
-          <a:bodyPr anchorCtr="0" anchor="t" bIns="91425" lIns="91425" spcFirstLastPara="1" rIns="91425" wrap="square" tIns="91425">
-            <a:normAutofit fontScale="90000"/>
-          </a:bodyPr>
-          <a:lstStyle/>
           <a:p>
             <a:pPr indent="0" lvl="0" marL="0" rtl="0" algn="l">
               <a:spcBef>
-                <a:spcPts val="0"/>
+                <a:spcPts val="1200"/>
               </a:spcBef>
               <a:spcAft>
                 <a:spcPts val="0"/>
@@ -19612,38 +19499,29 @@
             </a:pPr>
             <a:r>
               <a:rPr lang="en"/>
-              <a:t>Other Simple Statistics	</a:t>
+              <a:t>3rd quartile = ¾(n + 1)th term</a:t>
             </a:r>
             <a:endParaRPr/>
           </a:p>
-        </p:txBody>
-      </p:sp>
-      <p:sp>
-        <p:nvSpPr>
-          <p:cNvPr id="222" name="Google Shape;222;p39"/>
-          <p:cNvSpPr txBox="1"/>
-          <p:nvPr>
-            <p:ph idx="1" type="body"/>
-          </p:nvPr>
-        </p:nvSpPr>
-        <p:spPr>
-          <a:xfrm>
-            <a:off x="311700" y="1152475"/>
-            <a:ext cx="8520600" cy="3416400"/>
-          </a:xfrm>
-          <a:prstGeom prst="rect">
-            <a:avLst/>
-          </a:prstGeom>
-        </p:spPr>
-        <p:txBody>
-          <a:bodyPr anchorCtr="0" anchor="t" bIns="91425" lIns="91425" spcFirstLastPara="1" rIns="91425" wrap="square" tIns="91425">
-            <a:normAutofit/>
-          </a:bodyPr>
-          <a:lstStyle/>
           <a:p>
             <a:pPr indent="0" lvl="0" marL="0" rtl="0" algn="l">
               <a:spcBef>
-                <a:spcPts val="0"/>
+                <a:spcPts val="1200"/>
+              </a:spcBef>
+              <a:spcAft>
+                <a:spcPts val="0"/>
+              </a:spcAft>
+              <a:buNone/>
+            </a:pPr>
+            <a:r>
+              <a:t/>
+            </a:r>
+            <a:endParaRPr/>
+          </a:p>
+          <a:p>
+            <a:pPr indent="0" lvl="0" marL="0" rtl="0" algn="l">
+              <a:spcBef>
+                <a:spcPts val="1200"/>
               </a:spcBef>
               <a:spcAft>
                 <a:spcPts val="0"/>
@@ -19652,7 +19530,7 @@
             </a:pPr>
             <a:r>
               <a:rPr lang="en"/>
-              <a:t>Maximum: The largest number in a series</a:t>
+              <a:t>Interquartile range measures spread between 25th and 75th percentiles</a:t>
             </a:r>
             <a:endParaRPr/>
           </a:p>
@@ -19668,7 +19546,7 @@
             </a:pPr>
             <a:r>
               <a:rPr lang="en"/>
-              <a:t>Minimum: The smallest number in a series</a:t>
+              <a:t>IQR = 3rd Quartile - 1st Quartile</a:t>
             </a:r>
             <a:endParaRPr/>
           </a:p>
@@ -19683,8 +19561,23 @@
               <a:buNone/>
             </a:pPr>
             <a:r>
+              <a:t/>
+            </a:r>
+            <a:endParaRPr/>
+          </a:p>
+          <a:p>
+            <a:pPr indent="0" lvl="0" marL="0" rtl="0" algn="l">
+              <a:spcBef>
+                <a:spcPts val="1200"/>
+              </a:spcBef>
+              <a:spcAft>
+                <a:spcPts val="0"/>
+              </a:spcAft>
+              <a:buNone/>
+            </a:pPr>
+            <a:r>
               <a:rPr lang="en"/>
-              <a:t>Range: The maximum minus the minimum</a:t>
+              <a:t>Deciles divide the data into 10 segments (10th percentile, 30th percentile, etc.)</a:t>
             </a:r>
             <a:endParaRPr/>
           </a:p>
@@ -19699,7 +19592,12 @@
               <a:buNone/>
             </a:pPr>
             <a:r>
-              <a:t/>
+              <a:rPr lang="en"/>
+              <a:t>Quantiles are the s</a:t>
+            </a:r>
+            <a:r>
+              <a:rPr lang="en"/>
+              <a:t>ame as quartiles, just with numbers other than 25, 50, and 75</a:t>
             </a:r>
             <a:endParaRPr/>
           </a:p>
@@ -19744,7 +19642,7 @@
                                           </p:stCondLst>
                                         </p:cTn>
                                         <p:tgtEl>
-                                          <p:spTgt spid="222">
+                                          <p:spTgt spid="219">
                                             <p:txEl>
                                               <p:pRg end="0" st="0"/>
                                             </p:txEl>
@@ -19793,7 +19691,7 @@
                                           </p:stCondLst>
                                         </p:cTn>
                                         <p:tgtEl>
-                                          <p:spTgt spid="222">
+                                          <p:spTgt spid="219">
                                             <p:txEl>
                                               <p:pRg end="1" st="1"/>
                                             </p:txEl>
@@ -19842,7 +19740,7 @@
                                           </p:stCondLst>
                                         </p:cTn>
                                         <p:tgtEl>
-                                          <p:spTgt spid="222">
+                                          <p:spTgt spid="219">
                                             <p:txEl>
                                               <p:pRg end="2" st="2"/>
                                             </p:txEl>
@@ -19891,9 +19789,352 @@
                                           </p:stCondLst>
                                         </p:cTn>
                                         <p:tgtEl>
-                                          <p:spTgt spid="222">
+                                          <p:spTgt spid="219">
                                             <p:txEl>
                                               <p:pRg end="3" st="3"/>
+                                            </p:txEl>
+                                          </p:spTgt>
+                                        </p:tgtEl>
+                                        <p:attrNameLst>
+                                          <p:attrName>style.visibility</p:attrName>
+                                        </p:attrNameLst>
+                                      </p:cBhvr>
+                                      <p:to>
+                                        <p:strVal val="visible"/>
+                                      </p:to>
+                                    </p:set>
+                                  </p:childTnLst>
+                                </p:cTn>
+                              </p:par>
+                            </p:childTnLst>
+                          </p:cTn>
+                        </p:par>
+                      </p:childTnLst>
+                    </p:cTn>
+                  </p:par>
+                  <p:par>
+                    <p:cTn fill="hold">
+                      <p:stCondLst>
+                        <p:cond delay="indefinite"/>
+                      </p:stCondLst>
+                      <p:childTnLst>
+                        <p:par>
+                          <p:cTn fill="hold">
+                            <p:stCondLst>
+                              <p:cond delay="0"/>
+                            </p:stCondLst>
+                            <p:childTnLst>
+                              <p:par>
+                                <p:cTn fill="hold" nodeType="clickEffect" presetClass="entr" presetID="1" presetSubtype="0">
+                                  <p:stCondLst>
+                                    <p:cond delay="0"/>
+                                  </p:stCondLst>
+                                  <p:childTnLst>
+                                    <p:set>
+                                      <p:cBhvr>
+                                        <p:cTn dur="1" fill="hold">
+                                          <p:stCondLst>
+                                            <p:cond delay="0"/>
+                                          </p:stCondLst>
+                                        </p:cTn>
+                                        <p:tgtEl>
+                                          <p:spTgt spid="219">
+                                            <p:txEl>
+                                              <p:pRg end="4" st="4"/>
+                                            </p:txEl>
+                                          </p:spTgt>
+                                        </p:tgtEl>
+                                        <p:attrNameLst>
+                                          <p:attrName>style.visibility</p:attrName>
+                                        </p:attrNameLst>
+                                      </p:cBhvr>
+                                      <p:to>
+                                        <p:strVal val="visible"/>
+                                      </p:to>
+                                    </p:set>
+                                  </p:childTnLst>
+                                </p:cTn>
+                              </p:par>
+                            </p:childTnLst>
+                          </p:cTn>
+                        </p:par>
+                      </p:childTnLst>
+                    </p:cTn>
+                  </p:par>
+                  <p:par>
+                    <p:cTn fill="hold">
+                      <p:stCondLst>
+                        <p:cond delay="indefinite"/>
+                      </p:stCondLst>
+                      <p:childTnLst>
+                        <p:par>
+                          <p:cTn fill="hold">
+                            <p:stCondLst>
+                              <p:cond delay="0"/>
+                            </p:stCondLst>
+                            <p:childTnLst>
+                              <p:par>
+                                <p:cTn fill="hold" nodeType="clickEffect" presetClass="entr" presetID="1" presetSubtype="0">
+                                  <p:stCondLst>
+                                    <p:cond delay="0"/>
+                                  </p:stCondLst>
+                                  <p:childTnLst>
+                                    <p:set>
+                                      <p:cBhvr>
+                                        <p:cTn dur="1" fill="hold">
+                                          <p:stCondLst>
+                                            <p:cond delay="0"/>
+                                          </p:stCondLst>
+                                        </p:cTn>
+                                        <p:tgtEl>
+                                          <p:spTgt spid="219">
+                                            <p:txEl>
+                                              <p:pRg end="5" st="5"/>
+                                            </p:txEl>
+                                          </p:spTgt>
+                                        </p:tgtEl>
+                                        <p:attrNameLst>
+                                          <p:attrName>style.visibility</p:attrName>
+                                        </p:attrNameLst>
+                                      </p:cBhvr>
+                                      <p:to>
+                                        <p:strVal val="visible"/>
+                                      </p:to>
+                                    </p:set>
+                                  </p:childTnLst>
+                                </p:cTn>
+                              </p:par>
+                            </p:childTnLst>
+                          </p:cTn>
+                        </p:par>
+                      </p:childTnLst>
+                    </p:cTn>
+                  </p:par>
+                  <p:par>
+                    <p:cTn fill="hold">
+                      <p:stCondLst>
+                        <p:cond delay="indefinite"/>
+                      </p:stCondLst>
+                      <p:childTnLst>
+                        <p:par>
+                          <p:cTn fill="hold">
+                            <p:stCondLst>
+                              <p:cond delay="0"/>
+                            </p:stCondLst>
+                            <p:childTnLst>
+                              <p:par>
+                                <p:cTn fill="hold" nodeType="clickEffect" presetClass="entr" presetID="1" presetSubtype="0">
+                                  <p:stCondLst>
+                                    <p:cond delay="0"/>
+                                  </p:stCondLst>
+                                  <p:childTnLst>
+                                    <p:set>
+                                      <p:cBhvr>
+                                        <p:cTn dur="1" fill="hold">
+                                          <p:stCondLst>
+                                            <p:cond delay="0"/>
+                                          </p:stCondLst>
+                                        </p:cTn>
+                                        <p:tgtEl>
+                                          <p:spTgt spid="219">
+                                            <p:txEl>
+                                              <p:pRg end="6" st="6"/>
+                                            </p:txEl>
+                                          </p:spTgt>
+                                        </p:tgtEl>
+                                        <p:attrNameLst>
+                                          <p:attrName>style.visibility</p:attrName>
+                                        </p:attrNameLst>
+                                      </p:cBhvr>
+                                      <p:to>
+                                        <p:strVal val="visible"/>
+                                      </p:to>
+                                    </p:set>
+                                  </p:childTnLst>
+                                </p:cTn>
+                              </p:par>
+                            </p:childTnLst>
+                          </p:cTn>
+                        </p:par>
+                      </p:childTnLst>
+                    </p:cTn>
+                  </p:par>
+                  <p:par>
+                    <p:cTn fill="hold">
+                      <p:stCondLst>
+                        <p:cond delay="indefinite"/>
+                      </p:stCondLst>
+                      <p:childTnLst>
+                        <p:par>
+                          <p:cTn fill="hold">
+                            <p:stCondLst>
+                              <p:cond delay="0"/>
+                            </p:stCondLst>
+                            <p:childTnLst>
+                              <p:par>
+                                <p:cTn fill="hold" nodeType="clickEffect" presetClass="entr" presetID="1" presetSubtype="0">
+                                  <p:stCondLst>
+                                    <p:cond delay="0"/>
+                                  </p:stCondLst>
+                                  <p:childTnLst>
+                                    <p:set>
+                                      <p:cBhvr>
+                                        <p:cTn dur="1" fill="hold">
+                                          <p:stCondLst>
+                                            <p:cond delay="0"/>
+                                          </p:stCondLst>
+                                        </p:cTn>
+                                        <p:tgtEl>
+                                          <p:spTgt spid="219">
+                                            <p:txEl>
+                                              <p:pRg end="7" st="7"/>
+                                            </p:txEl>
+                                          </p:spTgt>
+                                        </p:tgtEl>
+                                        <p:attrNameLst>
+                                          <p:attrName>style.visibility</p:attrName>
+                                        </p:attrNameLst>
+                                      </p:cBhvr>
+                                      <p:to>
+                                        <p:strVal val="visible"/>
+                                      </p:to>
+                                    </p:set>
+                                  </p:childTnLst>
+                                </p:cTn>
+                              </p:par>
+                            </p:childTnLst>
+                          </p:cTn>
+                        </p:par>
+                      </p:childTnLst>
+                    </p:cTn>
+                  </p:par>
+                  <p:par>
+                    <p:cTn fill="hold">
+                      <p:stCondLst>
+                        <p:cond delay="indefinite"/>
+                      </p:stCondLst>
+                      <p:childTnLst>
+                        <p:par>
+                          <p:cTn fill="hold">
+                            <p:stCondLst>
+                              <p:cond delay="0"/>
+                            </p:stCondLst>
+                            <p:childTnLst>
+                              <p:par>
+                                <p:cTn fill="hold" nodeType="clickEffect" presetClass="entr" presetID="1" presetSubtype="0">
+                                  <p:stCondLst>
+                                    <p:cond delay="0"/>
+                                  </p:stCondLst>
+                                  <p:childTnLst>
+                                    <p:set>
+                                      <p:cBhvr>
+                                        <p:cTn dur="1" fill="hold">
+                                          <p:stCondLst>
+                                            <p:cond delay="0"/>
+                                          </p:stCondLst>
+                                        </p:cTn>
+                                        <p:tgtEl>
+                                          <p:spTgt spid="219">
+                                            <p:txEl>
+                                              <p:pRg end="8" st="8"/>
+                                            </p:txEl>
+                                          </p:spTgt>
+                                        </p:tgtEl>
+                                        <p:attrNameLst>
+                                          <p:attrName>style.visibility</p:attrName>
+                                        </p:attrNameLst>
+                                      </p:cBhvr>
+                                      <p:to>
+                                        <p:strVal val="visible"/>
+                                      </p:to>
+                                    </p:set>
+                                  </p:childTnLst>
+                                </p:cTn>
+                              </p:par>
+                            </p:childTnLst>
+                          </p:cTn>
+                        </p:par>
+                      </p:childTnLst>
+                    </p:cTn>
+                  </p:par>
+                  <p:par>
+                    <p:cTn fill="hold">
+                      <p:stCondLst>
+                        <p:cond delay="indefinite"/>
+                      </p:stCondLst>
+                      <p:childTnLst>
+                        <p:par>
+                          <p:cTn fill="hold">
+                            <p:stCondLst>
+                              <p:cond delay="0"/>
+                            </p:stCondLst>
+                            <p:childTnLst>
+                              <p:par>
+                                <p:cTn fill="hold" nodeType="clickEffect" presetClass="entr" presetID="1" presetSubtype="0">
+                                  <p:stCondLst>
+                                    <p:cond delay="0"/>
+                                  </p:stCondLst>
+                                  <p:childTnLst>
+                                    <p:set>
+                                      <p:cBhvr>
+                                        <p:cTn dur="1" fill="hold">
+                                          <p:stCondLst>
+                                            <p:cond delay="0"/>
+                                          </p:stCondLst>
+                                        </p:cTn>
+                                        <p:tgtEl>
+                                          <p:spTgt spid="219">
+                                            <p:txEl>
+                                              <p:pRg end="9" st="9"/>
+                                            </p:txEl>
+                                          </p:spTgt>
+                                        </p:tgtEl>
+                                        <p:attrNameLst>
+                                          <p:attrName>style.visibility</p:attrName>
+                                        </p:attrNameLst>
+                                      </p:cBhvr>
+                                      <p:to>
+                                        <p:strVal val="visible"/>
+                                      </p:to>
+                                    </p:set>
+                                  </p:childTnLst>
+                                </p:cTn>
+                              </p:par>
+                            </p:childTnLst>
+                          </p:cTn>
+                        </p:par>
+                      </p:childTnLst>
+                    </p:cTn>
+                  </p:par>
+                  <p:par>
+                    <p:cTn fill="hold">
+                      <p:stCondLst>
+                        <p:cond delay="indefinite"/>
+                      </p:stCondLst>
+                      <p:childTnLst>
+                        <p:par>
+                          <p:cTn fill="hold">
+                            <p:stCondLst>
+                              <p:cond delay="0"/>
+                            </p:stCondLst>
+                            <p:childTnLst>
+                              <p:par>
+                                <p:cTn fill="hold" nodeType="clickEffect" presetClass="entr" presetID="1" presetSubtype="0">
+                                  <p:stCondLst>
+                                    <p:cond delay="0"/>
+                                  </p:stCondLst>
+                                  <p:childTnLst>
+                                    <p:set>
+                                      <p:cBhvr>
+                                        <p:cTn dur="1" fill="hold">
+                                          <p:stCondLst>
+                                            <p:cond delay="0"/>
+                                          </p:stCondLst>
+                                        </p:cTn>
+                                        <p:tgtEl>
+                                          <p:spTgt spid="219">
+                                            <p:txEl>
+                                              <p:pRg end="10" st="10"/>
                                             </p:txEl>
                                           </p:spTgt>
                                         </p:tgtEl>
@@ -19939,12 +20180,12 @@
 </p:sld>
 </file>
 
-<file path=ppt/slides/slide28.xml><?xml version="1.0" encoding="utf-8"?>
+<file path=ppt/slides/slide27.xml><?xml version="1.0" encoding="utf-8"?>
 <p:sld xmlns:a="http://schemas.openxmlformats.org/drawingml/2006/main" xmlns:r="http://schemas.openxmlformats.org/officeDocument/2006/relationships" xmlns:mc="http://schemas.openxmlformats.org/markup-compatibility/2006" xmlns:mv="urn:schemas-microsoft-com:mac:vml" xmlns:p="http://schemas.openxmlformats.org/presentationml/2006/main" xmlns:c="http://schemas.openxmlformats.org/drawingml/2006/chart" xmlns:dgm="http://schemas.openxmlformats.org/drawingml/2006/diagram" xmlns:o="urn:schemas-microsoft-com:office:office" xmlns:v="urn:schemas-microsoft-com:vml" xmlns:pvml="urn:schemas-microsoft-com:office:powerpoint" xmlns:com="http://schemas.openxmlformats.org/drawingml/2006/compatibility" xmlns:p14="http://schemas.microsoft.com/office/powerpoint/2010/main" xmlns:p15="http://schemas.microsoft.com/office/powerpoint/2012/main" xmlns:ahyp="http://schemas.microsoft.com/office/drawing/2018/hyperlinkcolor">
   <p:cSld>
     <p:spTree>
       <p:nvGrpSpPr>
-        <p:cNvPr id="226" name="Shape 226"/>
+        <p:cNvPr id="223" name="Shape 223"/>
         <p:cNvGrpSpPr/>
         <p:nvPr/>
       </p:nvGrpSpPr>
@@ -19958,7 +20199,7 @@
       </p:grpSpPr>
       <p:sp>
         <p:nvSpPr>
-          <p:cNvPr id="227" name="Google Shape;227;p40"/>
+          <p:cNvPr id="224" name="Google Shape;224;p39"/>
           <p:cNvSpPr txBox="1"/>
           <p:nvPr>
             <p:ph type="title"/>
@@ -19998,7 +20239,7 @@
       </p:sp>
       <p:sp>
         <p:nvSpPr>
-          <p:cNvPr id="228" name="Google Shape;228;p40"/>
+          <p:cNvPr id="225" name="Google Shape;225;p39"/>
           <p:cNvSpPr txBox="1"/>
           <p:nvPr>
             <p:ph idx="1" type="body"/>
@@ -20038,7 +20279,7 @@
       </p:sp>
       <p:graphicFrame>
         <p:nvGraphicFramePr>
-          <p:cNvPr id="229" name="Google Shape;229;p40"/>
+          <p:cNvPr id="226" name="Google Shape;226;p39"/>
           <p:cNvGraphicFramePr/>
           <p:nvPr/>
         </p:nvGraphicFramePr>
@@ -20051,7 +20292,7 @@
             <a:tbl>
               <a:tblPr>
                 <a:noFill/>
-                <a:tableStyleId>{78E11B05-264C-4127-AC4A-65041B67743D}</a:tableStyleId>
+                <a:tableStyleId>{72AA497A-3250-4247-AA93-3A140F2F3AC3}</a:tableStyleId>
               </a:tblPr>
               <a:tblGrid>
                 <a:gridCol w="1809750"/>
@@ -20639,12 +20880,12 @@
 </p:sld>
 </file>
 
-<file path=ppt/slides/slide29.xml><?xml version="1.0" encoding="utf-8"?>
-<p:sld xmlns:a="http://schemas.openxmlformats.org/drawingml/2006/main" xmlns:r="http://schemas.openxmlformats.org/officeDocument/2006/relationships" xmlns:mc="http://schemas.openxmlformats.org/markup-compatibility/2006" xmlns:mv="urn:schemas-microsoft-com:mac:vml" xmlns:p="http://schemas.openxmlformats.org/presentationml/2006/main" xmlns:c="http://schemas.openxmlformats.org/drawingml/2006/chart" xmlns:dgm="http://schemas.openxmlformats.org/drawingml/2006/diagram" xmlns:o="urn:schemas-microsoft-com:office:office" xmlns:v="urn:schemas-microsoft-com:vml" xmlns:pvml="urn:schemas-microsoft-com:office:powerpoint" xmlns:com="http://schemas.openxmlformats.org/drawingml/2006/compatibility" xmlns:p14="http://schemas.microsoft.com/office/powerpoint/2010/main" xmlns:p15="http://schemas.microsoft.com/office/powerpoint/2012/main" xmlns:ahyp="http://schemas.microsoft.com/office/drawing/2018/hyperlinkcolor">
+<file path=ppt/slides/slide28.xml><?xml version="1.0" encoding="utf-8"?>
+<p:sld xmlns:a="http://schemas.openxmlformats.org/drawingml/2006/main" xmlns:r="http://schemas.openxmlformats.org/officeDocument/2006/relationships" xmlns:mc="http://schemas.openxmlformats.org/markup-compatibility/2006" xmlns:mv="urn:schemas-microsoft-com:mac:vml" xmlns:p="http://schemas.openxmlformats.org/presentationml/2006/main" xmlns:c="http://schemas.openxmlformats.org/drawingml/2006/chart" xmlns:dgm="http://schemas.openxmlformats.org/drawingml/2006/diagram" xmlns:o="urn:schemas-microsoft-com:office:office" xmlns:v="urn:schemas-microsoft-com:vml" xmlns:pvml="urn:schemas-microsoft-com:office:powerpoint" xmlns:com="http://schemas.openxmlformats.org/drawingml/2006/compatibility" xmlns:p14="http://schemas.microsoft.com/office/powerpoint/2010/main" xmlns:p15="http://schemas.microsoft.com/office/powerpoint/2012/main" xmlns:ahyp="http://schemas.microsoft.com/office/drawing/2018/hyperlinkcolor" show="0">
   <p:cSld>
     <p:spTree>
       <p:nvGrpSpPr>
-        <p:cNvPr id="233" name="Shape 233"/>
+        <p:cNvPr id="230" name="Shape 230"/>
         <p:cNvGrpSpPr/>
         <p:nvPr/>
       </p:nvGrpSpPr>
@@ -20658,7 +20899,7 @@
       </p:grpSpPr>
       <p:sp>
         <p:nvSpPr>
-          <p:cNvPr id="234" name="Google Shape;234;p41"/>
+          <p:cNvPr id="231" name="Google Shape;231;p40"/>
           <p:cNvSpPr txBox="1"/>
           <p:nvPr>
             <p:ph type="title"/>
@@ -20698,7 +20939,7 @@
       </p:sp>
       <p:sp>
         <p:nvSpPr>
-          <p:cNvPr id="235" name="Google Shape;235;p41"/>
+          <p:cNvPr id="232" name="Google Shape;232;p40"/>
           <p:cNvSpPr txBox="1"/>
           <p:nvPr>
             <p:ph idx="1" type="body"/>
@@ -20802,7 +21043,7 @@
       </p:sp>
       <p:pic>
         <p:nvPicPr>
-          <p:cNvPr id="236" name="Google Shape;236;p41"/>
+          <p:cNvPr id="233" name="Google Shape;233;p40"/>
           <p:cNvPicPr preferRelativeResize="0"/>
           <p:nvPr/>
         </p:nvPicPr>
@@ -20867,7 +21108,7 @@
                                           </p:stCondLst>
                                         </p:cTn>
                                         <p:tgtEl>
-                                          <p:spTgt spid="235">
+                                          <p:spTgt spid="232">
                                             <p:txEl>
                                               <p:pRg end="0" st="0"/>
                                             </p:txEl>
@@ -20916,7 +21157,7 @@
                                           </p:stCondLst>
                                         </p:cTn>
                                         <p:tgtEl>
-                                          <p:spTgt spid="235">
+                                          <p:spTgt spid="232">
                                             <p:txEl>
                                               <p:pRg end="1" st="1"/>
                                             </p:txEl>
@@ -20965,7 +21206,7 @@
                                           </p:stCondLst>
                                         </p:cTn>
                                         <p:tgtEl>
-                                          <p:spTgt spid="235">
+                                          <p:spTgt spid="232">
                                             <p:txEl>
                                               <p:pRg end="2" st="2"/>
                                             </p:txEl>
@@ -21014,7 +21255,7 @@
                                           </p:stCondLst>
                                         </p:cTn>
                                         <p:tgtEl>
-                                          <p:spTgt spid="235">
+                                          <p:spTgt spid="232">
                                             <p:txEl>
                                               <p:pRg end="3" st="3"/>
                                             </p:txEl>
@@ -21059,6 +21300,127 @@
       </p:par>
     </p:tnLst>
   </p:timing>
+</p:sld>
+</file>
+
+<file path=ppt/slides/slide29.xml><?xml version="1.0" encoding="utf-8"?>
+<p:sld xmlns:a="http://schemas.openxmlformats.org/drawingml/2006/main" xmlns:r="http://schemas.openxmlformats.org/officeDocument/2006/relationships" xmlns:mc="http://schemas.openxmlformats.org/markup-compatibility/2006" xmlns:mv="urn:schemas-microsoft-com:mac:vml" xmlns:p="http://schemas.openxmlformats.org/presentationml/2006/main" xmlns:c="http://schemas.openxmlformats.org/drawingml/2006/chart" xmlns:dgm="http://schemas.openxmlformats.org/drawingml/2006/diagram" xmlns:o="urn:schemas-microsoft-com:office:office" xmlns:v="urn:schemas-microsoft-com:vml" xmlns:pvml="urn:schemas-microsoft-com:office:powerpoint" xmlns:com="http://schemas.openxmlformats.org/drawingml/2006/compatibility" xmlns:p14="http://schemas.microsoft.com/office/powerpoint/2010/main" xmlns:p15="http://schemas.microsoft.com/office/powerpoint/2012/main" xmlns:ahyp="http://schemas.microsoft.com/office/drawing/2018/hyperlinkcolor">
+  <p:cSld>
+    <p:spTree>
+      <p:nvGrpSpPr>
+        <p:cNvPr id="237" name="Shape 237"/>
+        <p:cNvGrpSpPr/>
+        <p:nvPr/>
+      </p:nvGrpSpPr>
+      <p:grpSpPr>
+        <a:xfrm>
+          <a:off x="0" y="0"/>
+          <a:ext cx="0" cy="0"/>
+          <a:chOff x="0" y="0"/>
+          <a:chExt cx="0" cy="0"/>
+        </a:xfrm>
+      </p:grpSpPr>
+      <p:sp>
+        <p:nvSpPr>
+          <p:cNvPr id="238" name="Google Shape;238;p41"/>
+          <p:cNvSpPr txBox="1"/>
+          <p:nvPr>
+            <p:ph type="title"/>
+          </p:nvPr>
+        </p:nvSpPr>
+        <p:spPr>
+          <a:xfrm>
+            <a:off x="311700" y="445025"/>
+            <a:ext cx="8520600" cy="572700"/>
+          </a:xfrm>
+          <a:prstGeom prst="rect">
+            <a:avLst/>
+          </a:prstGeom>
+        </p:spPr>
+        <p:txBody>
+          <a:bodyPr anchorCtr="0" anchor="t" bIns="91425" lIns="91425" spcFirstLastPara="1" rIns="91425" wrap="square" tIns="91425">
+            <a:normAutofit fontScale="90000"/>
+          </a:bodyPr>
+          <a:lstStyle/>
+          <a:p>
+            <a:pPr indent="0" lvl="0" marL="0" rtl="0" algn="l">
+              <a:spcBef>
+                <a:spcPts val="0"/>
+              </a:spcBef>
+              <a:spcAft>
+                <a:spcPts val="0"/>
+              </a:spcAft>
+              <a:buNone/>
+            </a:pPr>
+            <a:r>
+              <a:rPr lang="en"/>
+              <a:t>Skewness</a:t>
+            </a:r>
+            <a:endParaRPr/>
+          </a:p>
+        </p:txBody>
+      </p:sp>
+      <p:pic>
+        <p:nvPicPr>
+          <p:cNvPr id="239" name="Google Shape;239;p41"/>
+          <p:cNvPicPr preferRelativeResize="0"/>
+          <p:nvPr/>
+        </p:nvPicPr>
+        <p:blipFill>
+          <a:blip r:embed="rId3">
+            <a:alphaModFix/>
+          </a:blip>
+          <a:stretch>
+            <a:fillRect/>
+          </a:stretch>
+        </p:blipFill>
+        <p:spPr>
+          <a:xfrm>
+            <a:off x="1698838" y="2571750"/>
+            <a:ext cx="5746325" cy="2171425"/>
+          </a:xfrm>
+          <a:prstGeom prst="rect">
+            <a:avLst/>
+          </a:prstGeom>
+          <a:noFill/>
+          <a:ln>
+            <a:noFill/>
+          </a:ln>
+        </p:spPr>
+      </p:pic>
+      <p:pic>
+        <p:nvPicPr>
+          <p:cNvPr id="240" name="Google Shape;240;p41"/>
+          <p:cNvPicPr preferRelativeResize="0"/>
+          <p:nvPr/>
+        </p:nvPicPr>
+        <p:blipFill>
+          <a:blip r:embed="rId4">
+            <a:alphaModFix/>
+          </a:blip>
+          <a:stretch>
+            <a:fillRect/>
+          </a:stretch>
+        </p:blipFill>
+        <p:spPr>
+          <a:xfrm>
+            <a:off x="4572000" y="498950"/>
+            <a:ext cx="2933700" cy="1009650"/>
+          </a:xfrm>
+          <a:prstGeom prst="rect">
+            <a:avLst/>
+          </a:prstGeom>
+          <a:noFill/>
+          <a:ln>
+            <a:noFill/>
+          </a:ln>
+        </p:spPr>
+      </p:pic>
+    </p:spTree>
+  </p:cSld>
+  <p:clrMapOvr>
+    <a:masterClrMapping/>
+  </p:clrMapOvr>
 </p:sld>
 </file>
 
@@ -21519,7 +21881,7 @@
   <p:cSld>
     <p:spTree>
       <p:nvGrpSpPr>
-        <p:cNvPr id="240" name="Shape 240"/>
+        <p:cNvPr id="244" name="Shape 244"/>
         <p:cNvGrpSpPr/>
         <p:nvPr/>
       </p:nvGrpSpPr>
@@ -21533,7 +21895,7 @@
       </p:grpSpPr>
       <p:sp>
         <p:nvSpPr>
-          <p:cNvPr id="241" name="Google Shape;241;p42"/>
+          <p:cNvPr id="245" name="Google Shape;245;p42"/>
           <p:cNvSpPr txBox="1"/>
           <p:nvPr>
             <p:ph type="title"/>
@@ -21564,127 +21926,6 @@
               <a:buNone/>
             </a:pPr>
             <a:r>
-              <a:rPr lang="en"/>
-              <a:t>Skewness</a:t>
-            </a:r>
-            <a:endParaRPr/>
-          </a:p>
-        </p:txBody>
-      </p:sp>
-      <p:pic>
-        <p:nvPicPr>
-          <p:cNvPr id="242" name="Google Shape;242;p42"/>
-          <p:cNvPicPr preferRelativeResize="0"/>
-          <p:nvPr/>
-        </p:nvPicPr>
-        <p:blipFill>
-          <a:blip r:embed="rId3">
-            <a:alphaModFix/>
-          </a:blip>
-          <a:stretch>
-            <a:fillRect/>
-          </a:stretch>
-        </p:blipFill>
-        <p:spPr>
-          <a:xfrm>
-            <a:off x="1698838" y="2571750"/>
-            <a:ext cx="5746325" cy="2171425"/>
-          </a:xfrm>
-          <a:prstGeom prst="rect">
-            <a:avLst/>
-          </a:prstGeom>
-          <a:noFill/>
-          <a:ln>
-            <a:noFill/>
-          </a:ln>
-        </p:spPr>
-      </p:pic>
-      <p:pic>
-        <p:nvPicPr>
-          <p:cNvPr id="243" name="Google Shape;243;p42"/>
-          <p:cNvPicPr preferRelativeResize="0"/>
-          <p:nvPr/>
-        </p:nvPicPr>
-        <p:blipFill>
-          <a:blip r:embed="rId4">
-            <a:alphaModFix/>
-          </a:blip>
-          <a:stretch>
-            <a:fillRect/>
-          </a:stretch>
-        </p:blipFill>
-        <p:spPr>
-          <a:xfrm>
-            <a:off x="4572000" y="498950"/>
-            <a:ext cx="2933700" cy="1009650"/>
-          </a:xfrm>
-          <a:prstGeom prst="rect">
-            <a:avLst/>
-          </a:prstGeom>
-          <a:noFill/>
-          <a:ln>
-            <a:noFill/>
-          </a:ln>
-        </p:spPr>
-      </p:pic>
-    </p:spTree>
-  </p:cSld>
-  <p:clrMapOvr>
-    <a:masterClrMapping/>
-  </p:clrMapOvr>
-</p:sld>
-</file>
-
-<file path=ppt/slides/slide31.xml><?xml version="1.0" encoding="utf-8"?>
-<p:sld xmlns:a="http://schemas.openxmlformats.org/drawingml/2006/main" xmlns:r="http://schemas.openxmlformats.org/officeDocument/2006/relationships" xmlns:mc="http://schemas.openxmlformats.org/markup-compatibility/2006" xmlns:mv="urn:schemas-microsoft-com:mac:vml" xmlns:p="http://schemas.openxmlformats.org/presentationml/2006/main" xmlns:c="http://schemas.openxmlformats.org/drawingml/2006/chart" xmlns:dgm="http://schemas.openxmlformats.org/drawingml/2006/diagram" xmlns:o="urn:schemas-microsoft-com:office:office" xmlns:v="urn:schemas-microsoft-com:vml" xmlns:pvml="urn:schemas-microsoft-com:office:powerpoint" xmlns:com="http://schemas.openxmlformats.org/drawingml/2006/compatibility" xmlns:p14="http://schemas.microsoft.com/office/powerpoint/2010/main" xmlns:p15="http://schemas.microsoft.com/office/powerpoint/2012/main" xmlns:ahyp="http://schemas.microsoft.com/office/drawing/2018/hyperlinkcolor">
-  <p:cSld>
-    <p:spTree>
-      <p:nvGrpSpPr>
-        <p:cNvPr id="247" name="Shape 247"/>
-        <p:cNvGrpSpPr/>
-        <p:nvPr/>
-      </p:nvGrpSpPr>
-      <p:grpSpPr>
-        <a:xfrm>
-          <a:off x="0" y="0"/>
-          <a:ext cx="0" cy="0"/>
-          <a:chOff x="0" y="0"/>
-          <a:chExt cx="0" cy="0"/>
-        </a:xfrm>
-      </p:grpSpPr>
-      <p:sp>
-        <p:nvSpPr>
-          <p:cNvPr id="248" name="Google Shape;248;p43"/>
-          <p:cNvSpPr txBox="1"/>
-          <p:nvPr>
-            <p:ph type="title"/>
-          </p:nvPr>
-        </p:nvSpPr>
-        <p:spPr>
-          <a:xfrm>
-            <a:off x="311700" y="445025"/>
-            <a:ext cx="8520600" cy="572700"/>
-          </a:xfrm>
-          <a:prstGeom prst="rect">
-            <a:avLst/>
-          </a:prstGeom>
-        </p:spPr>
-        <p:txBody>
-          <a:bodyPr anchorCtr="0" anchor="t" bIns="91425" lIns="91425" spcFirstLastPara="1" rIns="91425" wrap="square" tIns="91425">
-            <a:normAutofit fontScale="90000"/>
-          </a:bodyPr>
-          <a:lstStyle/>
-          <a:p>
-            <a:pPr indent="0" lvl="0" marL="0" rtl="0" algn="l">
-              <a:spcBef>
-                <a:spcPts val="0"/>
-              </a:spcBef>
-              <a:spcAft>
-                <a:spcPts val="0"/>
-              </a:spcAft>
-              <a:buNone/>
-            </a:pPr>
-            <a:r>
               <a:t/>
             </a:r>
             <a:endParaRPr/>
@@ -21693,7 +21934,7 @@
       </p:sp>
       <p:sp>
         <p:nvSpPr>
-          <p:cNvPr id="249" name="Google Shape;249;p43"/>
+          <p:cNvPr id="246" name="Google Shape;246;p42"/>
           <p:cNvSpPr txBox="1"/>
           <p:nvPr>
             <p:ph idx="1" type="body"/>
@@ -21732,7 +21973,7 @@
       </p:sp>
       <p:pic>
         <p:nvPicPr>
-          <p:cNvPr id="250" name="Google Shape;250;p43"/>
+          <p:cNvPr id="247" name="Google Shape;247;p42"/>
           <p:cNvPicPr preferRelativeResize="0"/>
           <p:nvPr/>
         </p:nvPicPr>
@@ -21766,12 +22007,12 @@
 </p:sld>
 </file>
 
-<file path=ppt/slides/slide32.xml><?xml version="1.0" encoding="utf-8"?>
+<file path=ppt/slides/slide31.xml><?xml version="1.0" encoding="utf-8"?>
 <p:sld xmlns:a="http://schemas.openxmlformats.org/drawingml/2006/main" xmlns:r="http://schemas.openxmlformats.org/officeDocument/2006/relationships" xmlns:mc="http://schemas.openxmlformats.org/markup-compatibility/2006" xmlns:mv="urn:schemas-microsoft-com:mac:vml" xmlns:p="http://schemas.openxmlformats.org/presentationml/2006/main" xmlns:c="http://schemas.openxmlformats.org/drawingml/2006/chart" xmlns:dgm="http://schemas.openxmlformats.org/drawingml/2006/diagram" xmlns:o="urn:schemas-microsoft-com:office:office" xmlns:v="urn:schemas-microsoft-com:vml" xmlns:pvml="urn:schemas-microsoft-com:office:powerpoint" xmlns:com="http://schemas.openxmlformats.org/drawingml/2006/compatibility" xmlns:p14="http://schemas.microsoft.com/office/powerpoint/2010/main" xmlns:p15="http://schemas.microsoft.com/office/powerpoint/2012/main" xmlns:ahyp="http://schemas.microsoft.com/office/drawing/2018/hyperlinkcolor">
   <p:cSld>
     <p:spTree>
       <p:nvGrpSpPr>
-        <p:cNvPr id="254" name="Shape 254"/>
+        <p:cNvPr id="251" name="Shape 251"/>
         <p:cNvGrpSpPr/>
         <p:nvPr/>
       </p:nvGrpSpPr>
@@ -21785,7 +22026,7 @@
       </p:grpSpPr>
       <p:sp>
         <p:nvSpPr>
-          <p:cNvPr id="255" name="Google Shape;255;p44"/>
+          <p:cNvPr id="252" name="Google Shape;252;p43"/>
           <p:cNvSpPr txBox="1"/>
           <p:nvPr>
             <p:ph type="title"/>
@@ -21825,7 +22066,7 @@
       </p:sp>
       <p:pic>
         <p:nvPicPr>
-          <p:cNvPr id="256" name="Google Shape;256;p44"/>
+          <p:cNvPr id="253" name="Google Shape;253;p43"/>
           <p:cNvPicPr preferRelativeResize="0"/>
           <p:nvPr/>
         </p:nvPicPr>
@@ -21852,7 +22093,7 @@
       </p:pic>
       <p:pic>
         <p:nvPicPr>
-          <p:cNvPr id="257" name="Google Shape;257;p44"/>
+          <p:cNvPr id="254" name="Google Shape;254;p43"/>
           <p:cNvPicPr preferRelativeResize="0"/>
           <p:nvPr/>
         </p:nvPicPr>
@@ -21880,7 +22121,7 @@
       </p:pic>
       <p:pic>
         <p:nvPicPr>
-          <p:cNvPr id="258" name="Google Shape;258;p44"/>
+          <p:cNvPr id="255" name="Google Shape;255;p43"/>
           <p:cNvPicPr preferRelativeResize="0"/>
           <p:nvPr/>
         </p:nvPicPr>
@@ -21908,14 +22149,14 @@
       </p:pic>
       <p:sp>
         <p:nvSpPr>
-          <p:cNvPr id="259" name="Google Shape;259;p44"/>
+          <p:cNvPr id="256" name="Google Shape;256;p43"/>
           <p:cNvSpPr txBox="1"/>
           <p:nvPr/>
         </p:nvSpPr>
         <p:spPr>
           <a:xfrm>
             <a:off x="582275" y="1391000"/>
-            <a:ext cx="2641800" cy="952800"/>
+            <a:ext cx="4702800" cy="952800"/>
           </a:xfrm>
           <a:prstGeom prst="rect">
             <a:avLst/>
@@ -21950,7 +22191,31 @@
                 <a:cs typeface="Proxima Nova"/>
                 <a:sym typeface="Proxima Nova"/>
               </a:rPr>
-              <a:t>Kurtosis measures “peakedness”</a:t>
+              <a:t>Kurtosis measures “peakedness” and points to </a:t>
+            </a:r>
+            <a:r>
+              <a:rPr lang="en" sz="1800">
+                <a:solidFill>
+                  <a:schemeClr val="dk2"/>
+                </a:solidFill>
+                <a:latin typeface="Proxima Nova"/>
+                <a:ea typeface="Proxima Nova"/>
+                <a:cs typeface="Proxima Nova"/>
+                <a:sym typeface="Proxima Nova"/>
+              </a:rPr>
+              <a:t>likelihood</a:t>
+            </a:r>
+            <a:r>
+              <a:rPr lang="en" sz="1800">
+                <a:solidFill>
+                  <a:schemeClr val="dk2"/>
+                </a:solidFill>
+                <a:latin typeface="Proxima Nova"/>
+                <a:ea typeface="Proxima Nova"/>
+                <a:cs typeface="Proxima Nova"/>
+                <a:sym typeface="Proxima Nova"/>
+              </a:rPr>
+              <a:t> of extreme values</a:t>
             </a:r>
             <a:endParaRPr sz="1800">
               <a:solidFill>
@@ -21964,6 +22229,251 @@
           </a:p>
         </p:txBody>
       </p:sp>
+    </p:spTree>
+  </p:cSld>
+  <p:clrMapOvr>
+    <a:masterClrMapping/>
+  </p:clrMapOvr>
+</p:sld>
+</file>
+
+<file path=ppt/slides/slide32.xml><?xml version="1.0" encoding="utf-8"?>
+<p:sld xmlns:a="http://schemas.openxmlformats.org/drawingml/2006/main" xmlns:r="http://schemas.openxmlformats.org/officeDocument/2006/relationships" xmlns:mc="http://schemas.openxmlformats.org/markup-compatibility/2006" xmlns:mv="urn:schemas-microsoft-com:mac:vml" xmlns:p="http://schemas.openxmlformats.org/presentationml/2006/main" xmlns:c="http://schemas.openxmlformats.org/drawingml/2006/chart" xmlns:dgm="http://schemas.openxmlformats.org/drawingml/2006/diagram" xmlns:o="urn:schemas-microsoft-com:office:office" xmlns:v="urn:schemas-microsoft-com:vml" xmlns:pvml="urn:schemas-microsoft-com:office:powerpoint" xmlns:com="http://schemas.openxmlformats.org/drawingml/2006/compatibility" xmlns:p14="http://schemas.microsoft.com/office/powerpoint/2010/main" xmlns:p15="http://schemas.microsoft.com/office/powerpoint/2012/main" xmlns:ahyp="http://schemas.microsoft.com/office/drawing/2018/hyperlinkcolor">
+  <p:cSld>
+    <p:spTree>
+      <p:nvGrpSpPr>
+        <p:cNvPr id="260" name="Shape 260"/>
+        <p:cNvGrpSpPr/>
+        <p:nvPr/>
+      </p:nvGrpSpPr>
+      <p:grpSpPr>
+        <a:xfrm>
+          <a:off x="0" y="0"/>
+          <a:ext cx="0" cy="0"/>
+          <a:chOff x="0" y="0"/>
+          <a:chExt cx="0" cy="0"/>
+        </a:xfrm>
+      </p:grpSpPr>
+      <p:sp>
+        <p:nvSpPr>
+          <p:cNvPr id="261" name="Google Shape;261;p44"/>
+          <p:cNvSpPr txBox="1"/>
+          <p:nvPr>
+            <p:ph type="title"/>
+          </p:nvPr>
+        </p:nvSpPr>
+        <p:spPr>
+          <a:xfrm>
+            <a:off x="311700" y="445025"/>
+            <a:ext cx="8520600" cy="572700"/>
+          </a:xfrm>
+          <a:prstGeom prst="rect">
+            <a:avLst/>
+          </a:prstGeom>
+        </p:spPr>
+        <p:txBody>
+          <a:bodyPr anchorCtr="0" anchor="t" bIns="91425" lIns="91425" spcFirstLastPara="1" rIns="91425" wrap="square" tIns="91425">
+            <a:normAutofit/>
+          </a:bodyPr>
+          <a:lstStyle/>
+          <a:p>
+            <a:pPr indent="0" lvl="0" marL="0" rtl="0" algn="l">
+              <a:spcBef>
+                <a:spcPts val="0"/>
+              </a:spcBef>
+              <a:spcAft>
+                <a:spcPts val="0"/>
+              </a:spcAft>
+              <a:buNone/>
+            </a:pPr>
+            <a:r>
+              <a:rPr lang="en" sz="1800">
+                <a:solidFill>
+                  <a:schemeClr val="dk2"/>
+                </a:solidFill>
+                <a:latin typeface="Proxima Nova"/>
+                <a:ea typeface="Proxima Nova"/>
+                <a:cs typeface="Proxima Nova"/>
+                <a:sym typeface="Proxima Nova"/>
+              </a:rPr>
+              <a:t>Uses of Kurtosis</a:t>
+            </a:r>
+            <a:endParaRPr/>
+          </a:p>
+        </p:txBody>
+      </p:sp>
+      <p:sp>
+        <p:nvSpPr>
+          <p:cNvPr id="262" name="Google Shape;262;p44"/>
+          <p:cNvSpPr txBox="1"/>
+          <p:nvPr>
+            <p:ph idx="1" type="body"/>
+          </p:nvPr>
+        </p:nvSpPr>
+        <p:spPr>
+          <a:xfrm>
+            <a:off x="311700" y="1152475"/>
+            <a:ext cx="8520600" cy="3416400"/>
+          </a:xfrm>
+          <a:prstGeom prst="rect">
+            <a:avLst/>
+          </a:prstGeom>
+        </p:spPr>
+        <p:txBody>
+          <a:bodyPr anchorCtr="0" anchor="t" bIns="91425" lIns="91425" spcFirstLastPara="1" rIns="91425" wrap="square" tIns="91425">
+            <a:normAutofit/>
+          </a:bodyPr>
+          <a:lstStyle/>
+          <a:p>
+            <a:pPr indent="-342900" lvl="0" marL="457200" rtl="0" algn="l">
+              <a:spcBef>
+                <a:spcPts val="0"/>
+              </a:spcBef>
+              <a:spcAft>
+                <a:spcPts val="0"/>
+              </a:spcAft>
+              <a:buSzPts val="1800"/>
+              <a:buAutoNum type="arabicParenR"/>
+            </a:pPr>
+            <a:r>
+              <a:rPr lang="en"/>
+              <a:t>Detecting outliers: High kurtosis suggests extreme outliers are more likely (fatter tails)</a:t>
+            </a:r>
+            <a:endParaRPr/>
+          </a:p>
+          <a:p>
+            <a:pPr indent="-342900" lvl="0" marL="457200" rtl="0" algn="l">
+              <a:spcBef>
+                <a:spcPts val="0"/>
+              </a:spcBef>
+              <a:spcAft>
+                <a:spcPts val="0"/>
+              </a:spcAft>
+              <a:buSzPts val="1800"/>
+              <a:buAutoNum type="arabicParenR"/>
+            </a:pPr>
+            <a:r>
+              <a:rPr lang="en"/>
+              <a:t>Risk: High kurtosis suggests extreme events are more likely</a:t>
+            </a:r>
+            <a:endParaRPr/>
+          </a:p>
+          <a:p>
+            <a:pPr indent="-342900" lvl="0" marL="457200" rtl="0" algn="l">
+              <a:spcBef>
+                <a:spcPts val="0"/>
+              </a:spcBef>
+              <a:spcAft>
+                <a:spcPts val="0"/>
+              </a:spcAft>
+              <a:buSzPts val="1800"/>
+              <a:buAutoNum type="arabicParenR"/>
+            </a:pPr>
+            <a:r>
+              <a:rPr lang="en"/>
+              <a:t>Comparing distributions - relative to normal distribution</a:t>
+            </a:r>
+            <a:endParaRPr/>
+          </a:p>
+          <a:p>
+            <a:pPr indent="-342900" lvl="0" marL="457200" rtl="0" algn="l">
+              <a:spcBef>
+                <a:spcPts val="0"/>
+              </a:spcBef>
+              <a:spcAft>
+                <a:spcPts val="0"/>
+              </a:spcAft>
+              <a:buSzPts val="1800"/>
+              <a:buAutoNum type="arabicParenR"/>
+            </a:pPr>
+            <a:r>
+              <a:rPr lang="en"/>
+              <a:t>Checking certain statistical / distributional assumptions*</a:t>
+            </a:r>
+            <a:endParaRPr/>
+          </a:p>
+          <a:p>
+            <a:pPr indent="0" lvl="0" marL="0" rtl="0" algn="l">
+              <a:spcBef>
+                <a:spcPts val="1200"/>
+              </a:spcBef>
+              <a:spcAft>
+                <a:spcPts val="0"/>
+              </a:spcAft>
+              <a:buNone/>
+            </a:pPr>
+            <a:r>
+              <a:rPr lang="en"/>
+              <a:t>Kurtosis &gt;3 suggests </a:t>
+            </a:r>
+            <a:r>
+              <a:rPr lang="en"/>
+              <a:t>heavier tails, a shaper peak, and potential for outliers</a:t>
+            </a:r>
+            <a:endParaRPr/>
+          </a:p>
+          <a:p>
+            <a:pPr indent="0" lvl="0" marL="0" rtl="0" algn="l">
+              <a:spcBef>
+                <a:spcPts val="1200"/>
+              </a:spcBef>
+              <a:spcAft>
+                <a:spcPts val="0"/>
+              </a:spcAft>
+              <a:buNone/>
+            </a:pPr>
+            <a:r>
+              <a:rPr lang="en"/>
+              <a:t>Kurtosis &lt;3 suggest lighter tails, a flatter peak, and less potential for outliers</a:t>
+            </a:r>
+            <a:endParaRPr/>
+          </a:p>
+          <a:p>
+            <a:pPr indent="0" lvl="0" marL="0" rtl="0" algn="l">
+              <a:spcBef>
+                <a:spcPts val="1200"/>
+              </a:spcBef>
+              <a:spcAft>
+                <a:spcPts val="1200"/>
+              </a:spcAft>
+              <a:buNone/>
+            </a:pPr>
+            <a:r>
+              <a:rPr lang="en"/>
+              <a:t>Kurtosis = 3 suggests distribution similar to normal distribution</a:t>
+            </a:r>
+            <a:endParaRPr/>
+          </a:p>
+        </p:txBody>
+      </p:sp>
+      <p:pic>
+        <p:nvPicPr>
+          <p:cNvPr id="263" name="Google Shape;263;p44"/>
+          <p:cNvPicPr preferRelativeResize="0"/>
+          <p:nvPr/>
+        </p:nvPicPr>
+        <p:blipFill>
+          <a:blip r:embed="rId3">
+            <a:alphaModFix/>
+          </a:blip>
+          <a:stretch>
+            <a:fillRect/>
+          </a:stretch>
+        </p:blipFill>
+        <p:spPr>
+          <a:xfrm>
+            <a:off x="6281376" y="265925"/>
+            <a:ext cx="2389850" cy="822475"/>
+          </a:xfrm>
+          <a:prstGeom prst="rect">
+            <a:avLst/>
+          </a:prstGeom>
+          <a:noFill/>
+          <a:ln>
+            <a:noFill/>
+          </a:ln>
+        </p:spPr>
+      </p:pic>
     </p:spTree>
   </p:cSld>
   <p:clrMapOvr>
@@ -21977,7 +22487,7 @@
   <p:cSld>
     <p:spTree>
       <p:nvGrpSpPr>
-        <p:cNvPr id="263" name="Shape 263"/>
+        <p:cNvPr id="267" name="Shape 267"/>
         <p:cNvGrpSpPr/>
         <p:nvPr/>
       </p:nvGrpSpPr>
@@ -21991,7 +22501,7 @@
       </p:grpSpPr>
       <p:sp>
         <p:nvSpPr>
-          <p:cNvPr id="264" name="Google Shape;264;p45"/>
+          <p:cNvPr id="268" name="Google Shape;268;p45"/>
           <p:cNvSpPr txBox="1"/>
           <p:nvPr>
             <p:ph type="title"/>
@@ -22031,7 +22541,7 @@
       </p:sp>
       <p:sp>
         <p:nvSpPr>
-          <p:cNvPr id="265" name="Google Shape;265;p45"/>
+          <p:cNvPr id="269" name="Google Shape;269;p45"/>
           <p:cNvSpPr txBox="1"/>
           <p:nvPr>
             <p:ph idx="1" type="body"/>
@@ -22116,7 +22626,7 @@
   <p:cSld>
     <p:spTree>
       <p:nvGrpSpPr>
-        <p:cNvPr id="269" name="Shape 269"/>
+        <p:cNvPr id="273" name="Shape 273"/>
         <p:cNvGrpSpPr/>
         <p:nvPr/>
       </p:nvGrpSpPr>
@@ -22130,140 +22640,7 @@
       </p:grpSpPr>
       <p:sp>
         <p:nvSpPr>
-          <p:cNvPr id="270" name="Google Shape;270;p46"/>
-          <p:cNvSpPr txBox="1"/>
-          <p:nvPr>
-            <p:ph type="title"/>
-          </p:nvPr>
-        </p:nvSpPr>
-        <p:spPr>
-          <a:xfrm>
-            <a:off x="311700" y="445025"/>
-            <a:ext cx="8520600" cy="572700"/>
-          </a:xfrm>
-          <a:prstGeom prst="rect">
-            <a:avLst/>
-          </a:prstGeom>
-        </p:spPr>
-        <p:txBody>
-          <a:bodyPr anchorCtr="0" anchor="t" bIns="91425" lIns="91425" spcFirstLastPara="1" rIns="91425" wrap="square" tIns="91425">
-            <a:normAutofit fontScale="90000"/>
-          </a:bodyPr>
-          <a:lstStyle/>
-          <a:p>
-            <a:pPr indent="0" lvl="0" marL="0" rtl="0" algn="l">
-              <a:spcBef>
-                <a:spcPts val="0"/>
-              </a:spcBef>
-              <a:spcAft>
-                <a:spcPts val="0"/>
-              </a:spcAft>
-              <a:buNone/>
-            </a:pPr>
-            <a:r>
-              <a:rPr lang="en"/>
-              <a:t>Graphing Two Variables At Once</a:t>
-            </a:r>
-            <a:endParaRPr/>
-          </a:p>
-        </p:txBody>
-      </p:sp>
-      <p:sp>
-        <p:nvSpPr>
-          <p:cNvPr id="271" name="Google Shape;271;p46"/>
-          <p:cNvSpPr txBox="1"/>
-          <p:nvPr>
-            <p:ph idx="1" type="body"/>
-          </p:nvPr>
-        </p:nvSpPr>
-        <p:spPr>
-          <a:xfrm>
-            <a:off x="311700" y="1152475"/>
-            <a:ext cx="8520600" cy="3416400"/>
-          </a:xfrm>
-          <a:prstGeom prst="rect">
-            <a:avLst/>
-          </a:prstGeom>
-        </p:spPr>
-        <p:txBody>
-          <a:bodyPr anchorCtr="0" anchor="t" bIns="91425" lIns="91425" spcFirstLastPara="1" rIns="91425" wrap="square" tIns="91425">
-            <a:normAutofit/>
-          </a:bodyPr>
-          <a:lstStyle/>
-          <a:p>
-            <a:pPr indent="0" lvl="0" marL="0" rtl="0" algn="l">
-              <a:spcBef>
-                <a:spcPts val="0"/>
-              </a:spcBef>
-              <a:spcAft>
-                <a:spcPts val="1200"/>
-              </a:spcAft>
-              <a:buNone/>
-            </a:pPr>
-            <a:r>
-              <a:rPr lang="en"/>
-              <a:t>Scatter plot: Graph plotting each observation on 2D “Cartesian Plane” </a:t>
-            </a:r>
-            <a:endParaRPr/>
-          </a:p>
-        </p:txBody>
-      </p:sp>
-      <p:pic>
-        <p:nvPicPr>
-          <p:cNvPr id="272" name="Google Shape;272;p46"/>
-          <p:cNvPicPr preferRelativeResize="0"/>
-          <p:nvPr/>
-        </p:nvPicPr>
-        <p:blipFill>
-          <a:blip r:embed="rId3">
-            <a:alphaModFix/>
-          </a:blip>
-          <a:stretch>
-            <a:fillRect/>
-          </a:stretch>
-        </p:blipFill>
-        <p:spPr>
-          <a:xfrm>
-            <a:off x="1987700" y="1953697"/>
-            <a:ext cx="4229375" cy="2615175"/>
-          </a:xfrm>
-          <a:prstGeom prst="rect">
-            <a:avLst/>
-          </a:prstGeom>
-          <a:noFill/>
-          <a:ln>
-            <a:noFill/>
-          </a:ln>
-        </p:spPr>
-      </p:pic>
-    </p:spTree>
-  </p:cSld>
-  <p:clrMapOvr>
-    <a:masterClrMapping/>
-  </p:clrMapOvr>
-</p:sld>
-</file>
-
-<file path=ppt/slides/slide35.xml><?xml version="1.0" encoding="utf-8"?>
-<p:sld xmlns:a="http://schemas.openxmlformats.org/drawingml/2006/main" xmlns:r="http://schemas.openxmlformats.org/officeDocument/2006/relationships" xmlns:mc="http://schemas.openxmlformats.org/markup-compatibility/2006" xmlns:mv="urn:schemas-microsoft-com:mac:vml" xmlns:p="http://schemas.openxmlformats.org/presentationml/2006/main" xmlns:c="http://schemas.openxmlformats.org/drawingml/2006/chart" xmlns:dgm="http://schemas.openxmlformats.org/drawingml/2006/diagram" xmlns:o="urn:schemas-microsoft-com:office:office" xmlns:v="urn:schemas-microsoft-com:vml" xmlns:pvml="urn:schemas-microsoft-com:office:powerpoint" xmlns:com="http://schemas.openxmlformats.org/drawingml/2006/compatibility" xmlns:p14="http://schemas.microsoft.com/office/powerpoint/2010/main" xmlns:p15="http://schemas.microsoft.com/office/powerpoint/2012/main" xmlns:ahyp="http://schemas.microsoft.com/office/drawing/2018/hyperlinkcolor">
-  <p:cSld>
-    <p:spTree>
-      <p:nvGrpSpPr>
-        <p:cNvPr id="276" name="Shape 276"/>
-        <p:cNvGrpSpPr/>
-        <p:nvPr/>
-      </p:nvGrpSpPr>
-      <p:grpSpPr>
-        <a:xfrm>
-          <a:off x="0" y="0"/>
-          <a:ext cx="0" cy="0"/>
-          <a:chOff x="0" y="0"/>
-          <a:chExt cx="0" cy="0"/>
-        </a:xfrm>
-      </p:grpSpPr>
-      <p:sp>
-        <p:nvSpPr>
-          <p:cNvPr id="277" name="Google Shape;277;p47"/>
+          <p:cNvPr id="274" name="Google Shape;274;p46"/>
           <p:cNvSpPr txBox="1"/>
           <p:nvPr>
             <p:ph type="title"/>
@@ -22307,7 +22684,7 @@
       </p:sp>
       <p:sp>
         <p:nvSpPr>
-          <p:cNvPr id="278" name="Google Shape;278;p47"/>
+          <p:cNvPr id="275" name="Google Shape;275;p46"/>
           <p:cNvSpPr txBox="1"/>
           <p:nvPr>
             <p:ph idx="1" type="body"/>
@@ -22452,7 +22829,7 @@
       </p:sp>
       <p:pic>
         <p:nvPicPr>
-          <p:cNvPr id="279" name="Google Shape;279;p47"/>
+          <p:cNvPr id="276" name="Google Shape;276;p46"/>
           <p:cNvPicPr preferRelativeResize="0"/>
           <p:nvPr/>
         </p:nvPicPr>
@@ -22480,7 +22857,7 @@
       </p:pic>
       <p:pic>
         <p:nvPicPr>
-          <p:cNvPr id="280" name="Google Shape;280;p47"/>
+          <p:cNvPr id="277" name="Google Shape;277;p46"/>
           <p:cNvPicPr preferRelativeResize="0"/>
           <p:nvPr/>
         </p:nvPicPr>
@@ -22545,7 +22922,7 @@
                                           </p:stCondLst>
                                         </p:cTn>
                                         <p:tgtEl>
-                                          <p:spTgt spid="278">
+                                          <p:spTgt spid="275">
                                             <p:txEl>
                                               <p:pRg end="0" st="0"/>
                                             </p:txEl>
@@ -22594,7 +22971,7 @@
                                           </p:stCondLst>
                                         </p:cTn>
                                         <p:tgtEl>
-                                          <p:spTgt spid="278">
+                                          <p:spTgt spid="275">
                                             <p:txEl>
                                               <p:pRg end="1" st="1"/>
                                             </p:txEl>
@@ -22643,7 +23020,7 @@
                                           </p:stCondLst>
                                         </p:cTn>
                                         <p:tgtEl>
-                                          <p:spTgt spid="278">
+                                          <p:spTgt spid="275">
                                             <p:txEl>
                                               <p:pRg end="2" st="2"/>
                                             </p:txEl>
@@ -22692,7 +23069,7 @@
                                           </p:stCondLst>
                                         </p:cTn>
                                         <p:tgtEl>
-                                          <p:spTgt spid="278">
+                                          <p:spTgt spid="275">
                                             <p:txEl>
                                               <p:pRg end="3" st="3"/>
                                             </p:txEl>
@@ -22741,7 +23118,7 @@
                                           </p:stCondLst>
                                         </p:cTn>
                                         <p:tgtEl>
-                                          <p:spTgt spid="278">
+                                          <p:spTgt spid="275">
                                             <p:txEl>
                                               <p:pRg end="4" st="4"/>
                                             </p:txEl>
@@ -22790,9 +23167,647 @@
                                           </p:stCondLst>
                                         </p:cTn>
                                         <p:tgtEl>
-                                          <p:spTgt spid="278">
+                                          <p:spTgt spid="275">
                                             <p:txEl>
                                               <p:pRg end="5" st="5"/>
+                                            </p:txEl>
+                                          </p:spTgt>
+                                        </p:tgtEl>
+                                        <p:attrNameLst>
+                                          <p:attrName>style.visibility</p:attrName>
+                                        </p:attrNameLst>
+                                      </p:cBhvr>
+                                      <p:to>
+                                        <p:strVal val="visible"/>
+                                      </p:to>
+                                    </p:set>
+                                  </p:childTnLst>
+                                </p:cTn>
+                              </p:par>
+                            </p:childTnLst>
+                          </p:cTn>
+                        </p:par>
+                      </p:childTnLst>
+                    </p:cTn>
+                  </p:par>
+                </p:childTnLst>
+              </p:cTn>
+              <p:prevCondLst>
+                <p:cond evt="onPrev">
+                  <p:tgtEl>
+                    <p:sldTgt/>
+                  </p:tgtEl>
+                </p:cond>
+              </p:prevCondLst>
+              <p:nextCondLst>
+                <p:cond evt="onNext">
+                  <p:tgtEl>
+                    <p:sldTgt/>
+                  </p:tgtEl>
+                </p:cond>
+              </p:nextCondLst>
+            </p:seq>
+          </p:childTnLst>
+        </p:cTn>
+      </p:par>
+    </p:tnLst>
+  </p:timing>
+</p:sld>
+</file>
+
+<file path=ppt/slides/slide35.xml><?xml version="1.0" encoding="utf-8"?>
+<p:sld xmlns:a="http://schemas.openxmlformats.org/drawingml/2006/main" xmlns:r="http://schemas.openxmlformats.org/officeDocument/2006/relationships" xmlns:mc="http://schemas.openxmlformats.org/markup-compatibility/2006" xmlns:mv="urn:schemas-microsoft-com:mac:vml" xmlns:p="http://schemas.openxmlformats.org/presentationml/2006/main" xmlns:c="http://schemas.openxmlformats.org/drawingml/2006/chart" xmlns:dgm="http://schemas.openxmlformats.org/drawingml/2006/diagram" xmlns:o="urn:schemas-microsoft-com:office:office" xmlns:v="urn:schemas-microsoft-com:vml" xmlns:pvml="urn:schemas-microsoft-com:office:powerpoint" xmlns:com="http://schemas.openxmlformats.org/drawingml/2006/compatibility" xmlns:p14="http://schemas.microsoft.com/office/powerpoint/2010/main" xmlns:p15="http://schemas.microsoft.com/office/powerpoint/2012/main" xmlns:ahyp="http://schemas.microsoft.com/office/drawing/2018/hyperlinkcolor">
+  <p:cSld>
+    <p:spTree>
+      <p:nvGrpSpPr>
+        <p:cNvPr id="281" name="Shape 281"/>
+        <p:cNvGrpSpPr/>
+        <p:nvPr/>
+      </p:nvGrpSpPr>
+      <p:grpSpPr>
+        <a:xfrm>
+          <a:off x="0" y="0"/>
+          <a:ext cx="0" cy="0"/>
+          <a:chOff x="0" y="0"/>
+          <a:chExt cx="0" cy="0"/>
+        </a:xfrm>
+      </p:grpSpPr>
+      <p:sp>
+        <p:nvSpPr>
+          <p:cNvPr id="282" name="Google Shape;282;p47"/>
+          <p:cNvSpPr txBox="1"/>
+          <p:nvPr>
+            <p:ph type="title"/>
+          </p:nvPr>
+        </p:nvSpPr>
+        <p:spPr>
+          <a:xfrm>
+            <a:off x="311700" y="272500"/>
+            <a:ext cx="8520600" cy="572700"/>
+          </a:xfrm>
+          <a:prstGeom prst="rect">
+            <a:avLst/>
+          </a:prstGeom>
+        </p:spPr>
+        <p:txBody>
+          <a:bodyPr anchorCtr="0" anchor="t" bIns="91425" lIns="91425" spcFirstLastPara="1" rIns="91425" wrap="square" tIns="91425">
+            <a:normAutofit fontScale="90000"/>
+          </a:bodyPr>
+          <a:lstStyle/>
+          <a:p>
+            <a:pPr indent="0" lvl="0" marL="0" rtl="0" algn="l">
+              <a:spcBef>
+                <a:spcPts val="0"/>
+              </a:spcBef>
+              <a:spcAft>
+                <a:spcPts val="0"/>
+              </a:spcAft>
+              <a:buNone/>
+            </a:pPr>
+            <a:r>
+              <a:rPr lang="en"/>
+              <a:t>Interpreting Covariance </a:t>
+            </a:r>
+            <a:endParaRPr/>
+          </a:p>
+        </p:txBody>
+      </p:sp>
+      <p:sp>
+        <p:nvSpPr>
+          <p:cNvPr id="283" name="Google Shape;283;p47"/>
+          <p:cNvSpPr txBox="1"/>
+          <p:nvPr>
+            <p:ph idx="1" type="body"/>
+          </p:nvPr>
+        </p:nvSpPr>
+        <p:spPr>
+          <a:xfrm>
+            <a:off x="311700" y="1152475"/>
+            <a:ext cx="3512700" cy="3416400"/>
+          </a:xfrm>
+          <a:prstGeom prst="rect">
+            <a:avLst/>
+          </a:prstGeom>
+        </p:spPr>
+        <p:txBody>
+          <a:bodyPr anchorCtr="0" anchor="t" bIns="91425" lIns="91425" spcFirstLastPara="1" rIns="91425" wrap="square" tIns="91425">
+            <a:normAutofit fontScale="70000" lnSpcReduction="10000"/>
+          </a:bodyPr>
+          <a:lstStyle/>
+          <a:p>
+            <a:pPr indent="0" lvl="0" marL="0" rtl="0" algn="l">
+              <a:spcBef>
+                <a:spcPts val="0"/>
+              </a:spcBef>
+              <a:spcAft>
+                <a:spcPts val="0"/>
+              </a:spcAft>
+              <a:buNone/>
+            </a:pPr>
+            <a:r>
+              <a:rPr lang="en"/>
+              <a:t>Units don’t make sense intuitively</a:t>
+            </a:r>
+            <a:endParaRPr/>
+          </a:p>
+          <a:p>
+            <a:pPr indent="0" lvl="0" marL="0" rtl="0" algn="l">
+              <a:spcBef>
+                <a:spcPts val="1200"/>
+              </a:spcBef>
+              <a:spcAft>
+                <a:spcPts val="0"/>
+              </a:spcAft>
+              <a:buNone/>
+            </a:pPr>
+            <a:r>
+              <a:rPr lang="en"/>
+              <a:t>Both income and education information combined into a single variable?</a:t>
+            </a:r>
+            <a:endParaRPr/>
+          </a:p>
+          <a:p>
+            <a:pPr indent="0" lvl="0" marL="0" rtl="0" algn="l">
+              <a:spcBef>
+                <a:spcPts val="1200"/>
+              </a:spcBef>
+              <a:spcAft>
+                <a:spcPts val="0"/>
+              </a:spcAft>
+              <a:buNone/>
+            </a:pPr>
+            <a:r>
+              <a:rPr lang="en"/>
+              <a:t>Is a covariance of -4,676 a lot?  Who knows?!</a:t>
+            </a:r>
+            <a:endParaRPr/>
+          </a:p>
+          <a:p>
+            <a:pPr indent="0" lvl="0" marL="0" rtl="0" algn="l">
+              <a:spcBef>
+                <a:spcPts val="1200"/>
+              </a:spcBef>
+              <a:spcAft>
+                <a:spcPts val="0"/>
+              </a:spcAft>
+              <a:buNone/>
+            </a:pPr>
+            <a:r>
+              <a:rPr lang="en"/>
+              <a:t>Positive means as one variable increases, the other usually does too</a:t>
+            </a:r>
+            <a:endParaRPr/>
+          </a:p>
+          <a:p>
+            <a:pPr indent="0" lvl="0" marL="0" rtl="0" algn="l">
+              <a:spcBef>
+                <a:spcPts val="1200"/>
+              </a:spcBef>
+              <a:spcAft>
+                <a:spcPts val="0"/>
+              </a:spcAft>
+              <a:buNone/>
+            </a:pPr>
+            <a:r>
+              <a:rPr lang="en"/>
+              <a:t>Negative means as one variable increases, the other usually falls</a:t>
+            </a:r>
+            <a:endParaRPr/>
+          </a:p>
+          <a:p>
+            <a:pPr indent="0" lvl="0" marL="0" rtl="0" algn="l">
+              <a:spcBef>
+                <a:spcPts val="1200"/>
+              </a:spcBef>
+              <a:spcAft>
+                <a:spcPts val="0"/>
+              </a:spcAft>
+              <a:buNone/>
+            </a:pPr>
+            <a:r>
+              <a:rPr lang="en"/>
+              <a:t>Zero means there is no </a:t>
+            </a:r>
+            <a:r>
+              <a:rPr i="1" lang="en"/>
+              <a:t>linear</a:t>
+            </a:r>
+            <a:r>
+              <a:rPr lang="en"/>
+              <a:t> relationship between the variables</a:t>
+            </a:r>
+            <a:endParaRPr/>
+          </a:p>
+          <a:p>
+            <a:pPr indent="0" lvl="0" marL="0" rtl="0" algn="l">
+              <a:spcBef>
+                <a:spcPts val="1200"/>
+              </a:spcBef>
+              <a:spcAft>
+                <a:spcPts val="1200"/>
+              </a:spcAft>
+              <a:buNone/>
+            </a:pPr>
+            <a:r>
+              <a:rPr lang="en"/>
+              <a:t>Correlation is more useful</a:t>
+            </a:r>
+            <a:endParaRPr/>
+          </a:p>
+        </p:txBody>
+      </p:sp>
+      <p:pic>
+        <p:nvPicPr>
+          <p:cNvPr id="284" name="Google Shape;284;p47"/>
+          <p:cNvPicPr preferRelativeResize="0"/>
+          <p:nvPr/>
+        </p:nvPicPr>
+        <p:blipFill>
+          <a:blip r:embed="rId3">
+            <a:alphaModFix/>
+          </a:blip>
+          <a:stretch>
+            <a:fillRect/>
+          </a:stretch>
+        </p:blipFill>
+        <p:spPr>
+          <a:xfrm>
+            <a:off x="5407525" y="86275"/>
+            <a:ext cx="3512701" cy="2893505"/>
+          </a:xfrm>
+          <a:prstGeom prst="rect">
+            <a:avLst/>
+          </a:prstGeom>
+          <a:noFill/>
+          <a:ln>
+            <a:noFill/>
+          </a:ln>
+        </p:spPr>
+      </p:pic>
+      <p:pic>
+        <p:nvPicPr>
+          <p:cNvPr id="285" name="Google Shape;285;p47"/>
+          <p:cNvPicPr preferRelativeResize="0"/>
+          <p:nvPr/>
+        </p:nvPicPr>
+        <p:blipFill>
+          <a:blip r:embed="rId4">
+            <a:alphaModFix/>
+          </a:blip>
+          <a:stretch>
+            <a:fillRect/>
+          </a:stretch>
+        </p:blipFill>
+        <p:spPr>
+          <a:xfrm>
+            <a:off x="5620413" y="3080400"/>
+            <a:ext cx="3211875" cy="1927125"/>
+          </a:xfrm>
+          <a:prstGeom prst="rect">
+            <a:avLst/>
+          </a:prstGeom>
+          <a:noFill/>
+          <a:ln>
+            <a:noFill/>
+          </a:ln>
+        </p:spPr>
+      </p:pic>
+    </p:spTree>
+  </p:cSld>
+  <p:clrMapOvr>
+    <a:masterClrMapping/>
+  </p:clrMapOvr>
+  <p:timing>
+    <p:tnLst>
+      <p:par>
+        <p:cTn dur="indefinite" nodeType="tmRoot" restart="never">
+          <p:childTnLst>
+            <p:seq concurrent="1" nextAc="seek">
+              <p:cTn dur="indefinite" id="2" nodeType="mainSeq">
+                <p:childTnLst>
+                  <p:par>
+                    <p:cTn fill="hold">
+                      <p:stCondLst>
+                        <p:cond delay="indefinite"/>
+                      </p:stCondLst>
+                      <p:childTnLst>
+                        <p:par>
+                          <p:cTn fill="hold">
+                            <p:stCondLst>
+                              <p:cond delay="0"/>
+                            </p:stCondLst>
+                            <p:childTnLst>
+                              <p:par>
+                                <p:cTn fill="hold" nodeType="clickEffect" presetClass="entr" presetID="1" presetSubtype="0">
+                                  <p:stCondLst>
+                                    <p:cond delay="0"/>
+                                  </p:stCondLst>
+                                  <p:childTnLst>
+                                    <p:set>
+                                      <p:cBhvr>
+                                        <p:cTn dur="1" fill="hold">
+                                          <p:stCondLst>
+                                            <p:cond delay="0"/>
+                                          </p:stCondLst>
+                                        </p:cTn>
+                                        <p:tgtEl>
+                                          <p:spTgt spid="283">
+                                            <p:txEl>
+                                              <p:pRg end="0" st="0"/>
+                                            </p:txEl>
+                                          </p:spTgt>
+                                        </p:tgtEl>
+                                        <p:attrNameLst>
+                                          <p:attrName>style.visibility</p:attrName>
+                                        </p:attrNameLst>
+                                      </p:cBhvr>
+                                      <p:to>
+                                        <p:strVal val="visible"/>
+                                      </p:to>
+                                    </p:set>
+                                  </p:childTnLst>
+                                </p:cTn>
+                              </p:par>
+                            </p:childTnLst>
+                          </p:cTn>
+                        </p:par>
+                      </p:childTnLst>
+                    </p:cTn>
+                  </p:par>
+                  <p:par>
+                    <p:cTn fill="hold">
+                      <p:stCondLst>
+                        <p:cond delay="indefinite"/>
+                      </p:stCondLst>
+                      <p:childTnLst>
+                        <p:par>
+                          <p:cTn fill="hold">
+                            <p:stCondLst>
+                              <p:cond delay="0"/>
+                            </p:stCondLst>
+                            <p:childTnLst>
+                              <p:par>
+                                <p:cTn fill="hold" nodeType="clickEffect" presetClass="entr" presetID="1" presetSubtype="0">
+                                  <p:stCondLst>
+                                    <p:cond delay="0"/>
+                                  </p:stCondLst>
+                                  <p:childTnLst>
+                                    <p:set>
+                                      <p:cBhvr>
+                                        <p:cTn dur="1" fill="hold">
+                                          <p:stCondLst>
+                                            <p:cond delay="0"/>
+                                          </p:stCondLst>
+                                        </p:cTn>
+                                        <p:tgtEl>
+                                          <p:spTgt spid="283">
+                                            <p:txEl>
+                                              <p:pRg end="1" st="1"/>
+                                            </p:txEl>
+                                          </p:spTgt>
+                                        </p:tgtEl>
+                                        <p:attrNameLst>
+                                          <p:attrName>style.visibility</p:attrName>
+                                        </p:attrNameLst>
+                                      </p:cBhvr>
+                                      <p:to>
+                                        <p:strVal val="visible"/>
+                                      </p:to>
+                                    </p:set>
+                                  </p:childTnLst>
+                                </p:cTn>
+                              </p:par>
+                            </p:childTnLst>
+                          </p:cTn>
+                        </p:par>
+                      </p:childTnLst>
+                    </p:cTn>
+                  </p:par>
+                  <p:par>
+                    <p:cTn fill="hold">
+                      <p:stCondLst>
+                        <p:cond delay="indefinite"/>
+                      </p:stCondLst>
+                      <p:childTnLst>
+                        <p:par>
+                          <p:cTn fill="hold">
+                            <p:stCondLst>
+                              <p:cond delay="0"/>
+                            </p:stCondLst>
+                            <p:childTnLst>
+                              <p:par>
+                                <p:cTn fill="hold" nodeType="clickEffect" presetClass="entr" presetID="1" presetSubtype="0">
+                                  <p:stCondLst>
+                                    <p:cond delay="0"/>
+                                  </p:stCondLst>
+                                  <p:childTnLst>
+                                    <p:set>
+                                      <p:cBhvr>
+                                        <p:cTn dur="1" fill="hold">
+                                          <p:stCondLst>
+                                            <p:cond delay="0"/>
+                                          </p:stCondLst>
+                                        </p:cTn>
+                                        <p:tgtEl>
+                                          <p:spTgt spid="283">
+                                            <p:txEl>
+                                              <p:pRg end="2" st="2"/>
+                                            </p:txEl>
+                                          </p:spTgt>
+                                        </p:tgtEl>
+                                        <p:attrNameLst>
+                                          <p:attrName>style.visibility</p:attrName>
+                                        </p:attrNameLst>
+                                      </p:cBhvr>
+                                      <p:to>
+                                        <p:strVal val="visible"/>
+                                      </p:to>
+                                    </p:set>
+                                  </p:childTnLst>
+                                </p:cTn>
+                              </p:par>
+                            </p:childTnLst>
+                          </p:cTn>
+                        </p:par>
+                      </p:childTnLst>
+                    </p:cTn>
+                  </p:par>
+                  <p:par>
+                    <p:cTn fill="hold">
+                      <p:stCondLst>
+                        <p:cond delay="indefinite"/>
+                      </p:stCondLst>
+                      <p:childTnLst>
+                        <p:par>
+                          <p:cTn fill="hold">
+                            <p:stCondLst>
+                              <p:cond delay="0"/>
+                            </p:stCondLst>
+                            <p:childTnLst>
+                              <p:par>
+                                <p:cTn fill="hold" nodeType="clickEffect" presetClass="entr" presetID="1" presetSubtype="0">
+                                  <p:stCondLst>
+                                    <p:cond delay="0"/>
+                                  </p:stCondLst>
+                                  <p:childTnLst>
+                                    <p:set>
+                                      <p:cBhvr>
+                                        <p:cTn dur="1" fill="hold">
+                                          <p:stCondLst>
+                                            <p:cond delay="0"/>
+                                          </p:stCondLst>
+                                        </p:cTn>
+                                        <p:tgtEl>
+                                          <p:spTgt spid="283">
+                                            <p:txEl>
+                                              <p:pRg end="3" st="3"/>
+                                            </p:txEl>
+                                          </p:spTgt>
+                                        </p:tgtEl>
+                                        <p:attrNameLst>
+                                          <p:attrName>style.visibility</p:attrName>
+                                        </p:attrNameLst>
+                                      </p:cBhvr>
+                                      <p:to>
+                                        <p:strVal val="visible"/>
+                                      </p:to>
+                                    </p:set>
+                                  </p:childTnLst>
+                                </p:cTn>
+                              </p:par>
+                            </p:childTnLst>
+                          </p:cTn>
+                        </p:par>
+                      </p:childTnLst>
+                    </p:cTn>
+                  </p:par>
+                  <p:par>
+                    <p:cTn fill="hold">
+                      <p:stCondLst>
+                        <p:cond delay="indefinite"/>
+                      </p:stCondLst>
+                      <p:childTnLst>
+                        <p:par>
+                          <p:cTn fill="hold">
+                            <p:stCondLst>
+                              <p:cond delay="0"/>
+                            </p:stCondLst>
+                            <p:childTnLst>
+                              <p:par>
+                                <p:cTn fill="hold" nodeType="clickEffect" presetClass="entr" presetID="1" presetSubtype="0">
+                                  <p:stCondLst>
+                                    <p:cond delay="0"/>
+                                  </p:stCondLst>
+                                  <p:childTnLst>
+                                    <p:set>
+                                      <p:cBhvr>
+                                        <p:cTn dur="1" fill="hold">
+                                          <p:stCondLst>
+                                            <p:cond delay="0"/>
+                                          </p:stCondLst>
+                                        </p:cTn>
+                                        <p:tgtEl>
+                                          <p:spTgt spid="283">
+                                            <p:txEl>
+                                              <p:pRg end="4" st="4"/>
+                                            </p:txEl>
+                                          </p:spTgt>
+                                        </p:tgtEl>
+                                        <p:attrNameLst>
+                                          <p:attrName>style.visibility</p:attrName>
+                                        </p:attrNameLst>
+                                      </p:cBhvr>
+                                      <p:to>
+                                        <p:strVal val="visible"/>
+                                      </p:to>
+                                    </p:set>
+                                  </p:childTnLst>
+                                </p:cTn>
+                              </p:par>
+                            </p:childTnLst>
+                          </p:cTn>
+                        </p:par>
+                      </p:childTnLst>
+                    </p:cTn>
+                  </p:par>
+                  <p:par>
+                    <p:cTn fill="hold">
+                      <p:stCondLst>
+                        <p:cond delay="indefinite"/>
+                      </p:stCondLst>
+                      <p:childTnLst>
+                        <p:par>
+                          <p:cTn fill="hold">
+                            <p:stCondLst>
+                              <p:cond delay="0"/>
+                            </p:stCondLst>
+                            <p:childTnLst>
+                              <p:par>
+                                <p:cTn fill="hold" nodeType="clickEffect" presetClass="entr" presetID="1" presetSubtype="0">
+                                  <p:stCondLst>
+                                    <p:cond delay="0"/>
+                                  </p:stCondLst>
+                                  <p:childTnLst>
+                                    <p:set>
+                                      <p:cBhvr>
+                                        <p:cTn dur="1" fill="hold">
+                                          <p:stCondLst>
+                                            <p:cond delay="0"/>
+                                          </p:stCondLst>
+                                        </p:cTn>
+                                        <p:tgtEl>
+                                          <p:spTgt spid="283">
+                                            <p:txEl>
+                                              <p:pRg end="5" st="5"/>
+                                            </p:txEl>
+                                          </p:spTgt>
+                                        </p:tgtEl>
+                                        <p:attrNameLst>
+                                          <p:attrName>style.visibility</p:attrName>
+                                        </p:attrNameLst>
+                                      </p:cBhvr>
+                                      <p:to>
+                                        <p:strVal val="visible"/>
+                                      </p:to>
+                                    </p:set>
+                                  </p:childTnLst>
+                                </p:cTn>
+                              </p:par>
+                            </p:childTnLst>
+                          </p:cTn>
+                        </p:par>
+                      </p:childTnLst>
+                    </p:cTn>
+                  </p:par>
+                  <p:par>
+                    <p:cTn fill="hold">
+                      <p:stCondLst>
+                        <p:cond delay="indefinite"/>
+                      </p:stCondLst>
+                      <p:childTnLst>
+                        <p:par>
+                          <p:cTn fill="hold">
+                            <p:stCondLst>
+                              <p:cond delay="0"/>
+                            </p:stCondLst>
+                            <p:childTnLst>
+                              <p:par>
+                                <p:cTn fill="hold" nodeType="clickEffect" presetClass="entr" presetID="1" presetSubtype="0">
+                                  <p:stCondLst>
+                                    <p:cond delay="0"/>
+                                  </p:stCondLst>
+                                  <p:childTnLst>
+                                    <p:set>
+                                      <p:cBhvr>
+                                        <p:cTn dur="1" fill="hold">
+                                          <p:stCondLst>
+                                            <p:cond delay="0"/>
+                                          </p:stCondLst>
+                                        </p:cTn>
+                                        <p:tgtEl>
+                                          <p:spTgt spid="283">
+                                            <p:txEl>
+                                              <p:pRg end="6" st="6"/>
                                             </p:txEl>
                                           </p:spTgt>
                                         </p:tgtEl>
@@ -22843,7 +23858,7 @@
   <p:cSld>
     <p:spTree>
       <p:nvGrpSpPr>
-        <p:cNvPr id="284" name="Shape 284"/>
+        <p:cNvPr id="289" name="Shape 289"/>
         <p:cNvGrpSpPr/>
         <p:nvPr/>
       </p:nvGrpSpPr>
@@ -22857,246 +23872,7 @@
       </p:grpSpPr>
       <p:sp>
         <p:nvSpPr>
-          <p:cNvPr id="285" name="Google Shape;285;p48"/>
-          <p:cNvSpPr txBox="1"/>
-          <p:nvPr>
-            <p:ph type="title"/>
-          </p:nvPr>
-        </p:nvSpPr>
-        <p:spPr>
-          <a:xfrm>
-            <a:off x="311700" y="272500"/>
-            <a:ext cx="8520600" cy="572700"/>
-          </a:xfrm>
-          <a:prstGeom prst="rect">
-            <a:avLst/>
-          </a:prstGeom>
-        </p:spPr>
-        <p:txBody>
-          <a:bodyPr anchorCtr="0" anchor="t" bIns="91425" lIns="91425" spcFirstLastPara="1" rIns="91425" wrap="square" tIns="91425">
-            <a:normAutofit fontScale="90000"/>
-          </a:bodyPr>
-          <a:lstStyle/>
-          <a:p>
-            <a:pPr indent="0" lvl="0" marL="0" rtl="0" algn="l">
-              <a:spcBef>
-                <a:spcPts val="0"/>
-              </a:spcBef>
-              <a:spcAft>
-                <a:spcPts val="0"/>
-              </a:spcAft>
-              <a:buNone/>
-            </a:pPr>
-            <a:r>
-              <a:rPr lang="en"/>
-              <a:t>Interpreting Covariance </a:t>
-            </a:r>
-            <a:endParaRPr/>
-          </a:p>
-        </p:txBody>
-      </p:sp>
-      <p:sp>
-        <p:nvSpPr>
-          <p:cNvPr id="286" name="Google Shape;286;p48"/>
-          <p:cNvSpPr txBox="1"/>
-          <p:nvPr>
-            <p:ph idx="1" type="body"/>
-          </p:nvPr>
-        </p:nvSpPr>
-        <p:spPr>
-          <a:xfrm>
-            <a:off x="311700" y="1152475"/>
-            <a:ext cx="3512700" cy="3416400"/>
-          </a:xfrm>
-          <a:prstGeom prst="rect">
-            <a:avLst/>
-          </a:prstGeom>
-        </p:spPr>
-        <p:txBody>
-          <a:bodyPr anchorCtr="0" anchor="t" bIns="91425" lIns="91425" spcFirstLastPara="1" rIns="91425" wrap="square" tIns="91425">
-            <a:normAutofit lnSpcReduction="20000"/>
-          </a:bodyPr>
-          <a:lstStyle/>
-          <a:p>
-            <a:pPr indent="0" lvl="0" marL="0" rtl="0" algn="l">
-              <a:spcBef>
-                <a:spcPts val="0"/>
-              </a:spcBef>
-              <a:spcAft>
-                <a:spcPts val="0"/>
-              </a:spcAft>
-              <a:buNone/>
-            </a:pPr>
-            <a:r>
-              <a:rPr lang="en"/>
-              <a:t>Units don’t make sense intuitively</a:t>
-            </a:r>
-            <a:endParaRPr/>
-          </a:p>
-          <a:p>
-            <a:pPr indent="0" lvl="0" marL="0" rtl="0" algn="l">
-              <a:spcBef>
-                <a:spcPts val="1200"/>
-              </a:spcBef>
-              <a:spcAft>
-                <a:spcPts val="0"/>
-              </a:spcAft>
-              <a:buNone/>
-            </a:pPr>
-            <a:r>
-              <a:rPr lang="en"/>
-              <a:t>Both income and education information combined into a single variable?</a:t>
-            </a:r>
-            <a:endParaRPr/>
-          </a:p>
-          <a:p>
-            <a:pPr indent="0" lvl="0" marL="0" rtl="0" algn="l">
-              <a:spcBef>
-                <a:spcPts val="1200"/>
-              </a:spcBef>
-              <a:spcAft>
-                <a:spcPts val="0"/>
-              </a:spcAft>
-              <a:buNone/>
-            </a:pPr>
-            <a:r>
-              <a:rPr lang="en"/>
-              <a:t>Is a covariance of -4,676 a lot?</a:t>
-            </a:r>
-            <a:endParaRPr/>
-          </a:p>
-          <a:p>
-            <a:pPr indent="0" lvl="0" marL="0" rtl="0" algn="l">
-              <a:spcBef>
-                <a:spcPts val="1200"/>
-              </a:spcBef>
-              <a:spcAft>
-                <a:spcPts val="0"/>
-              </a:spcAft>
-              <a:buNone/>
-            </a:pPr>
-            <a:r>
-              <a:t/>
-            </a:r>
-            <a:endParaRPr/>
-          </a:p>
-          <a:p>
-            <a:pPr indent="0" lvl="0" marL="0" rtl="0" algn="l">
-              <a:spcBef>
-                <a:spcPts val="1200"/>
-              </a:spcBef>
-              <a:spcAft>
-                <a:spcPts val="0"/>
-              </a:spcAft>
-              <a:buNone/>
-            </a:pPr>
-            <a:r>
-              <a:rPr lang="en"/>
-              <a:t>Correlation is more useful</a:t>
-            </a:r>
-            <a:endParaRPr/>
-          </a:p>
-          <a:p>
-            <a:pPr indent="0" lvl="0" marL="0" rtl="0" algn="l">
-              <a:spcBef>
-                <a:spcPts val="1200"/>
-              </a:spcBef>
-              <a:spcAft>
-                <a:spcPts val="1200"/>
-              </a:spcAft>
-              <a:buNone/>
-            </a:pPr>
-            <a:r>
-              <a:t/>
-            </a:r>
-            <a:endParaRPr/>
-          </a:p>
-        </p:txBody>
-      </p:sp>
-      <p:pic>
-        <p:nvPicPr>
-          <p:cNvPr id="287" name="Google Shape;287;p48"/>
-          <p:cNvPicPr preferRelativeResize="0"/>
-          <p:nvPr/>
-        </p:nvPicPr>
-        <p:blipFill>
-          <a:blip r:embed="rId3">
-            <a:alphaModFix/>
-          </a:blip>
-          <a:stretch>
-            <a:fillRect/>
-          </a:stretch>
-        </p:blipFill>
-        <p:spPr>
-          <a:xfrm>
-            <a:off x="5407525" y="86275"/>
-            <a:ext cx="3512701" cy="2893505"/>
-          </a:xfrm>
-          <a:prstGeom prst="rect">
-            <a:avLst/>
-          </a:prstGeom>
-          <a:noFill/>
-          <a:ln>
-            <a:noFill/>
-          </a:ln>
-        </p:spPr>
-      </p:pic>
-      <p:pic>
-        <p:nvPicPr>
-          <p:cNvPr id="288" name="Google Shape;288;p48"/>
-          <p:cNvPicPr preferRelativeResize="0"/>
-          <p:nvPr/>
-        </p:nvPicPr>
-        <p:blipFill>
-          <a:blip r:embed="rId4">
-            <a:alphaModFix/>
-          </a:blip>
-          <a:stretch>
-            <a:fillRect/>
-          </a:stretch>
-        </p:blipFill>
-        <p:spPr>
-          <a:xfrm>
-            <a:off x="5620413" y="3080400"/>
-            <a:ext cx="3211875" cy="1927125"/>
-          </a:xfrm>
-          <a:prstGeom prst="rect">
-            <a:avLst/>
-          </a:prstGeom>
-          <a:noFill/>
-          <a:ln>
-            <a:noFill/>
-          </a:ln>
-        </p:spPr>
-      </p:pic>
-    </p:spTree>
-  </p:cSld>
-  <p:clrMapOvr>
-    <a:masterClrMapping/>
-  </p:clrMapOvr>
-</p:sld>
-</file>
-
-<file path=ppt/slides/slide37.xml><?xml version="1.0" encoding="utf-8"?>
-<p:sld xmlns:a="http://schemas.openxmlformats.org/drawingml/2006/main" xmlns:r="http://schemas.openxmlformats.org/officeDocument/2006/relationships" xmlns:mc="http://schemas.openxmlformats.org/markup-compatibility/2006" xmlns:mv="urn:schemas-microsoft-com:mac:vml" xmlns:p="http://schemas.openxmlformats.org/presentationml/2006/main" xmlns:c="http://schemas.openxmlformats.org/drawingml/2006/chart" xmlns:dgm="http://schemas.openxmlformats.org/drawingml/2006/diagram" xmlns:o="urn:schemas-microsoft-com:office:office" xmlns:v="urn:schemas-microsoft-com:vml" xmlns:pvml="urn:schemas-microsoft-com:office:powerpoint" xmlns:com="http://schemas.openxmlformats.org/drawingml/2006/compatibility" xmlns:p14="http://schemas.microsoft.com/office/powerpoint/2010/main" xmlns:p15="http://schemas.microsoft.com/office/powerpoint/2012/main" xmlns:ahyp="http://schemas.microsoft.com/office/drawing/2018/hyperlinkcolor">
-  <p:cSld>
-    <p:spTree>
-      <p:nvGrpSpPr>
-        <p:cNvPr id="292" name="Shape 292"/>
-        <p:cNvGrpSpPr/>
-        <p:nvPr/>
-      </p:nvGrpSpPr>
-      <p:grpSpPr>
-        <a:xfrm>
-          <a:off x="0" y="0"/>
-          <a:ext cx="0" cy="0"/>
-          <a:chOff x="0" y="0"/>
-          <a:chExt cx="0" cy="0"/>
-        </a:xfrm>
-      </p:grpSpPr>
-      <p:sp>
-        <p:nvSpPr>
-          <p:cNvPr id="293" name="Google Shape;293;p49"/>
+          <p:cNvPr id="290" name="Google Shape;290;p48"/>
           <p:cNvSpPr txBox="1"/>
           <p:nvPr>
             <p:ph type="title"/>
@@ -23140,7 +23916,7 @@
       </p:sp>
       <p:sp>
         <p:nvSpPr>
-          <p:cNvPr id="294" name="Google Shape;294;p49"/>
+          <p:cNvPr id="291" name="Google Shape;291;p48"/>
           <p:cNvSpPr txBox="1"/>
           <p:nvPr>
             <p:ph idx="1" type="body"/>
@@ -23240,7 +24016,7 @@
             </a:pPr>
             <a:r>
               <a:rPr lang="en"/>
-              <a:t>0 means no correlation, 1 means perfect positive correlation, -1 means perfect negative correlation</a:t>
+              <a:t>0 means no correlation, 1 means perfect positive linear correlation, -1 means perfect negative linear correlation</a:t>
             </a:r>
             <a:endParaRPr/>
           </a:p>
@@ -23248,7 +24024,7 @@
       </p:sp>
       <p:pic>
         <p:nvPicPr>
-          <p:cNvPr id="295" name="Google Shape;295;p49"/>
+          <p:cNvPr id="292" name="Google Shape;292;p48"/>
           <p:cNvPicPr preferRelativeResize="0"/>
           <p:nvPr/>
         </p:nvPicPr>
@@ -23276,7 +24052,7 @@
       </p:pic>
       <p:pic>
         <p:nvPicPr>
-          <p:cNvPr id="296" name="Google Shape;296;p49"/>
+          <p:cNvPr id="293" name="Google Shape;293;p48"/>
           <p:cNvPicPr preferRelativeResize="0"/>
           <p:nvPr/>
         </p:nvPicPr>
@@ -23304,7 +24080,7 @@
       </p:pic>
       <p:sp>
         <p:nvSpPr>
-          <p:cNvPr id="297" name="Google Shape;297;p49"/>
+          <p:cNvPr id="294" name="Google Shape;294;p48"/>
           <p:cNvSpPr txBox="1"/>
           <p:nvPr/>
         </p:nvSpPr>
@@ -23502,15 +24278,241 @@
   <p:clrMapOvr>
     <a:masterClrMapping/>
   </p:clrMapOvr>
+  <p:timing>
+    <p:tnLst>
+      <p:par>
+        <p:cTn dur="indefinite" nodeType="tmRoot" restart="never">
+          <p:childTnLst>
+            <p:seq concurrent="1" nextAc="seek">
+              <p:cTn dur="indefinite" id="2" nodeType="mainSeq">
+                <p:childTnLst>
+                  <p:par>
+                    <p:cTn fill="hold">
+                      <p:stCondLst>
+                        <p:cond delay="indefinite"/>
+                      </p:stCondLst>
+                      <p:childTnLst>
+                        <p:par>
+                          <p:cTn fill="hold">
+                            <p:stCondLst>
+                              <p:cond delay="0"/>
+                            </p:stCondLst>
+                            <p:childTnLst>
+                              <p:par>
+                                <p:cTn fill="hold" nodeType="clickEffect" presetClass="entr" presetID="1" presetSubtype="0">
+                                  <p:stCondLst>
+                                    <p:cond delay="0"/>
+                                  </p:stCondLst>
+                                  <p:childTnLst>
+                                    <p:set>
+                                      <p:cBhvr>
+                                        <p:cTn dur="1" fill="hold">
+                                          <p:stCondLst>
+                                            <p:cond delay="0"/>
+                                          </p:stCondLst>
+                                        </p:cTn>
+                                        <p:tgtEl>
+                                          <p:spTgt spid="291">
+                                            <p:txEl>
+                                              <p:pRg end="0" st="0"/>
+                                            </p:txEl>
+                                          </p:spTgt>
+                                        </p:tgtEl>
+                                        <p:attrNameLst>
+                                          <p:attrName>style.visibility</p:attrName>
+                                        </p:attrNameLst>
+                                      </p:cBhvr>
+                                      <p:to>
+                                        <p:strVal val="visible"/>
+                                      </p:to>
+                                    </p:set>
+                                  </p:childTnLst>
+                                </p:cTn>
+                              </p:par>
+                            </p:childTnLst>
+                          </p:cTn>
+                        </p:par>
+                      </p:childTnLst>
+                    </p:cTn>
+                  </p:par>
+                  <p:par>
+                    <p:cTn fill="hold">
+                      <p:stCondLst>
+                        <p:cond delay="indefinite"/>
+                      </p:stCondLst>
+                      <p:childTnLst>
+                        <p:par>
+                          <p:cTn fill="hold">
+                            <p:stCondLst>
+                              <p:cond delay="0"/>
+                            </p:stCondLst>
+                            <p:childTnLst>
+                              <p:par>
+                                <p:cTn fill="hold" nodeType="clickEffect" presetClass="entr" presetID="1" presetSubtype="0">
+                                  <p:stCondLst>
+                                    <p:cond delay="0"/>
+                                  </p:stCondLst>
+                                  <p:childTnLst>
+                                    <p:set>
+                                      <p:cBhvr>
+                                        <p:cTn dur="1" fill="hold">
+                                          <p:stCondLst>
+                                            <p:cond delay="0"/>
+                                          </p:stCondLst>
+                                        </p:cTn>
+                                        <p:tgtEl>
+                                          <p:spTgt spid="291">
+                                            <p:txEl>
+                                              <p:pRg end="1" st="1"/>
+                                            </p:txEl>
+                                          </p:spTgt>
+                                        </p:tgtEl>
+                                        <p:attrNameLst>
+                                          <p:attrName>style.visibility</p:attrName>
+                                        </p:attrNameLst>
+                                      </p:cBhvr>
+                                      <p:to>
+                                        <p:strVal val="visible"/>
+                                      </p:to>
+                                    </p:set>
+                                  </p:childTnLst>
+                                </p:cTn>
+                              </p:par>
+                            </p:childTnLst>
+                          </p:cTn>
+                        </p:par>
+                      </p:childTnLst>
+                    </p:cTn>
+                  </p:par>
+                  <p:par>
+                    <p:cTn fill="hold">
+                      <p:stCondLst>
+                        <p:cond delay="indefinite"/>
+                      </p:stCondLst>
+                      <p:childTnLst>
+                        <p:par>
+                          <p:cTn fill="hold">
+                            <p:stCondLst>
+                              <p:cond delay="0"/>
+                            </p:stCondLst>
+                            <p:childTnLst>
+                              <p:par>
+                                <p:cTn fill="hold" nodeType="clickEffect" presetClass="entr" presetID="1" presetSubtype="0">
+                                  <p:stCondLst>
+                                    <p:cond delay="0"/>
+                                  </p:stCondLst>
+                                  <p:childTnLst>
+                                    <p:set>
+                                      <p:cBhvr>
+                                        <p:cTn dur="1" fill="hold">
+                                          <p:stCondLst>
+                                            <p:cond delay="0"/>
+                                          </p:stCondLst>
+                                        </p:cTn>
+                                        <p:tgtEl>
+                                          <p:spTgt spid="291">
+                                            <p:txEl>
+                                              <p:pRg end="2" st="2"/>
+                                            </p:txEl>
+                                          </p:spTgt>
+                                        </p:tgtEl>
+                                        <p:attrNameLst>
+                                          <p:attrName>style.visibility</p:attrName>
+                                        </p:attrNameLst>
+                                      </p:cBhvr>
+                                      <p:to>
+                                        <p:strVal val="visible"/>
+                                      </p:to>
+                                    </p:set>
+                                  </p:childTnLst>
+                                </p:cTn>
+                              </p:par>
+                            </p:childTnLst>
+                          </p:cTn>
+                        </p:par>
+                      </p:childTnLst>
+                    </p:cTn>
+                  </p:par>
+                  <p:par>
+                    <p:cTn fill="hold">
+                      <p:stCondLst>
+                        <p:cond delay="indefinite"/>
+                      </p:stCondLst>
+                      <p:childTnLst>
+                        <p:par>
+                          <p:cTn fill="hold">
+                            <p:stCondLst>
+                              <p:cond delay="0"/>
+                            </p:stCondLst>
+                            <p:childTnLst>
+                              <p:par>
+                                <p:cTn fill="hold" nodeType="clickEffect" presetClass="entr" presetID="1" presetSubtype="0">
+                                  <p:stCondLst>
+                                    <p:cond delay="0"/>
+                                  </p:stCondLst>
+                                  <p:childTnLst>
+                                    <p:set>
+                                      <p:cBhvr>
+                                        <p:cTn dur="1" fill="hold">
+                                          <p:stCondLst>
+                                            <p:cond delay="0"/>
+                                          </p:stCondLst>
+                                        </p:cTn>
+                                        <p:tgtEl>
+                                          <p:spTgt spid="291">
+                                            <p:txEl>
+                                              <p:pRg end="3" st="3"/>
+                                            </p:txEl>
+                                          </p:spTgt>
+                                        </p:tgtEl>
+                                        <p:attrNameLst>
+                                          <p:attrName>style.visibility</p:attrName>
+                                        </p:attrNameLst>
+                                      </p:cBhvr>
+                                      <p:to>
+                                        <p:strVal val="visible"/>
+                                      </p:to>
+                                    </p:set>
+                                  </p:childTnLst>
+                                </p:cTn>
+                              </p:par>
+                            </p:childTnLst>
+                          </p:cTn>
+                        </p:par>
+                      </p:childTnLst>
+                    </p:cTn>
+                  </p:par>
+                </p:childTnLst>
+              </p:cTn>
+              <p:prevCondLst>
+                <p:cond evt="onPrev">
+                  <p:tgtEl>
+                    <p:sldTgt/>
+                  </p:tgtEl>
+                </p:cond>
+              </p:prevCondLst>
+              <p:nextCondLst>
+                <p:cond evt="onNext">
+                  <p:tgtEl>
+                    <p:sldTgt/>
+                  </p:tgtEl>
+                </p:cond>
+              </p:nextCondLst>
+            </p:seq>
+          </p:childTnLst>
+        </p:cTn>
+      </p:par>
+    </p:tnLst>
+  </p:timing>
 </p:sld>
 </file>
 
-<file path=ppt/slides/slide38.xml><?xml version="1.0" encoding="utf-8"?>
+<file path=ppt/slides/slide37.xml><?xml version="1.0" encoding="utf-8"?>
 <p:sld xmlns:a="http://schemas.openxmlformats.org/drawingml/2006/main" xmlns:r="http://schemas.openxmlformats.org/officeDocument/2006/relationships" xmlns:mc="http://schemas.openxmlformats.org/markup-compatibility/2006" xmlns:mv="urn:schemas-microsoft-com:mac:vml" xmlns:p="http://schemas.openxmlformats.org/presentationml/2006/main" xmlns:c="http://schemas.openxmlformats.org/drawingml/2006/chart" xmlns:dgm="http://schemas.openxmlformats.org/drawingml/2006/diagram" xmlns:o="urn:schemas-microsoft-com:office:office" xmlns:v="urn:schemas-microsoft-com:vml" xmlns:pvml="urn:schemas-microsoft-com:office:powerpoint" xmlns:com="http://schemas.openxmlformats.org/drawingml/2006/compatibility" xmlns:p14="http://schemas.microsoft.com/office/powerpoint/2010/main" xmlns:p15="http://schemas.microsoft.com/office/powerpoint/2012/main" xmlns:ahyp="http://schemas.microsoft.com/office/drawing/2018/hyperlinkcolor">
   <p:cSld>
     <p:spTree>
       <p:nvGrpSpPr>
-        <p:cNvPr id="301" name="Shape 301"/>
+        <p:cNvPr id="298" name="Shape 298"/>
         <p:cNvGrpSpPr/>
         <p:nvPr/>
       </p:nvGrpSpPr>
@@ -23524,7 +24526,7 @@
       </p:grpSpPr>
       <p:sp>
         <p:nvSpPr>
-          <p:cNvPr id="302" name="Google Shape;302;p50"/>
+          <p:cNvPr id="299" name="Google Shape;299;p49"/>
           <p:cNvSpPr txBox="1"/>
           <p:nvPr>
             <p:ph type="title"/>
@@ -23564,7 +24566,7 @@
       </p:sp>
       <p:sp>
         <p:nvSpPr>
-          <p:cNvPr id="303" name="Google Shape;303;p50"/>
+          <p:cNvPr id="300" name="Google Shape;300;p49"/>
           <p:cNvSpPr txBox="1"/>
           <p:nvPr>
             <p:ph idx="1" type="body"/>
@@ -23638,7 +24640,7 @@
             </a:pPr>
             <a:r>
               <a:rPr lang="en" sz="1500"/>
-              <a:t>0 = No correlation</a:t>
+              <a:t>0 = No linear correlation</a:t>
             </a:r>
             <a:endParaRPr sz="1500"/>
           </a:p>
@@ -23654,7 +24656,7 @@
             </a:pPr>
             <a:r>
               <a:rPr lang="en" sz="1500"/>
-              <a:t>-1 = Perfect negative correlation</a:t>
+              <a:t>-1 = Perfect negative linear correlation</a:t>
             </a:r>
             <a:endParaRPr sz="1500"/>
           </a:p>
@@ -23670,7 +24672,7 @@
             </a:pPr>
             <a:r>
               <a:rPr lang="en" sz="1500"/>
-              <a:t>+1 = Perfect positive correlation</a:t>
+              <a:t>+1 = Perfect positive linear correlation</a:t>
             </a:r>
             <a:endParaRPr sz="1500"/>
           </a:p>
@@ -23709,7 +24711,7 @@
       </p:sp>
       <p:pic>
         <p:nvPicPr>
-          <p:cNvPr id="304" name="Google Shape;304;p50"/>
+          <p:cNvPr id="301" name="Google Shape;301;p49"/>
           <p:cNvPicPr preferRelativeResize="0"/>
           <p:nvPr/>
         </p:nvPicPr>
@@ -23736,7 +24738,7 @@
       </p:pic>
       <p:pic>
         <p:nvPicPr>
-          <p:cNvPr id="305" name="Google Shape;305;p50"/>
+          <p:cNvPr id="302" name="Google Shape;302;p49"/>
           <p:cNvPicPr preferRelativeResize="0"/>
           <p:nvPr/>
         </p:nvPicPr>
@@ -23801,7 +24803,7 @@
                                           </p:stCondLst>
                                         </p:cTn>
                                         <p:tgtEl>
-                                          <p:spTgt spid="303">
+                                          <p:spTgt spid="300">
                                             <p:txEl>
                                               <p:pRg end="0" st="0"/>
                                             </p:txEl>
@@ -23819,7 +24821,7 @@
                                       <p:cBhvr>
                                         <p:cTn dur="1000"/>
                                         <p:tgtEl>
-                                          <p:spTgt spid="303">
+                                          <p:spTgt spid="300">
                                             <p:txEl>
                                               <p:pRg end="0" st="0"/>
                                             </p:txEl>
@@ -23862,7 +24864,7 @@
                                           </p:stCondLst>
                                         </p:cTn>
                                         <p:tgtEl>
-                                          <p:spTgt spid="303">
+                                          <p:spTgt spid="300">
                                             <p:txEl>
                                               <p:pRg end="1" st="1"/>
                                             </p:txEl>
@@ -23880,7 +24882,7 @@
                                       <p:cBhvr>
                                         <p:cTn dur="1000"/>
                                         <p:tgtEl>
-                                          <p:spTgt spid="303">
+                                          <p:spTgt spid="300">
                                             <p:txEl>
                                               <p:pRg end="1" st="1"/>
                                             </p:txEl>
@@ -23923,7 +24925,7 @@
                                           </p:stCondLst>
                                         </p:cTn>
                                         <p:tgtEl>
-                                          <p:spTgt spid="303">
+                                          <p:spTgt spid="300">
                                             <p:txEl>
                                               <p:pRg end="2" st="2"/>
                                             </p:txEl>
@@ -23941,7 +24943,7 @@
                                       <p:cBhvr>
                                         <p:cTn dur="1000"/>
                                         <p:tgtEl>
-                                          <p:spTgt spid="303">
+                                          <p:spTgt spid="300">
                                             <p:txEl>
                                               <p:pRg end="2" st="2"/>
                                             </p:txEl>
@@ -23984,7 +24986,7 @@
                                           </p:stCondLst>
                                         </p:cTn>
                                         <p:tgtEl>
-                                          <p:spTgt spid="303">
+                                          <p:spTgt spid="300">
                                             <p:txEl>
                                               <p:pRg end="3" st="3"/>
                                             </p:txEl>
@@ -24002,7 +25004,7 @@
                                       <p:cBhvr>
                                         <p:cTn dur="1000"/>
                                         <p:tgtEl>
-                                          <p:spTgt spid="303">
+                                          <p:spTgt spid="300">
                                             <p:txEl>
                                               <p:pRg end="3" st="3"/>
                                             </p:txEl>
@@ -24045,7 +25047,7 @@
                                           </p:stCondLst>
                                         </p:cTn>
                                         <p:tgtEl>
-                                          <p:spTgt spid="303">
+                                          <p:spTgt spid="300">
                                             <p:txEl>
                                               <p:pRg end="4" st="4"/>
                                             </p:txEl>
@@ -24063,7 +25065,7 @@
                                       <p:cBhvr>
                                         <p:cTn dur="1000"/>
                                         <p:tgtEl>
-                                          <p:spTgt spid="303">
+                                          <p:spTgt spid="300">
                                             <p:txEl>
                                               <p:pRg end="4" st="4"/>
                                             </p:txEl>
@@ -24106,7 +25108,7 @@
                                           </p:stCondLst>
                                         </p:cTn>
                                         <p:tgtEl>
-                                          <p:spTgt spid="303">
+                                          <p:spTgt spid="300">
                                             <p:txEl>
                                               <p:pRg end="5" st="5"/>
                                             </p:txEl>
@@ -24124,7 +25126,7 @@
                                       <p:cBhvr>
                                         <p:cTn dur="1000"/>
                                         <p:tgtEl>
-                                          <p:spTgt spid="303">
+                                          <p:spTgt spid="300">
                                             <p:txEl>
                                               <p:pRg end="5" st="5"/>
                                             </p:txEl>
@@ -24167,7 +25169,7 @@
                                           </p:stCondLst>
                                         </p:cTn>
                                         <p:tgtEl>
-                                          <p:spTgt spid="303">
+                                          <p:spTgt spid="300">
                                             <p:txEl>
                                               <p:pRg end="6" st="6"/>
                                             </p:txEl>
@@ -24185,7 +25187,7 @@
                                       <p:cBhvr>
                                         <p:cTn dur="1000"/>
                                         <p:tgtEl>
-                                          <p:spTgt spid="303">
+                                          <p:spTgt spid="300">
                                             <p:txEl>
                                               <p:pRg end="6" st="6"/>
                                             </p:txEl>
@@ -24227,12 +25229,12 @@
 </p:sld>
 </file>
 
-<file path=ppt/slides/slide39.xml><?xml version="1.0" encoding="utf-8"?>
+<file path=ppt/slides/slide38.xml><?xml version="1.0" encoding="utf-8"?>
 <p:sld xmlns:a="http://schemas.openxmlformats.org/drawingml/2006/main" xmlns:r="http://schemas.openxmlformats.org/officeDocument/2006/relationships" xmlns:mc="http://schemas.openxmlformats.org/markup-compatibility/2006" xmlns:mv="urn:schemas-microsoft-com:mac:vml" xmlns:p="http://schemas.openxmlformats.org/presentationml/2006/main" xmlns:c="http://schemas.openxmlformats.org/drawingml/2006/chart" xmlns:dgm="http://schemas.openxmlformats.org/drawingml/2006/diagram" xmlns:o="urn:schemas-microsoft-com:office:office" xmlns:v="urn:schemas-microsoft-com:vml" xmlns:pvml="urn:schemas-microsoft-com:office:powerpoint" xmlns:com="http://schemas.openxmlformats.org/drawingml/2006/compatibility" xmlns:p14="http://schemas.microsoft.com/office/powerpoint/2010/main" xmlns:p15="http://schemas.microsoft.com/office/powerpoint/2012/main" xmlns:ahyp="http://schemas.microsoft.com/office/drawing/2018/hyperlinkcolor">
   <p:cSld>
     <p:spTree>
       <p:nvGrpSpPr>
-        <p:cNvPr id="309" name="Shape 309"/>
+        <p:cNvPr id="306" name="Shape 306"/>
         <p:cNvGrpSpPr/>
         <p:nvPr/>
       </p:nvGrpSpPr>
@@ -24246,7 +25248,7 @@
       </p:grpSpPr>
       <p:sp>
         <p:nvSpPr>
-          <p:cNvPr id="310" name="Google Shape;310;p51"/>
+          <p:cNvPr id="307" name="Google Shape;307;p50"/>
           <p:cNvSpPr txBox="1"/>
           <p:nvPr>
             <p:ph type="title"/>
@@ -24286,7 +25288,7 @@
       </p:sp>
       <p:pic>
         <p:nvPicPr>
-          <p:cNvPr id="311" name="Google Shape;311;p51"/>
+          <p:cNvPr id="308" name="Google Shape;308;p50"/>
           <p:cNvPicPr preferRelativeResize="0"/>
           <p:nvPr/>
         </p:nvPicPr>
@@ -24314,7 +25316,7 @@
       </p:pic>
       <p:sp>
         <p:nvSpPr>
-          <p:cNvPr id="312" name="Google Shape;312;p51"/>
+          <p:cNvPr id="309" name="Google Shape;309;p50"/>
           <p:cNvSpPr txBox="1"/>
           <p:nvPr/>
         </p:nvSpPr>
@@ -24356,7 +25358,7 @@
       </p:sp>
       <p:cxnSp>
         <p:nvCxnSpPr>
-          <p:cNvPr id="313" name="Google Shape;313;p51"/>
+          <p:cNvPr id="310" name="Google Shape;310;p50"/>
           <p:cNvCxnSpPr/>
           <p:nvPr/>
         </p:nvCxnSpPr>
@@ -24380,6 +25382,137 @@
           </a:ln>
         </p:spPr>
       </p:cxnSp>
+    </p:spTree>
+  </p:cSld>
+  <p:clrMapOvr>
+    <a:masterClrMapping/>
+  </p:clrMapOvr>
+</p:sld>
+</file>
+
+<file path=ppt/slides/slide39.xml><?xml version="1.0" encoding="utf-8"?>
+<p:sld xmlns:a="http://schemas.openxmlformats.org/drawingml/2006/main" xmlns:r="http://schemas.openxmlformats.org/officeDocument/2006/relationships" xmlns:mc="http://schemas.openxmlformats.org/markup-compatibility/2006" xmlns:mv="urn:schemas-microsoft-com:mac:vml" xmlns:p="http://schemas.openxmlformats.org/presentationml/2006/main" xmlns:c="http://schemas.openxmlformats.org/drawingml/2006/chart" xmlns:dgm="http://schemas.openxmlformats.org/drawingml/2006/diagram" xmlns:o="urn:schemas-microsoft-com:office:office" xmlns:v="urn:schemas-microsoft-com:vml" xmlns:pvml="urn:schemas-microsoft-com:office:powerpoint" xmlns:com="http://schemas.openxmlformats.org/drawingml/2006/compatibility" xmlns:p14="http://schemas.microsoft.com/office/powerpoint/2010/main" xmlns:p15="http://schemas.microsoft.com/office/powerpoint/2012/main" xmlns:ahyp="http://schemas.microsoft.com/office/drawing/2018/hyperlinkcolor">
+  <p:cSld>
+    <p:spTree>
+      <p:nvGrpSpPr>
+        <p:cNvPr id="314" name="Shape 314"/>
+        <p:cNvGrpSpPr/>
+        <p:nvPr/>
+      </p:nvGrpSpPr>
+      <p:grpSpPr>
+        <a:xfrm>
+          <a:off x="0" y="0"/>
+          <a:ext cx="0" cy="0"/>
+          <a:chOff x="0" y="0"/>
+          <a:chExt cx="0" cy="0"/>
+        </a:xfrm>
+      </p:grpSpPr>
+      <p:sp>
+        <p:nvSpPr>
+          <p:cNvPr id="315" name="Google Shape;315;p51"/>
+          <p:cNvSpPr txBox="1"/>
+          <p:nvPr>
+            <p:ph type="title"/>
+          </p:nvPr>
+        </p:nvSpPr>
+        <p:spPr>
+          <a:xfrm>
+            <a:off x="311700" y="445025"/>
+            <a:ext cx="8520600" cy="572700"/>
+          </a:xfrm>
+          <a:prstGeom prst="rect">
+            <a:avLst/>
+          </a:prstGeom>
+        </p:spPr>
+        <p:txBody>
+          <a:bodyPr anchorCtr="0" anchor="t" bIns="91425" lIns="91425" spcFirstLastPara="1" rIns="91425" wrap="square" tIns="91425">
+            <a:normAutofit fontScale="90000"/>
+          </a:bodyPr>
+          <a:lstStyle/>
+          <a:p>
+            <a:pPr indent="0" lvl="0" marL="0" rtl="0" algn="l">
+              <a:spcBef>
+                <a:spcPts val="0"/>
+              </a:spcBef>
+              <a:spcAft>
+                <a:spcPts val="0"/>
+              </a:spcAft>
+              <a:buNone/>
+            </a:pPr>
+            <a:r>
+              <a:t/>
+            </a:r>
+            <a:endParaRPr/>
+          </a:p>
+        </p:txBody>
+      </p:sp>
+      <p:sp>
+        <p:nvSpPr>
+          <p:cNvPr id="316" name="Google Shape;316;p51"/>
+          <p:cNvSpPr txBox="1"/>
+          <p:nvPr>
+            <p:ph idx="1" type="body"/>
+          </p:nvPr>
+        </p:nvSpPr>
+        <p:spPr>
+          <a:xfrm>
+            <a:off x="311700" y="1152475"/>
+            <a:ext cx="8520600" cy="3416400"/>
+          </a:xfrm>
+          <a:prstGeom prst="rect">
+            <a:avLst/>
+          </a:prstGeom>
+        </p:spPr>
+        <p:txBody>
+          <a:bodyPr anchorCtr="0" anchor="t" bIns="91425" lIns="91425" spcFirstLastPara="1" rIns="91425" wrap="square" tIns="91425">
+            <a:normAutofit/>
+          </a:bodyPr>
+          <a:lstStyle/>
+          <a:p>
+            <a:pPr indent="0" lvl="0" marL="0" rtl="0" algn="l">
+              <a:spcBef>
+                <a:spcPts val="0"/>
+              </a:spcBef>
+              <a:spcAft>
+                <a:spcPts val="1200"/>
+              </a:spcAft>
+              <a:buNone/>
+            </a:pPr>
+            <a:r>
+              <a:t/>
+            </a:r>
+            <a:endParaRPr/>
+          </a:p>
+        </p:txBody>
+      </p:sp>
+      <p:pic>
+        <p:nvPicPr>
+          <p:cNvPr id="317" name="Google Shape;317;p51"/>
+          <p:cNvPicPr preferRelativeResize="0"/>
+          <p:nvPr/>
+        </p:nvPicPr>
+        <p:blipFill>
+          <a:blip r:embed="rId3">
+            <a:alphaModFix/>
+          </a:blip>
+          <a:stretch>
+            <a:fillRect/>
+          </a:stretch>
+        </p:blipFill>
+        <p:spPr>
+          <a:xfrm>
+            <a:off x="0" y="530028"/>
+            <a:ext cx="9143999" cy="4083444"/>
+          </a:xfrm>
+          <a:prstGeom prst="rect">
+            <a:avLst/>
+          </a:prstGeom>
+          <a:noFill/>
+          <a:ln>
+            <a:noFill/>
+          </a:ln>
+        </p:spPr>
+      </p:pic>
     </p:spTree>
   </p:cSld>
   <p:clrMapOvr>
@@ -24990,7 +26123,7 @@
   <p:cSld>
     <p:spTree>
       <p:nvGrpSpPr>
-        <p:cNvPr id="317" name="Shape 317"/>
+        <p:cNvPr id="321" name="Shape 321"/>
         <p:cNvGrpSpPr/>
         <p:nvPr/>
       </p:nvGrpSpPr>
@@ -25004,7 +26137,7 @@
       </p:grpSpPr>
       <p:sp>
         <p:nvSpPr>
-          <p:cNvPr id="318" name="Google Shape;318;p52"/>
+          <p:cNvPr id="322" name="Google Shape;322;p52"/>
           <p:cNvSpPr txBox="1"/>
           <p:nvPr>
             <p:ph type="title"/>
@@ -25035,7 +26168,8 @@
               <a:buNone/>
             </a:pPr>
             <a:r>
-              <a:t/>
+              <a:rPr lang="en"/>
+              <a:t>Covariance and Correlation in Excel</a:t>
             </a:r>
             <a:endParaRPr/>
           </a:p>
@@ -25043,7 +26177,7 @@
       </p:sp>
       <p:sp>
         <p:nvSpPr>
-          <p:cNvPr id="319" name="Google Shape;319;p52"/>
+          <p:cNvPr id="323" name="Google Shape;323;p52"/>
           <p:cNvSpPr txBox="1"/>
           <p:nvPr>
             <p:ph idx="1" type="body"/>
@@ -25069,96 +26203,20 @@
                 <a:spcPts val="0"/>
               </a:spcBef>
               <a:spcAft>
+                <a:spcPts val="0"/>
+              </a:spcAft>
+              <a:buNone/>
+            </a:pPr>
+            <a:r>
+              <a:rPr lang="en"/>
+              <a:t>=covariance.s(x values, y values) for sample</a:t>
+            </a:r>
+            <a:endParaRPr/>
+          </a:p>
+          <a:p>
+            <a:pPr indent="0" lvl="0" marL="0" rtl="0" algn="l">
+              <a:spcBef>
                 <a:spcPts val="1200"/>
-              </a:spcAft>
-              <a:buNone/>
-            </a:pPr>
-            <a:r>
-              <a:t/>
-            </a:r>
-            <a:endParaRPr/>
-          </a:p>
-        </p:txBody>
-      </p:sp>
-      <p:pic>
-        <p:nvPicPr>
-          <p:cNvPr id="320" name="Google Shape;320;p52"/>
-          <p:cNvPicPr preferRelativeResize="0"/>
-          <p:nvPr/>
-        </p:nvPicPr>
-        <p:blipFill>
-          <a:blip r:embed="rId3">
-            <a:alphaModFix/>
-          </a:blip>
-          <a:stretch>
-            <a:fillRect/>
-          </a:stretch>
-        </p:blipFill>
-        <p:spPr>
-          <a:xfrm>
-            <a:off x="0" y="530028"/>
-            <a:ext cx="9143999" cy="4083444"/>
-          </a:xfrm>
-          <a:prstGeom prst="rect">
-            <a:avLst/>
-          </a:prstGeom>
-          <a:noFill/>
-          <a:ln>
-            <a:noFill/>
-          </a:ln>
-        </p:spPr>
-      </p:pic>
-    </p:spTree>
-  </p:cSld>
-  <p:clrMapOvr>
-    <a:masterClrMapping/>
-  </p:clrMapOvr>
-</p:sld>
-</file>
-
-<file path=ppt/slides/slide41.xml><?xml version="1.0" encoding="utf-8"?>
-<p:sld xmlns:a="http://schemas.openxmlformats.org/drawingml/2006/main" xmlns:r="http://schemas.openxmlformats.org/officeDocument/2006/relationships" xmlns:mc="http://schemas.openxmlformats.org/markup-compatibility/2006" xmlns:mv="urn:schemas-microsoft-com:mac:vml" xmlns:p="http://schemas.openxmlformats.org/presentationml/2006/main" xmlns:c="http://schemas.openxmlformats.org/drawingml/2006/chart" xmlns:dgm="http://schemas.openxmlformats.org/drawingml/2006/diagram" xmlns:o="urn:schemas-microsoft-com:office:office" xmlns:v="urn:schemas-microsoft-com:vml" xmlns:pvml="urn:schemas-microsoft-com:office:powerpoint" xmlns:com="http://schemas.openxmlformats.org/drawingml/2006/compatibility" xmlns:p14="http://schemas.microsoft.com/office/powerpoint/2010/main" xmlns:p15="http://schemas.microsoft.com/office/powerpoint/2012/main" xmlns:ahyp="http://schemas.microsoft.com/office/drawing/2018/hyperlinkcolor">
-  <p:cSld>
-    <p:spTree>
-      <p:nvGrpSpPr>
-        <p:cNvPr id="324" name="Shape 324"/>
-        <p:cNvGrpSpPr/>
-        <p:nvPr/>
-      </p:nvGrpSpPr>
-      <p:grpSpPr>
-        <a:xfrm>
-          <a:off x="0" y="0"/>
-          <a:ext cx="0" cy="0"/>
-          <a:chOff x="0" y="0"/>
-          <a:chExt cx="0" cy="0"/>
-        </a:xfrm>
-      </p:grpSpPr>
-      <p:sp>
-        <p:nvSpPr>
-          <p:cNvPr id="325" name="Google Shape;325;p53"/>
-          <p:cNvSpPr txBox="1"/>
-          <p:nvPr>
-            <p:ph type="title"/>
-          </p:nvPr>
-        </p:nvSpPr>
-        <p:spPr>
-          <a:xfrm>
-            <a:off x="311700" y="445025"/>
-            <a:ext cx="8520600" cy="572700"/>
-          </a:xfrm>
-          <a:prstGeom prst="rect">
-            <a:avLst/>
-          </a:prstGeom>
-        </p:spPr>
-        <p:txBody>
-          <a:bodyPr anchorCtr="0" anchor="t" bIns="91425" lIns="91425" spcFirstLastPara="1" rIns="91425" wrap="square" tIns="91425">
-            <a:normAutofit fontScale="90000"/>
-          </a:bodyPr>
-          <a:lstStyle/>
-          <a:p>
-            <a:pPr indent="0" lvl="0" marL="0" rtl="0" algn="l">
-              <a:spcBef>
-                <a:spcPts val="0"/>
               </a:spcBef>
               <a:spcAft>
                 <a:spcPts val="0"/>
@@ -25167,47 +26225,7 @@
             </a:pPr>
             <a:r>
               <a:rPr lang="en"/>
-              <a:t>Covariance and Correlation in Excel</a:t>
-            </a:r>
-            <a:endParaRPr/>
-          </a:p>
-        </p:txBody>
-      </p:sp>
-      <p:sp>
-        <p:nvSpPr>
-          <p:cNvPr id="326" name="Google Shape;326;p53"/>
-          <p:cNvSpPr txBox="1"/>
-          <p:nvPr>
-            <p:ph idx="1" type="body"/>
-          </p:nvPr>
-        </p:nvSpPr>
-        <p:spPr>
-          <a:xfrm>
-            <a:off x="311700" y="1152475"/>
-            <a:ext cx="8520600" cy="3416400"/>
-          </a:xfrm>
-          <a:prstGeom prst="rect">
-            <a:avLst/>
-          </a:prstGeom>
-        </p:spPr>
-        <p:txBody>
-          <a:bodyPr anchorCtr="0" anchor="t" bIns="91425" lIns="91425" spcFirstLastPara="1" rIns="91425" wrap="square" tIns="91425">
-            <a:normAutofit/>
-          </a:bodyPr>
-          <a:lstStyle/>
-          <a:p>
-            <a:pPr indent="0" lvl="0" marL="0" rtl="0" algn="l">
-              <a:spcBef>
-                <a:spcPts val="0"/>
-              </a:spcBef>
-              <a:spcAft>
-                <a:spcPts val="0"/>
-              </a:spcAft>
-              <a:buNone/>
-            </a:pPr>
-            <a:r>
-              <a:rPr lang="en"/>
-              <a:t>=covariance.s(x values, y values)</a:t>
+              <a:t>=covariance.p(x values, y values) for population</a:t>
             </a:r>
             <a:endParaRPr/>
           </a:p>
@@ -25253,8 +26271,7 @@
               <a:buNone/>
             </a:pPr>
             <a:r>
-              <a:rPr lang="en"/>
-              <a:t>If measuring the total population instead of a sample, use =covariance.p</a:t>
+              <a:t/>
             </a:r>
             <a:endParaRPr/>
           </a:p>
@@ -25299,7 +26316,7 @@
                                           </p:stCondLst>
                                         </p:cTn>
                                         <p:tgtEl>
-                                          <p:spTgt spid="326">
+                                          <p:spTgt spid="323">
                                             <p:txEl>
                                               <p:pRg end="0" st="0"/>
                                             </p:txEl>
@@ -25317,7 +26334,7 @@
                                       <p:cBhvr>
                                         <p:cTn dur="1000"/>
                                         <p:tgtEl>
-                                          <p:spTgt spid="326">
+                                          <p:spTgt spid="323">
                                             <p:txEl>
                                               <p:pRg end="0" st="0"/>
                                             </p:txEl>
@@ -25360,7 +26377,7 @@
                                           </p:stCondLst>
                                         </p:cTn>
                                         <p:tgtEl>
-                                          <p:spTgt spid="326">
+                                          <p:spTgt spid="323">
                                             <p:txEl>
                                               <p:pRg end="1" st="1"/>
                                             </p:txEl>
@@ -25378,7 +26395,7 @@
                                       <p:cBhvr>
                                         <p:cTn dur="1000"/>
                                         <p:tgtEl>
-                                          <p:spTgt spid="326">
+                                          <p:spTgt spid="323">
                                             <p:txEl>
                                               <p:pRg end="1" st="1"/>
                                             </p:txEl>
@@ -25421,7 +26438,7 @@
                                           </p:stCondLst>
                                         </p:cTn>
                                         <p:tgtEl>
-                                          <p:spTgt spid="326">
+                                          <p:spTgt spid="323">
                                             <p:txEl>
                                               <p:pRg end="2" st="2"/>
                                             </p:txEl>
@@ -25439,7 +26456,7 @@
                                       <p:cBhvr>
                                         <p:cTn dur="1000"/>
                                         <p:tgtEl>
-                                          <p:spTgt spid="326">
+                                          <p:spTgt spid="323">
                                             <p:txEl>
                                               <p:pRg end="2" st="2"/>
                                             </p:txEl>
@@ -25482,7 +26499,7 @@
                                           </p:stCondLst>
                                         </p:cTn>
                                         <p:tgtEl>
-                                          <p:spTgt spid="326">
+                                          <p:spTgt spid="323">
                                             <p:txEl>
                                               <p:pRg end="3" st="3"/>
                                             </p:txEl>
@@ -25500,9 +26517,70 @@
                                       <p:cBhvr>
                                         <p:cTn dur="1000"/>
                                         <p:tgtEl>
-                                          <p:spTgt spid="326">
+                                          <p:spTgt spid="323">
                                             <p:txEl>
                                               <p:pRg end="3" st="3"/>
+                                            </p:txEl>
+                                          </p:spTgt>
+                                        </p:tgtEl>
+                                      </p:cBhvr>
+                                    </p:animEffect>
+                                  </p:childTnLst>
+                                </p:cTn>
+                              </p:par>
+                            </p:childTnLst>
+                          </p:cTn>
+                        </p:par>
+                      </p:childTnLst>
+                    </p:cTn>
+                  </p:par>
+                  <p:par>
+                    <p:cTn fill="hold">
+                      <p:stCondLst>
+                        <p:cond delay="indefinite"/>
+                      </p:stCondLst>
+                      <p:childTnLst>
+                        <p:par>
+                          <p:cTn fill="hold">
+                            <p:stCondLst>
+                              <p:cond delay="0"/>
+                            </p:stCondLst>
+                            <p:childTnLst>
+                              <p:par>
+                                <p:cTn fill="hold" nodeType="clickEffect" presetClass="entr" presetID="10" presetSubtype="0">
+                                  <p:stCondLst>
+                                    <p:cond delay="0"/>
+                                  </p:stCondLst>
+                                  <p:childTnLst>
+                                    <p:set>
+                                      <p:cBhvr>
+                                        <p:cTn dur="1" fill="hold">
+                                          <p:stCondLst>
+                                            <p:cond delay="0"/>
+                                          </p:stCondLst>
+                                        </p:cTn>
+                                        <p:tgtEl>
+                                          <p:spTgt spid="323">
+                                            <p:txEl>
+                                              <p:pRg end="4" st="4"/>
+                                            </p:txEl>
+                                          </p:spTgt>
+                                        </p:tgtEl>
+                                        <p:attrNameLst>
+                                          <p:attrName>style.visibility</p:attrName>
+                                        </p:attrNameLst>
+                                      </p:cBhvr>
+                                      <p:to>
+                                        <p:strVal val="visible"/>
+                                      </p:to>
+                                    </p:set>
+                                    <p:animEffect filter="fade" transition="in">
+                                      <p:cBhvr>
+                                        <p:cTn dur="1000"/>
+                                        <p:tgtEl>
+                                          <p:spTgt spid="323">
+                                            <p:txEl>
+                                              <p:pRg end="4" st="4"/>
                                             </p:txEl>
                                           </p:spTgt>
                                         </p:tgtEl>
@@ -25542,12 +26620,12 @@
 </p:sld>
 </file>
 
-<file path=ppt/slides/slide42.xml><?xml version="1.0" encoding="utf-8"?>
+<file path=ppt/slides/slide41.xml><?xml version="1.0" encoding="utf-8"?>
 <p:sld xmlns:a="http://schemas.openxmlformats.org/drawingml/2006/main" xmlns:r="http://schemas.openxmlformats.org/officeDocument/2006/relationships" xmlns:mc="http://schemas.openxmlformats.org/markup-compatibility/2006" xmlns:mv="urn:schemas-microsoft-com:mac:vml" xmlns:p="http://schemas.openxmlformats.org/presentationml/2006/main" xmlns:c="http://schemas.openxmlformats.org/drawingml/2006/chart" xmlns:dgm="http://schemas.openxmlformats.org/drawingml/2006/diagram" xmlns:o="urn:schemas-microsoft-com:office:office" xmlns:v="urn:schemas-microsoft-com:vml" xmlns:pvml="urn:schemas-microsoft-com:office:powerpoint" xmlns:com="http://schemas.openxmlformats.org/drawingml/2006/compatibility" xmlns:p14="http://schemas.microsoft.com/office/powerpoint/2010/main" xmlns:p15="http://schemas.microsoft.com/office/powerpoint/2012/main" xmlns:ahyp="http://schemas.microsoft.com/office/drawing/2018/hyperlinkcolor">
   <p:cSld>
     <p:spTree>
       <p:nvGrpSpPr>
-        <p:cNvPr id="330" name="Shape 330"/>
+        <p:cNvPr id="327" name="Shape 327"/>
         <p:cNvGrpSpPr/>
         <p:nvPr/>
       </p:nvGrpSpPr>
@@ -25561,7 +26639,7 @@
       </p:grpSpPr>
       <p:sp>
         <p:nvSpPr>
-          <p:cNvPr id="331" name="Google Shape;331;p54"/>
+          <p:cNvPr id="328" name="Google Shape;328;p53"/>
           <p:cNvSpPr txBox="1"/>
           <p:nvPr>
             <p:ph type="title"/>
@@ -25593,7 +26671,7 @@
             </a:pPr>
             <a:r>
               <a:rPr lang="en"/>
-              <a:t>Correlation =/= Causation</a:t>
+              <a:t>Graphing Two Variables At Once</a:t>
             </a:r>
             <a:endParaRPr/>
           </a:p>
@@ -25601,7 +26679,7 @@
       </p:sp>
       <p:sp>
         <p:nvSpPr>
-          <p:cNvPr id="332" name="Google Shape;332;p54"/>
+          <p:cNvPr id="329" name="Google Shape;329;p53"/>
           <p:cNvSpPr txBox="1"/>
           <p:nvPr>
             <p:ph idx="1" type="body"/>
@@ -25627,97 +26705,46 @@
                 <a:spcPts val="0"/>
               </a:spcBef>
               <a:spcAft>
-                <a:spcPts val="0"/>
-              </a:spcAft>
-              <a:buNone/>
-            </a:pPr>
-            <a:r>
-              <a:rPr b="1" lang="en"/>
-              <a:t>Correlation does not equal causation</a:t>
-            </a:r>
-            <a:endParaRPr b="1"/>
-          </a:p>
-          <a:p>
-            <a:pPr indent="0" lvl="0" marL="0" rtl="0" algn="l">
-              <a:spcBef>
                 <a:spcPts val="1200"/>
-              </a:spcBef>
-              <a:spcAft>
-                <a:spcPts val="0"/>
               </a:spcAft>
               <a:buNone/>
             </a:pPr>
             <a:r>
               <a:rPr lang="en"/>
-              <a:t>People attribute causality to concurrent phenomena</a:t>
-            </a:r>
-            <a:endParaRPr/>
-          </a:p>
-          <a:p>
-            <a:pPr indent="0" lvl="0" marL="0" rtl="0" algn="l">
-              <a:spcBef>
-                <a:spcPts val="1200"/>
-              </a:spcBef>
-              <a:spcAft>
-                <a:spcPts val="0"/>
-              </a:spcAft>
-              <a:buNone/>
-            </a:pPr>
-            <a:r>
-              <a:rPr lang="en"/>
-              <a:t>Resist the urge </a:t>
-            </a:r>
-            <a:endParaRPr/>
-          </a:p>
-          <a:p>
-            <a:pPr indent="0" lvl="0" marL="0" rtl="0" algn="l">
-              <a:spcBef>
-                <a:spcPts val="1200"/>
-              </a:spcBef>
-              <a:spcAft>
-                <a:spcPts val="0"/>
-              </a:spcAft>
-              <a:buNone/>
-            </a:pPr>
-            <a:r>
-              <a:rPr lang="en"/>
-              <a:t>Without theory / subject matter specifics, causality cannot be inferred </a:t>
-            </a:r>
-            <a:endParaRPr/>
-          </a:p>
-          <a:p>
-            <a:pPr indent="0" lvl="0" marL="0" rtl="0" algn="l">
-              <a:spcBef>
-                <a:spcPts val="1200"/>
-              </a:spcBef>
-              <a:spcAft>
-                <a:spcPts val="0"/>
-              </a:spcAft>
-              <a:buNone/>
-            </a:pPr>
-            <a:r>
-              <a:t/>
-            </a:r>
-            <a:endParaRPr/>
-          </a:p>
-          <a:p>
-            <a:pPr indent="0" lvl="0" marL="0" rtl="0" algn="l">
-              <a:spcBef>
-                <a:spcPts val="1200"/>
-              </a:spcBef>
-              <a:spcAft>
-                <a:spcPts val="1200"/>
-              </a:spcAft>
-              <a:buNone/>
-            </a:pPr>
-            <a:r>
-              <a:rPr lang="en"/>
-              <a:t>Or can it...</a:t>
+              <a:t>Scatter plot: Graph plotting each observation on 2D “Cartesian Plane” </a:t>
             </a:r>
             <a:endParaRPr/>
           </a:p>
         </p:txBody>
       </p:sp>
+      <p:pic>
+        <p:nvPicPr>
+          <p:cNvPr id="330" name="Google Shape;330;p53"/>
+          <p:cNvPicPr preferRelativeResize="0"/>
+          <p:nvPr/>
+        </p:nvPicPr>
+        <p:blipFill>
+          <a:blip r:embed="rId3">
+            <a:alphaModFix/>
+          </a:blip>
+          <a:stretch>
+            <a:fillRect/>
+          </a:stretch>
+        </p:blipFill>
+        <p:spPr>
+          <a:xfrm>
+            <a:off x="1987700" y="1953697"/>
+            <a:ext cx="4229375" cy="2615175"/>
+          </a:xfrm>
+          <a:prstGeom prst="rect">
+            <a:avLst/>
+          </a:prstGeom>
+          <a:noFill/>
+          <a:ln>
+            <a:noFill/>
+          </a:ln>
+        </p:spPr>
+      </p:pic>
     </p:spTree>
   </p:cSld>
   <p:clrMapOvr>
@@ -25726,12 +26753,12 @@
 </p:sld>
 </file>
 
-<file path=ppt/slides/slide43.xml><?xml version="1.0" encoding="utf-8"?>
+<file path=ppt/slides/slide42.xml><?xml version="1.0" encoding="utf-8"?>
 <p:sld xmlns:a="http://schemas.openxmlformats.org/drawingml/2006/main" xmlns:r="http://schemas.openxmlformats.org/officeDocument/2006/relationships" xmlns:mc="http://schemas.openxmlformats.org/markup-compatibility/2006" xmlns:mv="urn:schemas-microsoft-com:mac:vml" xmlns:p="http://schemas.openxmlformats.org/presentationml/2006/main" xmlns:c="http://schemas.openxmlformats.org/drawingml/2006/chart" xmlns:dgm="http://schemas.openxmlformats.org/drawingml/2006/diagram" xmlns:o="urn:schemas-microsoft-com:office:office" xmlns:v="urn:schemas-microsoft-com:vml" xmlns:pvml="urn:schemas-microsoft-com:office:powerpoint" xmlns:com="http://schemas.openxmlformats.org/drawingml/2006/compatibility" xmlns:p14="http://schemas.microsoft.com/office/powerpoint/2010/main" xmlns:p15="http://schemas.microsoft.com/office/powerpoint/2012/main" xmlns:ahyp="http://schemas.microsoft.com/office/drawing/2018/hyperlinkcolor">
   <p:cSld>
     <p:spTree>
       <p:nvGrpSpPr>
-        <p:cNvPr id="336" name="Shape 336"/>
+        <p:cNvPr id="334" name="Shape 334"/>
         <p:cNvGrpSpPr/>
         <p:nvPr/>
       </p:nvGrpSpPr>
@@ -25745,7 +26772,7 @@
       </p:grpSpPr>
       <p:sp>
         <p:nvSpPr>
-          <p:cNvPr id="337" name="Google Shape;337;p55"/>
+          <p:cNvPr id="335" name="Google Shape;335;p54"/>
           <p:cNvSpPr txBox="1"/>
           <p:nvPr>
             <p:ph type="title"/>
@@ -25777,7 +26804,7 @@
             </a:pPr>
             <a:r>
               <a:rPr lang="en"/>
-              <a:t>Causality and Spurious Correlation </a:t>
+              <a:t>Correlation =/= Causation</a:t>
             </a:r>
             <a:endParaRPr/>
           </a:p>
@@ -25785,7 +26812,515 @@
       </p:sp>
       <p:sp>
         <p:nvSpPr>
-          <p:cNvPr id="338" name="Google Shape;338;p55"/>
+          <p:cNvPr id="336" name="Google Shape;336;p54"/>
+          <p:cNvSpPr txBox="1"/>
+          <p:nvPr>
+            <p:ph idx="1" type="body"/>
+          </p:nvPr>
+        </p:nvSpPr>
+        <p:spPr>
+          <a:xfrm>
+            <a:off x="311700" y="1152475"/>
+            <a:ext cx="8520600" cy="3416400"/>
+          </a:xfrm>
+          <a:prstGeom prst="rect">
+            <a:avLst/>
+          </a:prstGeom>
+        </p:spPr>
+        <p:txBody>
+          <a:bodyPr anchorCtr="0" anchor="t" bIns="91425" lIns="91425" spcFirstLastPara="1" rIns="91425" wrap="square" tIns="91425">
+            <a:normAutofit/>
+          </a:bodyPr>
+          <a:lstStyle/>
+          <a:p>
+            <a:pPr indent="0" lvl="0" marL="0" rtl="0" algn="l">
+              <a:spcBef>
+                <a:spcPts val="0"/>
+              </a:spcBef>
+              <a:spcAft>
+                <a:spcPts val="0"/>
+              </a:spcAft>
+              <a:buNone/>
+            </a:pPr>
+            <a:r>
+              <a:rPr b="1" lang="en"/>
+              <a:t>Correlation does not equal causation</a:t>
+            </a:r>
+            <a:endParaRPr b="1"/>
+          </a:p>
+          <a:p>
+            <a:pPr indent="0" lvl="0" marL="0" rtl="0" algn="l">
+              <a:spcBef>
+                <a:spcPts val="1200"/>
+              </a:spcBef>
+              <a:spcAft>
+                <a:spcPts val="0"/>
+              </a:spcAft>
+              <a:buNone/>
+            </a:pPr>
+            <a:r>
+              <a:rPr lang="en"/>
+              <a:t>People attribute causality to concurrent phenomena</a:t>
+            </a:r>
+            <a:endParaRPr/>
+          </a:p>
+          <a:p>
+            <a:pPr indent="0" lvl="0" marL="0" rtl="0" algn="l">
+              <a:spcBef>
+                <a:spcPts val="1200"/>
+              </a:spcBef>
+              <a:spcAft>
+                <a:spcPts val="0"/>
+              </a:spcAft>
+              <a:buNone/>
+            </a:pPr>
+            <a:r>
+              <a:rPr lang="en"/>
+              <a:t>Resist the urge </a:t>
+            </a:r>
+            <a:endParaRPr/>
+          </a:p>
+          <a:p>
+            <a:pPr indent="0" lvl="0" marL="0" rtl="0" algn="l">
+              <a:spcBef>
+                <a:spcPts val="1200"/>
+              </a:spcBef>
+              <a:spcAft>
+                <a:spcPts val="0"/>
+              </a:spcAft>
+              <a:buNone/>
+            </a:pPr>
+            <a:r>
+              <a:rPr lang="en"/>
+              <a:t>Without theory / subject matter specifics, causality cannot be inferred </a:t>
+            </a:r>
+            <a:endParaRPr/>
+          </a:p>
+          <a:p>
+            <a:pPr indent="0" lvl="0" marL="0" rtl="0" algn="l">
+              <a:spcBef>
+                <a:spcPts val="1200"/>
+              </a:spcBef>
+              <a:spcAft>
+                <a:spcPts val="0"/>
+              </a:spcAft>
+              <a:buNone/>
+            </a:pPr>
+            <a:r>
+              <a:t/>
+            </a:r>
+            <a:endParaRPr/>
+          </a:p>
+          <a:p>
+            <a:pPr indent="0" lvl="0" marL="0" rtl="0" algn="l">
+              <a:spcBef>
+                <a:spcPts val="1200"/>
+              </a:spcBef>
+              <a:spcAft>
+                <a:spcPts val="1200"/>
+              </a:spcAft>
+              <a:buNone/>
+            </a:pPr>
+            <a:r>
+              <a:rPr lang="en"/>
+              <a:t>Or can it...</a:t>
+            </a:r>
+            <a:endParaRPr/>
+          </a:p>
+        </p:txBody>
+      </p:sp>
+    </p:spTree>
+  </p:cSld>
+  <p:clrMapOvr>
+    <a:masterClrMapping/>
+  </p:clrMapOvr>
+  <p:timing>
+    <p:tnLst>
+      <p:par>
+        <p:cTn dur="indefinite" nodeType="tmRoot" restart="never">
+          <p:childTnLst>
+            <p:seq concurrent="1" nextAc="seek">
+              <p:cTn dur="indefinite" id="2" nodeType="mainSeq">
+                <p:childTnLst>
+                  <p:par>
+                    <p:cTn fill="hold">
+                      <p:stCondLst>
+                        <p:cond delay="indefinite"/>
+                      </p:stCondLst>
+                      <p:childTnLst>
+                        <p:par>
+                          <p:cTn fill="hold">
+                            <p:stCondLst>
+                              <p:cond delay="0"/>
+                            </p:stCondLst>
+                            <p:childTnLst>
+                              <p:par>
+                                <p:cTn fill="hold" nodeType="clickEffect" presetClass="entr" presetID="1" presetSubtype="0">
+                                  <p:stCondLst>
+                                    <p:cond delay="0"/>
+                                  </p:stCondLst>
+                                  <p:childTnLst>
+                                    <p:set>
+                                      <p:cBhvr>
+                                        <p:cTn dur="1" fill="hold">
+                                          <p:stCondLst>
+                                            <p:cond delay="0"/>
+                                          </p:stCondLst>
+                                        </p:cTn>
+                                        <p:tgtEl>
+                                          <p:spTgt spid="336">
+                                            <p:txEl>
+                                              <p:pRg end="0" st="0"/>
+                                            </p:txEl>
+                                          </p:spTgt>
+                                        </p:tgtEl>
+                                        <p:attrNameLst>
+                                          <p:attrName>style.visibility</p:attrName>
+                                        </p:attrNameLst>
+                                      </p:cBhvr>
+                                      <p:to>
+                                        <p:strVal val="visible"/>
+                                      </p:to>
+                                    </p:set>
+                                  </p:childTnLst>
+                                </p:cTn>
+                              </p:par>
+                            </p:childTnLst>
+                          </p:cTn>
+                        </p:par>
+                      </p:childTnLst>
+                    </p:cTn>
+                  </p:par>
+                  <p:par>
+                    <p:cTn fill="hold">
+                      <p:stCondLst>
+                        <p:cond delay="indefinite"/>
+                      </p:stCondLst>
+                      <p:childTnLst>
+                        <p:par>
+                          <p:cTn fill="hold">
+                            <p:stCondLst>
+                              <p:cond delay="0"/>
+                            </p:stCondLst>
+                            <p:childTnLst>
+                              <p:par>
+                                <p:cTn fill="hold" nodeType="clickEffect" presetClass="entr" presetID="1" presetSubtype="0">
+                                  <p:stCondLst>
+                                    <p:cond delay="0"/>
+                                  </p:stCondLst>
+                                  <p:childTnLst>
+                                    <p:set>
+                                      <p:cBhvr>
+                                        <p:cTn dur="1" fill="hold">
+                                          <p:stCondLst>
+                                            <p:cond delay="0"/>
+                                          </p:stCondLst>
+                                        </p:cTn>
+                                        <p:tgtEl>
+                                          <p:spTgt spid="336">
+                                            <p:txEl>
+                                              <p:pRg end="1" st="1"/>
+                                            </p:txEl>
+                                          </p:spTgt>
+                                        </p:tgtEl>
+                                        <p:attrNameLst>
+                                          <p:attrName>style.visibility</p:attrName>
+                                        </p:attrNameLst>
+                                      </p:cBhvr>
+                                      <p:to>
+                                        <p:strVal val="visible"/>
+                                      </p:to>
+                                    </p:set>
+                                  </p:childTnLst>
+                                </p:cTn>
+                              </p:par>
+                            </p:childTnLst>
+                          </p:cTn>
+                        </p:par>
+                      </p:childTnLst>
+                    </p:cTn>
+                  </p:par>
+                  <p:par>
+                    <p:cTn fill="hold">
+                      <p:stCondLst>
+                        <p:cond delay="indefinite"/>
+                      </p:stCondLst>
+                      <p:childTnLst>
+                        <p:par>
+                          <p:cTn fill="hold">
+                            <p:stCondLst>
+                              <p:cond delay="0"/>
+                            </p:stCondLst>
+                            <p:childTnLst>
+                              <p:par>
+                                <p:cTn fill="hold" nodeType="clickEffect" presetClass="entr" presetID="1" presetSubtype="0">
+                                  <p:stCondLst>
+                                    <p:cond delay="0"/>
+                                  </p:stCondLst>
+                                  <p:childTnLst>
+                                    <p:set>
+                                      <p:cBhvr>
+                                        <p:cTn dur="1" fill="hold">
+                                          <p:stCondLst>
+                                            <p:cond delay="0"/>
+                                          </p:stCondLst>
+                                        </p:cTn>
+                                        <p:tgtEl>
+                                          <p:spTgt spid="336">
+                                            <p:txEl>
+                                              <p:pRg end="2" st="2"/>
+                                            </p:txEl>
+                                          </p:spTgt>
+                                        </p:tgtEl>
+                                        <p:attrNameLst>
+                                          <p:attrName>style.visibility</p:attrName>
+                                        </p:attrNameLst>
+                                      </p:cBhvr>
+                                      <p:to>
+                                        <p:strVal val="visible"/>
+                                      </p:to>
+                                    </p:set>
+                                  </p:childTnLst>
+                                </p:cTn>
+                              </p:par>
+                            </p:childTnLst>
+                          </p:cTn>
+                        </p:par>
+                      </p:childTnLst>
+                    </p:cTn>
+                  </p:par>
+                  <p:par>
+                    <p:cTn fill="hold">
+                      <p:stCondLst>
+                        <p:cond delay="indefinite"/>
+                      </p:stCondLst>
+                      <p:childTnLst>
+                        <p:par>
+                          <p:cTn fill="hold">
+                            <p:stCondLst>
+                              <p:cond delay="0"/>
+                            </p:stCondLst>
+                            <p:childTnLst>
+                              <p:par>
+                                <p:cTn fill="hold" nodeType="clickEffect" presetClass="entr" presetID="1" presetSubtype="0">
+                                  <p:stCondLst>
+                                    <p:cond delay="0"/>
+                                  </p:stCondLst>
+                                  <p:childTnLst>
+                                    <p:set>
+                                      <p:cBhvr>
+                                        <p:cTn dur="1" fill="hold">
+                                          <p:stCondLst>
+                                            <p:cond delay="0"/>
+                                          </p:stCondLst>
+                                        </p:cTn>
+                                        <p:tgtEl>
+                                          <p:spTgt spid="336">
+                                            <p:txEl>
+                                              <p:pRg end="3" st="3"/>
+                                            </p:txEl>
+                                          </p:spTgt>
+                                        </p:tgtEl>
+                                        <p:attrNameLst>
+                                          <p:attrName>style.visibility</p:attrName>
+                                        </p:attrNameLst>
+                                      </p:cBhvr>
+                                      <p:to>
+                                        <p:strVal val="visible"/>
+                                      </p:to>
+                                    </p:set>
+                                  </p:childTnLst>
+                                </p:cTn>
+                              </p:par>
+                            </p:childTnLst>
+                          </p:cTn>
+                        </p:par>
+                      </p:childTnLst>
+                    </p:cTn>
+                  </p:par>
+                  <p:par>
+                    <p:cTn fill="hold">
+                      <p:stCondLst>
+                        <p:cond delay="indefinite"/>
+                      </p:stCondLst>
+                      <p:childTnLst>
+                        <p:par>
+                          <p:cTn fill="hold">
+                            <p:stCondLst>
+                              <p:cond delay="0"/>
+                            </p:stCondLst>
+                            <p:childTnLst>
+                              <p:par>
+                                <p:cTn fill="hold" nodeType="clickEffect" presetClass="entr" presetID="1" presetSubtype="0">
+                                  <p:stCondLst>
+                                    <p:cond delay="0"/>
+                                  </p:stCondLst>
+                                  <p:childTnLst>
+                                    <p:set>
+                                      <p:cBhvr>
+                                        <p:cTn dur="1" fill="hold">
+                                          <p:stCondLst>
+                                            <p:cond delay="0"/>
+                                          </p:stCondLst>
+                                        </p:cTn>
+                                        <p:tgtEl>
+                                          <p:spTgt spid="336">
+                                            <p:txEl>
+                                              <p:pRg end="4" st="4"/>
+                                            </p:txEl>
+                                          </p:spTgt>
+                                        </p:tgtEl>
+                                        <p:attrNameLst>
+                                          <p:attrName>style.visibility</p:attrName>
+                                        </p:attrNameLst>
+                                      </p:cBhvr>
+                                      <p:to>
+                                        <p:strVal val="visible"/>
+                                      </p:to>
+                                    </p:set>
+                                  </p:childTnLst>
+                                </p:cTn>
+                              </p:par>
+                            </p:childTnLst>
+                          </p:cTn>
+                        </p:par>
+                      </p:childTnLst>
+                    </p:cTn>
+                  </p:par>
+                  <p:par>
+                    <p:cTn fill="hold">
+                      <p:stCondLst>
+                        <p:cond delay="indefinite"/>
+                      </p:stCondLst>
+                      <p:childTnLst>
+                        <p:par>
+                          <p:cTn fill="hold">
+                            <p:stCondLst>
+                              <p:cond delay="0"/>
+                            </p:stCondLst>
+                            <p:childTnLst>
+                              <p:par>
+                                <p:cTn fill="hold" nodeType="clickEffect" presetClass="entr" presetID="1" presetSubtype="0">
+                                  <p:stCondLst>
+                                    <p:cond delay="0"/>
+                                  </p:stCondLst>
+                                  <p:childTnLst>
+                                    <p:set>
+                                      <p:cBhvr>
+                                        <p:cTn dur="1" fill="hold">
+                                          <p:stCondLst>
+                                            <p:cond delay="0"/>
+                                          </p:stCondLst>
+                                        </p:cTn>
+                                        <p:tgtEl>
+                                          <p:spTgt spid="336">
+                                            <p:txEl>
+                                              <p:pRg end="5" st="5"/>
+                                            </p:txEl>
+                                          </p:spTgt>
+                                        </p:tgtEl>
+                                        <p:attrNameLst>
+                                          <p:attrName>style.visibility</p:attrName>
+                                        </p:attrNameLst>
+                                      </p:cBhvr>
+                                      <p:to>
+                                        <p:strVal val="visible"/>
+                                      </p:to>
+                                    </p:set>
+                                  </p:childTnLst>
+                                </p:cTn>
+                              </p:par>
+                            </p:childTnLst>
+                          </p:cTn>
+                        </p:par>
+                      </p:childTnLst>
+                    </p:cTn>
+                  </p:par>
+                </p:childTnLst>
+              </p:cTn>
+              <p:prevCondLst>
+                <p:cond evt="onPrev">
+                  <p:tgtEl>
+                    <p:sldTgt/>
+                  </p:tgtEl>
+                </p:cond>
+              </p:prevCondLst>
+              <p:nextCondLst>
+                <p:cond evt="onNext">
+                  <p:tgtEl>
+                    <p:sldTgt/>
+                  </p:tgtEl>
+                </p:cond>
+              </p:nextCondLst>
+            </p:seq>
+          </p:childTnLst>
+        </p:cTn>
+      </p:par>
+    </p:tnLst>
+  </p:timing>
+</p:sld>
+</file>
+
+<file path=ppt/slides/slide43.xml><?xml version="1.0" encoding="utf-8"?>
+<p:sld xmlns:a="http://schemas.openxmlformats.org/drawingml/2006/main" xmlns:r="http://schemas.openxmlformats.org/officeDocument/2006/relationships" xmlns:mc="http://schemas.openxmlformats.org/markup-compatibility/2006" xmlns:mv="urn:schemas-microsoft-com:mac:vml" xmlns:p="http://schemas.openxmlformats.org/presentationml/2006/main" xmlns:c="http://schemas.openxmlformats.org/drawingml/2006/chart" xmlns:dgm="http://schemas.openxmlformats.org/drawingml/2006/diagram" xmlns:o="urn:schemas-microsoft-com:office:office" xmlns:v="urn:schemas-microsoft-com:vml" xmlns:pvml="urn:schemas-microsoft-com:office:powerpoint" xmlns:com="http://schemas.openxmlformats.org/drawingml/2006/compatibility" xmlns:p14="http://schemas.microsoft.com/office/powerpoint/2010/main" xmlns:p15="http://schemas.microsoft.com/office/powerpoint/2012/main" xmlns:ahyp="http://schemas.microsoft.com/office/drawing/2018/hyperlinkcolor">
+  <p:cSld>
+    <p:spTree>
+      <p:nvGrpSpPr>
+        <p:cNvPr id="340" name="Shape 340"/>
+        <p:cNvGrpSpPr/>
+        <p:nvPr/>
+      </p:nvGrpSpPr>
+      <p:grpSpPr>
+        <a:xfrm>
+          <a:off x="0" y="0"/>
+          <a:ext cx="0" cy="0"/>
+          <a:chOff x="0" y="0"/>
+          <a:chExt cx="0" cy="0"/>
+        </a:xfrm>
+      </p:grpSpPr>
+      <p:sp>
+        <p:nvSpPr>
+          <p:cNvPr id="341" name="Google Shape;341;p55"/>
+          <p:cNvSpPr txBox="1"/>
+          <p:nvPr>
+            <p:ph type="title"/>
+          </p:nvPr>
+        </p:nvSpPr>
+        <p:spPr>
+          <a:xfrm>
+            <a:off x="311700" y="445025"/>
+            <a:ext cx="8520600" cy="572700"/>
+          </a:xfrm>
+          <a:prstGeom prst="rect">
+            <a:avLst/>
+          </a:prstGeom>
+        </p:spPr>
+        <p:txBody>
+          <a:bodyPr anchorCtr="0" anchor="t" bIns="91425" lIns="91425" spcFirstLastPara="1" rIns="91425" wrap="square" tIns="91425">
+            <a:normAutofit fontScale="90000"/>
+          </a:bodyPr>
+          <a:lstStyle/>
+          <a:p>
+            <a:pPr indent="0" lvl="0" marL="0" rtl="0" algn="l">
+              <a:spcBef>
+                <a:spcPts val="0"/>
+              </a:spcBef>
+              <a:spcAft>
+                <a:spcPts val="0"/>
+              </a:spcAft>
+              <a:buNone/>
+            </a:pPr>
+            <a:r>
+              <a:rPr lang="en"/>
+              <a:t>Causality and Spurious Correlation </a:t>
+            </a:r>
+            <a:endParaRPr/>
+          </a:p>
+        </p:txBody>
+      </p:sp>
+      <p:sp>
+        <p:nvSpPr>
+          <p:cNvPr id="342" name="Google Shape;342;p55"/>
           <p:cNvSpPr txBox="1"/>
           <p:nvPr>
             <p:ph idx="1" type="body"/>
@@ -25873,7 +27408,7 @@
       </p:sp>
       <p:pic>
         <p:nvPicPr>
-          <p:cNvPr id="339" name="Google Shape;339;p55"/>
+          <p:cNvPr id="343" name="Google Shape;343;p55"/>
           <p:cNvPicPr preferRelativeResize="0"/>
           <p:nvPr/>
         </p:nvPicPr>
@@ -25938,7 +27473,7 @@
                                           </p:stCondLst>
                                         </p:cTn>
                                         <p:tgtEl>
-                                          <p:spTgt spid="338">
+                                          <p:spTgt spid="342">
                                             <p:txEl>
                                               <p:pRg end="0" st="0"/>
                                             </p:txEl>
@@ -25956,7 +27491,7 @@
                                       <p:cBhvr>
                                         <p:cTn dur="1000"/>
                                         <p:tgtEl>
-                                          <p:spTgt spid="338">
+                                          <p:spTgt spid="342">
                                             <p:txEl>
                                               <p:pRg end="0" st="0"/>
                                             </p:txEl>
@@ -25999,7 +27534,7 @@
                                           </p:stCondLst>
                                         </p:cTn>
                                         <p:tgtEl>
-                                          <p:spTgt spid="338">
+                                          <p:spTgt spid="342">
                                             <p:txEl>
                                               <p:pRg end="1" st="1"/>
                                             </p:txEl>
@@ -26017,7 +27552,7 @@
                                       <p:cBhvr>
                                         <p:cTn dur="1000"/>
                                         <p:tgtEl>
-                                          <p:spTgt spid="338">
+                                          <p:spTgt spid="342">
                                             <p:txEl>
                                               <p:pRg end="1" st="1"/>
                                             </p:txEl>
@@ -26060,7 +27595,7 @@
                                           </p:stCondLst>
                                         </p:cTn>
                                         <p:tgtEl>
-                                          <p:spTgt spid="338">
+                                          <p:spTgt spid="342">
                                             <p:txEl>
                                               <p:pRg end="2" st="2"/>
                                             </p:txEl>
@@ -26078,7 +27613,7 @@
                                       <p:cBhvr>
                                         <p:cTn dur="1000"/>
                                         <p:tgtEl>
-                                          <p:spTgt spid="338">
+                                          <p:spTgt spid="342">
                                             <p:txEl>
                                               <p:pRg end="2" st="2"/>
                                             </p:txEl>
@@ -26121,7 +27656,7 @@
                                           </p:stCondLst>
                                         </p:cTn>
                                         <p:tgtEl>
-                                          <p:spTgt spid="338">
+                                          <p:spTgt spid="342">
                                             <p:txEl>
                                               <p:pRg end="3" st="3"/>
                                             </p:txEl>
@@ -26139,7 +27674,7 @@
                                       <p:cBhvr>
                                         <p:cTn dur="1000"/>
                                         <p:tgtEl>
-                                          <p:spTgt spid="338">
+                                          <p:spTgt spid="342">
                                             <p:txEl>
                                               <p:pRg end="3" st="3"/>
                                             </p:txEl>
@@ -26186,7 +27721,7 @@
   <p:cSld>
     <p:spTree>
       <p:nvGrpSpPr>
-        <p:cNvPr id="343" name="Shape 343"/>
+        <p:cNvPr id="347" name="Shape 347"/>
         <p:cNvGrpSpPr/>
         <p:nvPr/>
       </p:nvGrpSpPr>
@@ -26200,7 +27735,7 @@
       </p:grpSpPr>
       <p:pic>
         <p:nvPicPr>
-          <p:cNvPr id="344" name="Google Shape;344;p56"/>
+          <p:cNvPr id="348" name="Google Shape;348;p56"/>
           <p:cNvPicPr preferRelativeResize="0"/>
           <p:nvPr/>
         </p:nvPicPr>
@@ -26239,7 +27774,7 @@
   <p:cSld>
     <p:spTree>
       <p:nvGrpSpPr>
-        <p:cNvPr id="348" name="Shape 348"/>
+        <p:cNvPr id="352" name="Shape 352"/>
         <p:cNvGrpSpPr/>
         <p:nvPr/>
       </p:nvGrpSpPr>
@@ -26253,7 +27788,7 @@
       </p:grpSpPr>
       <p:pic>
         <p:nvPicPr>
-          <p:cNvPr id="349" name="Google Shape;349;p57"/>
+          <p:cNvPr id="353" name="Google Shape;353;p57"/>
           <p:cNvPicPr preferRelativeResize="0"/>
           <p:nvPr/>
         </p:nvPicPr>
@@ -26292,7 +27827,7 @@
   <p:cSld>
     <p:spTree>
       <p:nvGrpSpPr>
-        <p:cNvPr id="353" name="Shape 353"/>
+        <p:cNvPr id="357" name="Shape 357"/>
         <p:cNvGrpSpPr/>
         <p:nvPr/>
       </p:nvGrpSpPr>
@@ -26306,7 +27841,7 @@
       </p:grpSpPr>
       <p:pic>
         <p:nvPicPr>
-          <p:cNvPr id="354" name="Google Shape;354;p58"/>
+          <p:cNvPr id="358" name="Google Shape;358;p58"/>
           <p:cNvPicPr preferRelativeResize="0"/>
           <p:nvPr/>
         </p:nvPicPr>
@@ -26345,7 +27880,7 @@
   <p:cSld>
     <p:spTree>
       <p:nvGrpSpPr>
-        <p:cNvPr id="358" name="Shape 358"/>
+        <p:cNvPr id="362" name="Shape 362"/>
         <p:cNvGrpSpPr/>
         <p:nvPr/>
       </p:nvGrpSpPr>
@@ -26359,7 +27894,7 @@
       </p:grpSpPr>
       <p:sp>
         <p:nvSpPr>
-          <p:cNvPr id="359" name="Google Shape;359;p59"/>
+          <p:cNvPr id="363" name="Google Shape;363;p59"/>
           <p:cNvSpPr txBox="1"/>
           <p:nvPr>
             <p:ph type="title"/>
@@ -26399,7 +27934,7 @@
       </p:sp>
       <p:sp>
         <p:nvSpPr>
-          <p:cNvPr id="360" name="Google Shape;360;p59"/>
+          <p:cNvPr id="364" name="Google Shape;364;p59"/>
           <p:cNvSpPr txBox="1"/>
           <p:nvPr>
             <p:ph idx="1" type="body"/>
@@ -26543,7 +28078,7 @@
   <p:cSld>
     <p:spTree>
       <p:nvGrpSpPr>
-        <p:cNvPr id="364" name="Shape 364"/>
+        <p:cNvPr id="368" name="Shape 368"/>
         <p:cNvGrpSpPr/>
         <p:nvPr/>
       </p:nvGrpSpPr>
@@ -26557,7 +28092,7 @@
       </p:grpSpPr>
       <p:sp>
         <p:nvSpPr>
-          <p:cNvPr id="365" name="Google Shape;365;p60"/>
+          <p:cNvPr id="369" name="Google Shape;369;p60"/>
           <p:cNvSpPr txBox="1"/>
           <p:nvPr>
             <p:ph type="title"/>
@@ -26597,7 +28132,7 @@
       </p:sp>
       <p:sp>
         <p:nvSpPr>
-          <p:cNvPr id="366" name="Google Shape;366;p60"/>
+          <p:cNvPr id="370" name="Google Shape;370;p60"/>
           <p:cNvSpPr txBox="1"/>
           <p:nvPr>
             <p:ph idx="1" type="body"/>
@@ -26685,7 +28220,7 @@
       </p:sp>
       <p:pic>
         <p:nvPicPr>
-          <p:cNvPr id="367" name="Google Shape;367;p60"/>
+          <p:cNvPr id="371" name="Google Shape;371;p60"/>
           <p:cNvPicPr preferRelativeResize="0"/>
           <p:nvPr/>
         </p:nvPicPr>
@@ -26724,7 +28259,7 @@
   <p:cSld>
     <p:spTree>
       <p:nvGrpSpPr>
-        <p:cNvPr id="371" name="Shape 371"/>
+        <p:cNvPr id="375" name="Shape 375"/>
         <p:cNvGrpSpPr/>
         <p:nvPr/>
       </p:nvGrpSpPr>
@@ -26738,7 +28273,7 @@
       </p:grpSpPr>
       <p:sp>
         <p:nvSpPr>
-          <p:cNvPr id="372" name="Google Shape;372;p61"/>
+          <p:cNvPr id="376" name="Google Shape;376;p61"/>
           <p:cNvSpPr txBox="1"/>
           <p:nvPr>
             <p:ph type="title"/>
@@ -26778,7 +28313,7 @@
       </p:sp>
       <p:sp>
         <p:nvSpPr>
-          <p:cNvPr id="373" name="Google Shape;373;p61"/>
+          <p:cNvPr id="377" name="Google Shape;377;p61"/>
           <p:cNvSpPr txBox="1"/>
           <p:nvPr>
             <p:ph idx="1" type="body"/>
@@ -26818,7 +28353,7 @@
       </p:sp>
       <p:pic>
         <p:nvPicPr>
-          <p:cNvPr id="374" name="Google Shape;374;p61"/>
+          <p:cNvPr id="378" name="Google Shape;378;p61"/>
           <p:cNvPicPr preferRelativeResize="0"/>
           <p:nvPr/>
         </p:nvPicPr>
@@ -27539,7 +29074,7 @@
   <p:cSld>
     <p:spTree>
       <p:nvGrpSpPr>
-        <p:cNvPr id="378" name="Shape 378"/>
+        <p:cNvPr id="382" name="Shape 382"/>
         <p:cNvGrpSpPr/>
         <p:nvPr/>
       </p:nvGrpSpPr>
@@ -27553,7 +29088,7 @@
       </p:grpSpPr>
       <p:pic>
         <p:nvPicPr>
-          <p:cNvPr descr="Today we’re going to talk about measures of central tendency - those are the numbers that tend to hang out in the middle of our data: the mean, the median, and mode. All of these numbers can be called “averages” and they’re the numbers we tend to see most often - whether it’s in politics when talking about polling or income equality to batting averages in baseball (and cricket) and Amazon reviews. Averages are everywhere so today we’re going to discuss how these measures differ, how their relationship with one another can tell us a lot about the underlying data, and how they are sometimes used to mislead. &#10;&#10;&#10;Crash Course is on Patreon! You can support us directly by signing up at http://www.patreon.com/crashcourse&#10;&#10;Thanks to the following Patrons for their generous monthly contributions that help keep Crash Course free for everyone forever:&#10;&#10;Mark Brouwer, Nickie Miskell Jr., Jessica Wode, Eric Prestemon, Kathrin Benoit, Tom Trval, Jason Saslow, Nathan Taylor, Divonne Holmes à Court, Brian Thomas Gossett, Khaled El Shalakany, Indika Siriwardena, Robert Kunz, SR Foxley, Sam Ferguson, Yasenia Cruz, Daniel Baulig, Eric Koslow, Caleb Weeks, Tim Curwick, Evren Türkmenoğlu, Alexander Tamas, Justin Zingsheim, D.A. Noe, Shawn Arnold, mark austin, Ruth Perez, Malcolm Callis, Ken Penttinen, Advait Shinde, Cody Carpenter, Annamaria Herrera, William McGraw, Bader AlGhamdi, Vaso, Melissa Briski, Joey Quek, Andrei Krishkevich, Rachel Bright, Alex S, Mayumi Maeda, Kathy &amp; Tim Philip, Montather, Jirat, Eric Kitchen, Moritz Schmidt, Ian Dundore, Chris Peters, Sandra Aft, Steve Marshall&#10;&#10;Want to find Crash Course elsewhere on the internet?&#10;Facebook - http://www.facebook.com/YouTubeCrashC...&#10;Twitter - http://www.twitter.com/TheCrashCourse&#10;Tumblr - http://thecrashcourse.tumblr.com &#10;Support Crash Course on Patreon: http://patreon.com/crashcourse&#10;CC Kids: http://www.youtube.com/crashcoursekids" id="379" name="Google Shape;379;p62" title="Mean, Median, and Mode: Measures of Central Tendency: Crash Course Statistics #3">
+          <p:cNvPr descr="Today we’re going to talk about measures of central tendency - those are the numbers that tend to hang out in the middle of our data: the mean, the median, and mode. All of these numbers can be called “averages” and they’re the numbers we tend to see most often - whether it’s in politics when talking about polling or income equality to batting averages in baseball (and cricket) and Amazon reviews. Averages are everywhere so today we’re going to discuss how these measures differ, how their relationship with one another can tell us a lot about the underlying data, and how they are sometimes used to mislead. &#10;&#10;&#10;Crash Course is on Patreon! You can support us directly by signing up at http://www.patreon.com/crashcourse&#10;&#10;Thanks to the following Patrons for their generous monthly contributions that help keep Crash Course free for everyone forever:&#10;&#10;Mark Brouwer, Nickie Miskell Jr., Jessica Wode, Eric Prestemon, Kathrin Benoit, Tom Trval, Jason Saslow, Nathan Taylor, Divonne Holmes à Court, Brian Thomas Gossett, Khaled El Shalakany, Indika Siriwardena, Robert Kunz, SR Foxley, Sam Ferguson, Yasenia Cruz, Daniel Baulig, Eric Koslow, Caleb Weeks, Tim Curwick, Evren Türkmenoğlu, Alexander Tamas, Justin Zingsheim, D.A. Noe, Shawn Arnold, mark austin, Ruth Perez, Malcolm Callis, Ken Penttinen, Advait Shinde, Cody Carpenter, Annamaria Herrera, William McGraw, Bader AlGhamdi, Vaso, Melissa Briski, Joey Quek, Andrei Krishkevich, Rachel Bright, Alex S, Mayumi Maeda, Kathy &amp; Tim Philip, Montather, Jirat, Eric Kitchen, Moritz Schmidt, Ian Dundore, Chris Peters, Sandra Aft, Steve Marshall&#10;&#10;Want to find Crash Course elsewhere on the internet?&#10;Facebook - http://www.facebook.com/YouTubeCrashC...&#10;Twitter - http://www.twitter.com/TheCrashCourse&#10;Tumblr - http://thecrashcourse.tumblr.com &#10;Support Crash Course on Patreon: http://patreon.com/crashcourse&#10;CC Kids: http://www.youtube.com/crashcoursekids" id="383" name="Google Shape;383;p62" title="Mean, Median, and Mode: Measures of Central Tendency: Crash Course Statistics #3">
             <a:hlinkClick r:id="rId3"/>
           </p:cNvPr>
           <p:cNvPicPr preferRelativeResize="0"/>
@@ -27620,7 +29155,7 @@
                                           </p:stCondLst>
                                         </p:cTn>
                                         <p:tgtEl>
-                                          <p:spTgt spid="379"/>
+                                          <p:spTgt spid="383"/>
                                         </p:tgtEl>
                                         <p:attrNameLst>
                                           <p:attrName>style.visibility</p:attrName>
@@ -27634,7 +29169,7 @@
                                       <p:cBhvr>
                                         <p:cTn dur="1000"/>
                                         <p:tgtEl>
-                                          <p:spTgt spid="379"/>
+                                          <p:spTgt spid="383"/>
                                         </p:tgtEl>
                                       </p:cBhvr>
                                     </p:animEffect>
@@ -27677,7 +29212,7 @@
   <p:cSld>
     <p:spTree>
       <p:nvGrpSpPr>
-        <p:cNvPr id="383" name="Shape 383"/>
+        <p:cNvPr id="387" name="Shape 387"/>
         <p:cNvGrpSpPr/>
         <p:nvPr/>
       </p:nvGrpSpPr>
@@ -27691,7 +29226,7 @@
       </p:grpSpPr>
       <p:pic>
         <p:nvPicPr>
-          <p:cNvPr descr="Today, we're looking at measures of spread, or dispersion, which we use to understand how well medians and means represent the data, and how reliable our conclusions are. They can help understand test scores, income inequality, spot stock bubbles, and plan gambling junkets. They're pretty useful, and now you're going to know how to calculate them!&#10;&#10;Crash Course is on Patreon! You can support us directly by signing up at http://www.patreon.com/crashcourse&#10;&#10;Thanks to the following Patrons for their generous monthly contributions that help keep Crash Course free for everyone forever:&#10;&#10;Mark Brouwer, Nickie Miskell Jr., Jessica Wode, Eric Prestemon, Kathrin Benoit, Tom Trval, Jason Saslow, Nathan Taylor, Divonne Holmes à Court, Brian Thomas Gossett, Khaled El Shalakany, Indika Siriwardena, Robert Kunz, SR Foxley, Sam Ferguson, Yasenia Cruz, Daniel Baulig, Eric Koslow, Caleb Weeks, Tim Curwick, Evren Türkmenoğlu, Alexander Tamas, Justin Zingsheim, D.A. Noe, Shawn Arnold, mark austin, Ruth Perez, Malcolm Callis, Ken Penttinen, Advait Shinde, Cody Carpenter, Annamaria Herrera, William McGraw, Bader AlGhamdi, Vaso, Melissa Briski, Joey Quek, Andrei Krishkevich, Rachel Bright, Alex S, Mayumi Maeda, Kathy &amp; Tim Philip, Montather, Jirat, Eric Kitchen, Moritz Schmidt, Ian Dundore, Chris Peters, Sandra Aft, Steve Marshall&#10;--&#10;&#10;Want to find Crash Course elsewhere on the internet?&#10;Facebook - http://www.facebook.com/YouTubeCrashCourse&#10;Twitter - http://www.twitter.com/TheCrashCourse&#10;Tumblr - http://thecrashcourse.tumblr.com &#10;Support Crash Course on Patreon: http://patreon.com/crashcourse&#10;&#10;CC Kids: http://www.youtube.com/crashcoursekids" id="384" name="Google Shape;384;p63" title="Measures of Spread: Crash Course Statistics #4">
+          <p:cNvPr descr="Today, we're looking at measures of spread, or dispersion, which we use to understand how well medians and means represent the data, and how reliable our conclusions are. They can help understand test scores, income inequality, spot stock bubbles, and plan gambling junkets. They're pretty useful, and now you're going to know how to calculate them!&#10;&#10;Crash Course is on Patreon! You can support us directly by signing up at http://www.patreon.com/crashcourse&#10;&#10;Thanks to the following Patrons for their generous monthly contributions that help keep Crash Course free for everyone forever:&#10;&#10;Mark Brouwer, Nickie Miskell Jr., Jessica Wode, Eric Prestemon, Kathrin Benoit, Tom Trval, Jason Saslow, Nathan Taylor, Divonne Holmes à Court, Brian Thomas Gossett, Khaled El Shalakany, Indika Siriwardena, Robert Kunz, SR Foxley, Sam Ferguson, Yasenia Cruz, Daniel Baulig, Eric Koslow, Caleb Weeks, Tim Curwick, Evren Türkmenoğlu, Alexander Tamas, Justin Zingsheim, D.A. Noe, Shawn Arnold, mark austin, Ruth Perez, Malcolm Callis, Ken Penttinen, Advait Shinde, Cody Carpenter, Annamaria Herrera, William McGraw, Bader AlGhamdi, Vaso, Melissa Briski, Joey Quek, Andrei Krishkevich, Rachel Bright, Alex S, Mayumi Maeda, Kathy &amp; Tim Philip, Montather, Jirat, Eric Kitchen, Moritz Schmidt, Ian Dundore, Chris Peters, Sandra Aft, Steve Marshall&#10;--&#10;&#10;Want to find Crash Course elsewhere on the internet?&#10;Facebook - http://www.facebook.com/YouTubeCrashCourse&#10;Twitter - http://www.twitter.com/TheCrashCourse&#10;Tumblr - http://thecrashcourse.tumblr.com &#10;Support Crash Course on Patreon: http://patreon.com/crashcourse&#10;&#10;CC Kids: http://www.youtube.com/crashcoursekids" id="388" name="Google Shape;388;p63" title="Measures of Spread: Crash Course Statistics #4">
             <a:hlinkClick r:id="rId3"/>
           </p:cNvPr>
           <p:cNvPicPr preferRelativeResize="0"/>
@@ -27758,7 +29293,7 @@
                                           </p:stCondLst>
                                         </p:cTn>
                                         <p:tgtEl>
-                                          <p:spTgt spid="384"/>
+                                          <p:spTgt spid="388"/>
                                         </p:tgtEl>
                                         <p:attrNameLst>
                                           <p:attrName>style.visibility</p:attrName>
@@ -27772,7 +29307,7 @@
                                       <p:cBhvr>
                                         <p:cTn dur="1000"/>
                                         <p:tgtEl>
-                                          <p:spTgt spid="384"/>
+                                          <p:spTgt spid="388"/>
                                         </p:tgtEl>
                                       </p:cBhvr>
                                     </p:animEffect>
@@ -28557,7 +30092,7 @@
             <a:tbl>
               <a:tblPr>
                 <a:noFill/>
-                <a:tableStyleId>{78E11B05-264C-4127-AC4A-65041B67743D}</a:tableStyleId>
+                <a:tableStyleId>{72AA497A-3250-4247-AA93-3A140F2F3AC3}</a:tableStyleId>
               </a:tblPr>
               <a:tblGrid>
                 <a:gridCol w="1369450"/>
@@ -31148,9 +32683,13 @@
             </a:pPr>
             <a:r>
               <a:rPr lang="en" sz="1460"/>
-              <a:t>The median is the number in the middle of an ordered series</a:t>
-            </a:r>
-            <a:endParaRPr sz="1460"/>
+              <a:t>The median is the number in the middle of an </a:t>
+            </a:r>
+            <a:r>
+              <a:rPr b="1" i="1" lang="en" sz="1460" u="sng"/>
+              <a:t>ordered series</a:t>
+            </a:r>
+            <a:endParaRPr b="1" i="1" sz="1460" u="sng"/>
           </a:p>
           <a:p>
             <a:pPr indent="0" lvl="0" marL="0" rtl="0" algn="l">
@@ -31871,6 +33410,285 @@
 </file>
 
 <file path=ppt/theme/theme1.xml><?xml version="1.0" encoding="utf-8"?>
+<a:theme xmlns:a="http://schemas.openxmlformats.org/drawingml/2006/main" xmlns:r="http://schemas.openxmlformats.org/officeDocument/2006/relationships" name="Gameday">
+  <a:themeElements>
+    <a:clrScheme name="Gameday">
+      <a:dk1>
+        <a:srgbClr val="4285F4"/>
+      </a:dk1>
+      <a:lt1>
+        <a:srgbClr val="FFFFFF"/>
+      </a:lt1>
+      <a:dk2>
+        <a:srgbClr val="666666"/>
+      </a:dk2>
+      <a:lt2>
+        <a:srgbClr val="D9D9D9"/>
+      </a:lt2>
+      <a:accent1>
+        <a:srgbClr val="455A64"/>
+      </a:accent1>
+      <a:accent2>
+        <a:srgbClr val="607D8B"/>
+      </a:accent2>
+      <a:accent3>
+        <a:srgbClr val="FF5722"/>
+      </a:accent3>
+      <a:accent4>
+        <a:srgbClr val="D84315"/>
+      </a:accent4>
+      <a:accent5>
+        <a:srgbClr val="1C3AA9"/>
+      </a:accent5>
+      <a:accent6>
+        <a:srgbClr val="FFAB40"/>
+      </a:accent6>
+      <a:hlink>
+        <a:srgbClr val="1C3AA9"/>
+      </a:hlink>
+      <a:folHlink>
+        <a:srgbClr val="1C3AA9"/>
+      </a:folHlink>
+    </a:clrScheme>
+    <a:fontScheme name="Office">
+      <a:majorFont>
+        <a:latin typeface="Arial"/>
+        <a:ea typeface=""/>
+        <a:cs typeface=""/>
+        <a:font script="Jpan" typeface="ＭＳ Ｐゴシック"/>
+        <a:font script="Hang" typeface="맑은 고딕"/>
+        <a:font script="Hans" typeface="宋体"/>
+        <a:font script="Hant" typeface="新細明體"/>
+        <a:font script="Arab" typeface="Times New Roman"/>
+        <a:font script="Hebr" typeface="Times New Roman"/>
+        <a:font script="Thai" typeface="Angsana New"/>
+        <a:font script="Ethi" typeface="Nyala"/>
+        <a:font script="Beng" typeface="Vrinda"/>
+        <a:font script="Gujr" typeface="Shruti"/>
+        <a:font script="Khmr" typeface="MoolBoran"/>
+        <a:font script="Knda" typeface="Tunga"/>
+        <a:font script="Guru" typeface="Raavi"/>
+        <a:font script="Cans" typeface="Euphemia"/>
+        <a:font script="Cher" typeface="Plantagenet Cherokee"/>
+        <a:font script="Yiii" typeface="Microsoft Yi Baiti"/>
+        <a:font script="Tibt" typeface="Microsoft Himalaya"/>
+        <a:font script="Thaa" typeface="MV Boli"/>
+        <a:font script="Deva" typeface="Mangal"/>
+        <a:font script="Telu" typeface="Gautami"/>
+        <a:font script="Taml" typeface="Latha"/>
+        <a:font script="Syrc" typeface="Estrangelo Edessa"/>
+        <a:font script="Orya" typeface="Kalinga"/>
+        <a:font script="Mlym" typeface="Kartika"/>
+        <a:font script="Laoo" typeface="DokChampa"/>
+        <a:font script="Sinh" typeface="Iskoola Pota"/>
+        <a:font script="Mong" typeface="Mongolian Baiti"/>
+        <a:font script="Viet" typeface="Times New Roman"/>
+        <a:font script="Uigh" typeface="Microsoft Uighur"/>
+        <a:font script="Geor" typeface="Sylfaen"/>
+      </a:majorFont>
+      <a:minorFont>
+        <a:latin typeface="Arial"/>
+        <a:ea typeface=""/>
+        <a:cs typeface=""/>
+        <a:font script="Jpan" typeface="ＭＳ Ｐゴシック"/>
+        <a:font script="Hang" typeface="맑은 고딕"/>
+        <a:font script="Hans" typeface="宋体"/>
+        <a:font script="Hant" typeface="新細明體"/>
+        <a:font script="Arab" typeface="Arial"/>
+        <a:font script="Hebr" typeface="Arial"/>
+        <a:font script="Thai" typeface="Cordia New"/>
+        <a:font script="Ethi" typeface="Nyala"/>
+        <a:font script="Beng" typeface="Vrinda"/>
+        <a:font script="Gujr" typeface="Shruti"/>
+        <a:font script="Khmr" typeface="DaunPenh"/>
+        <a:font script="Knda" typeface="Tunga"/>
+        <a:font script="Guru" typeface="Raavi"/>
+        <a:font script="Cans" typeface="Euphemia"/>
+        <a:font script="Cher" typeface="Plantagenet Cherokee"/>
+        <a:font script="Yiii" typeface="Microsoft Yi Baiti"/>
+        <a:font script="Tibt" typeface="Microsoft Himalaya"/>
+        <a:font script="Thaa" typeface="MV Boli"/>
+        <a:font script="Deva" typeface="Mangal"/>
+        <a:font script="Telu" typeface="Gautami"/>
+        <a:font script="Taml" typeface="Latha"/>
+        <a:font script="Syrc" typeface="Estrangelo Edessa"/>
+        <a:font script="Orya" typeface="Kalinga"/>
+        <a:font script="Mlym" typeface="Kartika"/>
+        <a:font script="Laoo" typeface="DokChampa"/>
+        <a:font script="Sinh" typeface="Iskoola Pota"/>
+        <a:font script="Mong" typeface="Mongolian Baiti"/>
+        <a:font script="Viet" typeface="Arial"/>
+        <a:font script="Uigh" typeface="Microsoft Uighur"/>
+        <a:font script="Geor" typeface="Sylfaen"/>
+      </a:minorFont>
+    </a:fontScheme>
+    <a:fmtScheme name="Office">
+      <a:fillStyleLst>
+        <a:solidFill>
+          <a:schemeClr val="phClr"/>
+        </a:solidFill>
+        <a:gradFill rotWithShape="1">
+          <a:gsLst>
+            <a:gs pos="0">
+              <a:schemeClr val="phClr">
+                <a:tint val="50000"/>
+                <a:satMod val="300000"/>
+              </a:schemeClr>
+            </a:gs>
+            <a:gs pos="35000">
+              <a:schemeClr val="phClr">
+                <a:tint val="37000"/>
+                <a:satMod val="300000"/>
+              </a:schemeClr>
+            </a:gs>
+            <a:gs pos="100000">
+              <a:schemeClr val="phClr">
+                <a:tint val="15000"/>
+                <a:satMod val="350000"/>
+              </a:schemeClr>
+            </a:gs>
+          </a:gsLst>
+          <a:lin ang="16200000" scaled="1"/>
+        </a:gradFill>
+        <a:gradFill rotWithShape="1">
+          <a:gsLst>
+            <a:gs pos="0">
+              <a:schemeClr val="phClr">
+                <a:tint val="100000"/>
+                <a:shade val="100000"/>
+                <a:satMod val="130000"/>
+              </a:schemeClr>
+            </a:gs>
+            <a:gs pos="100000">
+              <a:schemeClr val="phClr">
+                <a:tint val="50000"/>
+                <a:shade val="100000"/>
+                <a:satMod val="350000"/>
+              </a:schemeClr>
+            </a:gs>
+          </a:gsLst>
+          <a:lin ang="16200000" scaled="0"/>
+        </a:gradFill>
+      </a:fillStyleLst>
+      <a:lnStyleLst>
+        <a:ln w="9525" cap="flat" cmpd="sng" algn="ctr">
+          <a:solidFill>
+            <a:schemeClr val="phClr">
+              <a:shade val="95000"/>
+              <a:satMod val="105000"/>
+            </a:schemeClr>
+          </a:solidFill>
+          <a:prstDash val="solid"/>
+        </a:ln>
+        <a:ln w="25400" cap="flat" cmpd="sng" algn="ctr">
+          <a:solidFill>
+            <a:schemeClr val="phClr"/>
+          </a:solidFill>
+          <a:prstDash val="solid"/>
+        </a:ln>
+        <a:ln w="38100" cap="flat" cmpd="sng" algn="ctr">
+          <a:solidFill>
+            <a:schemeClr val="phClr"/>
+          </a:solidFill>
+          <a:prstDash val="solid"/>
+        </a:ln>
+      </a:lnStyleLst>
+      <a:effectStyleLst>
+        <a:effectStyle>
+          <a:effectLst>
+            <a:outerShdw blurRad="40000" dist="20000" dir="5400000" rotWithShape="0">
+              <a:srgbClr val="000000">
+                <a:alpha val="38000"/>
+              </a:srgbClr>
+            </a:outerShdw>
+          </a:effectLst>
+        </a:effectStyle>
+        <a:effectStyle>
+          <a:effectLst>
+            <a:outerShdw blurRad="40000" dist="23000" dir="5400000" rotWithShape="0">
+              <a:srgbClr val="000000">
+                <a:alpha val="35000"/>
+              </a:srgbClr>
+            </a:outerShdw>
+          </a:effectLst>
+        </a:effectStyle>
+        <a:effectStyle>
+          <a:effectLst>
+            <a:outerShdw blurRad="40000" dist="23000" dir="5400000" rotWithShape="0">
+              <a:srgbClr val="000000">
+                <a:alpha val="35000"/>
+              </a:srgbClr>
+            </a:outerShdw>
+          </a:effectLst>
+          <a:scene3d>
+            <a:camera prst="orthographicFront">
+              <a:rot lat="0" lon="0" rev="0"/>
+            </a:camera>
+            <a:lightRig rig="threePt" dir="t">
+              <a:rot lat="0" lon="0" rev="1200000"/>
+            </a:lightRig>
+          </a:scene3d>
+          <a:sp3d>
+            <a:bevelT w="63500" h="25400"/>
+          </a:sp3d>
+        </a:effectStyle>
+      </a:effectStyleLst>
+      <a:bgFillStyleLst>
+        <a:solidFill>
+          <a:schemeClr val="phClr"/>
+        </a:solidFill>
+        <a:gradFill rotWithShape="1">
+          <a:gsLst>
+            <a:gs pos="0">
+              <a:schemeClr val="phClr">
+                <a:tint val="40000"/>
+                <a:satMod val="350000"/>
+              </a:schemeClr>
+            </a:gs>
+            <a:gs pos="40000">
+              <a:schemeClr val="phClr">
+                <a:tint val="45000"/>
+                <a:shade val="99000"/>
+                <a:satMod val="350000"/>
+              </a:schemeClr>
+            </a:gs>
+            <a:gs pos="100000">
+              <a:schemeClr val="phClr">
+                <a:shade val="20000"/>
+                <a:satMod val="255000"/>
+              </a:schemeClr>
+            </a:gs>
+          </a:gsLst>
+          <a:path path="circle">
+            <a:fillToRect l="50000" t="-80000" r="50000" b="180000"/>
+          </a:path>
+        </a:gradFill>
+        <a:gradFill rotWithShape="1">
+          <a:gsLst>
+            <a:gs pos="0">
+              <a:schemeClr val="phClr">
+                <a:tint val="80000"/>
+                <a:satMod val="300000"/>
+              </a:schemeClr>
+            </a:gs>
+            <a:gs pos="100000">
+              <a:schemeClr val="phClr">
+                <a:shade val="30000"/>
+                <a:satMod val="200000"/>
+              </a:schemeClr>
+            </a:gs>
+          </a:gsLst>
+          <a:path path="circle">
+            <a:fillToRect l="50000" t="50000" r="50000" b="50000"/>
+          </a:path>
+        </a:gradFill>
+      </a:bgFillStyleLst>
+    </a:fmtScheme>
+  </a:themeElements>
+</a:theme>
+</file>
+
+<file path=ppt/theme/theme2.xml><?xml version="1.0" encoding="utf-8"?>
 <a:theme xmlns:a="http://schemas.openxmlformats.org/drawingml/2006/main" xmlns:r="http://schemas.openxmlformats.org/officeDocument/2006/relationships">
   <a:themeElements>
     <a:clrScheme name="Default">
@@ -32147,283 +33965,4 @@
     </a:fmtScheme>
   </a:themeElements>
 </a:theme>
-</file>
-
-<file path=ppt/theme/theme2.xml><?xml version="1.0" encoding="utf-8"?>
-<a:theme xmlns:a="http://schemas.openxmlformats.org/drawingml/2006/main" xmlns:r="http://schemas.openxmlformats.org/officeDocument/2006/relationships" name="Gameday">
-  <a:themeElements>
-    <a:clrScheme name="Gameday">
-      <a:dk1>
-        <a:srgbClr val="4285F4"/>
-      </a:dk1>
-      <a:lt1>
-        <a:srgbClr val="FFFFFF"/>
-      </a:lt1>
-      <a:dk2>
-        <a:srgbClr val="666666"/>
-      </a:dk2>
-      <a:lt2>
-        <a:srgbClr val="D9D9D9"/>
-      </a:lt2>
-      <a:accent1>
-        <a:srgbClr val="455A64"/>
-      </a:accent1>
-      <a:accent2>
-        <a:srgbClr val="607D8B"/>
-      </a:accent2>
-      <a:accent3>
-        <a:srgbClr val="FF5722"/>
-      </a:accent3>
-      <a:accent4>
-        <a:srgbClr val="D84315"/>
-      </a:accent4>
-      <a:accent5>
-        <a:srgbClr val="1C3AA9"/>
-      </a:accent5>
-      <a:accent6>
-        <a:srgbClr val="FFAB40"/>
-      </a:accent6>
-      <a:hlink>
-        <a:srgbClr val="1C3AA9"/>
-      </a:hlink>
-      <a:folHlink>
-        <a:srgbClr val="1C3AA9"/>
-      </a:folHlink>
-    </a:clrScheme>
-    <a:fontScheme name="Office">
-      <a:majorFont>
-        <a:latin typeface="Arial"/>
-        <a:ea typeface=""/>
-        <a:cs typeface=""/>
-        <a:font script="Jpan" typeface="ＭＳ Ｐゴシック"/>
-        <a:font script="Hang" typeface="맑은 고딕"/>
-        <a:font script="Hans" typeface="宋体"/>
-        <a:font script="Hant" typeface="新細明體"/>
-        <a:font script="Arab" typeface="Times New Roman"/>
-        <a:font script="Hebr" typeface="Times New Roman"/>
-        <a:font script="Thai" typeface="Angsana New"/>
-        <a:font script="Ethi" typeface="Nyala"/>
-        <a:font script="Beng" typeface="Vrinda"/>
-        <a:font script="Gujr" typeface="Shruti"/>
-        <a:font script="Khmr" typeface="MoolBoran"/>
-        <a:font script="Knda" typeface="Tunga"/>
-        <a:font script="Guru" typeface="Raavi"/>
-        <a:font script="Cans" typeface="Euphemia"/>
-        <a:font script="Cher" typeface="Plantagenet Cherokee"/>
-        <a:font script="Yiii" typeface="Microsoft Yi Baiti"/>
-        <a:font script="Tibt" typeface="Microsoft Himalaya"/>
-        <a:font script="Thaa" typeface="MV Boli"/>
-        <a:font script="Deva" typeface="Mangal"/>
-        <a:font script="Telu" typeface="Gautami"/>
-        <a:font script="Taml" typeface="Latha"/>
-        <a:font script="Syrc" typeface="Estrangelo Edessa"/>
-        <a:font script="Orya" typeface="Kalinga"/>
-        <a:font script="Mlym" typeface="Kartika"/>
-        <a:font script="Laoo" typeface="DokChampa"/>
-        <a:font script="Sinh" typeface="Iskoola Pota"/>
-        <a:font script="Mong" typeface="Mongolian Baiti"/>
-        <a:font script="Viet" typeface="Times New Roman"/>
-        <a:font script="Uigh" typeface="Microsoft Uighur"/>
-        <a:font script="Geor" typeface="Sylfaen"/>
-      </a:majorFont>
-      <a:minorFont>
-        <a:latin typeface="Arial"/>
-        <a:ea typeface=""/>
-        <a:cs typeface=""/>
-        <a:font script="Jpan" typeface="ＭＳ Ｐゴシック"/>
-        <a:font script="Hang" typeface="맑은 고딕"/>
-        <a:font script="Hans" typeface="宋体"/>
-        <a:font script="Hant" typeface="新細明體"/>
-        <a:font script="Arab" typeface="Arial"/>
-        <a:font script="Hebr" typeface="Arial"/>
-        <a:font script="Thai" typeface="Cordia New"/>
-        <a:font script="Ethi" typeface="Nyala"/>
-        <a:font script="Beng" typeface="Vrinda"/>
-        <a:font script="Gujr" typeface="Shruti"/>
-        <a:font script="Khmr" typeface="DaunPenh"/>
-        <a:font script="Knda" typeface="Tunga"/>
-        <a:font script="Guru" typeface="Raavi"/>
-        <a:font script="Cans" typeface="Euphemia"/>
-        <a:font script="Cher" typeface="Plantagenet Cherokee"/>
-        <a:font script="Yiii" typeface="Microsoft Yi Baiti"/>
-        <a:font script="Tibt" typeface="Microsoft Himalaya"/>
-        <a:font script="Thaa" typeface="MV Boli"/>
-        <a:font script="Deva" typeface="Mangal"/>
-        <a:font script="Telu" typeface="Gautami"/>
-        <a:font script="Taml" typeface="Latha"/>
-        <a:font script="Syrc" typeface="Estrangelo Edessa"/>
-        <a:font script="Orya" typeface="Kalinga"/>
-        <a:font script="Mlym" typeface="Kartika"/>
-        <a:font script="Laoo" typeface="DokChampa"/>
-        <a:font script="Sinh" typeface="Iskoola Pota"/>
-        <a:font script="Mong" typeface="Mongolian Baiti"/>
-        <a:font script="Viet" typeface="Arial"/>
-        <a:font script="Uigh" typeface="Microsoft Uighur"/>
-        <a:font script="Geor" typeface="Sylfaen"/>
-      </a:minorFont>
-    </a:fontScheme>
-    <a:fmtScheme name="Office">
-      <a:fillStyleLst>
-        <a:solidFill>
-          <a:schemeClr val="phClr"/>
-        </a:solidFill>
-        <a:gradFill rotWithShape="1">
-          <a:gsLst>
-            <a:gs pos="0">
-              <a:schemeClr val="phClr">
-                <a:tint val="50000"/>
-                <a:satMod val="300000"/>
-              </a:schemeClr>
-            </a:gs>
-            <a:gs pos="35000">
-              <a:schemeClr val="phClr">
-                <a:tint val="37000"/>
-                <a:satMod val="300000"/>
-              </a:schemeClr>
-            </a:gs>
-            <a:gs pos="100000">
-              <a:schemeClr val="phClr">
-                <a:tint val="15000"/>
-                <a:satMod val="350000"/>
-              </a:schemeClr>
-            </a:gs>
-          </a:gsLst>
-          <a:lin ang="16200000" scaled="1"/>
-        </a:gradFill>
-        <a:gradFill rotWithShape="1">
-          <a:gsLst>
-            <a:gs pos="0">
-              <a:schemeClr val="phClr">
-                <a:tint val="100000"/>
-                <a:shade val="100000"/>
-                <a:satMod val="130000"/>
-              </a:schemeClr>
-            </a:gs>
-            <a:gs pos="100000">
-              <a:schemeClr val="phClr">
-                <a:tint val="50000"/>
-                <a:shade val="100000"/>
-                <a:satMod val="350000"/>
-              </a:schemeClr>
-            </a:gs>
-          </a:gsLst>
-          <a:lin ang="16200000" scaled="0"/>
-        </a:gradFill>
-      </a:fillStyleLst>
-      <a:lnStyleLst>
-        <a:ln w="9525" cap="flat" cmpd="sng" algn="ctr">
-          <a:solidFill>
-            <a:schemeClr val="phClr">
-              <a:shade val="95000"/>
-              <a:satMod val="105000"/>
-            </a:schemeClr>
-          </a:solidFill>
-          <a:prstDash val="solid"/>
-        </a:ln>
-        <a:ln w="25400" cap="flat" cmpd="sng" algn="ctr">
-          <a:solidFill>
-            <a:schemeClr val="phClr"/>
-          </a:solidFill>
-          <a:prstDash val="solid"/>
-        </a:ln>
-        <a:ln w="38100" cap="flat" cmpd="sng" algn="ctr">
-          <a:solidFill>
-            <a:schemeClr val="phClr"/>
-          </a:solidFill>
-          <a:prstDash val="solid"/>
-        </a:ln>
-      </a:lnStyleLst>
-      <a:effectStyleLst>
-        <a:effectStyle>
-          <a:effectLst>
-            <a:outerShdw blurRad="40000" dist="20000" dir="5400000" rotWithShape="0">
-              <a:srgbClr val="000000">
-                <a:alpha val="38000"/>
-              </a:srgbClr>
-            </a:outerShdw>
-          </a:effectLst>
-        </a:effectStyle>
-        <a:effectStyle>
-          <a:effectLst>
-            <a:outerShdw blurRad="40000" dist="23000" dir="5400000" rotWithShape="0">
-              <a:srgbClr val="000000">
-                <a:alpha val="35000"/>
-              </a:srgbClr>
-            </a:outerShdw>
-          </a:effectLst>
-        </a:effectStyle>
-        <a:effectStyle>
-          <a:effectLst>
-            <a:outerShdw blurRad="40000" dist="23000" dir="5400000" rotWithShape="0">
-              <a:srgbClr val="000000">
-                <a:alpha val="35000"/>
-              </a:srgbClr>
-            </a:outerShdw>
-          </a:effectLst>
-          <a:scene3d>
-            <a:camera prst="orthographicFront">
-              <a:rot lat="0" lon="0" rev="0"/>
-            </a:camera>
-            <a:lightRig rig="threePt" dir="t">
-              <a:rot lat="0" lon="0" rev="1200000"/>
-            </a:lightRig>
-          </a:scene3d>
-          <a:sp3d>
-            <a:bevelT w="63500" h="25400"/>
-          </a:sp3d>
-        </a:effectStyle>
-      </a:effectStyleLst>
-      <a:bgFillStyleLst>
-        <a:solidFill>
-          <a:schemeClr val="phClr"/>
-        </a:solidFill>
-        <a:gradFill rotWithShape="1">
-          <a:gsLst>
-            <a:gs pos="0">
-              <a:schemeClr val="phClr">
-                <a:tint val="40000"/>
-                <a:satMod val="350000"/>
-              </a:schemeClr>
-            </a:gs>
-            <a:gs pos="40000">
-              <a:schemeClr val="phClr">
-                <a:tint val="45000"/>
-                <a:shade val="99000"/>
-                <a:satMod val="350000"/>
-              </a:schemeClr>
-            </a:gs>
-            <a:gs pos="100000">
-              <a:schemeClr val="phClr">
-                <a:shade val="20000"/>
-                <a:satMod val="255000"/>
-              </a:schemeClr>
-            </a:gs>
-          </a:gsLst>
-          <a:path path="circle">
-            <a:fillToRect l="50000" t="-80000" r="50000" b="180000"/>
-          </a:path>
-        </a:gradFill>
-        <a:gradFill rotWithShape="1">
-          <a:gsLst>
-            <a:gs pos="0">
-              <a:schemeClr val="phClr">
-                <a:tint val="80000"/>
-                <a:satMod val="300000"/>
-              </a:schemeClr>
-            </a:gs>
-            <a:gs pos="100000">
-              <a:schemeClr val="phClr">
-                <a:shade val="30000"/>
-                <a:satMod val="200000"/>
-              </a:schemeClr>
-            </a:gs>
-          </a:gsLst>
-          <a:path path="circle">
-            <a:fillToRect l="50000" t="50000" r="50000" b="50000"/>
-          </a:path>
-        </a:gradFill>
-      </a:bgFillStyleLst>
-    </a:fmtScheme>
-  </a:themeElements>
-</a:theme>
 </file>